--- a/presentations/A technical understanding of the web.pptx
+++ b/presentations/A technical understanding of the web.pptx
@@ -5,14 +5,21 @@
     <p:sldMasterId id="2147483648" r:id="rId1"/>
   </p:sldMasterIdLst>
   <p:notesMasterIdLst>
-    <p:notesMasterId r:id="rId7"/>
+    <p:notesMasterId r:id="rId14"/>
   </p:notesMasterIdLst>
   <p:sldIdLst>
     <p:sldId id="256" r:id="rId2"/>
     <p:sldId id="259" r:id="rId3"/>
     <p:sldId id="260" r:id="rId4"/>
     <p:sldId id="261" r:id="rId5"/>
-    <p:sldId id="262" r:id="rId6"/>
+    <p:sldId id="263" r:id="rId6"/>
+    <p:sldId id="262" r:id="rId7"/>
+    <p:sldId id="264" r:id="rId8"/>
+    <p:sldId id="265" r:id="rId9"/>
+    <p:sldId id="266" r:id="rId10"/>
+    <p:sldId id="267" r:id="rId11"/>
+    <p:sldId id="268" r:id="rId12"/>
+    <p:sldId id="270" r:id="rId13"/>
   </p:sldIdLst>
   <p:sldSz cx="9144000" cy="6858000" type="screen4x3"/>
   <p:notesSz cx="6858000" cy="9144000"/>
@@ -197,7 +204,7 @@
             <a:fld id="{9FD516BE-303C-4073-A4FC-07E358FC6551}" type="datetimeFigureOut">
               <a:rPr lang="en-US" smtClean="0"/>
               <a:pPr/>
-              <a:t>3/6/2013</a:t>
+              <a:t>3/7/2013</a:t>
             </a:fld>
             <a:endParaRPr lang="en-US"/>
           </a:p>
@@ -552,6 +559,366 @@
 </p:notes>
 </file>
 
+<file path=ppt/notesSlides/notesSlide10.xml><?xml version="1.0" encoding="utf-8"?>
+<p:notes xmlns:a="http://schemas.openxmlformats.org/drawingml/2006/main" xmlns:r="http://schemas.openxmlformats.org/officeDocument/2006/relationships" xmlns:p="http://schemas.openxmlformats.org/presentationml/2006/main">
+  <p:cSld>
+    <p:spTree>
+      <p:nvGrpSpPr>
+        <p:cNvPr id="1" name=""/>
+        <p:cNvGrpSpPr/>
+        <p:nvPr/>
+      </p:nvGrpSpPr>
+      <p:grpSpPr>
+        <a:xfrm>
+          <a:off x="0" y="0"/>
+          <a:ext cx="0" cy="0"/>
+          <a:chOff x="0" y="0"/>
+          <a:chExt cx="0" cy="0"/>
+        </a:xfrm>
+      </p:grpSpPr>
+      <p:sp>
+        <p:nvSpPr>
+          <p:cNvPr id="2" name="Slide Image Placeholder 1"/>
+          <p:cNvSpPr>
+            <a:spLocks noGrp="1" noRot="1" noChangeAspect="1"/>
+          </p:cNvSpPr>
+          <p:nvPr>
+            <p:ph type="sldImg"/>
+          </p:nvPr>
+        </p:nvSpPr>
+        <p:spPr/>
+      </p:sp>
+      <p:sp>
+        <p:nvSpPr>
+          <p:cNvPr id="3" name="Notes Placeholder 2"/>
+          <p:cNvSpPr>
+            <a:spLocks noGrp="1"/>
+          </p:cNvSpPr>
+          <p:nvPr>
+            <p:ph type="body" idx="1"/>
+          </p:nvPr>
+        </p:nvSpPr>
+        <p:spPr/>
+        <p:txBody>
+          <a:bodyPr>
+            <a:normAutofit lnSpcReduction="10000"/>
+          </a:bodyPr>
+          <a:lstStyle/>
+          <a:p>
+            <a:pPr lvl="0"/>
+            <a:r>
+              <a:rPr lang="en-US" baseline="0" dirty="0" smtClean="0"/>
+              <a:t>TCP/IP is the standard  protocol for delivering information over the internet.</a:t>
+            </a:r>
+          </a:p>
+          <a:p>
+            <a:pPr lvl="0"/>
+            <a:endParaRPr lang="en-US" baseline="0" dirty="0" smtClean="0"/>
+          </a:p>
+          <a:p>
+            <a:pPr lvl="0"/>
+            <a:r>
+              <a:rPr lang="en-US" baseline="0" dirty="0" smtClean="0"/>
+              <a:t>IP is responsible for routing between systems and TCP is responsible for delivering data.</a:t>
+            </a:r>
+          </a:p>
+          <a:p>
+            <a:pPr lvl="0"/>
+            <a:endParaRPr lang="en-US" baseline="0" dirty="0" smtClean="0"/>
+          </a:p>
+          <a:p>
+            <a:pPr lvl="0"/>
+            <a:r>
+              <a:rPr lang="en-US" baseline="0" dirty="0" smtClean="0"/>
+              <a:t>You can see from this diagram of a TCP/IP packet, the IP Header has the source and destination address.</a:t>
+            </a:r>
+          </a:p>
+          <a:p>
+            <a:pPr lvl="0"/>
+            <a:r>
+              <a:rPr lang="en-US" baseline="0" dirty="0" smtClean="0"/>
+              <a:t>The IP address that routers use to transport a packet </a:t>
+            </a:r>
+            <a:r>
+              <a:rPr lang="en-US" baseline="0" smtClean="0"/>
+              <a:t>between networks.</a:t>
+            </a:r>
+            <a:endParaRPr lang="en-US" baseline="0" dirty="0" smtClean="0"/>
+          </a:p>
+        </p:txBody>
+      </p:sp>
+      <p:sp>
+        <p:nvSpPr>
+          <p:cNvPr id="4" name="Slide Number Placeholder 3"/>
+          <p:cNvSpPr>
+            <a:spLocks noGrp="1"/>
+          </p:cNvSpPr>
+          <p:nvPr>
+            <p:ph type="sldNum" sz="quarter" idx="10"/>
+          </p:nvPr>
+        </p:nvSpPr>
+        <p:spPr/>
+        <p:txBody>
+          <a:bodyPr/>
+          <a:lstStyle/>
+          <a:p>
+            <a:fld id="{2468E330-6F11-4EB8-9125-0BEE82D16730}" type="slidenum">
+              <a:rPr lang="en-US" smtClean="0"/>
+              <a:pPr/>
+              <a:t>10</a:t>
+            </a:fld>
+            <a:endParaRPr lang="en-US"/>
+          </a:p>
+        </p:txBody>
+      </p:sp>
+    </p:spTree>
+  </p:cSld>
+  <p:clrMapOvr>
+    <a:masterClrMapping/>
+  </p:clrMapOvr>
+</p:notes>
+</file>
+
+<file path=ppt/notesSlides/notesSlide11.xml><?xml version="1.0" encoding="utf-8"?>
+<p:notes xmlns:a="http://schemas.openxmlformats.org/drawingml/2006/main" xmlns:r="http://schemas.openxmlformats.org/officeDocument/2006/relationships" xmlns:p="http://schemas.openxmlformats.org/presentationml/2006/main">
+  <p:cSld>
+    <p:spTree>
+      <p:nvGrpSpPr>
+        <p:cNvPr id="1" name=""/>
+        <p:cNvGrpSpPr/>
+        <p:nvPr/>
+      </p:nvGrpSpPr>
+      <p:grpSpPr>
+        <a:xfrm>
+          <a:off x="0" y="0"/>
+          <a:ext cx="0" cy="0"/>
+          <a:chOff x="0" y="0"/>
+          <a:chExt cx="0" cy="0"/>
+        </a:xfrm>
+      </p:grpSpPr>
+      <p:sp>
+        <p:nvSpPr>
+          <p:cNvPr id="2" name="Slide Image Placeholder 1"/>
+          <p:cNvSpPr>
+            <a:spLocks noGrp="1" noRot="1" noChangeAspect="1"/>
+          </p:cNvSpPr>
+          <p:nvPr>
+            <p:ph type="sldImg"/>
+          </p:nvPr>
+        </p:nvSpPr>
+        <p:spPr/>
+      </p:sp>
+      <p:sp>
+        <p:nvSpPr>
+          <p:cNvPr id="3" name="Notes Placeholder 2"/>
+          <p:cNvSpPr>
+            <a:spLocks noGrp="1"/>
+          </p:cNvSpPr>
+          <p:nvPr>
+            <p:ph type="body" idx="1"/>
+          </p:nvPr>
+        </p:nvSpPr>
+        <p:spPr/>
+        <p:txBody>
+          <a:bodyPr>
+            <a:normAutofit lnSpcReduction="10000"/>
+          </a:bodyPr>
+          <a:lstStyle/>
+          <a:p>
+            <a:pPr lvl="0"/>
+            <a:r>
+              <a:rPr lang="en-US" baseline="0" dirty="0" smtClean="0"/>
+              <a:t>TCP/IP is the standard  protocol for delivering information over the internet.</a:t>
+            </a:r>
+          </a:p>
+          <a:p>
+            <a:pPr lvl="0"/>
+            <a:endParaRPr lang="en-US" baseline="0" dirty="0" smtClean="0"/>
+          </a:p>
+          <a:p>
+            <a:pPr lvl="0"/>
+            <a:r>
+              <a:rPr lang="en-US" baseline="0" dirty="0" smtClean="0"/>
+              <a:t>IP is responsible for routing between systems and TCP is responsible for delivering data.</a:t>
+            </a:r>
+          </a:p>
+          <a:p>
+            <a:pPr lvl="0"/>
+            <a:endParaRPr lang="en-US" baseline="0" dirty="0" smtClean="0"/>
+          </a:p>
+          <a:p>
+            <a:pPr lvl="0"/>
+            <a:r>
+              <a:rPr lang="en-US" baseline="0" dirty="0" smtClean="0"/>
+              <a:t>You can see from this diagram of a TCP/IP packet, the IP Header has the source and destination address.</a:t>
+            </a:r>
+          </a:p>
+          <a:p>
+            <a:pPr lvl="0"/>
+            <a:r>
+              <a:rPr lang="en-US" baseline="0" dirty="0" smtClean="0"/>
+              <a:t>The IP address that routers use to transport a packet </a:t>
+            </a:r>
+            <a:r>
+              <a:rPr lang="en-US" baseline="0" smtClean="0"/>
+              <a:t>between networks.</a:t>
+            </a:r>
+            <a:endParaRPr lang="en-US" baseline="0" dirty="0" smtClean="0"/>
+          </a:p>
+        </p:txBody>
+      </p:sp>
+      <p:sp>
+        <p:nvSpPr>
+          <p:cNvPr id="4" name="Slide Number Placeholder 3"/>
+          <p:cNvSpPr>
+            <a:spLocks noGrp="1"/>
+          </p:cNvSpPr>
+          <p:nvPr>
+            <p:ph type="sldNum" sz="quarter" idx="10"/>
+          </p:nvPr>
+        </p:nvSpPr>
+        <p:spPr/>
+        <p:txBody>
+          <a:bodyPr/>
+          <a:lstStyle/>
+          <a:p>
+            <a:fld id="{2468E330-6F11-4EB8-9125-0BEE82D16730}" type="slidenum">
+              <a:rPr lang="en-US" smtClean="0"/>
+              <a:pPr/>
+              <a:t>11</a:t>
+            </a:fld>
+            <a:endParaRPr lang="en-US"/>
+          </a:p>
+        </p:txBody>
+      </p:sp>
+    </p:spTree>
+  </p:cSld>
+  <p:clrMapOvr>
+    <a:masterClrMapping/>
+  </p:clrMapOvr>
+</p:notes>
+</file>
+
+<file path=ppt/notesSlides/notesSlide12.xml><?xml version="1.0" encoding="utf-8"?>
+<p:notes xmlns:a="http://schemas.openxmlformats.org/drawingml/2006/main" xmlns:r="http://schemas.openxmlformats.org/officeDocument/2006/relationships" xmlns:p="http://schemas.openxmlformats.org/presentationml/2006/main">
+  <p:cSld>
+    <p:spTree>
+      <p:nvGrpSpPr>
+        <p:cNvPr id="1" name=""/>
+        <p:cNvGrpSpPr/>
+        <p:nvPr/>
+      </p:nvGrpSpPr>
+      <p:grpSpPr>
+        <a:xfrm>
+          <a:off x="0" y="0"/>
+          <a:ext cx="0" cy="0"/>
+          <a:chOff x="0" y="0"/>
+          <a:chExt cx="0" cy="0"/>
+        </a:xfrm>
+      </p:grpSpPr>
+      <p:sp>
+        <p:nvSpPr>
+          <p:cNvPr id="2" name="Slide Image Placeholder 1"/>
+          <p:cNvSpPr>
+            <a:spLocks noGrp="1" noRot="1" noChangeAspect="1"/>
+          </p:cNvSpPr>
+          <p:nvPr>
+            <p:ph type="sldImg"/>
+          </p:nvPr>
+        </p:nvSpPr>
+        <p:spPr/>
+      </p:sp>
+      <p:sp>
+        <p:nvSpPr>
+          <p:cNvPr id="3" name="Notes Placeholder 2"/>
+          <p:cNvSpPr>
+            <a:spLocks noGrp="1"/>
+          </p:cNvSpPr>
+          <p:nvPr>
+            <p:ph type="body" idx="1"/>
+          </p:nvPr>
+        </p:nvSpPr>
+        <p:spPr/>
+        <p:txBody>
+          <a:bodyPr>
+            <a:normAutofit lnSpcReduction="10000"/>
+          </a:bodyPr>
+          <a:lstStyle/>
+          <a:p>
+            <a:pPr lvl="0"/>
+            <a:r>
+              <a:rPr lang="en-US" baseline="0" dirty="0" smtClean="0"/>
+              <a:t>TCP/IP is the standard  protocol for delivering information over the internet.</a:t>
+            </a:r>
+          </a:p>
+          <a:p>
+            <a:pPr lvl="0"/>
+            <a:endParaRPr lang="en-US" baseline="0" dirty="0" smtClean="0"/>
+          </a:p>
+          <a:p>
+            <a:pPr lvl="0"/>
+            <a:r>
+              <a:rPr lang="en-US" baseline="0" dirty="0" smtClean="0"/>
+              <a:t>IP is responsible for routing between systems and TCP is responsible for delivering data.</a:t>
+            </a:r>
+          </a:p>
+          <a:p>
+            <a:pPr lvl="0"/>
+            <a:endParaRPr lang="en-US" baseline="0" dirty="0" smtClean="0"/>
+          </a:p>
+          <a:p>
+            <a:pPr lvl="0"/>
+            <a:r>
+              <a:rPr lang="en-US" baseline="0" dirty="0" smtClean="0"/>
+              <a:t>You can see from this diagram of a TCP/IP packet, the IP Header has the source and destination address.</a:t>
+            </a:r>
+          </a:p>
+          <a:p>
+            <a:pPr lvl="0"/>
+            <a:r>
+              <a:rPr lang="en-US" baseline="0" dirty="0" smtClean="0"/>
+              <a:t>The IP address that routers use to transport a packet </a:t>
+            </a:r>
+            <a:r>
+              <a:rPr lang="en-US" baseline="0" smtClean="0"/>
+              <a:t>between networks.</a:t>
+            </a:r>
+            <a:endParaRPr lang="en-US" baseline="0" dirty="0" smtClean="0"/>
+          </a:p>
+        </p:txBody>
+      </p:sp>
+      <p:sp>
+        <p:nvSpPr>
+          <p:cNvPr id="4" name="Slide Number Placeholder 3"/>
+          <p:cNvSpPr>
+            <a:spLocks noGrp="1"/>
+          </p:cNvSpPr>
+          <p:nvPr>
+            <p:ph type="sldNum" sz="quarter" idx="10"/>
+          </p:nvPr>
+        </p:nvSpPr>
+        <p:spPr/>
+        <p:txBody>
+          <a:bodyPr/>
+          <a:lstStyle/>
+          <a:p>
+            <a:fld id="{2468E330-6F11-4EB8-9125-0BEE82D16730}" type="slidenum">
+              <a:rPr lang="en-US" smtClean="0"/>
+              <a:pPr/>
+              <a:t>12</a:t>
+            </a:fld>
+            <a:endParaRPr lang="en-US"/>
+          </a:p>
+        </p:txBody>
+      </p:sp>
+    </p:spTree>
+  </p:cSld>
+  <p:clrMapOvr>
+    <a:masterClrMapping/>
+  </p:clrMapOvr>
+</p:notes>
+</file>
+
 <file path=ppt/notesSlides/notesSlide2.xml><?xml version="1.0" encoding="utf-8"?>
 <p:notes xmlns:a="http://schemas.openxmlformats.org/drawingml/2006/main" xmlns:r="http://schemas.openxmlformats.org/officeDocument/2006/relationships" xmlns:p="http://schemas.openxmlformats.org/presentationml/2006/main">
   <p:cSld>
@@ -606,11 +973,6 @@
               </a:rPr>
               <a:t>This is a note</a:t>
             </a:r>
-            <a:endParaRPr lang="en-US" sz="1400" baseline="0" dirty="0" smtClean="0">
-              <a:solidFill>
-                <a:srgbClr val="FF0000"/>
-              </a:solidFill>
-            </a:endParaRPr>
           </a:p>
         </p:txBody>
       </p:sp>
@@ -738,7 +1100,6 @@
               <a:rPr lang="en-US" baseline="0" dirty="0" smtClean="0"/>
               <a:t>1978 – Spam </a:t>
             </a:r>
-            <a:endParaRPr lang="en-US" baseline="0" dirty="0" smtClean="0"/>
           </a:p>
         </p:txBody>
       </p:sp>
@@ -925,6 +1286,1142 @@
               <a:rPr lang="en-US" smtClean="0"/>
               <a:pPr/>
               <a:t>5</a:t>
+            </a:fld>
+            <a:endParaRPr lang="en-US"/>
+          </a:p>
+        </p:txBody>
+      </p:sp>
+    </p:spTree>
+  </p:cSld>
+  <p:clrMapOvr>
+    <a:masterClrMapping/>
+  </p:clrMapOvr>
+</p:notes>
+</file>
+
+<file path=ppt/notesSlides/notesSlide6.xml><?xml version="1.0" encoding="utf-8"?>
+<p:notes xmlns:a="http://schemas.openxmlformats.org/drawingml/2006/main" xmlns:r="http://schemas.openxmlformats.org/officeDocument/2006/relationships" xmlns:p="http://schemas.openxmlformats.org/presentationml/2006/main">
+  <p:cSld>
+    <p:spTree>
+      <p:nvGrpSpPr>
+        <p:cNvPr id="1" name=""/>
+        <p:cNvGrpSpPr/>
+        <p:nvPr/>
+      </p:nvGrpSpPr>
+      <p:grpSpPr>
+        <a:xfrm>
+          <a:off x="0" y="0"/>
+          <a:ext cx="0" cy="0"/>
+          <a:chOff x="0" y="0"/>
+          <a:chExt cx="0" cy="0"/>
+        </a:xfrm>
+      </p:grpSpPr>
+      <p:sp>
+        <p:nvSpPr>
+          <p:cNvPr id="2" name="Slide Image Placeholder 1"/>
+          <p:cNvSpPr>
+            <a:spLocks noGrp="1" noRot="1" noChangeAspect="1"/>
+          </p:cNvSpPr>
+          <p:nvPr>
+            <p:ph type="sldImg"/>
+          </p:nvPr>
+        </p:nvSpPr>
+        <p:spPr/>
+      </p:sp>
+      <p:sp>
+        <p:nvSpPr>
+          <p:cNvPr id="3" name="Notes Placeholder 2"/>
+          <p:cNvSpPr>
+            <a:spLocks noGrp="1"/>
+          </p:cNvSpPr>
+          <p:nvPr>
+            <p:ph type="body" idx="1"/>
+          </p:nvPr>
+        </p:nvSpPr>
+        <p:spPr/>
+        <p:txBody>
+          <a:bodyPr>
+            <a:normAutofit lnSpcReduction="10000"/>
+          </a:bodyPr>
+          <a:lstStyle/>
+          <a:p>
+            <a:pPr lvl="0"/>
+            <a:r>
+              <a:rPr lang="en-US" sz="1200" kern="1200" dirty="0" smtClean="0">
+                <a:solidFill>
+                  <a:schemeClr val="tx1"/>
+                </a:solidFill>
+                <a:latin typeface="+mn-lt"/>
+                <a:ea typeface="+mn-ea"/>
+                <a:cs typeface="+mn-cs"/>
+              </a:rPr>
+              <a:t>The</a:t>
+            </a:r>
+            <a:r>
+              <a:rPr lang="en-US" sz="1200" kern="1200" baseline="0" dirty="0" smtClean="0">
+                <a:solidFill>
+                  <a:schemeClr val="tx1"/>
+                </a:solidFill>
+                <a:latin typeface="+mn-lt"/>
+                <a:ea typeface="+mn-ea"/>
+                <a:cs typeface="+mn-cs"/>
+              </a:rPr>
+              <a:t> OSI model is a standard that was developed by a committee called </a:t>
+            </a:r>
+          </a:p>
+          <a:p>
+            <a:pPr lvl="0"/>
+            <a:endParaRPr lang="en-US" sz="1200" kern="1200" baseline="0" dirty="0" smtClean="0">
+              <a:solidFill>
+                <a:schemeClr val="tx1"/>
+              </a:solidFill>
+              <a:latin typeface="+mn-lt"/>
+              <a:ea typeface="+mn-ea"/>
+              <a:cs typeface="+mn-cs"/>
+            </a:endParaRPr>
+          </a:p>
+          <a:p>
+            <a:pPr lvl="0"/>
+            <a:r>
+              <a:rPr lang="en-US" sz="1200" kern="1200" baseline="0" dirty="0" smtClean="0">
+                <a:solidFill>
+                  <a:schemeClr val="tx1"/>
+                </a:solidFill>
+                <a:latin typeface="+mn-lt"/>
+                <a:ea typeface="+mn-ea"/>
+                <a:cs typeface="+mn-cs"/>
+              </a:rPr>
+              <a:t>It describes 7 layers of communication over a network, from the hardware to the application.</a:t>
+            </a:r>
+          </a:p>
+          <a:p>
+            <a:pPr lvl="0"/>
+            <a:endParaRPr lang="en-US" sz="1200" kern="1200" baseline="0" dirty="0" smtClean="0">
+              <a:solidFill>
+                <a:schemeClr val="tx1"/>
+              </a:solidFill>
+              <a:latin typeface="+mn-lt"/>
+              <a:ea typeface="+mn-ea"/>
+              <a:cs typeface="+mn-cs"/>
+            </a:endParaRPr>
+          </a:p>
+          <a:p>
+            <a:pPr lvl="0"/>
+            <a:r>
+              <a:rPr lang="en-US" sz="1200" kern="1200" baseline="0" dirty="0" smtClean="0">
+                <a:solidFill>
+                  <a:schemeClr val="tx1"/>
+                </a:solidFill>
+                <a:latin typeface="+mn-lt"/>
+                <a:ea typeface="+mn-ea"/>
+                <a:cs typeface="+mn-cs"/>
+              </a:rPr>
+              <a:t>The physical layer is at the bottom.  It describes the electrical and physical specifications for devices.</a:t>
+            </a:r>
+          </a:p>
+          <a:p>
+            <a:pPr lvl="0"/>
+            <a:r>
+              <a:rPr lang="en-US" sz="1200" kern="1200" baseline="0" dirty="0" smtClean="0">
+                <a:solidFill>
+                  <a:schemeClr val="tx1"/>
+                </a:solidFill>
+                <a:latin typeface="+mn-lt"/>
+                <a:ea typeface="+mn-ea"/>
+                <a:cs typeface="+mn-cs"/>
+              </a:rPr>
+              <a:t>It establishes and terminates a connection</a:t>
+            </a:r>
+          </a:p>
+          <a:p>
+            <a:pPr lvl="0"/>
+            <a:r>
+              <a:rPr lang="en-US" sz="1200" kern="1200" baseline="0" dirty="0" smtClean="0">
+                <a:solidFill>
+                  <a:schemeClr val="tx1"/>
+                </a:solidFill>
+                <a:latin typeface="+mn-lt"/>
+                <a:ea typeface="+mn-ea"/>
+                <a:cs typeface="+mn-cs"/>
+              </a:rPr>
+              <a:t>It handles things like modulation (like AM/FM radios) and conversion from analog to digital (via modem.)</a:t>
+            </a:r>
+          </a:p>
+          <a:p>
+            <a:pPr lvl="0"/>
+            <a:r>
+              <a:rPr lang="en-US" sz="1200" kern="1200" baseline="0" dirty="0" smtClean="0">
+                <a:solidFill>
+                  <a:schemeClr val="tx1"/>
+                </a:solidFill>
+                <a:latin typeface="+mn-lt"/>
+                <a:ea typeface="+mn-ea"/>
+                <a:cs typeface="+mn-cs"/>
+              </a:rPr>
+              <a:t>In Morse code this would be the tapping switch and the receiving buzzer.</a:t>
+            </a:r>
+          </a:p>
+          <a:p>
+            <a:pPr lvl="0"/>
+            <a:endParaRPr lang="en-US" sz="1200" kern="1200" baseline="0" dirty="0" smtClean="0">
+              <a:solidFill>
+                <a:schemeClr val="tx1"/>
+              </a:solidFill>
+              <a:latin typeface="+mn-lt"/>
+              <a:ea typeface="+mn-ea"/>
+              <a:cs typeface="+mn-cs"/>
+            </a:endParaRPr>
+          </a:p>
+          <a:p>
+            <a:pPr lvl="0"/>
+            <a:r>
+              <a:rPr lang="en-US" sz="1200" kern="1200" baseline="0" dirty="0" smtClean="0">
+                <a:solidFill>
+                  <a:schemeClr val="tx1"/>
+                </a:solidFill>
+                <a:latin typeface="+mn-lt"/>
+                <a:ea typeface="+mn-ea"/>
+                <a:cs typeface="+mn-cs"/>
+              </a:rPr>
+              <a:t>The data link layer describes how the process for transferring data between systems on the network.</a:t>
+            </a:r>
+          </a:p>
+          <a:p>
+            <a:pPr lvl="0"/>
+            <a:r>
+              <a:rPr lang="en-US" sz="1200" kern="1200" baseline="0" dirty="0" smtClean="0">
+                <a:solidFill>
+                  <a:schemeClr val="tx1"/>
+                </a:solidFill>
+                <a:latin typeface="+mn-lt"/>
+                <a:ea typeface="+mn-ea"/>
+                <a:cs typeface="+mn-cs"/>
+              </a:rPr>
+              <a:t>In practice, this is usually just used for error correction.</a:t>
+            </a:r>
+          </a:p>
+          <a:p>
+            <a:pPr marL="0" marR="0" lvl="0" indent="0" algn="l" defTabSz="914400" rtl="0" eaLnBrk="1" fontAlgn="auto" latinLnBrk="0" hangingPunct="1">
+              <a:lnSpc>
+                <a:spcPct val="100000"/>
+              </a:lnSpc>
+              <a:spcBef>
+                <a:spcPts val="0"/>
+              </a:spcBef>
+              <a:spcAft>
+                <a:spcPts val="0"/>
+              </a:spcAft>
+              <a:buClrTx/>
+              <a:buSzTx/>
+              <a:buFontTx/>
+              <a:buNone/>
+              <a:tabLst/>
+              <a:defRPr/>
+            </a:pPr>
+            <a:r>
+              <a:rPr lang="en-US" sz="1200" kern="1200" baseline="0" dirty="0" smtClean="0">
+                <a:solidFill>
+                  <a:schemeClr val="tx1"/>
+                </a:solidFill>
+                <a:latin typeface="+mn-lt"/>
+                <a:ea typeface="+mn-ea"/>
+                <a:cs typeface="+mn-cs"/>
+              </a:rPr>
+              <a:t>PPP (Point to Point protocol) is at this layer</a:t>
+            </a:r>
+          </a:p>
+          <a:p>
+            <a:pPr lvl="0"/>
+            <a:r>
+              <a:rPr lang="en-US" sz="1200" kern="1200" baseline="0" dirty="0" smtClean="0">
+                <a:solidFill>
+                  <a:schemeClr val="tx1"/>
+                </a:solidFill>
+                <a:latin typeface="+mn-lt"/>
+                <a:ea typeface="+mn-ea"/>
+                <a:cs typeface="+mn-cs"/>
+              </a:rPr>
+              <a:t>MAC Address broadcast is also at this layer.</a:t>
+            </a:r>
+          </a:p>
+          <a:p>
+            <a:pPr marL="0" marR="0" lvl="0" indent="0" algn="l" defTabSz="914400" rtl="0" eaLnBrk="1" fontAlgn="auto" latinLnBrk="0" hangingPunct="1">
+              <a:lnSpc>
+                <a:spcPct val="100000"/>
+              </a:lnSpc>
+              <a:spcBef>
+                <a:spcPts val="0"/>
+              </a:spcBef>
+              <a:spcAft>
+                <a:spcPts val="0"/>
+              </a:spcAft>
+              <a:buClrTx/>
+              <a:buSzTx/>
+              <a:buFontTx/>
+              <a:buNone/>
+              <a:tabLst/>
+              <a:defRPr/>
+            </a:pPr>
+            <a:r>
+              <a:rPr lang="en-US" sz="1200" kern="1200" baseline="0" dirty="0" smtClean="0">
+                <a:solidFill>
+                  <a:schemeClr val="tx1"/>
+                </a:solidFill>
+                <a:latin typeface="+mn-lt"/>
+                <a:ea typeface="+mn-ea"/>
+                <a:cs typeface="+mn-cs"/>
+              </a:rPr>
+              <a:t>If it were Morse code, this would mean the electrical signals that sends the beeps over the wire</a:t>
+            </a:r>
+          </a:p>
+          <a:p>
+            <a:pPr lvl="0"/>
+            <a:endParaRPr lang="en-US" sz="1200" kern="1200" baseline="0" dirty="0" smtClean="0">
+              <a:solidFill>
+                <a:schemeClr val="tx1"/>
+              </a:solidFill>
+              <a:latin typeface="+mn-lt"/>
+              <a:ea typeface="+mn-ea"/>
+              <a:cs typeface="+mn-cs"/>
+            </a:endParaRPr>
+          </a:p>
+          <a:p>
+            <a:pPr lvl="0"/>
+            <a:r>
+              <a:rPr lang="en-US" sz="1200" kern="1200" baseline="0" dirty="0" smtClean="0">
+                <a:solidFill>
+                  <a:schemeClr val="tx1"/>
+                </a:solidFill>
+                <a:latin typeface="+mn-lt"/>
+                <a:ea typeface="+mn-ea"/>
+                <a:cs typeface="+mn-cs"/>
+              </a:rPr>
+              <a:t>The network layer describes how messages are sent.</a:t>
+            </a:r>
+          </a:p>
+          <a:p>
+            <a:pPr lvl="0"/>
+            <a:r>
+              <a:rPr lang="en-US" sz="1200" kern="1200" baseline="0" dirty="0" smtClean="0">
+                <a:solidFill>
+                  <a:schemeClr val="tx1"/>
+                </a:solidFill>
+                <a:latin typeface="+mn-lt"/>
+                <a:ea typeface="+mn-ea"/>
+                <a:cs typeface="+mn-cs"/>
+              </a:rPr>
+              <a:t>Routers operate at this level.</a:t>
+            </a:r>
+          </a:p>
+          <a:p>
+            <a:pPr lvl="0"/>
+            <a:r>
+              <a:rPr lang="en-US" sz="1200" kern="1200" baseline="0" dirty="0" smtClean="0">
+                <a:solidFill>
+                  <a:schemeClr val="tx1"/>
+                </a:solidFill>
+                <a:latin typeface="+mn-lt"/>
+                <a:ea typeface="+mn-ea"/>
+                <a:cs typeface="+mn-cs"/>
+              </a:rPr>
+              <a:t>In our Morse code example this doesn’t have a direct correlation because Norse code is sent over a single wire (or frequency)</a:t>
+            </a:r>
+          </a:p>
+          <a:p>
+            <a:pPr lvl="0"/>
+            <a:endParaRPr lang="en-US" sz="1200" kern="1200" baseline="0" dirty="0" smtClean="0">
+              <a:solidFill>
+                <a:schemeClr val="tx1"/>
+              </a:solidFill>
+              <a:latin typeface="+mn-lt"/>
+              <a:ea typeface="+mn-ea"/>
+              <a:cs typeface="+mn-cs"/>
+            </a:endParaRPr>
+          </a:p>
+          <a:p>
+            <a:pPr lvl="0"/>
+            <a:r>
+              <a:rPr lang="en-US" sz="1200" kern="1200" baseline="0" dirty="0" smtClean="0">
+                <a:solidFill>
+                  <a:schemeClr val="tx1"/>
+                </a:solidFill>
+                <a:latin typeface="+mn-lt"/>
+                <a:ea typeface="+mn-ea"/>
+                <a:cs typeface="+mn-cs"/>
+              </a:rPr>
+              <a:t>The transport layer describes how packets are sent</a:t>
+            </a:r>
+          </a:p>
+          <a:p>
+            <a:pPr lvl="0"/>
+            <a:r>
+              <a:rPr lang="en-US" sz="1200" kern="1200" baseline="0" dirty="0" smtClean="0">
+                <a:solidFill>
+                  <a:schemeClr val="tx1"/>
+                </a:solidFill>
+                <a:latin typeface="+mn-lt"/>
+                <a:ea typeface="+mn-ea"/>
+                <a:cs typeface="+mn-cs"/>
+              </a:rPr>
+              <a:t>In Morse code this would describe the short and long signals.</a:t>
+            </a:r>
+          </a:p>
+          <a:p>
+            <a:pPr lvl="0"/>
+            <a:r>
+              <a:rPr lang="en-US" sz="1200" kern="1200" baseline="0" dirty="0" smtClean="0">
+                <a:solidFill>
+                  <a:schemeClr val="tx1"/>
+                </a:solidFill>
+                <a:latin typeface="+mn-lt"/>
+                <a:ea typeface="+mn-ea"/>
+                <a:cs typeface="+mn-cs"/>
+              </a:rPr>
+              <a:t>TCP/IP lives at this level.</a:t>
+            </a:r>
+          </a:p>
+          <a:p>
+            <a:pPr lvl="0"/>
+            <a:r>
+              <a:rPr lang="en-US" sz="1200" kern="1200" baseline="0" dirty="0" smtClean="0">
+                <a:solidFill>
+                  <a:schemeClr val="tx1"/>
+                </a:solidFill>
+                <a:latin typeface="+mn-lt"/>
+                <a:ea typeface="+mn-ea"/>
+                <a:cs typeface="+mn-cs"/>
+              </a:rPr>
+              <a:t> </a:t>
+            </a:r>
+            <a:endParaRPr lang="en-US" sz="1200" kern="1200" dirty="0" smtClean="0">
+              <a:solidFill>
+                <a:schemeClr val="tx1"/>
+              </a:solidFill>
+              <a:latin typeface="+mn-lt"/>
+              <a:ea typeface="+mn-ea"/>
+              <a:cs typeface="+mn-cs"/>
+            </a:endParaRPr>
+          </a:p>
+          <a:p>
+            <a:r>
+              <a:rPr lang="en-US" baseline="0" dirty="0" smtClean="0"/>
+              <a:t>The session layer controls the connections between </a:t>
+            </a:r>
+            <a:r>
+              <a:rPr lang="en-US" baseline="0" dirty="0" err="1" smtClean="0"/>
+              <a:t>comptuers</a:t>
+            </a:r>
+            <a:r>
+              <a:rPr lang="en-US" baseline="0" dirty="0" smtClean="0"/>
+              <a:t>.  It establishes, maintains, and terminates the connection.  </a:t>
+            </a:r>
+          </a:p>
+          <a:p>
+            <a:r>
+              <a:rPr lang="en-US" baseline="0" dirty="0" smtClean="0"/>
+              <a:t>The carrier signal and </a:t>
+            </a:r>
+            <a:r>
+              <a:rPr lang="en-US" baseline="0" dirty="0" err="1" smtClean="0"/>
+              <a:t>hangup</a:t>
+            </a:r>
+            <a:r>
+              <a:rPr lang="en-US" baseline="0" dirty="0" smtClean="0"/>
+              <a:t> for a phone are roughly at this layer.</a:t>
+            </a:r>
+            <a:br>
+              <a:rPr lang="en-US" baseline="0" dirty="0" smtClean="0"/>
+            </a:br>
+            <a:r>
+              <a:rPr lang="en-US" baseline="0" dirty="0" smtClean="0"/>
+              <a:t>When you get “the remote connection has terminated” that’s a closed session.</a:t>
+            </a:r>
+          </a:p>
+          <a:p>
+            <a:endParaRPr lang="en-US" baseline="0" dirty="0" smtClean="0"/>
+          </a:p>
+          <a:p>
+            <a:r>
+              <a:rPr lang="en-US" baseline="0" dirty="0" smtClean="0"/>
+              <a:t>The application layer is closest to the user, but it’s not really that close.</a:t>
+            </a:r>
+          </a:p>
+          <a:p>
+            <a:r>
+              <a:rPr lang="en-US" baseline="0" dirty="0" smtClean="0"/>
+              <a:t>This is things like HTTP, FTP, TELNET SMTP protocols.</a:t>
+            </a:r>
+          </a:p>
+        </p:txBody>
+      </p:sp>
+      <p:sp>
+        <p:nvSpPr>
+          <p:cNvPr id="4" name="Slide Number Placeholder 3"/>
+          <p:cNvSpPr>
+            <a:spLocks noGrp="1"/>
+          </p:cNvSpPr>
+          <p:nvPr>
+            <p:ph type="sldNum" sz="quarter" idx="10"/>
+          </p:nvPr>
+        </p:nvSpPr>
+        <p:spPr/>
+        <p:txBody>
+          <a:bodyPr/>
+          <a:lstStyle/>
+          <a:p>
+            <a:fld id="{2468E330-6F11-4EB8-9125-0BEE82D16730}" type="slidenum">
+              <a:rPr lang="en-US" smtClean="0"/>
+              <a:pPr/>
+              <a:t>6</a:t>
+            </a:fld>
+            <a:endParaRPr lang="en-US"/>
+          </a:p>
+        </p:txBody>
+      </p:sp>
+    </p:spTree>
+  </p:cSld>
+  <p:clrMapOvr>
+    <a:masterClrMapping/>
+  </p:clrMapOvr>
+</p:notes>
+</file>
+
+<file path=ppt/notesSlides/notesSlide7.xml><?xml version="1.0" encoding="utf-8"?>
+<p:notes xmlns:a="http://schemas.openxmlformats.org/drawingml/2006/main" xmlns:r="http://schemas.openxmlformats.org/officeDocument/2006/relationships" xmlns:p="http://schemas.openxmlformats.org/presentationml/2006/main">
+  <p:cSld>
+    <p:spTree>
+      <p:nvGrpSpPr>
+        <p:cNvPr id="1" name=""/>
+        <p:cNvGrpSpPr/>
+        <p:nvPr/>
+      </p:nvGrpSpPr>
+      <p:grpSpPr>
+        <a:xfrm>
+          <a:off x="0" y="0"/>
+          <a:ext cx="0" cy="0"/>
+          <a:chOff x="0" y="0"/>
+          <a:chExt cx="0" cy="0"/>
+        </a:xfrm>
+      </p:grpSpPr>
+      <p:sp>
+        <p:nvSpPr>
+          <p:cNvPr id="2" name="Slide Image Placeholder 1"/>
+          <p:cNvSpPr>
+            <a:spLocks noGrp="1" noRot="1" noChangeAspect="1"/>
+          </p:cNvSpPr>
+          <p:nvPr>
+            <p:ph type="sldImg"/>
+          </p:nvPr>
+        </p:nvSpPr>
+        <p:spPr/>
+      </p:sp>
+      <p:sp>
+        <p:nvSpPr>
+          <p:cNvPr id="3" name="Notes Placeholder 2"/>
+          <p:cNvSpPr>
+            <a:spLocks noGrp="1"/>
+          </p:cNvSpPr>
+          <p:nvPr>
+            <p:ph type="body" idx="1"/>
+          </p:nvPr>
+        </p:nvSpPr>
+        <p:spPr/>
+        <p:txBody>
+          <a:bodyPr>
+            <a:normAutofit lnSpcReduction="10000"/>
+          </a:bodyPr>
+          <a:lstStyle/>
+          <a:p>
+            <a:r>
+              <a:rPr lang="en-US" baseline="0" dirty="0" smtClean="0"/>
+              <a:t>But the OSI layer isn’t really practical.  The internet, in practice, uses a much simpler model.</a:t>
+            </a:r>
+          </a:p>
+          <a:p>
+            <a:endParaRPr lang="en-US" baseline="0" dirty="0" smtClean="0"/>
+          </a:p>
+          <a:p>
+            <a:pPr lvl="0"/>
+            <a:r>
+              <a:rPr lang="en-US" sz="1200" kern="1200" dirty="0" smtClean="0">
+                <a:solidFill>
+                  <a:schemeClr val="tx1"/>
+                </a:solidFill>
+                <a:latin typeface="+mn-lt"/>
+                <a:ea typeface="+mn-ea"/>
+                <a:cs typeface="+mn-cs"/>
+              </a:rPr>
+              <a:t>TCP/IP describes</a:t>
+            </a:r>
+            <a:r>
+              <a:rPr lang="en-US" sz="1200" kern="1200" baseline="0" dirty="0" smtClean="0">
+                <a:solidFill>
+                  <a:schemeClr val="tx1"/>
+                </a:solidFill>
+                <a:latin typeface="+mn-lt"/>
+                <a:ea typeface="+mn-ea"/>
+                <a:cs typeface="+mn-cs"/>
+              </a:rPr>
+              <a:t> a simpler model the </a:t>
+            </a:r>
+            <a:r>
+              <a:rPr lang="en-US" sz="1200" kern="1200" baseline="0" dirty="0" err="1" smtClean="0">
+                <a:solidFill>
+                  <a:schemeClr val="tx1"/>
+                </a:solidFill>
+                <a:latin typeface="+mn-lt"/>
+                <a:ea typeface="+mn-ea"/>
+                <a:cs typeface="+mn-cs"/>
+              </a:rPr>
+              <a:t>the</a:t>
+            </a:r>
+            <a:r>
+              <a:rPr lang="en-US" sz="1200" kern="1200" baseline="0" dirty="0" smtClean="0">
+                <a:solidFill>
+                  <a:schemeClr val="tx1"/>
+                </a:solidFill>
+                <a:latin typeface="+mn-lt"/>
+                <a:ea typeface="+mn-ea"/>
+                <a:cs typeface="+mn-cs"/>
+              </a:rPr>
+              <a:t> OSI, which was, after all designed by a committee.</a:t>
+            </a:r>
+          </a:p>
+          <a:p>
+            <a:pPr lvl="0"/>
+            <a:endParaRPr lang="en-US" sz="1200" kern="1200" baseline="0" dirty="0" smtClean="0">
+              <a:solidFill>
+                <a:schemeClr val="tx1"/>
+              </a:solidFill>
+              <a:latin typeface="+mn-lt"/>
+              <a:ea typeface="+mn-ea"/>
+              <a:cs typeface="+mn-cs"/>
+            </a:endParaRPr>
+          </a:p>
+          <a:p>
+            <a:pPr lvl="0"/>
+            <a:r>
+              <a:rPr lang="en-US" sz="1200" kern="1200" baseline="0" dirty="0" smtClean="0">
+                <a:solidFill>
+                  <a:schemeClr val="tx1"/>
+                </a:solidFill>
+                <a:latin typeface="+mn-lt"/>
+                <a:ea typeface="+mn-ea"/>
+                <a:cs typeface="+mn-cs"/>
+              </a:rPr>
+              <a:t>The link layer is for communication on a local network.</a:t>
+            </a:r>
+          </a:p>
+          <a:p>
+            <a:pPr lvl="0"/>
+            <a:r>
+              <a:rPr lang="en-US" sz="1200" kern="1200" baseline="0" dirty="0" smtClean="0">
+                <a:solidFill>
+                  <a:schemeClr val="tx1"/>
+                </a:solidFill>
+                <a:latin typeface="+mn-lt"/>
+                <a:ea typeface="+mn-ea"/>
+                <a:cs typeface="+mn-cs"/>
+              </a:rPr>
+              <a:t>Ethernet lives at this layer .  </a:t>
+            </a:r>
+          </a:p>
+          <a:p>
+            <a:pPr lvl="0"/>
+            <a:endParaRPr lang="en-US" sz="1200" kern="1200" baseline="0" dirty="0" smtClean="0">
+              <a:solidFill>
+                <a:schemeClr val="tx1"/>
+              </a:solidFill>
+              <a:latin typeface="+mn-lt"/>
+              <a:ea typeface="+mn-ea"/>
+              <a:cs typeface="+mn-cs"/>
+            </a:endParaRPr>
+          </a:p>
+          <a:p>
+            <a:pPr lvl="0"/>
+            <a:r>
+              <a:rPr lang="en-US" sz="1200" kern="1200" baseline="0" dirty="0" smtClean="0">
+                <a:solidFill>
+                  <a:schemeClr val="tx1"/>
+                </a:solidFill>
+                <a:latin typeface="+mn-lt"/>
+                <a:ea typeface="+mn-ea"/>
+                <a:cs typeface="+mn-cs"/>
+              </a:rPr>
+              <a:t>The internet layer connects networks creating an internetwork.</a:t>
+            </a:r>
+          </a:p>
+          <a:p>
+            <a:pPr lvl="0"/>
+            <a:r>
+              <a:rPr lang="en-US" sz="1200" kern="1200" baseline="0" dirty="0" smtClean="0">
+                <a:solidFill>
+                  <a:schemeClr val="tx1"/>
+                </a:solidFill>
+                <a:latin typeface="+mn-lt"/>
+                <a:ea typeface="+mn-ea"/>
+                <a:cs typeface="+mn-cs"/>
+              </a:rPr>
+              <a:t>The internet protocol (IP of TCP/IP) lives at this layer.  It handles routing.</a:t>
+            </a:r>
+          </a:p>
+          <a:p>
+            <a:pPr lvl="0"/>
+            <a:endParaRPr lang="en-US" sz="1200" kern="1200" baseline="0" dirty="0" smtClean="0">
+              <a:solidFill>
+                <a:schemeClr val="tx1"/>
+              </a:solidFill>
+              <a:latin typeface="+mn-lt"/>
+              <a:ea typeface="+mn-ea"/>
+              <a:cs typeface="+mn-cs"/>
+            </a:endParaRPr>
+          </a:p>
+          <a:p>
+            <a:pPr lvl="0"/>
+            <a:r>
+              <a:rPr lang="en-US" sz="1200" kern="1200" baseline="0" dirty="0" smtClean="0">
+                <a:solidFill>
+                  <a:schemeClr val="tx1"/>
+                </a:solidFill>
+                <a:latin typeface="+mn-lt"/>
+                <a:ea typeface="+mn-ea"/>
+                <a:cs typeface="+mn-cs"/>
+              </a:rPr>
+              <a:t>The transport layer handles communication between hosts.</a:t>
+            </a:r>
+          </a:p>
+          <a:p>
+            <a:pPr lvl="0"/>
+            <a:r>
+              <a:rPr lang="en-US" sz="1200" kern="1200" baseline="0" dirty="0" smtClean="0">
+                <a:solidFill>
+                  <a:schemeClr val="tx1"/>
+                </a:solidFill>
+                <a:latin typeface="+mn-lt"/>
+                <a:ea typeface="+mn-ea"/>
+                <a:cs typeface="+mn-cs"/>
+              </a:rPr>
+              <a:t>There is no session maintenance.</a:t>
+            </a:r>
+          </a:p>
+          <a:p>
+            <a:pPr lvl="0"/>
+            <a:r>
+              <a:rPr lang="en-US" sz="1200" kern="1200" baseline="0" dirty="0" smtClean="0">
+                <a:solidFill>
+                  <a:schemeClr val="tx1"/>
+                </a:solidFill>
+                <a:latin typeface="+mn-lt"/>
+                <a:ea typeface="+mn-ea"/>
+                <a:cs typeface="+mn-cs"/>
+              </a:rPr>
+              <a:t>TCP (or UDP) packets are formed and received.</a:t>
+            </a:r>
+          </a:p>
+          <a:p>
+            <a:pPr lvl="0"/>
+            <a:r>
+              <a:rPr lang="en-US" sz="1200" kern="1200" baseline="0" dirty="0" smtClean="0">
+                <a:solidFill>
+                  <a:schemeClr val="tx1"/>
+                </a:solidFill>
+                <a:latin typeface="+mn-lt"/>
+                <a:ea typeface="+mn-ea"/>
+                <a:cs typeface="+mn-cs"/>
+              </a:rPr>
+              <a:t>Error correction is build into the protocol (or left out, as in UDP which is less concerned if some packets are lost , for example, when streaming)</a:t>
+            </a:r>
+          </a:p>
+          <a:p>
+            <a:pPr lvl="0"/>
+            <a:endParaRPr lang="en-US" sz="1200" kern="1200" baseline="0" dirty="0" smtClean="0">
+              <a:solidFill>
+                <a:schemeClr val="tx1"/>
+              </a:solidFill>
+              <a:latin typeface="+mn-lt"/>
+              <a:ea typeface="+mn-ea"/>
+              <a:cs typeface="+mn-cs"/>
+            </a:endParaRPr>
+          </a:p>
+          <a:p>
+            <a:pPr lvl="0"/>
+            <a:r>
+              <a:rPr lang="en-US" sz="1200" kern="1200" baseline="0" dirty="0" err="1" smtClean="0">
+                <a:solidFill>
+                  <a:schemeClr val="tx1"/>
+                </a:solidFill>
+                <a:latin typeface="+mn-lt"/>
+                <a:ea typeface="+mn-ea"/>
+                <a:cs typeface="+mn-cs"/>
+              </a:rPr>
+              <a:t>Transmision</a:t>
+            </a:r>
+            <a:r>
+              <a:rPr lang="en-US" sz="1200" kern="1200" baseline="0" dirty="0" smtClean="0">
+                <a:solidFill>
+                  <a:schemeClr val="tx1"/>
+                </a:solidFill>
+                <a:latin typeface="+mn-lt"/>
+                <a:ea typeface="+mn-ea"/>
+                <a:cs typeface="+mn-cs"/>
+              </a:rPr>
+              <a:t> Control Protocol</a:t>
+            </a:r>
+          </a:p>
+          <a:p>
+            <a:pPr lvl="0"/>
+            <a:r>
+              <a:rPr lang="en-US" sz="1200" kern="1200" baseline="0" dirty="0" smtClean="0">
+                <a:solidFill>
+                  <a:schemeClr val="tx1"/>
+                </a:solidFill>
+                <a:latin typeface="+mn-lt"/>
+                <a:ea typeface="+mn-ea"/>
+                <a:cs typeface="+mn-cs"/>
+              </a:rPr>
+              <a:t>User Datagram Protocol</a:t>
+            </a:r>
+          </a:p>
+          <a:p>
+            <a:pPr lvl="0"/>
+            <a:endParaRPr lang="en-US" sz="1200" kern="1200" baseline="0" dirty="0" smtClean="0">
+              <a:solidFill>
+                <a:schemeClr val="tx1"/>
+              </a:solidFill>
+              <a:latin typeface="+mn-lt"/>
+              <a:ea typeface="+mn-ea"/>
+              <a:cs typeface="+mn-cs"/>
+            </a:endParaRPr>
+          </a:p>
+          <a:p>
+            <a:pPr lvl="0"/>
+            <a:endParaRPr lang="en-US" sz="1200" kern="1200" baseline="0" dirty="0" smtClean="0">
+              <a:solidFill>
+                <a:schemeClr val="tx1"/>
+              </a:solidFill>
+              <a:latin typeface="+mn-lt"/>
+              <a:ea typeface="+mn-ea"/>
+              <a:cs typeface="+mn-cs"/>
+            </a:endParaRPr>
+          </a:p>
+          <a:p>
+            <a:pPr lvl="0"/>
+            <a:r>
+              <a:rPr lang="en-US" sz="1200" kern="1200" baseline="0" dirty="0" smtClean="0">
+                <a:solidFill>
+                  <a:schemeClr val="tx1"/>
+                </a:solidFill>
+                <a:latin typeface="+mn-lt"/>
+                <a:ea typeface="+mn-ea"/>
+                <a:cs typeface="+mn-cs"/>
+              </a:rPr>
+              <a:t>The physical layer is not described, since TCP/IP  is designed to be  hardware independent.</a:t>
+            </a:r>
+          </a:p>
+          <a:p>
+            <a:pPr lvl="0"/>
+            <a:endParaRPr lang="en-US" sz="1200" kern="1200" baseline="0" dirty="0" smtClean="0">
+              <a:solidFill>
+                <a:schemeClr val="tx1"/>
+              </a:solidFill>
+              <a:latin typeface="+mn-lt"/>
+              <a:ea typeface="+mn-ea"/>
+              <a:cs typeface="+mn-cs"/>
+            </a:endParaRPr>
+          </a:p>
+          <a:p>
+            <a:pPr lvl="0"/>
+            <a:endParaRPr lang="en-US" sz="1200" kern="1200" baseline="0" dirty="0" smtClean="0">
+              <a:solidFill>
+                <a:schemeClr val="tx1"/>
+              </a:solidFill>
+              <a:latin typeface="+mn-lt"/>
+              <a:ea typeface="+mn-ea"/>
+              <a:cs typeface="+mn-cs"/>
+            </a:endParaRPr>
+          </a:p>
+          <a:p>
+            <a:pPr lvl="0"/>
+            <a:endParaRPr lang="en-US" sz="1200" kern="1200" baseline="0" dirty="0" smtClean="0">
+              <a:solidFill>
+                <a:schemeClr val="tx1"/>
+              </a:solidFill>
+              <a:latin typeface="+mn-lt"/>
+              <a:ea typeface="+mn-ea"/>
+              <a:cs typeface="+mn-cs"/>
+            </a:endParaRPr>
+          </a:p>
+          <a:p>
+            <a:pPr lvl="0"/>
+            <a:endParaRPr lang="en-US" sz="1200" kern="1200" baseline="0" dirty="0" smtClean="0">
+              <a:solidFill>
+                <a:schemeClr val="tx1"/>
+              </a:solidFill>
+              <a:latin typeface="+mn-lt"/>
+              <a:ea typeface="+mn-ea"/>
+              <a:cs typeface="+mn-cs"/>
+            </a:endParaRPr>
+          </a:p>
+          <a:p>
+            <a:pPr lvl="0"/>
+            <a:endParaRPr lang="en-US" baseline="0" dirty="0" smtClean="0"/>
+          </a:p>
+        </p:txBody>
+      </p:sp>
+      <p:sp>
+        <p:nvSpPr>
+          <p:cNvPr id="4" name="Slide Number Placeholder 3"/>
+          <p:cNvSpPr>
+            <a:spLocks noGrp="1"/>
+          </p:cNvSpPr>
+          <p:nvPr>
+            <p:ph type="sldNum" sz="quarter" idx="10"/>
+          </p:nvPr>
+        </p:nvSpPr>
+        <p:spPr/>
+        <p:txBody>
+          <a:bodyPr/>
+          <a:lstStyle/>
+          <a:p>
+            <a:fld id="{2468E330-6F11-4EB8-9125-0BEE82D16730}" type="slidenum">
+              <a:rPr lang="en-US" smtClean="0"/>
+              <a:pPr/>
+              <a:t>7</a:t>
+            </a:fld>
+            <a:endParaRPr lang="en-US"/>
+          </a:p>
+        </p:txBody>
+      </p:sp>
+    </p:spTree>
+  </p:cSld>
+  <p:clrMapOvr>
+    <a:masterClrMapping/>
+  </p:clrMapOvr>
+</p:notes>
+</file>
+
+<file path=ppt/notesSlides/notesSlide8.xml><?xml version="1.0" encoding="utf-8"?>
+<p:notes xmlns:a="http://schemas.openxmlformats.org/drawingml/2006/main" xmlns:r="http://schemas.openxmlformats.org/officeDocument/2006/relationships" xmlns:p="http://schemas.openxmlformats.org/presentationml/2006/main">
+  <p:cSld>
+    <p:spTree>
+      <p:nvGrpSpPr>
+        <p:cNvPr id="1" name=""/>
+        <p:cNvGrpSpPr/>
+        <p:nvPr/>
+      </p:nvGrpSpPr>
+      <p:grpSpPr>
+        <a:xfrm>
+          <a:off x="0" y="0"/>
+          <a:ext cx="0" cy="0"/>
+          <a:chOff x="0" y="0"/>
+          <a:chExt cx="0" cy="0"/>
+        </a:xfrm>
+      </p:grpSpPr>
+      <p:sp>
+        <p:nvSpPr>
+          <p:cNvPr id="2" name="Slide Image Placeholder 1"/>
+          <p:cNvSpPr>
+            <a:spLocks noGrp="1" noRot="1" noChangeAspect="1"/>
+          </p:cNvSpPr>
+          <p:nvPr>
+            <p:ph type="sldImg"/>
+          </p:nvPr>
+        </p:nvSpPr>
+        <p:spPr/>
+      </p:sp>
+      <p:sp>
+        <p:nvSpPr>
+          <p:cNvPr id="3" name="Notes Placeholder 2"/>
+          <p:cNvSpPr>
+            <a:spLocks noGrp="1"/>
+          </p:cNvSpPr>
+          <p:nvPr>
+            <p:ph type="body" idx="1"/>
+          </p:nvPr>
+        </p:nvSpPr>
+        <p:spPr/>
+        <p:txBody>
+          <a:bodyPr>
+            <a:normAutofit lnSpcReduction="10000"/>
+          </a:bodyPr>
+          <a:lstStyle/>
+          <a:p>
+            <a:pPr lvl="0"/>
+            <a:r>
+              <a:rPr lang="en-US" baseline="0" dirty="0" smtClean="0"/>
+              <a:t>TCP/IP is the standard  protocol for delivering information over the internet.</a:t>
+            </a:r>
+          </a:p>
+          <a:p>
+            <a:pPr lvl="0"/>
+            <a:endParaRPr lang="en-US" baseline="0" dirty="0" smtClean="0"/>
+          </a:p>
+          <a:p>
+            <a:pPr lvl="0"/>
+            <a:r>
+              <a:rPr lang="en-US" baseline="0" dirty="0" smtClean="0"/>
+              <a:t>IP is responsible for routing between systems and TCP is responsible for delivering data.</a:t>
+            </a:r>
+          </a:p>
+          <a:p>
+            <a:pPr lvl="0"/>
+            <a:endParaRPr lang="en-US" baseline="0" dirty="0" smtClean="0"/>
+          </a:p>
+          <a:p>
+            <a:pPr lvl="0"/>
+            <a:r>
+              <a:rPr lang="en-US" baseline="0" dirty="0" smtClean="0"/>
+              <a:t>You can see from this diagram of a TCP/IP packet, the IP Header has the source and destination address.</a:t>
+            </a:r>
+          </a:p>
+          <a:p>
+            <a:pPr lvl="0"/>
+            <a:r>
+              <a:rPr lang="en-US" baseline="0" dirty="0" smtClean="0"/>
+              <a:t>The IP address that routers use to transport a packet between networks.</a:t>
+            </a:r>
+          </a:p>
+        </p:txBody>
+      </p:sp>
+      <p:sp>
+        <p:nvSpPr>
+          <p:cNvPr id="4" name="Slide Number Placeholder 3"/>
+          <p:cNvSpPr>
+            <a:spLocks noGrp="1"/>
+          </p:cNvSpPr>
+          <p:nvPr>
+            <p:ph type="sldNum" sz="quarter" idx="10"/>
+          </p:nvPr>
+        </p:nvSpPr>
+        <p:spPr/>
+        <p:txBody>
+          <a:bodyPr/>
+          <a:lstStyle/>
+          <a:p>
+            <a:fld id="{2468E330-6F11-4EB8-9125-0BEE82D16730}" type="slidenum">
+              <a:rPr lang="en-US" smtClean="0"/>
+              <a:pPr/>
+              <a:t>8</a:t>
+            </a:fld>
+            <a:endParaRPr lang="en-US"/>
+          </a:p>
+        </p:txBody>
+      </p:sp>
+    </p:spTree>
+  </p:cSld>
+  <p:clrMapOvr>
+    <a:masterClrMapping/>
+  </p:clrMapOvr>
+</p:notes>
+</file>
+
+<file path=ppt/notesSlides/notesSlide9.xml><?xml version="1.0" encoding="utf-8"?>
+<p:notes xmlns:a="http://schemas.openxmlformats.org/drawingml/2006/main" xmlns:r="http://schemas.openxmlformats.org/officeDocument/2006/relationships" xmlns:p="http://schemas.openxmlformats.org/presentationml/2006/main">
+  <p:cSld>
+    <p:spTree>
+      <p:nvGrpSpPr>
+        <p:cNvPr id="1" name=""/>
+        <p:cNvGrpSpPr/>
+        <p:nvPr/>
+      </p:nvGrpSpPr>
+      <p:grpSpPr>
+        <a:xfrm>
+          <a:off x="0" y="0"/>
+          <a:ext cx="0" cy="0"/>
+          <a:chOff x="0" y="0"/>
+          <a:chExt cx="0" cy="0"/>
+        </a:xfrm>
+      </p:grpSpPr>
+      <p:sp>
+        <p:nvSpPr>
+          <p:cNvPr id="2" name="Slide Image Placeholder 1"/>
+          <p:cNvSpPr>
+            <a:spLocks noGrp="1" noRot="1" noChangeAspect="1"/>
+          </p:cNvSpPr>
+          <p:nvPr>
+            <p:ph type="sldImg"/>
+          </p:nvPr>
+        </p:nvSpPr>
+        <p:spPr/>
+      </p:sp>
+      <p:sp>
+        <p:nvSpPr>
+          <p:cNvPr id="3" name="Notes Placeholder 2"/>
+          <p:cNvSpPr>
+            <a:spLocks noGrp="1"/>
+          </p:cNvSpPr>
+          <p:nvPr>
+            <p:ph type="body" idx="1"/>
+          </p:nvPr>
+        </p:nvSpPr>
+        <p:spPr/>
+        <p:txBody>
+          <a:bodyPr>
+            <a:normAutofit lnSpcReduction="10000"/>
+          </a:bodyPr>
+          <a:lstStyle/>
+          <a:p>
+            <a:pPr lvl="0"/>
+            <a:r>
+              <a:rPr lang="en-US" baseline="0" dirty="0" smtClean="0"/>
+              <a:t>TCP/IP is the standard  protocol for delivering information over the internet.</a:t>
+            </a:r>
+          </a:p>
+          <a:p>
+            <a:pPr lvl="0"/>
+            <a:endParaRPr lang="en-US" baseline="0" dirty="0" smtClean="0"/>
+          </a:p>
+          <a:p>
+            <a:pPr lvl="0"/>
+            <a:r>
+              <a:rPr lang="en-US" baseline="0" dirty="0" smtClean="0"/>
+              <a:t>IP is responsible for routing between systems and TCP is responsible for delivering data.</a:t>
+            </a:r>
+          </a:p>
+          <a:p>
+            <a:pPr lvl="0"/>
+            <a:endParaRPr lang="en-US" baseline="0" dirty="0" smtClean="0"/>
+          </a:p>
+          <a:p>
+            <a:pPr lvl="0"/>
+            <a:r>
+              <a:rPr lang="en-US" baseline="0" dirty="0" smtClean="0"/>
+              <a:t>You can see from this diagram of a TCP/IP packet, the IP Header has the source and destination address.</a:t>
+            </a:r>
+          </a:p>
+          <a:p>
+            <a:pPr lvl="0"/>
+            <a:r>
+              <a:rPr lang="en-US" baseline="0" dirty="0" smtClean="0"/>
+              <a:t>The IP address that routers use to transport a packet </a:t>
+            </a:r>
+            <a:r>
+              <a:rPr lang="en-US" baseline="0" smtClean="0"/>
+              <a:t>between networks.</a:t>
+            </a:r>
+            <a:endParaRPr lang="en-US" baseline="0" dirty="0" smtClean="0"/>
+          </a:p>
+        </p:txBody>
+      </p:sp>
+      <p:sp>
+        <p:nvSpPr>
+          <p:cNvPr id="4" name="Slide Number Placeholder 3"/>
+          <p:cNvSpPr>
+            <a:spLocks noGrp="1"/>
+          </p:cNvSpPr>
+          <p:nvPr>
+            <p:ph type="sldNum" sz="quarter" idx="10"/>
+          </p:nvPr>
+        </p:nvSpPr>
+        <p:spPr/>
+        <p:txBody>
+          <a:bodyPr/>
+          <a:lstStyle/>
+          <a:p>
+            <a:fld id="{2468E330-6F11-4EB8-9125-0BEE82D16730}" type="slidenum">
+              <a:rPr lang="en-US" smtClean="0"/>
+              <a:pPr/>
+              <a:t>9</a:t>
             </a:fld>
             <a:endParaRPr lang="en-US"/>
           </a:p>
@@ -1120,7 +2617,7 @@
             <a:fld id="{D6E9E5ED-425F-4E07-BCD6-7E079AD34B1B}" type="datetimeFigureOut">
               <a:rPr lang="en-US" smtClean="0"/>
               <a:pPr/>
-              <a:t>3/6/2013</a:t>
+              <a:t>3/7/2013</a:t>
             </a:fld>
             <a:endParaRPr lang="en-US"/>
           </a:p>
@@ -1287,7 +2784,7 @@
             <a:fld id="{D6E9E5ED-425F-4E07-BCD6-7E079AD34B1B}" type="datetimeFigureOut">
               <a:rPr lang="en-US" smtClean="0"/>
               <a:pPr/>
-              <a:t>3/6/2013</a:t>
+              <a:t>3/7/2013</a:t>
             </a:fld>
             <a:endParaRPr lang="en-US"/>
           </a:p>
@@ -1464,7 +2961,7 @@
             <a:fld id="{D6E9E5ED-425F-4E07-BCD6-7E079AD34B1B}" type="datetimeFigureOut">
               <a:rPr lang="en-US" smtClean="0"/>
               <a:pPr/>
-              <a:t>3/6/2013</a:t>
+              <a:t>3/7/2013</a:t>
             </a:fld>
             <a:endParaRPr lang="en-US"/>
           </a:p>
@@ -1631,7 +3128,7 @@
             <a:fld id="{D6E9E5ED-425F-4E07-BCD6-7E079AD34B1B}" type="datetimeFigureOut">
               <a:rPr lang="en-US" smtClean="0"/>
               <a:pPr/>
-              <a:t>3/6/2013</a:t>
+              <a:t>3/7/2013</a:t>
             </a:fld>
             <a:endParaRPr lang="en-US"/>
           </a:p>
@@ -1874,7 +3371,7 @@
             <a:fld id="{D6E9E5ED-425F-4E07-BCD6-7E079AD34B1B}" type="datetimeFigureOut">
               <a:rPr lang="en-US" smtClean="0"/>
               <a:pPr/>
-              <a:t>3/6/2013</a:t>
+              <a:t>3/7/2013</a:t>
             </a:fld>
             <a:endParaRPr lang="en-US"/>
           </a:p>
@@ -2159,7 +3656,7 @@
             <a:fld id="{D6E9E5ED-425F-4E07-BCD6-7E079AD34B1B}" type="datetimeFigureOut">
               <a:rPr lang="en-US" smtClean="0"/>
               <a:pPr/>
-              <a:t>3/6/2013</a:t>
+              <a:t>3/7/2013</a:t>
             </a:fld>
             <a:endParaRPr lang="en-US"/>
           </a:p>
@@ -2578,7 +4075,7 @@
             <a:fld id="{D6E9E5ED-425F-4E07-BCD6-7E079AD34B1B}" type="datetimeFigureOut">
               <a:rPr lang="en-US" smtClean="0"/>
               <a:pPr/>
-              <a:t>3/6/2013</a:t>
+              <a:t>3/7/2013</a:t>
             </a:fld>
             <a:endParaRPr lang="en-US"/>
           </a:p>
@@ -2693,7 +4190,7 @@
             <a:fld id="{D6E9E5ED-425F-4E07-BCD6-7E079AD34B1B}" type="datetimeFigureOut">
               <a:rPr lang="en-US" smtClean="0"/>
               <a:pPr/>
-              <a:t>3/6/2013</a:t>
+              <a:t>3/7/2013</a:t>
             </a:fld>
             <a:endParaRPr lang="en-US"/>
           </a:p>
@@ -2785,7 +4282,7 @@
             <a:fld id="{D6E9E5ED-425F-4E07-BCD6-7E079AD34B1B}" type="datetimeFigureOut">
               <a:rPr lang="en-US" smtClean="0"/>
               <a:pPr/>
-              <a:t>3/6/2013</a:t>
+              <a:t>3/7/2013</a:t>
             </a:fld>
             <a:endParaRPr lang="en-US"/>
           </a:p>
@@ -3059,7 +4556,7 @@
             <a:fld id="{D6E9E5ED-425F-4E07-BCD6-7E079AD34B1B}" type="datetimeFigureOut">
               <a:rPr lang="en-US" smtClean="0"/>
               <a:pPr/>
-              <a:t>3/6/2013</a:t>
+              <a:t>3/7/2013</a:t>
             </a:fld>
             <a:endParaRPr lang="en-US"/>
           </a:p>
@@ -3309,7 +4806,7 @@
             <a:fld id="{D6E9E5ED-425F-4E07-BCD6-7E079AD34B1B}" type="datetimeFigureOut">
               <a:rPr lang="en-US" smtClean="0"/>
               <a:pPr/>
-              <a:t>3/6/2013</a:t>
+              <a:t>3/7/2013</a:t>
             </a:fld>
             <a:endParaRPr lang="en-US"/>
           </a:p>
@@ -3519,7 +5016,7 @@
             <a:fld id="{D6E9E5ED-425F-4E07-BCD6-7E079AD34B1B}" type="datetimeFigureOut">
               <a:rPr lang="en-US" smtClean="0"/>
               <a:pPr/>
-              <a:t>3/6/2013</a:t>
+              <a:t>3/7/2013</a:t>
             </a:fld>
             <a:endParaRPr lang="en-US"/>
           </a:p>
@@ -4130,6 +5627,836 @@
 </p:sld>
 </file>
 
+<file path=ppt/slides/slide10.xml><?xml version="1.0" encoding="utf-8"?>
+<p:sld xmlns:a="http://schemas.openxmlformats.org/drawingml/2006/main" xmlns:r="http://schemas.openxmlformats.org/officeDocument/2006/relationships" xmlns:p="http://schemas.openxmlformats.org/presentationml/2006/main">
+  <p:cSld>
+    <p:spTree>
+      <p:nvGrpSpPr>
+        <p:cNvPr id="1" name=""/>
+        <p:cNvGrpSpPr/>
+        <p:nvPr/>
+      </p:nvGrpSpPr>
+      <p:grpSpPr>
+        <a:xfrm>
+          <a:off x="0" y="0"/>
+          <a:ext cx="0" cy="0"/>
+          <a:chOff x="0" y="0"/>
+          <a:chExt cx="0" cy="0"/>
+        </a:xfrm>
+      </p:grpSpPr>
+      <p:sp>
+        <p:nvSpPr>
+          <p:cNvPr id="4" name="Rectangle 3"/>
+          <p:cNvSpPr/>
+          <p:nvPr/>
+        </p:nvSpPr>
+        <p:spPr>
+          <a:xfrm>
+            <a:off x="0" y="6096000"/>
+            <a:ext cx="9144000" cy="762000"/>
+          </a:xfrm>
+          <a:prstGeom prst="rect">
+            <a:avLst/>
+          </a:prstGeom>
+          <a:solidFill>
+            <a:schemeClr val="tx1">
+              <a:lumMod val="85000"/>
+              <a:lumOff val="15000"/>
+            </a:schemeClr>
+          </a:solidFill>
+        </p:spPr>
+        <p:style>
+          <a:lnRef idx="2">
+            <a:schemeClr val="accent1">
+              <a:shade val="50000"/>
+            </a:schemeClr>
+          </a:lnRef>
+          <a:fillRef idx="1">
+            <a:schemeClr val="accent1"/>
+          </a:fillRef>
+          <a:effectRef idx="0">
+            <a:schemeClr val="accent1"/>
+          </a:effectRef>
+          <a:fontRef idx="minor">
+            <a:schemeClr val="lt1"/>
+          </a:fontRef>
+        </p:style>
+        <p:txBody>
+          <a:bodyPr rtlCol="0" anchor="ctr"/>
+          <a:lstStyle/>
+          <a:p>
+            <a:pPr algn="ctr"/>
+            <a:endParaRPr lang="en-US"/>
+          </a:p>
+        </p:txBody>
+      </p:sp>
+      <p:pic>
+        <p:nvPicPr>
+          <p:cNvPr id="1027" name="Picture 3"/>
+          <p:cNvPicPr>
+            <a:picLocks noChangeAspect="1" noChangeArrowheads="1"/>
+          </p:cNvPicPr>
+          <p:nvPr/>
+        </p:nvPicPr>
+        <p:blipFill>
+          <a:blip r:embed="rId3" cstate="print"/>
+          <a:srcRect/>
+          <a:stretch>
+            <a:fillRect/>
+          </a:stretch>
+        </p:blipFill>
+        <p:spPr bwMode="auto">
+          <a:xfrm>
+            <a:off x="228600" y="6248400"/>
+            <a:ext cx="1371600" cy="410346"/>
+          </a:xfrm>
+          <a:prstGeom prst="rect">
+            <a:avLst/>
+          </a:prstGeom>
+          <a:noFill/>
+          <a:ln w="9525">
+            <a:noFill/>
+            <a:miter lim="800000"/>
+            <a:headEnd/>
+            <a:tailEnd/>
+          </a:ln>
+          <a:effectLst/>
+        </p:spPr>
+      </p:pic>
+      <p:sp>
+        <p:nvSpPr>
+          <p:cNvPr id="10" name="TextBox 9"/>
+          <p:cNvSpPr txBox="1"/>
+          <p:nvPr/>
+        </p:nvSpPr>
+        <p:spPr>
+          <a:xfrm>
+            <a:off x="2057400" y="6324600"/>
+            <a:ext cx="4419600" cy="369332"/>
+          </a:xfrm>
+          <a:prstGeom prst="rect">
+            <a:avLst/>
+          </a:prstGeom>
+          <a:noFill/>
+        </p:spPr>
+        <p:txBody>
+          <a:bodyPr wrap="square" rtlCol="0">
+            <a:spAutoFit/>
+          </a:bodyPr>
+          <a:lstStyle/>
+          <a:p>
+            <a:r>
+              <a:rPr lang="en-US" dirty="0" smtClean="0">
+                <a:solidFill>
+                  <a:schemeClr val="bg1"/>
+                </a:solidFill>
+                <a:latin typeface="Verdana" pitchFamily="34" charset="0"/>
+                <a:ea typeface="Verdana" pitchFamily="34" charset="0"/>
+                <a:cs typeface="Verdana" pitchFamily="34" charset="0"/>
+              </a:rPr>
+              <a:t>Testing web applications &amp; services</a:t>
+            </a:r>
+            <a:endParaRPr lang="en-US" dirty="0">
+              <a:solidFill>
+                <a:schemeClr val="bg1"/>
+              </a:solidFill>
+              <a:latin typeface="Verdana" pitchFamily="34" charset="0"/>
+              <a:ea typeface="Verdana" pitchFamily="34" charset="0"/>
+              <a:cs typeface="Verdana" pitchFamily="34" charset="0"/>
+            </a:endParaRPr>
+          </a:p>
+        </p:txBody>
+      </p:sp>
+      <p:pic>
+        <p:nvPicPr>
+          <p:cNvPr id="1033" name="Picture 9"/>
+          <p:cNvPicPr>
+            <a:picLocks noChangeAspect="1" noChangeArrowheads="1"/>
+          </p:cNvPicPr>
+          <p:nvPr/>
+        </p:nvPicPr>
+        <p:blipFill>
+          <a:blip r:embed="rId4" cstate="print"/>
+          <a:srcRect/>
+          <a:stretch>
+            <a:fillRect/>
+          </a:stretch>
+        </p:blipFill>
+        <p:spPr bwMode="auto">
+          <a:xfrm>
+            <a:off x="6934202" y="6248400"/>
+            <a:ext cx="1981195" cy="431239"/>
+          </a:xfrm>
+          <a:prstGeom prst="rect">
+            <a:avLst/>
+          </a:prstGeom>
+          <a:noFill/>
+          <a:ln w="9525">
+            <a:noFill/>
+            <a:miter lim="800000"/>
+            <a:headEnd/>
+            <a:tailEnd/>
+          </a:ln>
+          <a:effectLst/>
+        </p:spPr>
+      </p:pic>
+      <p:sp>
+        <p:nvSpPr>
+          <p:cNvPr id="13" name="TextBox 12"/>
+          <p:cNvSpPr txBox="1"/>
+          <p:nvPr/>
+        </p:nvSpPr>
+        <p:spPr>
+          <a:xfrm>
+            <a:off x="7315200" y="0"/>
+            <a:ext cx="1828800" cy="584775"/>
+          </a:xfrm>
+          <a:prstGeom prst="rect">
+            <a:avLst/>
+          </a:prstGeom>
+          <a:solidFill>
+            <a:schemeClr val="bg2">
+              <a:lumMod val="75000"/>
+            </a:schemeClr>
+          </a:solidFill>
+        </p:spPr>
+        <p:txBody>
+          <a:bodyPr wrap="square" rtlCol="0">
+            <a:spAutoFit/>
+          </a:bodyPr>
+          <a:lstStyle/>
+          <a:p>
+            <a:r>
+              <a:rPr lang="en-US" sz="3200" dirty="0" smtClean="0"/>
+              <a:t>Networks</a:t>
+            </a:r>
+            <a:endParaRPr lang="en-US" sz="3200" dirty="0"/>
+          </a:p>
+        </p:txBody>
+      </p:sp>
+      <p:sp>
+        <p:nvSpPr>
+          <p:cNvPr id="8" name="TextBox 7"/>
+          <p:cNvSpPr txBox="1"/>
+          <p:nvPr/>
+        </p:nvSpPr>
+        <p:spPr>
+          <a:xfrm>
+            <a:off x="0" y="990600"/>
+            <a:ext cx="9144000" cy="830997"/>
+          </a:xfrm>
+          <a:prstGeom prst="rect">
+            <a:avLst/>
+          </a:prstGeom>
+          <a:noFill/>
+        </p:spPr>
+        <p:txBody>
+          <a:bodyPr wrap="square" rtlCol="0">
+            <a:spAutoFit/>
+          </a:bodyPr>
+          <a:lstStyle/>
+          <a:p>
+            <a:pPr algn="ctr"/>
+            <a:r>
+              <a:rPr lang="en-US" sz="4800" dirty="0" smtClean="0"/>
+              <a:t>DNS</a:t>
+            </a:r>
+            <a:endParaRPr lang="en-US" sz="4800" dirty="0"/>
+          </a:p>
+        </p:txBody>
+      </p:sp>
+    </p:spTree>
+  </p:cSld>
+  <p:clrMapOvr>
+    <a:masterClrMapping/>
+  </p:clrMapOvr>
+  <p:timing>
+    <p:tnLst>
+      <p:par>
+        <p:cTn id="1" dur="indefinite" restart="never" nodeType="tmRoot"/>
+      </p:par>
+    </p:tnLst>
+  </p:timing>
+</p:sld>
+</file>
+
+<file path=ppt/slides/slide11.xml><?xml version="1.0" encoding="utf-8"?>
+<p:sld xmlns:a="http://schemas.openxmlformats.org/drawingml/2006/main" xmlns:r="http://schemas.openxmlformats.org/officeDocument/2006/relationships" xmlns:p="http://schemas.openxmlformats.org/presentationml/2006/main">
+  <p:cSld>
+    <p:spTree>
+      <p:nvGrpSpPr>
+        <p:cNvPr id="1" name=""/>
+        <p:cNvGrpSpPr/>
+        <p:nvPr/>
+      </p:nvGrpSpPr>
+      <p:grpSpPr>
+        <a:xfrm>
+          <a:off x="0" y="0"/>
+          <a:ext cx="0" cy="0"/>
+          <a:chOff x="0" y="0"/>
+          <a:chExt cx="0" cy="0"/>
+        </a:xfrm>
+      </p:grpSpPr>
+      <p:sp>
+        <p:nvSpPr>
+          <p:cNvPr id="4" name="Rectangle 3"/>
+          <p:cNvSpPr/>
+          <p:nvPr/>
+        </p:nvSpPr>
+        <p:spPr>
+          <a:xfrm>
+            <a:off x="0" y="6096000"/>
+            <a:ext cx="9144000" cy="762000"/>
+          </a:xfrm>
+          <a:prstGeom prst="rect">
+            <a:avLst/>
+          </a:prstGeom>
+          <a:solidFill>
+            <a:schemeClr val="tx1">
+              <a:lumMod val="85000"/>
+              <a:lumOff val="15000"/>
+            </a:schemeClr>
+          </a:solidFill>
+        </p:spPr>
+        <p:style>
+          <a:lnRef idx="2">
+            <a:schemeClr val="accent1">
+              <a:shade val="50000"/>
+            </a:schemeClr>
+          </a:lnRef>
+          <a:fillRef idx="1">
+            <a:schemeClr val="accent1"/>
+          </a:fillRef>
+          <a:effectRef idx="0">
+            <a:schemeClr val="accent1"/>
+          </a:effectRef>
+          <a:fontRef idx="minor">
+            <a:schemeClr val="lt1"/>
+          </a:fontRef>
+        </p:style>
+        <p:txBody>
+          <a:bodyPr rtlCol="0" anchor="ctr"/>
+          <a:lstStyle/>
+          <a:p>
+            <a:pPr algn="ctr"/>
+            <a:endParaRPr lang="en-US"/>
+          </a:p>
+        </p:txBody>
+      </p:sp>
+      <p:pic>
+        <p:nvPicPr>
+          <p:cNvPr id="1027" name="Picture 3"/>
+          <p:cNvPicPr>
+            <a:picLocks noChangeAspect="1" noChangeArrowheads="1"/>
+          </p:cNvPicPr>
+          <p:nvPr/>
+        </p:nvPicPr>
+        <p:blipFill>
+          <a:blip r:embed="rId3" cstate="print"/>
+          <a:srcRect/>
+          <a:stretch>
+            <a:fillRect/>
+          </a:stretch>
+        </p:blipFill>
+        <p:spPr bwMode="auto">
+          <a:xfrm>
+            <a:off x="228600" y="6248400"/>
+            <a:ext cx="1371600" cy="410346"/>
+          </a:xfrm>
+          <a:prstGeom prst="rect">
+            <a:avLst/>
+          </a:prstGeom>
+          <a:noFill/>
+          <a:ln w="9525">
+            <a:noFill/>
+            <a:miter lim="800000"/>
+            <a:headEnd/>
+            <a:tailEnd/>
+          </a:ln>
+          <a:effectLst/>
+        </p:spPr>
+      </p:pic>
+      <p:sp>
+        <p:nvSpPr>
+          <p:cNvPr id="10" name="TextBox 9"/>
+          <p:cNvSpPr txBox="1"/>
+          <p:nvPr/>
+        </p:nvSpPr>
+        <p:spPr>
+          <a:xfrm>
+            <a:off x="2057400" y="6324600"/>
+            <a:ext cx="4419600" cy="369332"/>
+          </a:xfrm>
+          <a:prstGeom prst="rect">
+            <a:avLst/>
+          </a:prstGeom>
+          <a:noFill/>
+        </p:spPr>
+        <p:txBody>
+          <a:bodyPr wrap="square" rtlCol="0">
+            <a:spAutoFit/>
+          </a:bodyPr>
+          <a:lstStyle/>
+          <a:p>
+            <a:r>
+              <a:rPr lang="en-US" dirty="0" smtClean="0">
+                <a:solidFill>
+                  <a:schemeClr val="bg1"/>
+                </a:solidFill>
+                <a:latin typeface="Verdana" pitchFamily="34" charset="0"/>
+                <a:ea typeface="Verdana" pitchFamily="34" charset="0"/>
+                <a:cs typeface="Verdana" pitchFamily="34" charset="0"/>
+              </a:rPr>
+              <a:t>Testing web applications &amp; services</a:t>
+            </a:r>
+            <a:endParaRPr lang="en-US" dirty="0">
+              <a:solidFill>
+                <a:schemeClr val="bg1"/>
+              </a:solidFill>
+              <a:latin typeface="Verdana" pitchFamily="34" charset="0"/>
+              <a:ea typeface="Verdana" pitchFamily="34" charset="0"/>
+              <a:cs typeface="Verdana" pitchFamily="34" charset="0"/>
+            </a:endParaRPr>
+          </a:p>
+        </p:txBody>
+      </p:sp>
+      <p:pic>
+        <p:nvPicPr>
+          <p:cNvPr id="1033" name="Picture 9"/>
+          <p:cNvPicPr>
+            <a:picLocks noChangeAspect="1" noChangeArrowheads="1"/>
+          </p:cNvPicPr>
+          <p:nvPr/>
+        </p:nvPicPr>
+        <p:blipFill>
+          <a:blip r:embed="rId4" cstate="print"/>
+          <a:srcRect/>
+          <a:stretch>
+            <a:fillRect/>
+          </a:stretch>
+        </p:blipFill>
+        <p:spPr bwMode="auto">
+          <a:xfrm>
+            <a:off x="6934202" y="6248400"/>
+            <a:ext cx="1981195" cy="431239"/>
+          </a:xfrm>
+          <a:prstGeom prst="rect">
+            <a:avLst/>
+          </a:prstGeom>
+          <a:noFill/>
+          <a:ln w="9525">
+            <a:noFill/>
+            <a:miter lim="800000"/>
+            <a:headEnd/>
+            <a:tailEnd/>
+          </a:ln>
+          <a:effectLst/>
+        </p:spPr>
+      </p:pic>
+      <p:sp>
+        <p:nvSpPr>
+          <p:cNvPr id="13" name="TextBox 12"/>
+          <p:cNvSpPr txBox="1"/>
+          <p:nvPr/>
+        </p:nvSpPr>
+        <p:spPr>
+          <a:xfrm>
+            <a:off x="7315200" y="0"/>
+            <a:ext cx="1828800" cy="584775"/>
+          </a:xfrm>
+          <a:prstGeom prst="rect">
+            <a:avLst/>
+          </a:prstGeom>
+          <a:solidFill>
+            <a:schemeClr val="bg2">
+              <a:lumMod val="75000"/>
+            </a:schemeClr>
+          </a:solidFill>
+        </p:spPr>
+        <p:txBody>
+          <a:bodyPr wrap="square" rtlCol="0">
+            <a:spAutoFit/>
+          </a:bodyPr>
+          <a:lstStyle/>
+          <a:p>
+            <a:r>
+              <a:rPr lang="en-US" sz="3200" dirty="0" smtClean="0"/>
+              <a:t>Networks</a:t>
+            </a:r>
+            <a:endParaRPr lang="en-US" sz="3200" dirty="0"/>
+          </a:p>
+        </p:txBody>
+      </p:sp>
+      <p:sp>
+        <p:nvSpPr>
+          <p:cNvPr id="8" name="TextBox 7"/>
+          <p:cNvSpPr txBox="1"/>
+          <p:nvPr/>
+        </p:nvSpPr>
+        <p:spPr>
+          <a:xfrm>
+            <a:off x="0" y="990600"/>
+            <a:ext cx="9144000" cy="830997"/>
+          </a:xfrm>
+          <a:prstGeom prst="rect">
+            <a:avLst/>
+          </a:prstGeom>
+          <a:noFill/>
+        </p:spPr>
+        <p:txBody>
+          <a:bodyPr wrap="square" rtlCol="0">
+            <a:spAutoFit/>
+          </a:bodyPr>
+          <a:lstStyle/>
+          <a:p>
+            <a:pPr algn="ctr"/>
+            <a:r>
+              <a:rPr lang="en-US" sz="4800" dirty="0" smtClean="0"/>
+              <a:t>Exercise:</a:t>
+            </a:r>
+          </a:p>
+        </p:txBody>
+      </p:sp>
+      <p:sp>
+        <p:nvSpPr>
+          <p:cNvPr id="9" name="TextBox 8"/>
+          <p:cNvSpPr txBox="1"/>
+          <p:nvPr/>
+        </p:nvSpPr>
+        <p:spPr>
+          <a:xfrm>
+            <a:off x="0" y="2209800"/>
+            <a:ext cx="9144000" cy="830997"/>
+          </a:xfrm>
+          <a:prstGeom prst="rect">
+            <a:avLst/>
+          </a:prstGeom>
+          <a:noFill/>
+        </p:spPr>
+        <p:txBody>
+          <a:bodyPr wrap="square" rtlCol="0">
+            <a:spAutoFit/>
+          </a:bodyPr>
+          <a:lstStyle/>
+          <a:p>
+            <a:pPr algn="ctr"/>
+            <a:r>
+              <a:rPr lang="en-US" sz="4800" dirty="0" smtClean="0"/>
+              <a:t>Using </a:t>
+            </a:r>
+            <a:r>
+              <a:rPr lang="en-US" sz="4800" dirty="0" err="1" smtClean="0"/>
+              <a:t>Wireshark</a:t>
+            </a:r>
+            <a:r>
+              <a:rPr lang="en-US" sz="4800" dirty="0" smtClean="0"/>
+              <a:t> to view packets</a:t>
+            </a:r>
+          </a:p>
+        </p:txBody>
+      </p:sp>
+    </p:spTree>
+  </p:cSld>
+  <p:clrMapOvr>
+    <a:masterClrMapping/>
+  </p:clrMapOvr>
+  <p:timing>
+    <p:tnLst>
+      <p:par>
+        <p:cTn id="1" dur="indefinite" restart="never" nodeType="tmRoot"/>
+      </p:par>
+    </p:tnLst>
+  </p:timing>
+</p:sld>
+</file>
+
+<file path=ppt/slides/slide12.xml><?xml version="1.0" encoding="utf-8"?>
+<p:sld xmlns:a="http://schemas.openxmlformats.org/drawingml/2006/main" xmlns:r="http://schemas.openxmlformats.org/officeDocument/2006/relationships" xmlns:p="http://schemas.openxmlformats.org/presentationml/2006/main">
+  <p:cSld>
+    <p:spTree>
+      <p:nvGrpSpPr>
+        <p:cNvPr id="1" name=""/>
+        <p:cNvGrpSpPr/>
+        <p:nvPr/>
+      </p:nvGrpSpPr>
+      <p:grpSpPr>
+        <a:xfrm>
+          <a:off x="0" y="0"/>
+          <a:ext cx="0" cy="0"/>
+          <a:chOff x="0" y="0"/>
+          <a:chExt cx="0" cy="0"/>
+        </a:xfrm>
+      </p:grpSpPr>
+      <p:sp>
+        <p:nvSpPr>
+          <p:cNvPr id="4" name="Rectangle 3"/>
+          <p:cNvSpPr/>
+          <p:nvPr/>
+        </p:nvSpPr>
+        <p:spPr>
+          <a:xfrm>
+            <a:off x="0" y="6096000"/>
+            <a:ext cx="9144000" cy="762000"/>
+          </a:xfrm>
+          <a:prstGeom prst="rect">
+            <a:avLst/>
+          </a:prstGeom>
+          <a:solidFill>
+            <a:schemeClr val="tx1">
+              <a:lumMod val="85000"/>
+              <a:lumOff val="15000"/>
+            </a:schemeClr>
+          </a:solidFill>
+        </p:spPr>
+        <p:style>
+          <a:lnRef idx="2">
+            <a:schemeClr val="accent1">
+              <a:shade val="50000"/>
+            </a:schemeClr>
+          </a:lnRef>
+          <a:fillRef idx="1">
+            <a:schemeClr val="accent1"/>
+          </a:fillRef>
+          <a:effectRef idx="0">
+            <a:schemeClr val="accent1"/>
+          </a:effectRef>
+          <a:fontRef idx="minor">
+            <a:schemeClr val="lt1"/>
+          </a:fontRef>
+        </p:style>
+        <p:txBody>
+          <a:bodyPr rtlCol="0" anchor="ctr"/>
+          <a:lstStyle/>
+          <a:p>
+            <a:pPr algn="ctr"/>
+            <a:endParaRPr lang="en-US"/>
+          </a:p>
+        </p:txBody>
+      </p:sp>
+      <p:pic>
+        <p:nvPicPr>
+          <p:cNvPr id="1027" name="Picture 3"/>
+          <p:cNvPicPr>
+            <a:picLocks noChangeAspect="1" noChangeArrowheads="1"/>
+          </p:cNvPicPr>
+          <p:nvPr/>
+        </p:nvPicPr>
+        <p:blipFill>
+          <a:blip r:embed="rId3" cstate="print"/>
+          <a:srcRect/>
+          <a:stretch>
+            <a:fillRect/>
+          </a:stretch>
+        </p:blipFill>
+        <p:spPr bwMode="auto">
+          <a:xfrm>
+            <a:off x="228600" y="6248400"/>
+            <a:ext cx="1371600" cy="410346"/>
+          </a:xfrm>
+          <a:prstGeom prst="rect">
+            <a:avLst/>
+          </a:prstGeom>
+          <a:noFill/>
+          <a:ln w="9525">
+            <a:noFill/>
+            <a:miter lim="800000"/>
+            <a:headEnd/>
+            <a:tailEnd/>
+          </a:ln>
+          <a:effectLst/>
+        </p:spPr>
+      </p:pic>
+      <p:sp>
+        <p:nvSpPr>
+          <p:cNvPr id="10" name="TextBox 9"/>
+          <p:cNvSpPr txBox="1"/>
+          <p:nvPr/>
+        </p:nvSpPr>
+        <p:spPr>
+          <a:xfrm>
+            <a:off x="2057400" y="6324600"/>
+            <a:ext cx="4419600" cy="369332"/>
+          </a:xfrm>
+          <a:prstGeom prst="rect">
+            <a:avLst/>
+          </a:prstGeom>
+          <a:noFill/>
+        </p:spPr>
+        <p:txBody>
+          <a:bodyPr wrap="square" rtlCol="0">
+            <a:spAutoFit/>
+          </a:bodyPr>
+          <a:lstStyle/>
+          <a:p>
+            <a:r>
+              <a:rPr lang="en-US" dirty="0" smtClean="0">
+                <a:solidFill>
+                  <a:schemeClr val="bg1"/>
+                </a:solidFill>
+                <a:latin typeface="Verdana" pitchFamily="34" charset="0"/>
+                <a:ea typeface="Verdana" pitchFamily="34" charset="0"/>
+                <a:cs typeface="Verdana" pitchFamily="34" charset="0"/>
+              </a:rPr>
+              <a:t>Testing web applications &amp; services</a:t>
+            </a:r>
+            <a:endParaRPr lang="en-US" dirty="0">
+              <a:solidFill>
+                <a:schemeClr val="bg1"/>
+              </a:solidFill>
+              <a:latin typeface="Verdana" pitchFamily="34" charset="0"/>
+              <a:ea typeface="Verdana" pitchFamily="34" charset="0"/>
+              <a:cs typeface="Verdana" pitchFamily="34" charset="0"/>
+            </a:endParaRPr>
+          </a:p>
+        </p:txBody>
+      </p:sp>
+      <p:pic>
+        <p:nvPicPr>
+          <p:cNvPr id="1033" name="Picture 9"/>
+          <p:cNvPicPr>
+            <a:picLocks noChangeAspect="1" noChangeArrowheads="1"/>
+          </p:cNvPicPr>
+          <p:nvPr/>
+        </p:nvPicPr>
+        <p:blipFill>
+          <a:blip r:embed="rId4" cstate="print"/>
+          <a:srcRect/>
+          <a:stretch>
+            <a:fillRect/>
+          </a:stretch>
+        </p:blipFill>
+        <p:spPr bwMode="auto">
+          <a:xfrm>
+            <a:off x="6934202" y="6248400"/>
+            <a:ext cx="1981195" cy="431239"/>
+          </a:xfrm>
+          <a:prstGeom prst="rect">
+            <a:avLst/>
+          </a:prstGeom>
+          <a:noFill/>
+          <a:ln w="9525">
+            <a:noFill/>
+            <a:miter lim="800000"/>
+            <a:headEnd/>
+            <a:tailEnd/>
+          </a:ln>
+          <a:effectLst/>
+        </p:spPr>
+      </p:pic>
+      <p:sp>
+        <p:nvSpPr>
+          <p:cNvPr id="13" name="TextBox 12"/>
+          <p:cNvSpPr txBox="1"/>
+          <p:nvPr/>
+        </p:nvSpPr>
+        <p:spPr>
+          <a:xfrm>
+            <a:off x="7315200" y="0"/>
+            <a:ext cx="1828800" cy="584775"/>
+          </a:xfrm>
+          <a:prstGeom prst="rect">
+            <a:avLst/>
+          </a:prstGeom>
+          <a:solidFill>
+            <a:schemeClr val="bg2">
+              <a:lumMod val="75000"/>
+            </a:schemeClr>
+          </a:solidFill>
+        </p:spPr>
+        <p:txBody>
+          <a:bodyPr wrap="square" rtlCol="0">
+            <a:spAutoFit/>
+          </a:bodyPr>
+          <a:lstStyle/>
+          <a:p>
+            <a:r>
+              <a:rPr lang="en-US" sz="3200" dirty="0" smtClean="0"/>
+              <a:t>Networks</a:t>
+            </a:r>
+            <a:endParaRPr lang="en-US" sz="3200" dirty="0"/>
+          </a:p>
+        </p:txBody>
+      </p:sp>
+      <p:sp>
+        <p:nvSpPr>
+          <p:cNvPr id="8" name="TextBox 7"/>
+          <p:cNvSpPr txBox="1"/>
+          <p:nvPr/>
+        </p:nvSpPr>
+        <p:spPr>
+          <a:xfrm>
+            <a:off x="0" y="990600"/>
+            <a:ext cx="9144000" cy="830997"/>
+          </a:xfrm>
+          <a:prstGeom prst="rect">
+            <a:avLst/>
+          </a:prstGeom>
+          <a:noFill/>
+        </p:spPr>
+        <p:txBody>
+          <a:bodyPr wrap="square" rtlCol="0">
+            <a:spAutoFit/>
+          </a:bodyPr>
+          <a:lstStyle/>
+          <a:p>
+            <a:pPr algn="ctr"/>
+            <a:r>
+              <a:rPr lang="en-US" sz="4800" dirty="0" smtClean="0"/>
+              <a:t>Exercise:</a:t>
+            </a:r>
+          </a:p>
+        </p:txBody>
+      </p:sp>
+      <p:sp>
+        <p:nvSpPr>
+          <p:cNvPr id="9" name="TextBox 8"/>
+          <p:cNvSpPr txBox="1"/>
+          <p:nvPr/>
+        </p:nvSpPr>
+        <p:spPr>
+          <a:xfrm>
+            <a:off x="0" y="2209800"/>
+            <a:ext cx="9144000" cy="1569660"/>
+          </a:xfrm>
+          <a:prstGeom prst="rect">
+            <a:avLst/>
+          </a:prstGeom>
+          <a:noFill/>
+        </p:spPr>
+        <p:txBody>
+          <a:bodyPr wrap="square" rtlCol="0">
+            <a:spAutoFit/>
+          </a:bodyPr>
+          <a:lstStyle/>
+          <a:p>
+            <a:pPr algn="ctr"/>
+            <a:r>
+              <a:rPr lang="en-US" sz="4800" dirty="0" smtClean="0"/>
+              <a:t>Using ping, traceroute, and </a:t>
+            </a:r>
+            <a:r>
+              <a:rPr lang="en-US" sz="4800" dirty="0" err="1" smtClean="0"/>
+              <a:t>nslookup</a:t>
+            </a:r>
+            <a:endParaRPr lang="en-US" sz="4800" dirty="0" smtClean="0"/>
+          </a:p>
+        </p:txBody>
+      </p:sp>
+    </p:spTree>
+  </p:cSld>
+  <p:clrMapOvr>
+    <a:masterClrMapping/>
+  </p:clrMapOvr>
+  <p:timing>
+    <p:tnLst>
+      <p:par>
+        <p:cTn id="1" dur="indefinite" restart="never" nodeType="tmRoot"/>
+      </p:par>
+    </p:tnLst>
+  </p:timing>
+</p:sld>
+</file>
+
 <file path=ppt/slides/slide2.xml><?xml version="1.0" encoding="utf-8"?>
 <p:sld xmlns:a="http://schemas.openxmlformats.org/drawingml/2006/main" xmlns:r="http://schemas.openxmlformats.org/officeDocument/2006/relationships" xmlns:p="http://schemas.openxmlformats.org/presentationml/2006/main">
   <p:cSld>
@@ -4686,48 +7013,25 @@
           <a:p>
             <a:r>
               <a:rPr lang="en-US" sz="3600" dirty="0" smtClean="0"/>
-              <a:t>1920s </a:t>
-            </a:r>
+              <a:t>1920s – Teletypes invented</a:t>
+            </a:r>
+          </a:p>
+          <a:p>
             <a:r>
               <a:rPr lang="en-US" sz="3600" dirty="0" smtClean="0"/>
-              <a:t>– </a:t>
-            </a:r>
+              <a:t>1957 – Timesharing systems</a:t>
+            </a:r>
+          </a:p>
+          <a:p>
             <a:r>
               <a:rPr lang="en-US" sz="3600" dirty="0" smtClean="0"/>
-              <a:t>Teletypes invented</a:t>
-            </a:r>
-            <a:endParaRPr lang="en-US" sz="3600" dirty="0" smtClean="0"/>
+              <a:t>1958 – DARPA founded in response to Sputnik</a:t>
+            </a:r>
           </a:p>
           <a:p>
             <a:r>
               <a:rPr lang="en-US" sz="3600" dirty="0" smtClean="0"/>
-              <a:t>1957 – </a:t>
-            </a:r>
-            <a:r>
-              <a:rPr lang="en-US" sz="3600" dirty="0" smtClean="0"/>
-              <a:t>Timesharing systems</a:t>
-            </a:r>
-            <a:endParaRPr lang="en-US" sz="3600" dirty="0" smtClean="0"/>
-          </a:p>
-          <a:p>
-            <a:r>
-              <a:rPr lang="en-US" sz="3600" dirty="0" smtClean="0"/>
-              <a:t>1958 – DARPA </a:t>
-            </a:r>
-            <a:r>
-              <a:rPr lang="en-US" sz="3600" dirty="0" smtClean="0"/>
-              <a:t>founded in response to Sputnik</a:t>
-            </a:r>
-            <a:endParaRPr lang="en-US" sz="3600" dirty="0" smtClean="0"/>
-          </a:p>
-          <a:p>
-            <a:r>
-              <a:rPr lang="en-US" sz="3600" dirty="0" smtClean="0"/>
-              <a:t>1961 – Packet </a:t>
-            </a:r>
-            <a:r>
-              <a:rPr lang="en-US" sz="3600" dirty="0" smtClean="0"/>
-              <a:t>switching invented</a:t>
+              <a:t>1961 – Packet switching invented</a:t>
             </a:r>
           </a:p>
           <a:p>
@@ -4739,15 +7043,7 @@
           <a:p>
             <a:r>
               <a:rPr lang="en-US" sz="3600" dirty="0" smtClean="0"/>
-              <a:t>1969 </a:t>
-            </a:r>
-            <a:r>
-              <a:rPr lang="en-US" sz="3600" dirty="0" smtClean="0"/>
-              <a:t>– ARPANET </a:t>
-            </a:r>
-            <a:r>
-              <a:rPr lang="en-US" sz="3600" dirty="0" smtClean="0"/>
-              <a:t>created</a:t>
+              <a:t>1969 – ARPANET created</a:t>
             </a:r>
           </a:p>
           <a:p>
@@ -4755,7 +7051,6 @@
               <a:rPr lang="en-US" sz="3600" dirty="0" smtClean="0"/>
               <a:t>1969 – Unix operating system</a:t>
             </a:r>
-            <a:endParaRPr lang="en-US" sz="3600" dirty="0" smtClean="0"/>
           </a:p>
           <a:p>
             <a:r>
@@ -4768,7 +7063,6 @@
               <a:rPr lang="en-US" sz="3600" dirty="0" smtClean="0"/>
               <a:t>1982 – TCP/IP protocol developed</a:t>
             </a:r>
-            <a:endParaRPr lang="en-US" sz="3600" dirty="0" smtClean="0"/>
           </a:p>
         </p:txBody>
       </p:sp>
@@ -5018,17 +7312,8 @@
           <a:p>
             <a:r>
               <a:rPr lang="en-US" sz="3600" dirty="0" smtClean="0"/>
-              <a:t>1977 </a:t>
-            </a:r>
-            <a:r>
-              <a:rPr lang="en-US" sz="3600" dirty="0" smtClean="0"/>
-              <a:t>– The first modem for personal </a:t>
-            </a:r>
-            <a:r>
-              <a:rPr lang="en-US" sz="3600" dirty="0" smtClean="0"/>
-              <a:t>computers</a:t>
-            </a:r>
-            <a:endParaRPr lang="en-US" sz="3600" dirty="0" smtClean="0"/>
+              <a:t>1977 – The first modem for personal computers</a:t>
+            </a:r>
           </a:p>
           <a:p>
             <a:r>
@@ -5041,7 +7326,6 @@
               <a:rPr lang="en-US" sz="3600" dirty="0" smtClean="0"/>
               <a:t>1980s – Bulletin Board Systems</a:t>
             </a:r>
-            <a:endParaRPr lang="en-US" sz="3600" dirty="0" smtClean="0"/>
           </a:p>
           <a:p>
             <a:r>
@@ -5082,13 +7366,8 @@
           <a:p>
             <a:r>
               <a:rPr lang="en-US" sz="3600" dirty="0" smtClean="0"/>
-              <a:t>1995 – Commercialization of the </a:t>
-            </a:r>
-            <a:r>
-              <a:rPr lang="en-US" sz="3600" dirty="0" smtClean="0"/>
-              <a:t>internet</a:t>
-            </a:r>
-            <a:endParaRPr lang="en-US" sz="3600" dirty="0" smtClean="0"/>
+              <a:t>1995 – Commercialization of the internet</a:t>
+            </a:r>
           </a:p>
           <a:p>
             <a:endParaRPr lang="en-US" sz="3600" dirty="0"/>
@@ -5285,14 +7564,233 @@
       </p:pic>
       <p:sp>
         <p:nvSpPr>
+          <p:cNvPr id="8" name="TextBox 7"/>
+          <p:cNvSpPr txBox="1"/>
+          <p:nvPr/>
+        </p:nvSpPr>
+        <p:spPr>
+          <a:xfrm>
+            <a:off x="0" y="1752600"/>
+            <a:ext cx="9144000" cy="830997"/>
+          </a:xfrm>
+          <a:prstGeom prst="rect">
+            <a:avLst/>
+          </a:prstGeom>
+          <a:noFill/>
+        </p:spPr>
+        <p:txBody>
+          <a:bodyPr wrap="square" rtlCol="0">
+            <a:spAutoFit/>
+          </a:bodyPr>
+          <a:lstStyle/>
+          <a:p>
+            <a:pPr algn="ctr"/>
+            <a:r>
+              <a:rPr lang="en-US" sz="4800" dirty="0" smtClean="0"/>
+              <a:t>Networks</a:t>
+            </a:r>
+            <a:endParaRPr lang="en-US" sz="4800" dirty="0"/>
+          </a:p>
+        </p:txBody>
+      </p:sp>
+    </p:spTree>
+  </p:cSld>
+  <p:clrMapOvr>
+    <a:masterClrMapping/>
+  </p:clrMapOvr>
+  <p:timing>
+    <p:tnLst>
+      <p:par>
+        <p:cTn id="1" dur="indefinite" restart="never" nodeType="tmRoot"/>
+      </p:par>
+    </p:tnLst>
+  </p:timing>
+</p:sld>
+</file>
+
+<file path=ppt/slides/slide6.xml><?xml version="1.0" encoding="utf-8"?>
+<p:sld xmlns:a="http://schemas.openxmlformats.org/drawingml/2006/main" xmlns:r="http://schemas.openxmlformats.org/officeDocument/2006/relationships" xmlns:p="http://schemas.openxmlformats.org/presentationml/2006/main">
+  <p:cSld>
+    <p:spTree>
+      <p:nvGrpSpPr>
+        <p:cNvPr id="1" name=""/>
+        <p:cNvGrpSpPr/>
+        <p:nvPr/>
+      </p:nvGrpSpPr>
+      <p:grpSpPr>
+        <a:xfrm>
+          <a:off x="0" y="0"/>
+          <a:ext cx="0" cy="0"/>
+          <a:chOff x="0" y="0"/>
+          <a:chExt cx="0" cy="0"/>
+        </a:xfrm>
+      </p:grpSpPr>
+      <p:sp>
+        <p:nvSpPr>
+          <p:cNvPr id="4" name="Rectangle 3"/>
+          <p:cNvSpPr/>
+          <p:nvPr/>
+        </p:nvSpPr>
+        <p:spPr>
+          <a:xfrm>
+            <a:off x="0" y="6096000"/>
+            <a:ext cx="9144000" cy="762000"/>
+          </a:xfrm>
+          <a:prstGeom prst="rect">
+            <a:avLst/>
+          </a:prstGeom>
+          <a:solidFill>
+            <a:schemeClr val="tx1">
+              <a:lumMod val="85000"/>
+              <a:lumOff val="15000"/>
+            </a:schemeClr>
+          </a:solidFill>
+        </p:spPr>
+        <p:style>
+          <a:lnRef idx="2">
+            <a:schemeClr val="accent1">
+              <a:shade val="50000"/>
+            </a:schemeClr>
+          </a:lnRef>
+          <a:fillRef idx="1">
+            <a:schemeClr val="accent1"/>
+          </a:fillRef>
+          <a:effectRef idx="0">
+            <a:schemeClr val="accent1"/>
+          </a:effectRef>
+          <a:fontRef idx="minor">
+            <a:schemeClr val="lt1"/>
+          </a:fontRef>
+        </p:style>
+        <p:txBody>
+          <a:bodyPr rtlCol="0" anchor="ctr"/>
+          <a:lstStyle/>
+          <a:p>
+            <a:pPr algn="ctr"/>
+            <a:endParaRPr lang="en-US"/>
+          </a:p>
+        </p:txBody>
+      </p:sp>
+      <p:pic>
+        <p:nvPicPr>
+          <p:cNvPr id="1027" name="Picture 3"/>
+          <p:cNvPicPr>
+            <a:picLocks noChangeAspect="1" noChangeArrowheads="1"/>
+          </p:cNvPicPr>
+          <p:nvPr/>
+        </p:nvPicPr>
+        <p:blipFill>
+          <a:blip r:embed="rId3" cstate="print"/>
+          <a:srcRect/>
+          <a:stretch>
+            <a:fillRect/>
+          </a:stretch>
+        </p:blipFill>
+        <p:spPr bwMode="auto">
+          <a:xfrm>
+            <a:off x="228600" y="6248400"/>
+            <a:ext cx="1371600" cy="410346"/>
+          </a:xfrm>
+          <a:prstGeom prst="rect">
+            <a:avLst/>
+          </a:prstGeom>
+          <a:noFill/>
+          <a:ln w="9525">
+            <a:noFill/>
+            <a:miter lim="800000"/>
+            <a:headEnd/>
+            <a:tailEnd/>
+          </a:ln>
+          <a:effectLst/>
+        </p:spPr>
+      </p:pic>
+      <p:sp>
+        <p:nvSpPr>
+          <p:cNvPr id="10" name="TextBox 9"/>
+          <p:cNvSpPr txBox="1"/>
+          <p:nvPr/>
+        </p:nvSpPr>
+        <p:spPr>
+          <a:xfrm>
+            <a:off x="2057400" y="6324600"/>
+            <a:ext cx="4419600" cy="369332"/>
+          </a:xfrm>
+          <a:prstGeom prst="rect">
+            <a:avLst/>
+          </a:prstGeom>
+          <a:noFill/>
+        </p:spPr>
+        <p:txBody>
+          <a:bodyPr wrap="square" rtlCol="0">
+            <a:spAutoFit/>
+          </a:bodyPr>
+          <a:lstStyle/>
+          <a:p>
+            <a:r>
+              <a:rPr lang="en-US" dirty="0" smtClean="0">
+                <a:solidFill>
+                  <a:schemeClr val="bg1"/>
+                </a:solidFill>
+                <a:latin typeface="Verdana" pitchFamily="34" charset="0"/>
+                <a:ea typeface="Verdana" pitchFamily="34" charset="0"/>
+                <a:cs typeface="Verdana" pitchFamily="34" charset="0"/>
+              </a:rPr>
+              <a:t>Testing web applications &amp; services</a:t>
+            </a:r>
+            <a:endParaRPr lang="en-US" dirty="0">
+              <a:solidFill>
+                <a:schemeClr val="bg1"/>
+              </a:solidFill>
+              <a:latin typeface="Verdana" pitchFamily="34" charset="0"/>
+              <a:ea typeface="Verdana" pitchFamily="34" charset="0"/>
+              <a:cs typeface="Verdana" pitchFamily="34" charset="0"/>
+            </a:endParaRPr>
+          </a:p>
+        </p:txBody>
+      </p:sp>
+      <p:pic>
+        <p:nvPicPr>
+          <p:cNvPr id="1033" name="Picture 9"/>
+          <p:cNvPicPr>
+            <a:picLocks noChangeAspect="1" noChangeArrowheads="1"/>
+          </p:cNvPicPr>
+          <p:nvPr/>
+        </p:nvPicPr>
+        <p:blipFill>
+          <a:blip r:embed="rId4" cstate="print"/>
+          <a:srcRect/>
+          <a:stretch>
+            <a:fillRect/>
+          </a:stretch>
+        </p:blipFill>
+        <p:spPr bwMode="auto">
+          <a:xfrm>
+            <a:off x="6934202" y="6248400"/>
+            <a:ext cx="1981195" cy="431239"/>
+          </a:xfrm>
+          <a:prstGeom prst="rect">
+            <a:avLst/>
+          </a:prstGeom>
+          <a:noFill/>
+          <a:ln w="9525">
+            <a:noFill/>
+            <a:miter lim="800000"/>
+            <a:headEnd/>
+            <a:tailEnd/>
+          </a:ln>
+          <a:effectLst/>
+        </p:spPr>
+      </p:pic>
+      <p:sp>
+        <p:nvSpPr>
           <p:cNvPr id="13" name="TextBox 12"/>
           <p:cNvSpPr txBox="1"/>
           <p:nvPr/>
         </p:nvSpPr>
         <p:spPr>
           <a:xfrm>
-            <a:off x="7467600" y="0"/>
-            <a:ext cx="1676400" cy="584775"/>
+            <a:off x="7315200" y="0"/>
+            <a:ext cx="1828800" cy="584775"/>
           </a:xfrm>
           <a:prstGeom prst="rect">
             <a:avLst/>
@@ -5311,7 +7809,7 @@
           <a:p>
             <a:r>
               <a:rPr lang="en-US" sz="3200" dirty="0" smtClean="0"/>
-              <a:t>Timeline</a:t>
+              <a:t>Networks</a:t>
             </a:r>
             <a:endParaRPr lang="en-US" sz="3200" dirty="0"/>
           </a:p>
@@ -5325,7 +7823,7 @@
         </p:nvSpPr>
         <p:spPr>
           <a:xfrm>
-            <a:off x="0" y="914400"/>
+            <a:off x="0" y="990600"/>
             <a:ext cx="9144000" cy="830997"/>
           </a:xfrm>
           <a:prstGeom prst="rect">
@@ -5341,8 +7839,1039 @@
           <a:p>
             <a:pPr algn="ctr"/>
             <a:r>
+              <a:rPr lang="en-US" sz="4800" u="sng" dirty="0" smtClean="0"/>
+              <a:t>The OSI Model</a:t>
+            </a:r>
+            <a:endParaRPr lang="en-US" sz="4800" u="sng" dirty="0"/>
+          </a:p>
+        </p:txBody>
+      </p:sp>
+      <p:sp>
+        <p:nvSpPr>
+          <p:cNvPr id="9" name="TextBox 8"/>
+          <p:cNvSpPr txBox="1"/>
+          <p:nvPr/>
+        </p:nvSpPr>
+        <p:spPr>
+          <a:xfrm>
+            <a:off x="2819400" y="1981200"/>
+            <a:ext cx="3581400" cy="3970318"/>
+          </a:xfrm>
+          <a:prstGeom prst="rect">
+            <a:avLst/>
+          </a:prstGeom>
+          <a:noFill/>
+        </p:spPr>
+        <p:txBody>
+          <a:bodyPr wrap="square" rtlCol="0">
+            <a:spAutoFit/>
+          </a:bodyPr>
+          <a:lstStyle/>
+          <a:p>
+            <a:pPr marL="742950" lvl="0" indent="-742950">
+              <a:buFont typeface="+mj-lt"/>
+              <a:buAutoNum type="arabicPeriod"/>
+            </a:pPr>
+            <a:r>
+              <a:rPr lang="en-US" sz="3600" dirty="0" smtClean="0"/>
+              <a:t>Physical </a:t>
+            </a:r>
+          </a:p>
+          <a:p>
+            <a:pPr marL="742950" lvl="0" indent="-742950">
+              <a:buFont typeface="+mj-lt"/>
+              <a:buAutoNum type="arabicPeriod"/>
+            </a:pPr>
+            <a:r>
+              <a:rPr lang="en-US" sz="3600" dirty="0" smtClean="0"/>
+              <a:t>Data Link</a:t>
+            </a:r>
+          </a:p>
+          <a:p>
+            <a:pPr marL="742950" lvl="0" indent="-742950">
+              <a:buFont typeface="+mj-lt"/>
+              <a:buAutoNum type="arabicPeriod"/>
+            </a:pPr>
+            <a:r>
+              <a:rPr lang="en-US" sz="3600" dirty="0" smtClean="0"/>
+              <a:t>Network</a:t>
+            </a:r>
+          </a:p>
+          <a:p>
+            <a:pPr marL="742950" lvl="0" indent="-742950">
+              <a:buFont typeface="+mj-lt"/>
+              <a:buAutoNum type="arabicPeriod"/>
+            </a:pPr>
+            <a:r>
+              <a:rPr lang="en-US" sz="3600" dirty="0" smtClean="0"/>
+              <a:t>Transport</a:t>
+            </a:r>
+          </a:p>
+          <a:p>
+            <a:pPr marL="742950" lvl="0" indent="-742950">
+              <a:buFont typeface="+mj-lt"/>
+              <a:buAutoNum type="arabicPeriod"/>
+            </a:pPr>
+            <a:r>
+              <a:rPr lang="en-US" sz="3600" dirty="0" smtClean="0"/>
+              <a:t>Session </a:t>
+            </a:r>
+          </a:p>
+          <a:p>
+            <a:pPr marL="742950" lvl="0" indent="-742950">
+              <a:buFont typeface="+mj-lt"/>
+              <a:buAutoNum type="arabicPeriod"/>
+            </a:pPr>
+            <a:r>
+              <a:rPr lang="en-US" sz="3600" dirty="0" smtClean="0"/>
+              <a:t>Presentation</a:t>
+            </a:r>
+          </a:p>
+          <a:p>
+            <a:pPr marL="742950" lvl="0" indent="-742950">
+              <a:buFont typeface="+mj-lt"/>
+              <a:buAutoNum type="arabicPeriod"/>
+            </a:pPr>
+            <a:r>
+              <a:rPr lang="en-US" sz="3600" dirty="0" smtClean="0"/>
+              <a:t>Application</a:t>
+            </a:r>
+            <a:endParaRPr lang="en-US" sz="3600" dirty="0"/>
+          </a:p>
+        </p:txBody>
+      </p:sp>
+    </p:spTree>
+  </p:cSld>
+  <p:clrMapOvr>
+    <a:masterClrMapping/>
+  </p:clrMapOvr>
+  <p:timing>
+    <p:tnLst>
+      <p:par>
+        <p:cTn id="1" dur="indefinite" restart="never" nodeType="tmRoot"/>
+      </p:par>
+    </p:tnLst>
+  </p:timing>
+</p:sld>
+</file>
+
+<file path=ppt/slides/slide7.xml><?xml version="1.0" encoding="utf-8"?>
+<p:sld xmlns:a="http://schemas.openxmlformats.org/drawingml/2006/main" xmlns:r="http://schemas.openxmlformats.org/officeDocument/2006/relationships" xmlns:p="http://schemas.openxmlformats.org/presentationml/2006/main">
+  <p:cSld>
+    <p:spTree>
+      <p:nvGrpSpPr>
+        <p:cNvPr id="1" name=""/>
+        <p:cNvGrpSpPr/>
+        <p:nvPr/>
+      </p:nvGrpSpPr>
+      <p:grpSpPr>
+        <a:xfrm>
+          <a:off x="0" y="0"/>
+          <a:ext cx="0" cy="0"/>
+          <a:chOff x="0" y="0"/>
+          <a:chExt cx="0" cy="0"/>
+        </a:xfrm>
+      </p:grpSpPr>
+      <p:sp>
+        <p:nvSpPr>
+          <p:cNvPr id="4" name="Rectangle 3"/>
+          <p:cNvSpPr/>
+          <p:nvPr/>
+        </p:nvSpPr>
+        <p:spPr>
+          <a:xfrm>
+            <a:off x="0" y="6096000"/>
+            <a:ext cx="9144000" cy="762000"/>
+          </a:xfrm>
+          <a:prstGeom prst="rect">
+            <a:avLst/>
+          </a:prstGeom>
+          <a:solidFill>
+            <a:schemeClr val="tx1">
+              <a:lumMod val="85000"/>
+              <a:lumOff val="15000"/>
+            </a:schemeClr>
+          </a:solidFill>
+        </p:spPr>
+        <p:style>
+          <a:lnRef idx="2">
+            <a:schemeClr val="accent1">
+              <a:shade val="50000"/>
+            </a:schemeClr>
+          </a:lnRef>
+          <a:fillRef idx="1">
+            <a:schemeClr val="accent1"/>
+          </a:fillRef>
+          <a:effectRef idx="0">
+            <a:schemeClr val="accent1"/>
+          </a:effectRef>
+          <a:fontRef idx="minor">
+            <a:schemeClr val="lt1"/>
+          </a:fontRef>
+        </p:style>
+        <p:txBody>
+          <a:bodyPr rtlCol="0" anchor="ctr"/>
+          <a:lstStyle/>
+          <a:p>
+            <a:pPr algn="ctr"/>
+            <a:endParaRPr lang="en-US"/>
+          </a:p>
+        </p:txBody>
+      </p:sp>
+      <p:pic>
+        <p:nvPicPr>
+          <p:cNvPr id="1027" name="Picture 3"/>
+          <p:cNvPicPr>
+            <a:picLocks noChangeAspect="1" noChangeArrowheads="1"/>
+          </p:cNvPicPr>
+          <p:nvPr/>
+        </p:nvPicPr>
+        <p:blipFill>
+          <a:blip r:embed="rId3" cstate="print"/>
+          <a:srcRect/>
+          <a:stretch>
+            <a:fillRect/>
+          </a:stretch>
+        </p:blipFill>
+        <p:spPr bwMode="auto">
+          <a:xfrm>
+            <a:off x="228600" y="6248400"/>
+            <a:ext cx="1371600" cy="410346"/>
+          </a:xfrm>
+          <a:prstGeom prst="rect">
+            <a:avLst/>
+          </a:prstGeom>
+          <a:noFill/>
+          <a:ln w="9525">
+            <a:noFill/>
+            <a:miter lim="800000"/>
+            <a:headEnd/>
+            <a:tailEnd/>
+          </a:ln>
+          <a:effectLst/>
+        </p:spPr>
+      </p:pic>
+      <p:sp>
+        <p:nvSpPr>
+          <p:cNvPr id="10" name="TextBox 9"/>
+          <p:cNvSpPr txBox="1"/>
+          <p:nvPr/>
+        </p:nvSpPr>
+        <p:spPr>
+          <a:xfrm>
+            <a:off x="2057400" y="6324600"/>
+            <a:ext cx="4419600" cy="369332"/>
+          </a:xfrm>
+          <a:prstGeom prst="rect">
+            <a:avLst/>
+          </a:prstGeom>
+          <a:noFill/>
+        </p:spPr>
+        <p:txBody>
+          <a:bodyPr wrap="square" rtlCol="0">
+            <a:spAutoFit/>
+          </a:bodyPr>
+          <a:lstStyle/>
+          <a:p>
+            <a:r>
+              <a:rPr lang="en-US" dirty="0" smtClean="0">
+                <a:solidFill>
+                  <a:schemeClr val="bg1"/>
+                </a:solidFill>
+                <a:latin typeface="Verdana" pitchFamily="34" charset="0"/>
+                <a:ea typeface="Verdana" pitchFamily="34" charset="0"/>
+                <a:cs typeface="Verdana" pitchFamily="34" charset="0"/>
+              </a:rPr>
+              <a:t>Testing web applications &amp; services</a:t>
+            </a:r>
+            <a:endParaRPr lang="en-US" dirty="0">
+              <a:solidFill>
+                <a:schemeClr val="bg1"/>
+              </a:solidFill>
+              <a:latin typeface="Verdana" pitchFamily="34" charset="0"/>
+              <a:ea typeface="Verdana" pitchFamily="34" charset="0"/>
+              <a:cs typeface="Verdana" pitchFamily="34" charset="0"/>
+            </a:endParaRPr>
+          </a:p>
+        </p:txBody>
+      </p:sp>
+      <p:pic>
+        <p:nvPicPr>
+          <p:cNvPr id="1033" name="Picture 9"/>
+          <p:cNvPicPr>
+            <a:picLocks noChangeAspect="1" noChangeArrowheads="1"/>
+          </p:cNvPicPr>
+          <p:nvPr/>
+        </p:nvPicPr>
+        <p:blipFill>
+          <a:blip r:embed="rId4" cstate="print"/>
+          <a:srcRect/>
+          <a:stretch>
+            <a:fillRect/>
+          </a:stretch>
+        </p:blipFill>
+        <p:spPr bwMode="auto">
+          <a:xfrm>
+            <a:off x="6934202" y="6248400"/>
+            <a:ext cx="1981195" cy="431239"/>
+          </a:xfrm>
+          <a:prstGeom prst="rect">
+            <a:avLst/>
+          </a:prstGeom>
+          <a:noFill/>
+          <a:ln w="9525">
+            <a:noFill/>
+            <a:miter lim="800000"/>
+            <a:headEnd/>
+            <a:tailEnd/>
+          </a:ln>
+          <a:effectLst/>
+        </p:spPr>
+      </p:pic>
+      <p:sp>
+        <p:nvSpPr>
+          <p:cNvPr id="13" name="TextBox 12"/>
+          <p:cNvSpPr txBox="1"/>
+          <p:nvPr/>
+        </p:nvSpPr>
+        <p:spPr>
+          <a:xfrm>
+            <a:off x="7315200" y="0"/>
+            <a:ext cx="1828800" cy="584775"/>
+          </a:xfrm>
+          <a:prstGeom prst="rect">
+            <a:avLst/>
+          </a:prstGeom>
+          <a:solidFill>
+            <a:schemeClr val="bg2">
+              <a:lumMod val="75000"/>
+            </a:schemeClr>
+          </a:solidFill>
+        </p:spPr>
+        <p:txBody>
+          <a:bodyPr wrap="square" rtlCol="0">
+            <a:spAutoFit/>
+          </a:bodyPr>
+          <a:lstStyle/>
+          <a:p>
+            <a:r>
+              <a:rPr lang="en-US" sz="3200" dirty="0" smtClean="0"/>
+              <a:t>Networks</a:t>
+            </a:r>
+            <a:endParaRPr lang="en-US" sz="3200" dirty="0"/>
+          </a:p>
+        </p:txBody>
+      </p:sp>
+      <p:sp>
+        <p:nvSpPr>
+          <p:cNvPr id="8" name="TextBox 7"/>
+          <p:cNvSpPr txBox="1"/>
+          <p:nvPr/>
+        </p:nvSpPr>
+        <p:spPr>
+          <a:xfrm>
+            <a:off x="0" y="990600"/>
+            <a:ext cx="9144000" cy="830997"/>
+          </a:xfrm>
+          <a:prstGeom prst="rect">
+            <a:avLst/>
+          </a:prstGeom>
+          <a:noFill/>
+        </p:spPr>
+        <p:txBody>
+          <a:bodyPr wrap="square" rtlCol="0">
+            <a:spAutoFit/>
+          </a:bodyPr>
+          <a:lstStyle/>
+          <a:p>
+            <a:pPr algn="ctr"/>
+            <a:r>
+              <a:rPr lang="en-US" sz="4800" u="sng" dirty="0" smtClean="0"/>
+              <a:t>The </a:t>
+            </a:r>
+            <a:r>
+              <a:rPr lang="en-US" sz="4800" u="sng" dirty="0" smtClean="0"/>
+              <a:t>Internet </a:t>
+            </a:r>
+            <a:r>
+              <a:rPr lang="en-US" sz="4800" u="sng" dirty="0" smtClean="0"/>
+              <a:t>Model</a:t>
+            </a:r>
+            <a:endParaRPr lang="en-US" sz="4800" u="sng" dirty="0"/>
+          </a:p>
+        </p:txBody>
+      </p:sp>
+      <p:sp>
+        <p:nvSpPr>
+          <p:cNvPr id="9" name="TextBox 8"/>
+          <p:cNvSpPr txBox="1"/>
+          <p:nvPr/>
+        </p:nvSpPr>
+        <p:spPr>
+          <a:xfrm>
+            <a:off x="2286000" y="1981200"/>
+            <a:ext cx="4648200" cy="2862322"/>
+          </a:xfrm>
+          <a:prstGeom prst="rect">
+            <a:avLst/>
+          </a:prstGeom>
+          <a:noFill/>
+        </p:spPr>
+        <p:txBody>
+          <a:bodyPr wrap="square" rtlCol="0">
+            <a:spAutoFit/>
+          </a:bodyPr>
+          <a:lstStyle/>
+          <a:p>
+            <a:pPr marL="742950" lvl="0" indent="-742950">
+              <a:buFont typeface="+mj-lt"/>
+              <a:buAutoNum type="arabicPeriod"/>
+            </a:pPr>
+            <a:r>
+              <a:rPr lang="en-US" sz="3600" dirty="0" smtClean="0"/>
+              <a:t>Link Layer</a:t>
+            </a:r>
+          </a:p>
+          <a:p>
+            <a:pPr marL="742950" lvl="0" indent="-742950">
+              <a:buFont typeface="+mj-lt"/>
+              <a:buAutoNum type="arabicPeriod"/>
+            </a:pPr>
+            <a:r>
+              <a:rPr lang="en-US" sz="3600" dirty="0" smtClean="0"/>
+              <a:t>Internet Layer</a:t>
+            </a:r>
+          </a:p>
+          <a:p>
+            <a:pPr marL="742950" lvl="0" indent="-742950">
+              <a:buFont typeface="+mj-lt"/>
+              <a:buAutoNum type="arabicPeriod"/>
+            </a:pPr>
+            <a:r>
+              <a:rPr lang="en-US" sz="3600" dirty="0" smtClean="0"/>
+              <a:t>Transport Layer</a:t>
+            </a:r>
+          </a:p>
+          <a:p>
+            <a:pPr marL="742950" lvl="0" indent="-742950">
+              <a:buFont typeface="+mj-lt"/>
+              <a:buAutoNum type="arabicPeriod"/>
+            </a:pPr>
+            <a:r>
+              <a:rPr lang="en-US" sz="3600" dirty="0" smtClean="0"/>
+              <a:t>Application Layer</a:t>
+            </a:r>
+          </a:p>
+          <a:p>
+            <a:pPr marL="742950" lvl="0" indent="-742950">
+              <a:buFont typeface="+mj-lt"/>
+              <a:buAutoNum type="arabicPeriod"/>
+            </a:pPr>
+            <a:endParaRPr lang="en-US" sz="3600" dirty="0"/>
+          </a:p>
+        </p:txBody>
+      </p:sp>
+    </p:spTree>
+  </p:cSld>
+  <p:clrMapOvr>
+    <a:masterClrMapping/>
+  </p:clrMapOvr>
+  <p:timing>
+    <p:tnLst>
+      <p:par>
+        <p:cTn id="1" dur="indefinite" restart="never" nodeType="tmRoot"/>
+      </p:par>
+    </p:tnLst>
+  </p:timing>
+</p:sld>
+</file>
+
+<file path=ppt/slides/slide8.xml><?xml version="1.0" encoding="utf-8"?>
+<p:sld xmlns:a="http://schemas.openxmlformats.org/drawingml/2006/main" xmlns:r="http://schemas.openxmlformats.org/officeDocument/2006/relationships" xmlns:p="http://schemas.openxmlformats.org/presentationml/2006/main">
+  <p:cSld>
+    <p:spTree>
+      <p:nvGrpSpPr>
+        <p:cNvPr id="1" name=""/>
+        <p:cNvGrpSpPr/>
+        <p:nvPr/>
+      </p:nvGrpSpPr>
+      <p:grpSpPr>
+        <a:xfrm>
+          <a:off x="0" y="0"/>
+          <a:ext cx="0" cy="0"/>
+          <a:chOff x="0" y="0"/>
+          <a:chExt cx="0" cy="0"/>
+        </a:xfrm>
+      </p:grpSpPr>
+      <p:sp>
+        <p:nvSpPr>
+          <p:cNvPr id="4" name="Rectangle 3"/>
+          <p:cNvSpPr/>
+          <p:nvPr/>
+        </p:nvSpPr>
+        <p:spPr>
+          <a:xfrm>
+            <a:off x="0" y="6096000"/>
+            <a:ext cx="9144000" cy="762000"/>
+          </a:xfrm>
+          <a:prstGeom prst="rect">
+            <a:avLst/>
+          </a:prstGeom>
+          <a:solidFill>
+            <a:schemeClr val="tx1">
+              <a:lumMod val="85000"/>
+              <a:lumOff val="15000"/>
+            </a:schemeClr>
+          </a:solidFill>
+        </p:spPr>
+        <p:style>
+          <a:lnRef idx="2">
+            <a:schemeClr val="accent1">
+              <a:shade val="50000"/>
+            </a:schemeClr>
+          </a:lnRef>
+          <a:fillRef idx="1">
+            <a:schemeClr val="accent1"/>
+          </a:fillRef>
+          <a:effectRef idx="0">
+            <a:schemeClr val="accent1"/>
+          </a:effectRef>
+          <a:fontRef idx="minor">
+            <a:schemeClr val="lt1"/>
+          </a:fontRef>
+        </p:style>
+        <p:txBody>
+          <a:bodyPr rtlCol="0" anchor="ctr"/>
+          <a:lstStyle/>
+          <a:p>
+            <a:pPr algn="ctr"/>
+            <a:endParaRPr lang="en-US"/>
+          </a:p>
+        </p:txBody>
+      </p:sp>
+      <p:pic>
+        <p:nvPicPr>
+          <p:cNvPr id="1027" name="Picture 3"/>
+          <p:cNvPicPr>
+            <a:picLocks noChangeAspect="1" noChangeArrowheads="1"/>
+          </p:cNvPicPr>
+          <p:nvPr/>
+        </p:nvPicPr>
+        <p:blipFill>
+          <a:blip r:embed="rId3" cstate="print"/>
+          <a:srcRect/>
+          <a:stretch>
+            <a:fillRect/>
+          </a:stretch>
+        </p:blipFill>
+        <p:spPr bwMode="auto">
+          <a:xfrm>
+            <a:off x="228600" y="6248400"/>
+            <a:ext cx="1371600" cy="410346"/>
+          </a:xfrm>
+          <a:prstGeom prst="rect">
+            <a:avLst/>
+          </a:prstGeom>
+          <a:noFill/>
+          <a:ln w="9525">
+            <a:noFill/>
+            <a:miter lim="800000"/>
+            <a:headEnd/>
+            <a:tailEnd/>
+          </a:ln>
+          <a:effectLst/>
+        </p:spPr>
+      </p:pic>
+      <p:sp>
+        <p:nvSpPr>
+          <p:cNvPr id="10" name="TextBox 9"/>
+          <p:cNvSpPr txBox="1"/>
+          <p:nvPr/>
+        </p:nvSpPr>
+        <p:spPr>
+          <a:xfrm>
+            <a:off x="2057400" y="6324600"/>
+            <a:ext cx="4419600" cy="369332"/>
+          </a:xfrm>
+          <a:prstGeom prst="rect">
+            <a:avLst/>
+          </a:prstGeom>
+          <a:noFill/>
+        </p:spPr>
+        <p:txBody>
+          <a:bodyPr wrap="square" rtlCol="0">
+            <a:spAutoFit/>
+          </a:bodyPr>
+          <a:lstStyle/>
+          <a:p>
+            <a:r>
+              <a:rPr lang="en-US" dirty="0" smtClean="0">
+                <a:solidFill>
+                  <a:schemeClr val="bg1"/>
+                </a:solidFill>
+                <a:latin typeface="Verdana" pitchFamily="34" charset="0"/>
+                <a:ea typeface="Verdana" pitchFamily="34" charset="0"/>
+                <a:cs typeface="Verdana" pitchFamily="34" charset="0"/>
+              </a:rPr>
+              <a:t>Testing web applications &amp; services</a:t>
+            </a:r>
+            <a:endParaRPr lang="en-US" dirty="0">
+              <a:solidFill>
+                <a:schemeClr val="bg1"/>
+              </a:solidFill>
+              <a:latin typeface="Verdana" pitchFamily="34" charset="0"/>
+              <a:ea typeface="Verdana" pitchFamily="34" charset="0"/>
+              <a:cs typeface="Verdana" pitchFamily="34" charset="0"/>
+            </a:endParaRPr>
+          </a:p>
+        </p:txBody>
+      </p:sp>
+      <p:pic>
+        <p:nvPicPr>
+          <p:cNvPr id="1033" name="Picture 9"/>
+          <p:cNvPicPr>
+            <a:picLocks noChangeAspect="1" noChangeArrowheads="1"/>
+          </p:cNvPicPr>
+          <p:nvPr/>
+        </p:nvPicPr>
+        <p:blipFill>
+          <a:blip r:embed="rId4" cstate="print"/>
+          <a:srcRect/>
+          <a:stretch>
+            <a:fillRect/>
+          </a:stretch>
+        </p:blipFill>
+        <p:spPr bwMode="auto">
+          <a:xfrm>
+            <a:off x="6934202" y="6248400"/>
+            <a:ext cx="1981195" cy="431239"/>
+          </a:xfrm>
+          <a:prstGeom prst="rect">
+            <a:avLst/>
+          </a:prstGeom>
+          <a:noFill/>
+          <a:ln w="9525">
+            <a:noFill/>
+            <a:miter lim="800000"/>
+            <a:headEnd/>
+            <a:tailEnd/>
+          </a:ln>
+          <a:effectLst/>
+        </p:spPr>
+      </p:pic>
+      <p:sp>
+        <p:nvSpPr>
+          <p:cNvPr id="13" name="TextBox 12"/>
+          <p:cNvSpPr txBox="1"/>
+          <p:nvPr/>
+        </p:nvSpPr>
+        <p:spPr>
+          <a:xfrm>
+            <a:off x="7315200" y="0"/>
+            <a:ext cx="1828800" cy="584775"/>
+          </a:xfrm>
+          <a:prstGeom prst="rect">
+            <a:avLst/>
+          </a:prstGeom>
+          <a:solidFill>
+            <a:schemeClr val="bg2">
+              <a:lumMod val="75000"/>
+            </a:schemeClr>
+          </a:solidFill>
+        </p:spPr>
+        <p:txBody>
+          <a:bodyPr wrap="square" rtlCol="0">
+            <a:spAutoFit/>
+          </a:bodyPr>
+          <a:lstStyle/>
+          <a:p>
+            <a:r>
+              <a:rPr lang="en-US" sz="3200" dirty="0" smtClean="0"/>
+              <a:t>Networks</a:t>
+            </a:r>
+            <a:endParaRPr lang="en-US" sz="3200" dirty="0"/>
+          </a:p>
+        </p:txBody>
+      </p:sp>
+      <p:sp>
+        <p:nvSpPr>
+          <p:cNvPr id="8" name="TextBox 7"/>
+          <p:cNvSpPr txBox="1"/>
+          <p:nvPr/>
+        </p:nvSpPr>
+        <p:spPr>
+          <a:xfrm>
+            <a:off x="0" y="990600"/>
+            <a:ext cx="9144000" cy="830997"/>
+          </a:xfrm>
+          <a:prstGeom prst="rect">
+            <a:avLst/>
+          </a:prstGeom>
+          <a:noFill/>
+        </p:spPr>
+        <p:txBody>
+          <a:bodyPr wrap="square" rtlCol="0">
+            <a:spAutoFit/>
+          </a:bodyPr>
+          <a:lstStyle/>
+          <a:p>
+            <a:pPr algn="ctr"/>
+            <a:r>
               <a:rPr lang="en-US" sz="4800" dirty="0" smtClean="0"/>
+              <a:t>TCP/IP</a:t>
+            </a:r>
+            <a:endParaRPr lang="en-US" sz="4800" dirty="0"/>
+          </a:p>
+        </p:txBody>
+      </p:sp>
+      <p:pic>
+        <p:nvPicPr>
+          <p:cNvPr id="12" name="Picture 11" descr="tcpip-packet.jpg"/>
+          <p:cNvPicPr>
+            <a:picLocks noChangeAspect="1"/>
+          </p:cNvPicPr>
+          <p:nvPr/>
+        </p:nvPicPr>
+        <p:blipFill>
+          <a:blip r:embed="rId5" cstate="print"/>
+          <a:stretch>
+            <a:fillRect/>
+          </a:stretch>
+        </p:blipFill>
+        <p:spPr>
+          <a:xfrm>
+            <a:off x="1371600" y="1600200"/>
+            <a:ext cx="6019799" cy="4439003"/>
+          </a:xfrm>
+          <a:prstGeom prst="rect">
+            <a:avLst/>
+          </a:prstGeom>
+        </p:spPr>
+      </p:pic>
+    </p:spTree>
+  </p:cSld>
+  <p:clrMapOvr>
+    <a:masterClrMapping/>
+  </p:clrMapOvr>
+  <p:timing>
+    <p:tnLst>
+      <p:par>
+        <p:cTn id="1" dur="indefinite" restart="never" nodeType="tmRoot">
+          <p:childTnLst>
+            <p:seq concurrent="1" nextAc="seek">
+              <p:cTn id="2" dur="indefinite" nodeType="mainSeq">
+                <p:childTnLst>
+                  <p:par>
+                    <p:cTn id="3" fill="hold">
+                      <p:stCondLst>
+                        <p:cond delay="indefinite"/>
+                      </p:stCondLst>
+                      <p:childTnLst>
+                        <p:par>
+                          <p:cTn id="4" fill="hold">
+                            <p:stCondLst>
+                              <p:cond delay="0"/>
+                            </p:stCondLst>
+                            <p:childTnLst>
+                              <p:par>
+                                <p:cTn id="5" presetID="10" presetClass="entr" presetSubtype="0" fill="hold" nodeType="clickEffect">
+                                  <p:stCondLst>
+                                    <p:cond delay="0"/>
+                                  </p:stCondLst>
+                                  <p:childTnLst>
+                                    <p:set>
+                                      <p:cBhvr>
+                                        <p:cTn id="6" dur="1" fill="hold">
+                                          <p:stCondLst>
+                                            <p:cond delay="0"/>
+                                          </p:stCondLst>
+                                        </p:cTn>
+                                        <p:tgtEl>
+                                          <p:spTgt spid="12"/>
+                                        </p:tgtEl>
+                                        <p:attrNameLst>
+                                          <p:attrName>style.visibility</p:attrName>
+                                        </p:attrNameLst>
+                                      </p:cBhvr>
+                                      <p:to>
+                                        <p:strVal val="visible"/>
+                                      </p:to>
+                                    </p:set>
+                                    <p:animEffect transition="in" filter="fade">
+                                      <p:cBhvr>
+                                        <p:cTn id="7" dur="2000"/>
+                                        <p:tgtEl>
+                                          <p:spTgt spid="12"/>
+                                        </p:tgtEl>
+                                      </p:cBhvr>
+                                    </p:animEffect>
+                                  </p:childTnLst>
+                                </p:cTn>
+                              </p:par>
+                            </p:childTnLst>
+                          </p:cTn>
+                        </p:par>
+                      </p:childTnLst>
+                    </p:cTn>
+                  </p:par>
+                </p:childTnLst>
+              </p:cTn>
+              <p:prevCondLst>
+                <p:cond evt="onPrev" delay="0">
+                  <p:tgtEl>
+                    <p:sldTgt/>
+                  </p:tgtEl>
+                </p:cond>
+              </p:prevCondLst>
+              <p:nextCondLst>
+                <p:cond evt="onNext" delay="0">
+                  <p:tgtEl>
+                    <p:sldTgt/>
+                  </p:tgtEl>
+                </p:cond>
+              </p:nextCondLst>
+            </p:seq>
+          </p:childTnLst>
+        </p:cTn>
+      </p:par>
+    </p:tnLst>
+  </p:timing>
+</p:sld>
+</file>
+
+<file path=ppt/slides/slide9.xml><?xml version="1.0" encoding="utf-8"?>
+<p:sld xmlns:a="http://schemas.openxmlformats.org/drawingml/2006/main" xmlns:r="http://schemas.openxmlformats.org/officeDocument/2006/relationships" xmlns:p="http://schemas.openxmlformats.org/presentationml/2006/main">
+  <p:cSld>
+    <p:spTree>
+      <p:nvGrpSpPr>
+        <p:cNvPr id="1" name=""/>
+        <p:cNvGrpSpPr/>
+        <p:nvPr/>
+      </p:nvGrpSpPr>
+      <p:grpSpPr>
+        <a:xfrm>
+          <a:off x="0" y="0"/>
+          <a:ext cx="0" cy="0"/>
+          <a:chOff x="0" y="0"/>
+          <a:chExt cx="0" cy="0"/>
+        </a:xfrm>
+      </p:grpSpPr>
+      <p:sp>
+        <p:nvSpPr>
+          <p:cNvPr id="4" name="Rectangle 3"/>
+          <p:cNvSpPr/>
+          <p:nvPr/>
+        </p:nvSpPr>
+        <p:spPr>
+          <a:xfrm>
+            <a:off x="0" y="6096000"/>
+            <a:ext cx="9144000" cy="762000"/>
+          </a:xfrm>
+          <a:prstGeom prst="rect">
+            <a:avLst/>
+          </a:prstGeom>
+          <a:solidFill>
+            <a:schemeClr val="tx1">
+              <a:lumMod val="85000"/>
+              <a:lumOff val="15000"/>
+            </a:schemeClr>
+          </a:solidFill>
+        </p:spPr>
+        <p:style>
+          <a:lnRef idx="2">
+            <a:schemeClr val="accent1">
+              <a:shade val="50000"/>
+            </a:schemeClr>
+          </a:lnRef>
+          <a:fillRef idx="1">
+            <a:schemeClr val="accent1"/>
+          </a:fillRef>
+          <a:effectRef idx="0">
+            <a:schemeClr val="accent1"/>
+          </a:effectRef>
+          <a:fontRef idx="minor">
+            <a:schemeClr val="lt1"/>
+          </a:fontRef>
+        </p:style>
+        <p:txBody>
+          <a:bodyPr rtlCol="0" anchor="ctr"/>
+          <a:lstStyle/>
+          <a:p>
+            <a:pPr algn="ctr"/>
+            <a:endParaRPr lang="en-US"/>
+          </a:p>
+        </p:txBody>
+      </p:sp>
+      <p:pic>
+        <p:nvPicPr>
+          <p:cNvPr id="1027" name="Picture 3"/>
+          <p:cNvPicPr>
+            <a:picLocks noChangeAspect="1" noChangeArrowheads="1"/>
+          </p:cNvPicPr>
+          <p:nvPr/>
+        </p:nvPicPr>
+        <p:blipFill>
+          <a:blip r:embed="rId3" cstate="print"/>
+          <a:srcRect/>
+          <a:stretch>
+            <a:fillRect/>
+          </a:stretch>
+        </p:blipFill>
+        <p:spPr bwMode="auto">
+          <a:xfrm>
+            <a:off x="228600" y="6248400"/>
+            <a:ext cx="1371600" cy="410346"/>
+          </a:xfrm>
+          <a:prstGeom prst="rect">
+            <a:avLst/>
+          </a:prstGeom>
+          <a:noFill/>
+          <a:ln w="9525">
+            <a:noFill/>
+            <a:miter lim="800000"/>
+            <a:headEnd/>
+            <a:tailEnd/>
+          </a:ln>
+          <a:effectLst/>
+        </p:spPr>
+      </p:pic>
+      <p:sp>
+        <p:nvSpPr>
+          <p:cNvPr id="10" name="TextBox 9"/>
+          <p:cNvSpPr txBox="1"/>
+          <p:nvPr/>
+        </p:nvSpPr>
+        <p:spPr>
+          <a:xfrm>
+            <a:off x="2057400" y="6324600"/>
+            <a:ext cx="4419600" cy="369332"/>
+          </a:xfrm>
+          <a:prstGeom prst="rect">
+            <a:avLst/>
+          </a:prstGeom>
+          <a:noFill/>
+        </p:spPr>
+        <p:txBody>
+          <a:bodyPr wrap="square" rtlCol="0">
+            <a:spAutoFit/>
+          </a:bodyPr>
+          <a:lstStyle/>
+          <a:p>
+            <a:r>
+              <a:rPr lang="en-US" dirty="0" smtClean="0">
+                <a:solidFill>
+                  <a:schemeClr val="bg1"/>
+                </a:solidFill>
+                <a:latin typeface="Verdana" pitchFamily="34" charset="0"/>
+                <a:ea typeface="Verdana" pitchFamily="34" charset="0"/>
+                <a:cs typeface="Verdana" pitchFamily="34" charset="0"/>
+              </a:rPr>
+              <a:t>Testing web applications &amp; services</a:t>
+            </a:r>
+            <a:endParaRPr lang="en-US" dirty="0">
+              <a:solidFill>
+                <a:schemeClr val="bg1"/>
+              </a:solidFill>
+              <a:latin typeface="Verdana" pitchFamily="34" charset="0"/>
+              <a:ea typeface="Verdana" pitchFamily="34" charset="0"/>
+              <a:cs typeface="Verdana" pitchFamily="34" charset="0"/>
+            </a:endParaRPr>
+          </a:p>
+        </p:txBody>
+      </p:sp>
+      <p:pic>
+        <p:nvPicPr>
+          <p:cNvPr id="1033" name="Picture 9"/>
+          <p:cNvPicPr>
+            <a:picLocks noChangeAspect="1" noChangeArrowheads="1"/>
+          </p:cNvPicPr>
+          <p:nvPr/>
+        </p:nvPicPr>
+        <p:blipFill>
+          <a:blip r:embed="rId4" cstate="print"/>
+          <a:srcRect/>
+          <a:stretch>
+            <a:fillRect/>
+          </a:stretch>
+        </p:blipFill>
+        <p:spPr bwMode="auto">
+          <a:xfrm>
+            <a:off x="6934202" y="6248400"/>
+            <a:ext cx="1981195" cy="431239"/>
+          </a:xfrm>
+          <a:prstGeom prst="rect">
+            <a:avLst/>
+          </a:prstGeom>
+          <a:noFill/>
+          <a:ln w="9525">
+            <a:noFill/>
+            <a:miter lim="800000"/>
+            <a:headEnd/>
+            <a:tailEnd/>
+          </a:ln>
+          <a:effectLst/>
+        </p:spPr>
+      </p:pic>
+      <p:sp>
+        <p:nvSpPr>
+          <p:cNvPr id="13" name="TextBox 12"/>
+          <p:cNvSpPr txBox="1"/>
+          <p:nvPr/>
+        </p:nvSpPr>
+        <p:spPr>
+          <a:xfrm>
+            <a:off x="7315200" y="0"/>
+            <a:ext cx="1828800" cy="584775"/>
+          </a:xfrm>
+          <a:prstGeom prst="rect">
+            <a:avLst/>
+          </a:prstGeom>
+          <a:solidFill>
+            <a:schemeClr val="bg2">
+              <a:lumMod val="75000"/>
+            </a:schemeClr>
+          </a:solidFill>
+        </p:spPr>
+        <p:txBody>
+          <a:bodyPr wrap="square" rtlCol="0">
+            <a:spAutoFit/>
+          </a:bodyPr>
+          <a:lstStyle/>
+          <a:p>
+            <a:r>
+              <a:rPr lang="en-US" sz="3200" dirty="0" smtClean="0"/>
               <a:t>Networks</a:t>
+            </a:r>
+            <a:endParaRPr lang="en-US" sz="3200" dirty="0"/>
+          </a:p>
+        </p:txBody>
+      </p:sp>
+      <p:sp>
+        <p:nvSpPr>
+          <p:cNvPr id="8" name="TextBox 7"/>
+          <p:cNvSpPr txBox="1"/>
+          <p:nvPr/>
+        </p:nvSpPr>
+        <p:spPr>
+          <a:xfrm>
+            <a:off x="0" y="990600"/>
+            <a:ext cx="9144000" cy="830997"/>
+          </a:xfrm>
+          <a:prstGeom prst="rect">
+            <a:avLst/>
+          </a:prstGeom>
+          <a:noFill/>
+        </p:spPr>
+        <p:txBody>
+          <a:bodyPr wrap="square" rtlCol="0">
+            <a:spAutoFit/>
+          </a:bodyPr>
+          <a:lstStyle/>
+          <a:p>
+            <a:pPr algn="ctr"/>
+            <a:r>
+              <a:rPr lang="en-US" sz="4800" dirty="0" smtClean="0"/>
+              <a:t>Routing</a:t>
             </a:r>
             <a:endParaRPr lang="en-US" sz="4800" dirty="0"/>
           </a:p>

--- a/presentations/A technical understanding of the web.pptx
+++ b/presentations/A technical understanding of the web.pptx
@@ -5,21 +5,23 @@
     <p:sldMasterId id="2147483648" r:id="rId1"/>
   </p:sldMasterIdLst>
   <p:notesMasterIdLst>
-    <p:notesMasterId r:id="rId14"/>
+    <p:notesMasterId r:id="rId16"/>
   </p:notesMasterIdLst>
   <p:sldIdLst>
     <p:sldId id="256" r:id="rId2"/>
-    <p:sldId id="259" r:id="rId3"/>
-    <p:sldId id="260" r:id="rId4"/>
-    <p:sldId id="261" r:id="rId5"/>
-    <p:sldId id="263" r:id="rId6"/>
-    <p:sldId id="262" r:id="rId7"/>
-    <p:sldId id="264" r:id="rId8"/>
-    <p:sldId id="265" r:id="rId9"/>
-    <p:sldId id="266" r:id="rId10"/>
-    <p:sldId id="267" r:id="rId11"/>
-    <p:sldId id="268" r:id="rId12"/>
-    <p:sldId id="270" r:id="rId13"/>
+    <p:sldId id="271" r:id="rId3"/>
+    <p:sldId id="259" r:id="rId4"/>
+    <p:sldId id="260" r:id="rId5"/>
+    <p:sldId id="261" r:id="rId6"/>
+    <p:sldId id="263" r:id="rId7"/>
+    <p:sldId id="262" r:id="rId8"/>
+    <p:sldId id="264" r:id="rId9"/>
+    <p:sldId id="265" r:id="rId10"/>
+    <p:sldId id="266" r:id="rId11"/>
+    <p:sldId id="267" r:id="rId12"/>
+    <p:sldId id="268" r:id="rId13"/>
+    <p:sldId id="272" r:id="rId14"/>
+    <p:sldId id="270" r:id="rId15"/>
   </p:sldIdLst>
   <p:sldSz cx="9144000" cy="6858000" type="screen4x3"/>
   <p:notesSz cx="6858000" cy="9144000"/>
@@ -373,6 +375,11 @@
         </p:txBody>
       </p:sp>
     </p:spTree>
+    <p:extLst>
+      <p:ext uri="{BB962C8B-B14F-4D97-AF65-F5344CB8AC3E}">
+        <p14:creationId xmlns:p14="http://schemas.microsoft.com/office/powerpoint/2010/main" val="2576183043"/>
+      </p:ext>
+    </p:extLst>
   </p:cSld>
   <p:clrMap bg1="lt1" tx1="dk1" bg2="lt2" tx2="dk2" accent1="accent1" accent2="accent2" accent3="accent3" accent4="accent4" accent5="accent5" accent6="accent6" hlink="hlink" folHlink="folHlink"/>
   <p:notesStyle>
@@ -516,10 +523,123 @@
           </a:bodyPr>
           <a:lstStyle/>
           <a:p>
+            <a:r>
+              <a:rPr lang="en-US" sz="1200" i="0" kern="1200" dirty="0" smtClean="0">
+                <a:solidFill>
+                  <a:schemeClr val="tx1"/>
+                </a:solidFill>
+                <a:effectLst/>
+                <a:latin typeface="+mn-lt"/>
+                <a:ea typeface="+mn-ea"/>
+                <a:cs typeface="+mn-cs"/>
+              </a:rPr>
+              <a:t>From the top down: </a:t>
+            </a:r>
+            <a:endParaRPr lang="en-US" sz="1200" i="1" kern="1200" dirty="0" smtClean="0">
+              <a:solidFill>
+                <a:schemeClr val="tx1"/>
+              </a:solidFill>
+              <a:effectLst/>
+              <a:latin typeface="+mn-lt"/>
+              <a:ea typeface="+mn-ea"/>
+              <a:cs typeface="+mn-cs"/>
+            </a:endParaRPr>
+          </a:p>
+          <a:p>
+            <a:r>
+              <a:rPr lang="en-US" sz="1200" i="0" kern="1200" dirty="0" smtClean="0">
+                <a:solidFill>
+                  <a:schemeClr val="tx1"/>
+                </a:solidFill>
+                <a:effectLst/>
+                <a:latin typeface="+mn-lt"/>
+                <a:ea typeface="+mn-ea"/>
+                <a:cs typeface="+mn-cs"/>
+              </a:rPr>
+              <a:t>Browser, HTML, HTTP protocol, TCP/IP, sockets, DNS, routing. </a:t>
+            </a:r>
+          </a:p>
+          <a:p>
+            <a:endParaRPr lang="en-US" sz="1200" i="1" kern="1200" dirty="0" smtClean="0">
+              <a:solidFill>
+                <a:schemeClr val="tx1"/>
+              </a:solidFill>
+              <a:effectLst/>
+              <a:latin typeface="+mn-lt"/>
+              <a:ea typeface="+mn-ea"/>
+              <a:cs typeface="+mn-cs"/>
+            </a:endParaRPr>
+          </a:p>
+          <a:p>
+            <a:r>
+              <a:rPr lang="en-US" sz="1200" kern="1200" dirty="0" smtClean="0">
+                <a:solidFill>
+                  <a:schemeClr val="tx1"/>
+                </a:solidFill>
+                <a:effectLst/>
+                <a:latin typeface="+mn-lt"/>
+                <a:ea typeface="+mn-ea"/>
+                <a:cs typeface="+mn-cs"/>
+              </a:rPr>
+              <a:t>I want to go over the building blocks of a web application.  Not just the widgets and HTML &amp; JavaScript source files, but the underlying architecture, from packets on up to pixels, so we can test it from various perspectives.</a:t>
+            </a:r>
+          </a:p>
+          <a:p>
+            <a:endParaRPr lang="en-US" sz="1200" kern="1200" dirty="0" smtClean="0">
+              <a:solidFill>
+                <a:schemeClr val="tx1"/>
+              </a:solidFill>
+              <a:effectLst/>
+              <a:latin typeface="+mn-lt"/>
+              <a:ea typeface="+mn-ea"/>
+              <a:cs typeface="+mn-cs"/>
+            </a:endParaRPr>
+          </a:p>
+          <a:p>
+            <a:r>
+              <a:rPr lang="en-US" sz="1200" kern="1200" dirty="0" smtClean="0">
+                <a:solidFill>
+                  <a:schemeClr val="tx1"/>
+                </a:solidFill>
+                <a:effectLst/>
+                <a:latin typeface="+mn-lt"/>
+                <a:ea typeface="+mn-ea"/>
+                <a:cs typeface="+mn-cs"/>
+              </a:rPr>
+              <a:t>While it would be tedious to do all of testing at such a low level, sometimes it is useful in troubleshooting difficult problems.  And thinking of how the bits move will sometimes help you in planning for security or performance optimizations.</a:t>
+            </a:r>
+          </a:p>
+          <a:p>
+            <a:endParaRPr lang="en-US" sz="1200" kern="1200" dirty="0" smtClean="0">
+              <a:solidFill>
+                <a:schemeClr val="tx1"/>
+              </a:solidFill>
+              <a:effectLst/>
+              <a:latin typeface="+mn-lt"/>
+              <a:ea typeface="+mn-ea"/>
+              <a:cs typeface="+mn-cs"/>
+            </a:endParaRPr>
+          </a:p>
+          <a:p>
+            <a:r>
+              <a:rPr lang="en-US" sz="1200" kern="1200" dirty="0" smtClean="0">
+                <a:solidFill>
+                  <a:schemeClr val="tx1"/>
+                </a:solidFill>
+                <a:effectLst/>
+                <a:latin typeface="+mn-lt"/>
+                <a:ea typeface="+mn-ea"/>
+                <a:cs typeface="+mn-cs"/>
+              </a:rPr>
+              <a:t>Much of this may already be familiar to you, but bear with me.</a:t>
+            </a:r>
+          </a:p>
+          <a:p>
             <a:endParaRPr lang="en-US" sz="1200" kern="1200" dirty="0">
               <a:solidFill>
                 <a:schemeClr val="tx1"/>
               </a:solidFill>
+              <a:effectLst/>
               <a:latin typeface="+mn-lt"/>
               <a:ea typeface="+mn-ea"/>
               <a:cs typeface="+mn-cs"/>
@@ -608,41 +728,278 @@
             <a:pPr lvl="0"/>
             <a:r>
               <a:rPr lang="en-US" baseline="0" dirty="0" smtClean="0"/>
-              <a:t>TCP/IP is the standard  protocol for delivering information over the internet.</a:t>
-            </a:r>
-          </a:p>
-          <a:p>
-            <a:pPr lvl="0"/>
+              <a:t>Routing determines how data gets from computer A to Computer B</a:t>
+            </a:r>
+          </a:p>
+          <a:p>
+            <a:pPr lvl="0"/>
+            <a:r>
+              <a:rPr lang="en-US" baseline="0" dirty="0" smtClean="0"/>
+              <a:t>IP is the routing protocol of the internet.</a:t>
+            </a:r>
+          </a:p>
+          <a:p>
+            <a:pPr marL="0" marR="0" lvl="0" indent="0" algn="l" defTabSz="914400" rtl="0" eaLnBrk="1" fontAlgn="auto" latinLnBrk="0" hangingPunct="1">
+              <a:lnSpc>
+                <a:spcPct val="100000"/>
+              </a:lnSpc>
+              <a:spcBef>
+                <a:spcPts val="0"/>
+              </a:spcBef>
+              <a:spcAft>
+                <a:spcPts val="0"/>
+              </a:spcAft>
+              <a:buClrTx/>
+              <a:buSzTx/>
+              <a:buFontTx/>
+              <a:buNone/>
+              <a:tabLst/>
+              <a:defRPr/>
+            </a:pPr>
             <a:endParaRPr lang="en-US" baseline="0" dirty="0" smtClean="0"/>
           </a:p>
           <a:p>
-            <a:pPr lvl="0"/>
+            <a:pPr marL="0" marR="0" lvl="0" indent="0" algn="l" defTabSz="914400" rtl="0" eaLnBrk="1" fontAlgn="auto" latinLnBrk="0" hangingPunct="1">
+              <a:lnSpc>
+                <a:spcPct val="100000"/>
+              </a:lnSpc>
+              <a:spcBef>
+                <a:spcPts val="0"/>
+              </a:spcBef>
+              <a:spcAft>
+                <a:spcPts val="0"/>
+              </a:spcAft>
+              <a:buClrTx/>
+              <a:buSzTx/>
+              <a:buFontTx/>
+              <a:buNone/>
+              <a:tabLst/>
+              <a:defRPr/>
+            </a:pPr>
             <a:r>
               <a:rPr lang="en-US" baseline="0" dirty="0" smtClean="0"/>
-              <a:t>IP is responsible for routing between systems and TCP is responsible for delivering data.</a:t>
-            </a:r>
-          </a:p>
-          <a:p>
-            <a:pPr lvl="0"/>
+              <a:t>Routers have a list of IP addresses and directions for how to get to them.  </a:t>
+            </a:r>
+          </a:p>
+          <a:p>
+            <a:pPr marL="0" marR="0" lvl="0" indent="0" algn="l" defTabSz="914400" rtl="0" eaLnBrk="1" fontAlgn="auto" latinLnBrk="0" hangingPunct="1">
+              <a:lnSpc>
+                <a:spcPct val="100000"/>
+              </a:lnSpc>
+              <a:spcBef>
+                <a:spcPts val="0"/>
+              </a:spcBef>
+              <a:spcAft>
+                <a:spcPts val="0"/>
+              </a:spcAft>
+              <a:buClrTx/>
+              <a:buSzTx/>
+              <a:buFontTx/>
+              <a:buNone/>
+              <a:tabLst/>
+              <a:defRPr/>
+            </a:pPr>
             <a:endParaRPr lang="en-US" baseline="0" dirty="0" smtClean="0"/>
           </a:p>
           <a:p>
-            <a:pPr lvl="0"/>
+            <a:pPr marL="0" marR="0" lvl="0" indent="0" algn="l" defTabSz="914400" rtl="0" eaLnBrk="1" fontAlgn="auto" latinLnBrk="0" hangingPunct="1">
+              <a:lnSpc>
+                <a:spcPct val="100000"/>
+              </a:lnSpc>
+              <a:spcBef>
+                <a:spcPts val="0"/>
+              </a:spcBef>
+              <a:spcAft>
+                <a:spcPts val="0"/>
+              </a:spcAft>
+              <a:buClrTx/>
+              <a:buSzTx/>
+              <a:buFontTx/>
+              <a:buNone/>
+              <a:tabLst/>
+              <a:defRPr/>
+            </a:pPr>
             <a:r>
               <a:rPr lang="en-US" baseline="0" dirty="0" smtClean="0"/>
-              <a:t>You can see from this diagram of a TCP/IP packet, the IP Header has the source and destination address.</a:t>
-            </a:r>
+              <a:t>If they don’t know, they have directions to pass it to another router that may know. They have a range of IPs and the address of a router to pass the message along to that knows how to find it.  So one router doesn’t need to know how to communicate with all computers.</a:t>
+            </a:r>
+          </a:p>
+          <a:p>
+            <a:pPr marL="0" marR="0" lvl="0" indent="0" algn="l" defTabSz="914400" rtl="0" eaLnBrk="1" fontAlgn="auto" latinLnBrk="0" hangingPunct="1">
+              <a:lnSpc>
+                <a:spcPct val="100000"/>
+              </a:lnSpc>
+              <a:spcBef>
+                <a:spcPts val="0"/>
+              </a:spcBef>
+              <a:spcAft>
+                <a:spcPts val="0"/>
+              </a:spcAft>
+              <a:buClrTx/>
+              <a:buSzTx/>
+              <a:buFontTx/>
+              <a:buNone/>
+              <a:tabLst/>
+              <a:defRPr/>
+            </a:pPr>
+            <a:endParaRPr lang="en-US" baseline="0" dirty="0" smtClean="0"/>
           </a:p>
           <a:p>
             <a:pPr lvl="0"/>
             <a:r>
               <a:rPr lang="en-US" baseline="0" dirty="0" smtClean="0"/>
-              <a:t>The IP address that routers use to transport a packet </a:t>
-            </a:r>
-            <a:r>
-              <a:rPr lang="en-US" baseline="0" smtClean="0"/>
-              <a:t>between networks.</a:t>
-            </a:r>
+              <a:t>Every computer on the internet has an IP address.</a:t>
+            </a:r>
+          </a:p>
+          <a:p>
+            <a:pPr lvl="0"/>
+            <a:r>
+              <a:rPr lang="en-US" baseline="0" dirty="0" smtClean="0"/>
+              <a:t>  </a:t>
+            </a:r>
+          </a:p>
+          <a:p>
+            <a:pPr marL="0" marR="0" lvl="0" indent="0" algn="l" defTabSz="914400" rtl="0" eaLnBrk="1" fontAlgn="auto" latinLnBrk="0" hangingPunct="1">
+              <a:lnSpc>
+                <a:spcPct val="100000"/>
+              </a:lnSpc>
+              <a:spcBef>
+                <a:spcPts val="0"/>
+              </a:spcBef>
+              <a:spcAft>
+                <a:spcPts val="0"/>
+              </a:spcAft>
+              <a:buClrTx/>
+              <a:buSzTx/>
+              <a:buFontTx/>
+              <a:buNone/>
+              <a:tabLst/>
+              <a:defRPr/>
+            </a:pPr>
+            <a:r>
+              <a:rPr lang="en-US" baseline="0" dirty="0" smtClean="0"/>
+              <a:t>Many computers behind private networks also have an address, because we now use IP even for private networks, though this was not always the case.  Other protocols like IPX and NetBEUI were common</a:t>
+            </a:r>
+          </a:p>
+          <a:p>
+            <a:pPr lvl="0"/>
+            <a:endParaRPr lang="en-US" baseline="0" dirty="0" smtClean="0"/>
+          </a:p>
+          <a:p>
+            <a:pPr lvl="0"/>
+            <a:r>
+              <a:rPr lang="en-US" baseline="0" dirty="0" smtClean="0"/>
+              <a:t>A router between a private network and the internet  may use Network Address Translation (NAT) to convert a private address to the public one.  There are reserved IP addresses used for this.  Such as the 10.x range, 172.16.x and 192.168..x ranges.  You could use any address but by keeping to the reserved (not routable) addresses, you prevent address pollution in case there are any mistakes in your router configuration – which is more common than you’d think.</a:t>
+            </a:r>
+          </a:p>
+          <a:p>
+            <a:pPr lvl="0"/>
+            <a:endParaRPr lang="en-US" baseline="0" dirty="0" smtClean="0"/>
+          </a:p>
+          <a:p>
+            <a:pPr lvl="0"/>
+            <a:r>
+              <a:rPr lang="en-US" baseline="0" dirty="0" smtClean="0"/>
+              <a:t>The NAT router needs to keep track of packets from machine x with a reserved address of say 10.1.2.3 and indicate that packets returned to it are routed to the right machine on it’s sub-network.  But I won’t go into that because I don’t understand it very well.</a:t>
+            </a:r>
+          </a:p>
+          <a:p>
+            <a:pPr marL="0" marR="0" lvl="0" indent="0" algn="l" defTabSz="914400" rtl="0" eaLnBrk="1" fontAlgn="auto" latinLnBrk="0" hangingPunct="1">
+              <a:lnSpc>
+                <a:spcPct val="100000"/>
+              </a:lnSpc>
+              <a:spcBef>
+                <a:spcPts val="0"/>
+              </a:spcBef>
+              <a:spcAft>
+                <a:spcPts val="0"/>
+              </a:spcAft>
+              <a:buClrTx/>
+              <a:buSzTx/>
+              <a:buFontTx/>
+              <a:buNone/>
+              <a:tabLst/>
+              <a:defRPr/>
+            </a:pPr>
+            <a:endParaRPr lang="en-US" baseline="0" dirty="0" smtClean="0"/>
+          </a:p>
+          <a:p>
+            <a:pPr marL="0" marR="0" lvl="0" indent="0" algn="l" defTabSz="914400" rtl="0" eaLnBrk="1" fontAlgn="auto" latinLnBrk="0" hangingPunct="1">
+              <a:lnSpc>
+                <a:spcPct val="100000"/>
+              </a:lnSpc>
+              <a:spcBef>
+                <a:spcPts val="0"/>
+              </a:spcBef>
+              <a:spcAft>
+                <a:spcPts val="0"/>
+              </a:spcAft>
+              <a:buClrTx/>
+              <a:buSzTx/>
+              <a:buFontTx/>
+              <a:buNone/>
+              <a:tabLst/>
+              <a:defRPr/>
+            </a:pPr>
+            <a:r>
+              <a:rPr lang="en-US" baseline="0" dirty="0" smtClean="0"/>
+              <a:t>Routing isn’t a new concept.  The phone network used circuit switching to accomplish routing.  If you watch old movies where people ask the operator to connect them and the operator says “one moment please” – that’s routing.  It started off with people (typically women, because they had more pleasant voices – and were found to make fewer mistakes) actually pulling one wire out of a socket and plugging it into another socket.  First to connect 2 phones physically with one wire circuit, then to connect different exchanges, </a:t>
+            </a:r>
+            <a:r>
+              <a:rPr lang="en-US" baseline="0" dirty="0" err="1" smtClean="0"/>
+              <a:t>i.e..different</a:t>
+            </a:r>
+            <a:r>
+              <a:rPr lang="en-US" baseline="0" dirty="0" smtClean="0"/>
+              <a:t> cities.  One operator would have to call another operator to make the connection.  This was called hopping, and we still count hops between routers today.</a:t>
+            </a:r>
+          </a:p>
+          <a:p>
+            <a:pPr marL="0" marR="0" lvl="0" indent="0" algn="l" defTabSz="914400" rtl="0" eaLnBrk="1" fontAlgn="auto" latinLnBrk="0" hangingPunct="1">
+              <a:lnSpc>
+                <a:spcPct val="100000"/>
+              </a:lnSpc>
+              <a:spcBef>
+                <a:spcPts val="0"/>
+              </a:spcBef>
+              <a:spcAft>
+                <a:spcPts val="0"/>
+              </a:spcAft>
+              <a:buClrTx/>
+              <a:buSzTx/>
+              <a:buFontTx/>
+              <a:buNone/>
+              <a:tabLst/>
+              <a:defRPr/>
+            </a:pPr>
+            <a:endParaRPr lang="en-US" baseline="0" dirty="0" smtClean="0"/>
+          </a:p>
+          <a:p>
+            <a:pPr marL="0" marR="0" lvl="0" indent="0" algn="l" defTabSz="914400" rtl="0" eaLnBrk="1" fontAlgn="auto" latinLnBrk="0" hangingPunct="1">
+              <a:lnSpc>
+                <a:spcPct val="100000"/>
+              </a:lnSpc>
+              <a:spcBef>
+                <a:spcPts val="0"/>
+              </a:spcBef>
+              <a:spcAft>
+                <a:spcPts val="0"/>
+              </a:spcAft>
+              <a:buClrTx/>
+              <a:buSzTx/>
+              <a:buFontTx/>
+              <a:buNone/>
+              <a:tabLst/>
+              <a:defRPr/>
+            </a:pPr>
+            <a:endParaRPr lang="en-US" baseline="0" dirty="0" smtClean="0"/>
+          </a:p>
+          <a:p>
+            <a:pPr lvl="0"/>
+            <a:endParaRPr lang="en-US" baseline="0" dirty="0" smtClean="0"/>
+          </a:p>
+          <a:p>
+            <a:pPr lvl="0"/>
             <a:endParaRPr lang="en-US" baseline="0" dirty="0" smtClean="0"/>
           </a:p>
         </p:txBody>
@@ -726,43 +1083,6 @@
           <a:lstStyle/>
           <a:p>
             <a:pPr lvl="0"/>
-            <a:r>
-              <a:rPr lang="en-US" baseline="0" dirty="0" smtClean="0"/>
-              <a:t>TCP/IP is the standard  protocol for delivering information over the internet.</a:t>
-            </a:r>
-          </a:p>
-          <a:p>
-            <a:pPr lvl="0"/>
-            <a:endParaRPr lang="en-US" baseline="0" dirty="0" smtClean="0"/>
-          </a:p>
-          <a:p>
-            <a:pPr lvl="0"/>
-            <a:r>
-              <a:rPr lang="en-US" baseline="0" dirty="0" smtClean="0"/>
-              <a:t>IP is responsible for routing between systems and TCP is responsible for delivering data.</a:t>
-            </a:r>
-          </a:p>
-          <a:p>
-            <a:pPr lvl="0"/>
-            <a:endParaRPr lang="en-US" baseline="0" dirty="0" smtClean="0"/>
-          </a:p>
-          <a:p>
-            <a:pPr lvl="0"/>
-            <a:r>
-              <a:rPr lang="en-US" baseline="0" dirty="0" smtClean="0"/>
-              <a:t>You can see from this diagram of a TCP/IP packet, the IP Header has the source and destination address.</a:t>
-            </a:r>
-          </a:p>
-          <a:p>
-            <a:pPr lvl="0"/>
-            <a:r>
-              <a:rPr lang="en-US" baseline="0" dirty="0" smtClean="0"/>
-              <a:t>The IP address that routers use to transport a packet </a:t>
-            </a:r>
-            <a:r>
-              <a:rPr lang="en-US" baseline="0" smtClean="0"/>
-              <a:t>between networks.</a:t>
-            </a:r>
             <a:endParaRPr lang="en-US" baseline="0" dirty="0" smtClean="0"/>
           </a:p>
         </p:txBody>
@@ -848,40 +1168,7 @@
             <a:pPr lvl="0"/>
             <a:r>
               <a:rPr lang="en-US" baseline="0" dirty="0" smtClean="0"/>
-              <a:t>TCP/IP is the standard  protocol for delivering information over the internet.</a:t>
-            </a:r>
-          </a:p>
-          <a:p>
-            <a:pPr lvl="0"/>
-            <a:endParaRPr lang="en-US" baseline="0" dirty="0" smtClean="0"/>
-          </a:p>
-          <a:p>
-            <a:pPr lvl="0"/>
-            <a:r>
-              <a:rPr lang="en-US" baseline="0" dirty="0" smtClean="0"/>
-              <a:t>IP is responsible for routing between systems and TCP is responsible for delivering data.</a:t>
-            </a:r>
-          </a:p>
-          <a:p>
-            <a:pPr lvl="0"/>
-            <a:endParaRPr lang="en-US" baseline="0" dirty="0" smtClean="0"/>
-          </a:p>
-          <a:p>
-            <a:pPr lvl="0"/>
-            <a:r>
-              <a:rPr lang="en-US" baseline="0" dirty="0" smtClean="0"/>
-              <a:t>You can see from this diagram of a TCP/IP packet, the IP Header has the source and destination address.</a:t>
-            </a:r>
-          </a:p>
-          <a:p>
-            <a:pPr lvl="0"/>
-            <a:r>
-              <a:rPr lang="en-US" baseline="0" dirty="0" smtClean="0"/>
-              <a:t>The IP address that routers use to transport a packet </a:t>
-            </a:r>
-            <a:r>
-              <a:rPr lang="en-US" baseline="0" smtClean="0"/>
-              <a:t>between networks.</a:t>
+              <a:t>.</a:t>
             </a:r>
             <a:endParaRPr lang="en-US" baseline="0" dirty="0" smtClean="0"/>
           </a:p>
@@ -906,6 +1193,176 @@
               <a:rPr lang="en-US" smtClean="0"/>
               <a:pPr/>
               <a:t>12</a:t>
+            </a:fld>
+            <a:endParaRPr lang="en-US"/>
+          </a:p>
+        </p:txBody>
+      </p:sp>
+    </p:spTree>
+  </p:cSld>
+  <p:clrMapOvr>
+    <a:masterClrMapping/>
+  </p:clrMapOvr>
+</p:notes>
+</file>
+
+<file path=ppt/notesSlides/notesSlide13.xml><?xml version="1.0" encoding="utf-8"?>
+<p:notes xmlns:a="http://schemas.openxmlformats.org/drawingml/2006/main" xmlns:r="http://schemas.openxmlformats.org/officeDocument/2006/relationships" xmlns:p="http://schemas.openxmlformats.org/presentationml/2006/main">
+  <p:cSld>
+    <p:spTree>
+      <p:nvGrpSpPr>
+        <p:cNvPr id="1" name=""/>
+        <p:cNvGrpSpPr/>
+        <p:nvPr/>
+      </p:nvGrpSpPr>
+      <p:grpSpPr>
+        <a:xfrm>
+          <a:off x="0" y="0"/>
+          <a:ext cx="0" cy="0"/>
+          <a:chOff x="0" y="0"/>
+          <a:chExt cx="0" cy="0"/>
+        </a:xfrm>
+      </p:grpSpPr>
+      <p:sp>
+        <p:nvSpPr>
+          <p:cNvPr id="2" name="Slide Image Placeholder 1"/>
+          <p:cNvSpPr>
+            <a:spLocks noGrp="1" noRot="1" noChangeAspect="1"/>
+          </p:cNvSpPr>
+          <p:nvPr>
+            <p:ph type="sldImg"/>
+          </p:nvPr>
+        </p:nvSpPr>
+        <p:spPr/>
+      </p:sp>
+      <p:sp>
+        <p:nvSpPr>
+          <p:cNvPr id="3" name="Notes Placeholder 2"/>
+          <p:cNvSpPr>
+            <a:spLocks noGrp="1"/>
+          </p:cNvSpPr>
+          <p:nvPr>
+            <p:ph type="body" idx="1"/>
+          </p:nvPr>
+        </p:nvSpPr>
+        <p:spPr/>
+        <p:txBody>
+          <a:bodyPr>
+            <a:normAutofit lnSpcReduction="10000"/>
+          </a:bodyPr>
+          <a:lstStyle/>
+          <a:p>
+            <a:pPr lvl="0"/>
+            <a:r>
+              <a:rPr lang="en-US" baseline="0" dirty="0" smtClean="0"/>
+              <a:t>.</a:t>
+            </a:r>
+            <a:endParaRPr lang="en-US" baseline="0" dirty="0" smtClean="0"/>
+          </a:p>
+        </p:txBody>
+      </p:sp>
+      <p:sp>
+        <p:nvSpPr>
+          <p:cNvPr id="4" name="Slide Number Placeholder 3"/>
+          <p:cNvSpPr>
+            <a:spLocks noGrp="1"/>
+          </p:cNvSpPr>
+          <p:nvPr>
+            <p:ph type="sldNum" sz="quarter" idx="10"/>
+          </p:nvPr>
+        </p:nvSpPr>
+        <p:spPr/>
+        <p:txBody>
+          <a:bodyPr/>
+          <a:lstStyle/>
+          <a:p>
+            <a:fld id="{2468E330-6F11-4EB8-9125-0BEE82D16730}" type="slidenum">
+              <a:rPr lang="en-US" smtClean="0"/>
+              <a:pPr/>
+              <a:t>13</a:t>
+            </a:fld>
+            <a:endParaRPr lang="en-US"/>
+          </a:p>
+        </p:txBody>
+      </p:sp>
+    </p:spTree>
+  </p:cSld>
+  <p:clrMapOvr>
+    <a:masterClrMapping/>
+  </p:clrMapOvr>
+</p:notes>
+</file>
+
+<file path=ppt/notesSlides/notesSlide14.xml><?xml version="1.0" encoding="utf-8"?>
+<p:notes xmlns:a="http://schemas.openxmlformats.org/drawingml/2006/main" xmlns:r="http://schemas.openxmlformats.org/officeDocument/2006/relationships" xmlns:p="http://schemas.openxmlformats.org/presentationml/2006/main">
+  <p:cSld>
+    <p:spTree>
+      <p:nvGrpSpPr>
+        <p:cNvPr id="1" name=""/>
+        <p:cNvGrpSpPr/>
+        <p:nvPr/>
+      </p:nvGrpSpPr>
+      <p:grpSpPr>
+        <a:xfrm>
+          <a:off x="0" y="0"/>
+          <a:ext cx="0" cy="0"/>
+          <a:chOff x="0" y="0"/>
+          <a:chExt cx="0" cy="0"/>
+        </a:xfrm>
+      </p:grpSpPr>
+      <p:sp>
+        <p:nvSpPr>
+          <p:cNvPr id="2" name="Slide Image Placeholder 1"/>
+          <p:cNvSpPr>
+            <a:spLocks noGrp="1" noRot="1" noChangeAspect="1"/>
+          </p:cNvSpPr>
+          <p:nvPr>
+            <p:ph type="sldImg"/>
+          </p:nvPr>
+        </p:nvSpPr>
+        <p:spPr/>
+      </p:sp>
+      <p:sp>
+        <p:nvSpPr>
+          <p:cNvPr id="3" name="Notes Placeholder 2"/>
+          <p:cNvSpPr>
+            <a:spLocks noGrp="1"/>
+          </p:cNvSpPr>
+          <p:nvPr>
+            <p:ph type="body" idx="1"/>
+          </p:nvPr>
+        </p:nvSpPr>
+        <p:spPr/>
+        <p:txBody>
+          <a:bodyPr>
+            <a:normAutofit lnSpcReduction="10000"/>
+          </a:bodyPr>
+          <a:lstStyle/>
+          <a:p>
+            <a:pPr lvl="0"/>
+            <a:endParaRPr lang="en-US" baseline="0" dirty="0" smtClean="0"/>
+          </a:p>
+        </p:txBody>
+      </p:sp>
+      <p:sp>
+        <p:nvSpPr>
+          <p:cNvPr id="4" name="Slide Number Placeholder 3"/>
+          <p:cNvSpPr>
+            <a:spLocks noGrp="1"/>
+          </p:cNvSpPr>
+          <p:nvPr>
+            <p:ph type="sldNum" sz="quarter" idx="10"/>
+          </p:nvPr>
+        </p:nvSpPr>
+        <p:spPr/>
+        <p:txBody>
+          <a:bodyPr/>
+          <a:lstStyle/>
+          <a:p>
+            <a:fld id="{2468E330-6F11-4EB8-9125-0BEE82D16730}" type="slidenum">
+              <a:rPr lang="en-US" smtClean="0"/>
+              <a:pPr/>
+              <a:t>14</a:t>
             </a:fld>
             <a:endParaRPr lang="en-US"/>
           </a:p>
@@ -961,18 +1418,118 @@
         <p:spPr/>
         <p:txBody>
           <a:bodyPr>
-            <a:normAutofit lnSpcReduction="10000"/>
+            <a:normAutofit/>
           </a:bodyPr>
           <a:lstStyle/>
           <a:p>
             <a:r>
-              <a:rPr lang="en-US" sz="1400" baseline="0" dirty="0" smtClean="0">
-                <a:solidFill>
-                  <a:srgbClr val="FF0000"/>
-                </a:solidFill>
-              </a:rPr>
-              <a:t>This is a note</a:t>
-            </a:r>
+              <a:rPr lang="en-US" sz="1200" kern="1200" dirty="0" smtClean="0">
+                <a:solidFill>
+                  <a:schemeClr val="tx1"/>
+                </a:solidFill>
+                <a:effectLst/>
+                <a:latin typeface="+mn-lt"/>
+                <a:ea typeface="+mn-ea"/>
+                <a:cs typeface="+mn-cs"/>
+              </a:rPr>
+              <a:t>My</a:t>
+            </a:r>
+            <a:r>
+              <a:rPr lang="en-US" sz="1200" kern="1200" baseline="0" dirty="0" smtClean="0">
+                <a:solidFill>
+                  <a:schemeClr val="tx1"/>
+                </a:solidFill>
+                <a:effectLst/>
+                <a:latin typeface="+mn-lt"/>
+                <a:ea typeface="+mn-ea"/>
+                <a:cs typeface="+mn-cs"/>
+              </a:rPr>
+              <a:t> wife pointed out that Pac Man has nothing to do with the internet.</a:t>
+            </a:r>
+          </a:p>
+          <a:p>
+            <a:endParaRPr lang="en-US" sz="1200" kern="1200" dirty="0" smtClean="0">
+              <a:solidFill>
+                <a:schemeClr val="tx1"/>
+              </a:solidFill>
+              <a:effectLst/>
+              <a:latin typeface="+mn-lt"/>
+              <a:ea typeface="+mn-ea"/>
+              <a:cs typeface="+mn-cs"/>
+            </a:endParaRPr>
+          </a:p>
+          <a:p>
+            <a:r>
+              <a:rPr lang="en-US" sz="1200" kern="1200" dirty="0" smtClean="0">
+                <a:solidFill>
+                  <a:schemeClr val="tx1"/>
+                </a:solidFill>
+                <a:effectLst/>
+                <a:latin typeface="+mn-lt"/>
+                <a:ea typeface="+mn-ea"/>
+                <a:cs typeface="+mn-cs"/>
+              </a:rPr>
+              <a:t>But</a:t>
+            </a:r>
+            <a:r>
+              <a:rPr lang="en-US" sz="1200" kern="1200" baseline="0" dirty="0" smtClean="0">
+                <a:solidFill>
+                  <a:schemeClr val="tx1"/>
+                </a:solidFill>
+                <a:effectLst/>
+                <a:latin typeface="+mn-lt"/>
+                <a:ea typeface="+mn-ea"/>
+                <a:cs typeface="+mn-cs"/>
+              </a:rPr>
+              <a:t> I ask you – what is the Pac Man eating?  </a:t>
+            </a:r>
+          </a:p>
+          <a:p>
+            <a:endParaRPr lang="en-US" sz="1200" kern="1200" baseline="0" dirty="0" smtClean="0">
+              <a:solidFill>
+                <a:schemeClr val="tx1"/>
+              </a:solidFill>
+              <a:effectLst/>
+              <a:latin typeface="+mn-lt"/>
+              <a:ea typeface="+mn-ea"/>
+              <a:cs typeface="+mn-cs"/>
+            </a:endParaRPr>
+          </a:p>
+          <a:p>
+            <a:r>
+              <a:rPr lang="en-US" sz="1200" kern="1200" baseline="0" dirty="0" smtClean="0">
+                <a:solidFill>
+                  <a:schemeClr val="tx1"/>
+                </a:solidFill>
+                <a:effectLst/>
+                <a:latin typeface="+mn-lt"/>
+                <a:ea typeface="+mn-ea"/>
+                <a:cs typeface="+mn-cs"/>
+              </a:rPr>
+              <a:t>Packets!</a:t>
+            </a:r>
+          </a:p>
+          <a:p>
+            <a:endParaRPr lang="en-US" sz="1200" kern="1200" baseline="0" dirty="0" smtClean="0">
+              <a:solidFill>
+                <a:schemeClr val="tx1"/>
+              </a:solidFill>
+              <a:effectLst/>
+              <a:latin typeface="+mn-lt"/>
+              <a:ea typeface="+mn-ea"/>
+              <a:cs typeface="+mn-cs"/>
+            </a:endParaRPr>
+          </a:p>
+          <a:p>
+            <a:endParaRPr lang="en-US" sz="1200" kern="1200" dirty="0">
+              <a:solidFill>
+                <a:schemeClr val="tx1"/>
+              </a:solidFill>
+              <a:effectLst/>
+              <a:latin typeface="+mn-lt"/>
+              <a:ea typeface="+mn-ea"/>
+              <a:cs typeface="+mn-cs"/>
+            </a:endParaRPr>
           </a:p>
         </p:txBody>
       </p:sp>
@@ -1055,51 +1612,186 @@
           <a:lstStyle/>
           <a:p>
             <a:r>
-              <a:rPr lang="en-US" baseline="0" dirty="0" smtClean="0"/>
-              <a:t>1846 – Samuel B. Morse invented the telegraph</a:t>
-            </a:r>
-          </a:p>
-          <a:p>
-            <a:endParaRPr lang="en-US" baseline="0" dirty="0" smtClean="0"/>
-          </a:p>
-          <a:p>
-            <a:r>
-              <a:rPr lang="en-US" baseline="0" dirty="0" smtClean="0"/>
-              <a:t>1920s – In the first part of the last century the teletype was invented.  Teletypes were different than </a:t>
-            </a:r>
-          </a:p>
-          <a:p>
-            <a:endParaRPr lang="en-US" baseline="0" dirty="0" smtClean="0"/>
-          </a:p>
-          <a:p>
-            <a:r>
-              <a:rPr lang="en-US" baseline="0" dirty="0" smtClean="0"/>
-              <a:t>1957 – Timesharing computers</a:t>
-            </a:r>
-          </a:p>
-          <a:p>
-            <a:endParaRPr lang="en-US" baseline="0" dirty="0" smtClean="0"/>
-          </a:p>
-          <a:p>
-            <a:endParaRPr lang="en-US" baseline="0" dirty="0" smtClean="0"/>
-          </a:p>
-          <a:p>
-            <a:endParaRPr lang="en-US" baseline="0" dirty="0" smtClean="0"/>
-          </a:p>
-          <a:p>
-            <a:r>
-              <a:rPr lang="en-US" baseline="0" dirty="0" smtClean="0"/>
-              <a:t>1971 – Ray Tomlinson invented emails </a:t>
-            </a:r>
-          </a:p>
-          <a:p>
-            <a:endParaRPr lang="en-US" baseline="0" dirty="0" smtClean="0"/>
-          </a:p>
-          <a:p>
-            <a:r>
-              <a:rPr lang="en-US" baseline="0" dirty="0" smtClean="0"/>
-              <a:t>1978 – Spam </a:t>
-            </a:r>
+              <a:rPr lang="en-US" sz="1200" kern="1200" dirty="0" smtClean="0">
+                <a:solidFill>
+                  <a:schemeClr val="tx1"/>
+                </a:solidFill>
+                <a:effectLst/>
+                <a:latin typeface="+mn-lt"/>
+                <a:ea typeface="+mn-ea"/>
+                <a:cs typeface="+mn-cs"/>
+              </a:rPr>
+              <a:t>Before we begin talking about anything else, I'm going to give you a brief history lesson.</a:t>
+            </a:r>
+          </a:p>
+          <a:p>
+            <a:endParaRPr lang="en-US" sz="1200" kern="1200" dirty="0" smtClean="0">
+              <a:solidFill>
+                <a:schemeClr val="tx1"/>
+              </a:solidFill>
+              <a:effectLst/>
+              <a:latin typeface="+mn-lt"/>
+              <a:ea typeface="+mn-ea"/>
+              <a:cs typeface="+mn-cs"/>
+            </a:endParaRPr>
+          </a:p>
+          <a:p>
+            <a:r>
+              <a:rPr lang="en-US" sz="1200" i="1" kern="1200" dirty="0" smtClean="0">
+                <a:solidFill>
+                  <a:schemeClr val="tx1"/>
+                </a:solidFill>
+                <a:effectLst/>
+                <a:latin typeface="+mn-lt"/>
+                <a:ea typeface="+mn-ea"/>
+                <a:cs typeface="+mn-cs"/>
+              </a:rPr>
+              <a:t>Once upon a time:</a:t>
+            </a:r>
+          </a:p>
+          <a:p>
+            <a:r>
+              <a:rPr lang="en-US" sz="1200" i="1" kern="1200" dirty="0" smtClean="0">
+                <a:solidFill>
+                  <a:schemeClr val="tx1"/>
+                </a:solidFill>
+                <a:effectLst/>
+                <a:latin typeface="+mn-lt"/>
+                <a:ea typeface="+mn-ea"/>
+                <a:cs typeface="+mn-cs"/>
+              </a:rPr>
+              <a:t>back when computers used punch cards and teletype</a:t>
+            </a:r>
+            <a:br>
+              <a:rPr lang="en-US" sz="1200" i="1" kern="1200" dirty="0" smtClean="0">
+                <a:solidFill>
+                  <a:schemeClr val="tx1"/>
+                </a:solidFill>
+                <a:effectLst/>
+                <a:latin typeface="+mn-lt"/>
+                <a:ea typeface="+mn-ea"/>
+                <a:cs typeface="+mn-cs"/>
+              </a:rPr>
+            </a:br>
+            <a:r>
+              <a:rPr lang="en-US" sz="1200" i="1" kern="1200" dirty="0" smtClean="0">
+                <a:solidFill>
+                  <a:schemeClr val="tx1"/>
+                </a:solidFill>
+                <a:effectLst/>
+                <a:latin typeface="+mn-lt"/>
+                <a:ea typeface="+mn-ea"/>
+                <a:cs typeface="+mn-cs"/>
+              </a:rPr>
+              <a:t>when Pac Man was the coolest game in the world (it still is)</a:t>
+            </a:r>
+            <a:br>
+              <a:rPr lang="en-US" sz="1200" i="1" kern="1200" dirty="0" smtClean="0">
+                <a:solidFill>
+                  <a:schemeClr val="tx1"/>
+                </a:solidFill>
+                <a:effectLst/>
+                <a:latin typeface="+mn-lt"/>
+                <a:ea typeface="+mn-ea"/>
+                <a:cs typeface="+mn-cs"/>
+              </a:rPr>
+            </a:br>
+            <a:r>
+              <a:rPr lang="en-US" sz="1200" i="1" kern="1200" dirty="0" smtClean="0">
+                <a:solidFill>
+                  <a:schemeClr val="tx1"/>
+                </a:solidFill>
+                <a:effectLst/>
+                <a:latin typeface="+mn-lt"/>
+                <a:ea typeface="+mn-ea"/>
+                <a:cs typeface="+mn-cs"/>
+              </a:rPr>
+              <a:t>before the Y2K disaster brought about the apocalypse </a:t>
+            </a:r>
+          </a:p>
+          <a:p>
+            <a:endParaRPr lang="en-US" sz="1200" i="1" kern="1200" dirty="0" smtClean="0">
+              <a:solidFill>
+                <a:schemeClr val="tx1"/>
+              </a:solidFill>
+              <a:effectLst/>
+              <a:latin typeface="+mn-lt"/>
+              <a:ea typeface="+mn-ea"/>
+              <a:cs typeface="+mn-cs"/>
+            </a:endParaRPr>
+          </a:p>
+          <a:p>
+            <a:r>
+              <a:rPr lang="en-US" sz="1200" kern="1200" dirty="0" smtClean="0">
+                <a:solidFill>
+                  <a:schemeClr val="tx1"/>
+                </a:solidFill>
+                <a:effectLst/>
+                <a:latin typeface="+mn-lt"/>
+                <a:ea typeface="+mn-ea"/>
+                <a:cs typeface="+mn-cs"/>
+              </a:rPr>
+              <a:t>When I was just getting into web development every computer book, whether it was about databases or HTML had a history of the internet in chapter 1.  </a:t>
+            </a:r>
+          </a:p>
+          <a:p>
+            <a:endParaRPr lang="en-US" sz="1200" kern="1200" dirty="0" smtClean="0">
+              <a:solidFill>
+                <a:schemeClr val="tx1"/>
+              </a:solidFill>
+              <a:effectLst/>
+              <a:latin typeface="+mn-lt"/>
+              <a:ea typeface="+mn-ea"/>
+              <a:cs typeface="+mn-cs"/>
+            </a:endParaRPr>
+          </a:p>
+          <a:p>
+            <a:r>
+              <a:rPr lang="en-US" sz="1200" kern="1200" dirty="0" smtClean="0">
+                <a:solidFill>
+                  <a:schemeClr val="tx1"/>
+                </a:solidFill>
+                <a:effectLst/>
+                <a:latin typeface="+mn-lt"/>
+                <a:ea typeface="+mn-ea"/>
+                <a:cs typeface="+mn-cs"/>
+              </a:rPr>
+              <a:t>I don't know if it was just to pad the pages (believe me, the books were thick enough already) or because the internet was so new and cool that everyone wanted to explain it.  But every book had it.</a:t>
+            </a:r>
+          </a:p>
+          <a:p>
+            <a:endParaRPr lang="en-US" sz="1200" kern="1200" dirty="0" smtClean="0">
+              <a:solidFill>
+                <a:schemeClr val="tx1"/>
+              </a:solidFill>
+              <a:effectLst/>
+              <a:latin typeface="+mn-lt"/>
+              <a:ea typeface="+mn-ea"/>
+              <a:cs typeface="+mn-cs"/>
+            </a:endParaRPr>
+          </a:p>
+          <a:p>
+            <a:r>
+              <a:rPr lang="en-US" sz="1200" kern="1200" dirty="0" smtClean="0">
+                <a:solidFill>
+                  <a:schemeClr val="tx1"/>
+                </a:solidFill>
+                <a:effectLst/>
+                <a:latin typeface="+mn-lt"/>
+                <a:ea typeface="+mn-ea"/>
+                <a:cs typeface="+mn-cs"/>
+              </a:rPr>
+              <a:t>And in nostalgia for my youth, I'm going to do it too.</a:t>
+            </a:r>
+            <a:endParaRPr lang="en-US" sz="1200" kern="1200" dirty="0">
+              <a:solidFill>
+                <a:schemeClr val="tx1"/>
+              </a:solidFill>
+              <a:effectLst/>
+              <a:latin typeface="+mn-lt"/>
+              <a:ea typeface="+mn-ea"/>
+              <a:cs typeface="+mn-cs"/>
+            </a:endParaRPr>
           </a:p>
         </p:txBody>
       </p:sp>
@@ -1181,7 +1873,613 @@
           </a:bodyPr>
           <a:lstStyle/>
           <a:p>
-            <a:endParaRPr lang="en-US" baseline="0" dirty="0" smtClean="0"/>
+            <a:r>
+              <a:rPr lang="en-US" sz="1200" b="1" kern="1200" dirty="0" smtClean="0">
+                <a:solidFill>
+                  <a:schemeClr val="tx1"/>
+                </a:solidFill>
+                <a:effectLst/>
+                <a:latin typeface="+mn-lt"/>
+                <a:ea typeface="+mn-ea"/>
+                <a:cs typeface="+mn-cs"/>
+              </a:rPr>
+              <a:t>Time-sharing and Teletype</a:t>
+            </a:r>
+          </a:p>
+          <a:p>
+            <a:r>
+              <a:rPr lang="en-US" sz="1200" kern="1200" dirty="0" smtClean="0">
+                <a:solidFill>
+                  <a:schemeClr val="tx1"/>
+                </a:solidFill>
+                <a:effectLst/>
+                <a:latin typeface="+mn-lt"/>
+                <a:ea typeface="+mn-ea"/>
+                <a:cs typeface="+mn-cs"/>
+              </a:rPr>
+              <a:t>In 1957, the first timesharing computers were built, partially in response to the fact that computers were so big, and so hot, and so delicate and fragile, that they needed to be in their own room.</a:t>
+            </a:r>
+          </a:p>
+          <a:p>
+            <a:r>
+              <a:rPr lang="en-US" sz="1200" kern="1200" dirty="0" smtClean="0">
+                <a:solidFill>
+                  <a:schemeClr val="tx1"/>
+                </a:solidFill>
+                <a:effectLst/>
+                <a:latin typeface="+mn-lt"/>
+                <a:ea typeface="+mn-ea"/>
+                <a:cs typeface="+mn-cs"/>
+              </a:rPr>
+              <a:t>They were connected via teletypes, which were a sort of typewriter that sent messages over an electrical circuit.  The concept dates back to the original Morse code telegraph developed by Samuel B. Morse in 1846</a:t>
+            </a:r>
+          </a:p>
+          <a:p>
+            <a:r>
+              <a:rPr lang="en-US" sz="1200" kern="1200" dirty="0" smtClean="0">
+                <a:solidFill>
+                  <a:schemeClr val="tx1"/>
+                </a:solidFill>
+                <a:effectLst/>
+                <a:latin typeface="+mn-lt"/>
+                <a:ea typeface="+mn-ea"/>
+                <a:cs typeface="+mn-cs"/>
+              </a:rPr>
+              <a:t>Teletypes had been in existence since the early 1900s but even during World War 2 in the 1940s most cabled and radio communication was by Morse code.</a:t>
+            </a:r>
+          </a:p>
+          <a:p>
+            <a:r>
+              <a:rPr lang="en-US" sz="1200" i="1" kern="1200" dirty="0" err="1" smtClean="0">
+                <a:solidFill>
+                  <a:schemeClr val="tx1"/>
+                </a:solidFill>
+                <a:effectLst/>
+                <a:latin typeface="+mn-lt"/>
+                <a:ea typeface="+mn-ea"/>
+                <a:cs typeface="+mn-cs"/>
+              </a:rPr>
+              <a:t>dut-dut-dut</a:t>
+            </a:r>
+            <a:r>
+              <a:rPr lang="en-US" sz="1200" i="1" kern="1200" dirty="0" smtClean="0">
+                <a:solidFill>
+                  <a:schemeClr val="tx1"/>
+                </a:solidFill>
+                <a:effectLst/>
+                <a:latin typeface="+mn-lt"/>
+                <a:ea typeface="+mn-ea"/>
+                <a:cs typeface="+mn-cs"/>
+              </a:rPr>
+              <a:t>  </a:t>
+            </a:r>
+            <a:r>
+              <a:rPr lang="en-US" sz="1200" i="1" kern="1200" dirty="0" err="1" smtClean="0">
+                <a:solidFill>
+                  <a:schemeClr val="tx1"/>
+                </a:solidFill>
+                <a:effectLst/>
+                <a:latin typeface="+mn-lt"/>
+                <a:ea typeface="+mn-ea"/>
+                <a:cs typeface="+mn-cs"/>
+              </a:rPr>
+              <a:t>dee-dee-dee</a:t>
+            </a:r>
+            <a:r>
+              <a:rPr lang="en-US" sz="1200" i="1" kern="1200" dirty="0" smtClean="0">
+                <a:solidFill>
+                  <a:schemeClr val="tx1"/>
+                </a:solidFill>
+                <a:effectLst/>
+                <a:latin typeface="+mn-lt"/>
+                <a:ea typeface="+mn-ea"/>
+                <a:cs typeface="+mn-cs"/>
+              </a:rPr>
+              <a:t>  </a:t>
+            </a:r>
+            <a:r>
+              <a:rPr lang="en-US" sz="1200" i="1" kern="1200" dirty="0" err="1" smtClean="0">
+                <a:solidFill>
+                  <a:schemeClr val="tx1"/>
+                </a:solidFill>
+                <a:effectLst/>
+                <a:latin typeface="+mn-lt"/>
+                <a:ea typeface="+mn-ea"/>
+                <a:cs typeface="+mn-cs"/>
+              </a:rPr>
+              <a:t>dut-dut-dut</a:t>
+            </a:r>
+            <a:endParaRPr lang="en-US" sz="1200" kern="1200" dirty="0" smtClean="0">
+              <a:solidFill>
+                <a:schemeClr val="tx1"/>
+              </a:solidFill>
+              <a:effectLst/>
+              <a:latin typeface="+mn-lt"/>
+              <a:ea typeface="+mn-ea"/>
+              <a:cs typeface="+mn-cs"/>
+            </a:endParaRPr>
+          </a:p>
+          <a:p>
+            <a:r>
+              <a:rPr lang="en-US" sz="1200" kern="1200" dirty="0" smtClean="0">
+                <a:solidFill>
+                  <a:schemeClr val="tx1"/>
+                </a:solidFill>
+                <a:effectLst/>
+                <a:latin typeface="+mn-lt"/>
+                <a:ea typeface="+mn-ea"/>
+                <a:cs typeface="+mn-cs"/>
+              </a:rPr>
+              <a:t>This was because teletypes were not reliable enough and they needed a separate wire to communicate each letter.</a:t>
+            </a:r>
+          </a:p>
+          <a:p>
+            <a:r>
+              <a:rPr lang="en-US" sz="1200" kern="1200" dirty="0" smtClean="0">
+                <a:solidFill>
+                  <a:schemeClr val="tx1"/>
+                </a:solidFill>
+                <a:effectLst/>
+                <a:latin typeface="+mn-lt"/>
+                <a:ea typeface="+mn-ea"/>
+                <a:cs typeface="+mn-cs"/>
+              </a:rPr>
+              <a:t>But if all you had to do was run the cable from one room to another in the same, it became practical.</a:t>
+            </a:r>
+          </a:p>
+          <a:p>
+            <a:r>
+              <a:rPr lang="en-US" sz="1200" kern="1200" dirty="0" smtClean="0">
+                <a:solidFill>
+                  <a:schemeClr val="tx1"/>
+                </a:solidFill>
+                <a:effectLst/>
+                <a:latin typeface="+mn-lt"/>
+                <a:ea typeface="+mn-ea"/>
+                <a:cs typeface="+mn-cs"/>
+              </a:rPr>
+              <a:t>Some computers had multiple teletype terminals for convenience  in different locations, but only one could operate at a time.  This was because early computers only operated by batch processing.  Every command was linear and so you had to wait for the current batch of commands to complete before yours could execute.</a:t>
+            </a:r>
+          </a:p>
+          <a:p>
+            <a:r>
+              <a:rPr lang="en-US" sz="1200" kern="1200" dirty="0" smtClean="0">
+                <a:solidFill>
+                  <a:schemeClr val="tx1"/>
+                </a:solidFill>
+                <a:effectLst/>
+                <a:latin typeface="+mn-lt"/>
+                <a:ea typeface="+mn-ea"/>
+                <a:cs typeface="+mn-cs"/>
+              </a:rPr>
+              <a:t>So timesharing was invented.  Computers had gotten so fast that they could perform calculations faster than a human could type them in (or feed the instructions via punch card.)</a:t>
+            </a:r>
+          </a:p>
+          <a:p>
+            <a:r>
+              <a:rPr lang="en-US" sz="1200" kern="1200" dirty="0" smtClean="0">
+                <a:solidFill>
+                  <a:schemeClr val="tx1"/>
+                </a:solidFill>
+                <a:effectLst/>
+                <a:latin typeface="+mn-lt"/>
+                <a:ea typeface="+mn-ea"/>
+                <a:cs typeface="+mn-cs"/>
+              </a:rPr>
+              <a:t>Punch cards were used alongside teletypes.  Although they were less convenient than typing commands, a punch card provided a way of storing a program -- because computers didn't have magnetic disks -- or if they did, they were very expensive.</a:t>
+            </a:r>
+          </a:p>
+          <a:p>
+            <a:r>
+              <a:rPr lang="en-US" sz="1200" kern="1200" dirty="0" smtClean="0">
+                <a:solidFill>
+                  <a:schemeClr val="tx1"/>
+                </a:solidFill>
+                <a:effectLst/>
+                <a:latin typeface="+mn-lt"/>
+                <a:ea typeface="+mn-ea"/>
+                <a:cs typeface="+mn-cs"/>
+              </a:rPr>
+              <a:t>Some teletypes also had the option of punching the command sequence as you typed, but since the terminals were expensive, a separate device was typically used as a card puncher, and then you could feed the card into the teletype that would read it and send the signals to the big computer in the sealed room.</a:t>
+            </a:r>
+          </a:p>
+          <a:p>
+            <a:r>
+              <a:rPr lang="en-US" sz="1200" i="1" kern="1200" dirty="0" smtClean="0">
+                <a:solidFill>
+                  <a:schemeClr val="tx1"/>
+                </a:solidFill>
+                <a:effectLst/>
+                <a:latin typeface="+mn-lt"/>
+                <a:ea typeface="+mn-ea"/>
+                <a:cs typeface="+mn-cs"/>
+              </a:rPr>
+              <a:t>I remember when Grace Hopper discovered the first computer bug -- a moth caught in the relay between vacuum tubes... Ok, I'm not that old.  </a:t>
+            </a:r>
+            <a:endParaRPr lang="en-US" sz="1200" kern="1200" dirty="0" smtClean="0">
+              <a:solidFill>
+                <a:schemeClr val="tx1"/>
+              </a:solidFill>
+              <a:effectLst/>
+              <a:latin typeface="+mn-lt"/>
+              <a:ea typeface="+mn-ea"/>
+              <a:cs typeface="+mn-cs"/>
+            </a:endParaRPr>
+          </a:p>
+          <a:p>
+            <a:r>
+              <a:rPr lang="en-US" sz="1200" i="1" kern="1200" dirty="0" smtClean="0">
+                <a:solidFill>
+                  <a:schemeClr val="tx1"/>
+                </a:solidFill>
+                <a:effectLst/>
+                <a:latin typeface="+mn-lt"/>
+                <a:ea typeface="+mn-ea"/>
+                <a:cs typeface="+mn-cs"/>
+              </a:rPr>
+              <a:t>But that just goes to show how female testers are the best.  </a:t>
+            </a:r>
+          </a:p>
+          <a:p>
+            <a:r>
+              <a:rPr lang="en-US" sz="1200" kern="1200" dirty="0" smtClean="0">
+                <a:solidFill>
+                  <a:schemeClr val="tx1"/>
+                </a:solidFill>
+                <a:effectLst/>
+                <a:latin typeface="+mn-lt"/>
+                <a:ea typeface="+mn-ea"/>
+                <a:cs typeface="+mn-cs"/>
+              </a:rPr>
+              <a:t>So anyway, time sharing computers were invented.  The method which they used was to execute some instructions from one program, and while waiting for input or calculations, it would execute the commands from another program, much like a waiter at a restaurant handles multiple customers at a time, not simultaneously, but in a round-robin sequence.</a:t>
+            </a:r>
+          </a:p>
+          <a:p>
+            <a:r>
+              <a:rPr lang="en-US" sz="1200" b="1" kern="1200" dirty="0" smtClean="0">
+                <a:solidFill>
+                  <a:schemeClr val="tx1"/>
+                </a:solidFill>
+                <a:effectLst/>
+                <a:latin typeface="+mn-lt"/>
+                <a:ea typeface="+mn-ea"/>
+                <a:cs typeface="+mn-cs"/>
+              </a:rPr>
+              <a:t>Packet Switching</a:t>
+            </a:r>
+          </a:p>
+          <a:p>
+            <a:r>
+              <a:rPr lang="en-US" sz="1200" kern="1200" dirty="0" smtClean="0">
+                <a:solidFill>
+                  <a:schemeClr val="tx1"/>
+                </a:solidFill>
+                <a:effectLst/>
+                <a:latin typeface="+mn-lt"/>
+                <a:ea typeface="+mn-ea"/>
+                <a:cs typeface="+mn-cs"/>
+              </a:rPr>
+              <a:t>Time sharing and teletypes let to the next innovation, packet switching.  </a:t>
+            </a:r>
+          </a:p>
+          <a:p>
+            <a:r>
+              <a:rPr lang="en-US" sz="1200" kern="1200" dirty="0" smtClean="0">
+                <a:solidFill>
+                  <a:schemeClr val="tx1"/>
+                </a:solidFill>
+                <a:effectLst/>
+                <a:latin typeface="+mn-lt"/>
+                <a:ea typeface="+mn-ea"/>
+                <a:cs typeface="+mn-cs"/>
+              </a:rPr>
+              <a:t>Much like a computer could respond quicker than the programmer, the wire could carry messages from more than 1 device because not all terminals were sending messages at the same time.  </a:t>
+            </a:r>
+          </a:p>
+          <a:p>
+            <a:r>
+              <a:rPr lang="en-US" sz="1200" kern="1200" dirty="0" smtClean="0">
+                <a:solidFill>
+                  <a:schemeClr val="tx1"/>
+                </a:solidFill>
+                <a:effectLst/>
+                <a:latin typeface="+mn-lt"/>
+                <a:ea typeface="+mn-ea"/>
+                <a:cs typeface="+mn-cs"/>
+              </a:rPr>
+              <a:t>Originally, you needed to have 1 circuit that carried messages sequentially from 1 device, but by enabling packet switching you could send messages from multiple devices over the same circuit.</a:t>
+            </a:r>
+          </a:p>
+          <a:p>
+            <a:r>
+              <a:rPr lang="en-US" sz="1200" kern="1200" dirty="0" smtClean="0">
+                <a:solidFill>
+                  <a:schemeClr val="tx1"/>
+                </a:solidFill>
+                <a:effectLst/>
+                <a:latin typeface="+mn-lt"/>
+                <a:ea typeface="+mn-ea"/>
+                <a:cs typeface="+mn-cs"/>
+              </a:rPr>
+              <a:t>One computer scientist, Robert Taylor, realized this early. They had one terminal at UCLA that could communicate with MIT and another that could communicate with Berkeley or Stanford.  What they needed was another terminal that could route to any other based on the address of the packets.</a:t>
+            </a:r>
+          </a:p>
+          <a:p>
+            <a:r>
+              <a:rPr lang="en-US" sz="1200" kern="1200" dirty="0" smtClean="0">
+                <a:solidFill>
+                  <a:schemeClr val="tx1"/>
+                </a:solidFill>
+                <a:effectLst/>
+                <a:latin typeface="+mn-lt"/>
+                <a:ea typeface="+mn-ea"/>
+                <a:cs typeface="+mn-cs"/>
+              </a:rPr>
+              <a:t>This was pretty similar to how the post office handles mail.  Each message has a destination address and a return address.  The central computer, like the post office, knows how to send it over the proper wire to the correct destination.</a:t>
+            </a:r>
+          </a:p>
+          <a:p>
+            <a:r>
+              <a:rPr lang="en-US" sz="1200" b="1" kern="1200" dirty="0" smtClean="0">
+                <a:solidFill>
+                  <a:schemeClr val="tx1"/>
+                </a:solidFill>
+                <a:effectLst/>
+                <a:latin typeface="+mn-lt"/>
+                <a:ea typeface="+mn-ea"/>
+                <a:cs typeface="+mn-cs"/>
+              </a:rPr>
+              <a:t>ARPANET</a:t>
+            </a:r>
+          </a:p>
+          <a:p>
+            <a:r>
+              <a:rPr lang="en-US" sz="1200" kern="1200" dirty="0" smtClean="0">
+                <a:solidFill>
+                  <a:schemeClr val="tx1"/>
+                </a:solidFill>
+                <a:effectLst/>
+                <a:latin typeface="+mn-lt"/>
+                <a:ea typeface="+mn-ea"/>
+                <a:cs typeface="+mn-cs"/>
+              </a:rPr>
+              <a:t>But at first this was prohibitively expensive, so although the concept was obvious in 1964, it wasn't until 5 years later that the ARPANET was realized.</a:t>
+            </a:r>
+          </a:p>
+          <a:p>
+            <a:r>
+              <a:rPr lang="en-US" sz="1200" kern="1200" dirty="0" smtClean="0">
+                <a:solidFill>
+                  <a:schemeClr val="tx1"/>
+                </a:solidFill>
+                <a:effectLst/>
+                <a:latin typeface="+mn-lt"/>
+                <a:ea typeface="+mn-ea"/>
+                <a:cs typeface="+mn-cs"/>
+              </a:rPr>
+              <a:t>ARPANET came out of DARPA, the Defense Advanced Research Projects Agency and was originally intended to connect Department of Defense main computers in the Pentagon with Cheyenne Mountain in Wyoming and the Strategic Air Command.</a:t>
+            </a:r>
+          </a:p>
+          <a:p>
+            <a:r>
+              <a:rPr lang="en-US" sz="1200" kern="1200" dirty="0" smtClean="0">
+                <a:solidFill>
+                  <a:schemeClr val="tx1"/>
+                </a:solidFill>
+                <a:effectLst/>
+                <a:latin typeface="+mn-lt"/>
+                <a:ea typeface="+mn-ea"/>
+                <a:cs typeface="+mn-cs"/>
+              </a:rPr>
+              <a:t>DARPA was created in response to the Soviet launch of the Sputnik satellite.  It funded a variety of projects, including the development of the internet for communication in the event of a nuclear war.</a:t>
+            </a:r>
+          </a:p>
+          <a:p>
+            <a:r>
+              <a:rPr lang="en-US" sz="1200" kern="1200" dirty="0" smtClean="0">
+                <a:solidFill>
+                  <a:schemeClr val="tx1"/>
+                </a:solidFill>
+                <a:effectLst/>
+                <a:latin typeface="+mn-lt"/>
+                <a:ea typeface="+mn-ea"/>
+                <a:cs typeface="+mn-cs"/>
+              </a:rPr>
+              <a:t>The first message was sent between UCLA and Stanford in 1969.  It went like this:</a:t>
+            </a:r>
+          </a:p>
+          <a:p>
+            <a:r>
+              <a:rPr lang="en-US" sz="1200" i="1" kern="1200" dirty="0" smtClean="0">
+                <a:solidFill>
+                  <a:schemeClr val="tx1"/>
+                </a:solidFill>
+                <a:effectLst/>
+                <a:latin typeface="+mn-lt"/>
+                <a:ea typeface="+mn-ea"/>
+                <a:cs typeface="+mn-cs"/>
+              </a:rPr>
+              <a:t>"We set up a telephone connection between us ... </a:t>
+            </a:r>
+          </a:p>
+          <a:p>
+            <a:r>
+              <a:rPr lang="en-US" sz="1200" i="1" kern="1200" dirty="0" smtClean="0">
+                <a:solidFill>
+                  <a:schemeClr val="tx1"/>
+                </a:solidFill>
+                <a:effectLst/>
+                <a:latin typeface="+mn-lt"/>
+                <a:ea typeface="+mn-ea"/>
+                <a:cs typeface="+mn-cs"/>
+              </a:rPr>
+              <a:t>"We typed the L and we asked on the phone,</a:t>
+            </a:r>
+          </a:p>
+          <a:p>
+            <a:r>
+              <a:rPr lang="en-US" sz="1200" i="1" kern="1200" dirty="0" smtClean="0">
+                <a:solidFill>
+                  <a:schemeClr val="tx1"/>
+                </a:solidFill>
+                <a:effectLst/>
+                <a:latin typeface="+mn-lt"/>
+                <a:ea typeface="+mn-ea"/>
+                <a:cs typeface="+mn-cs"/>
+              </a:rPr>
+              <a:t>"Do you see the L?"</a:t>
+            </a:r>
+          </a:p>
+          <a:p>
+            <a:r>
+              <a:rPr lang="en-US" sz="1200" i="1" kern="1200" dirty="0" smtClean="0">
+                <a:solidFill>
+                  <a:schemeClr val="tx1"/>
+                </a:solidFill>
+                <a:effectLst/>
+                <a:latin typeface="+mn-lt"/>
+                <a:ea typeface="+mn-ea"/>
+                <a:cs typeface="+mn-cs"/>
+              </a:rPr>
+              <a:t>"Yes, we see the L," came the response.</a:t>
+            </a:r>
+          </a:p>
+          <a:p>
+            <a:r>
+              <a:rPr lang="en-US" sz="1200" i="1" kern="1200" dirty="0" smtClean="0">
+                <a:solidFill>
+                  <a:schemeClr val="tx1"/>
+                </a:solidFill>
+                <a:effectLst/>
+                <a:latin typeface="+mn-lt"/>
+                <a:ea typeface="+mn-ea"/>
+                <a:cs typeface="+mn-cs"/>
+              </a:rPr>
+              <a:t>We typed the O, and we asked, "Do you see the O."</a:t>
+            </a:r>
+          </a:p>
+          <a:p>
+            <a:r>
+              <a:rPr lang="en-US" sz="1200" i="1" kern="1200" dirty="0" smtClean="0">
+                <a:solidFill>
+                  <a:schemeClr val="tx1"/>
+                </a:solidFill>
+                <a:effectLst/>
+                <a:latin typeface="+mn-lt"/>
+                <a:ea typeface="+mn-ea"/>
+                <a:cs typeface="+mn-cs"/>
+              </a:rPr>
+              <a:t>"Yes, we see the O."</a:t>
+            </a:r>
+          </a:p>
+          <a:p>
+            <a:r>
+              <a:rPr lang="en-US" sz="1200" i="1" kern="1200" dirty="0" smtClean="0">
+                <a:solidFill>
+                  <a:schemeClr val="tx1"/>
+                </a:solidFill>
+                <a:effectLst/>
+                <a:latin typeface="+mn-lt"/>
+                <a:ea typeface="+mn-ea"/>
+                <a:cs typeface="+mn-cs"/>
+              </a:rPr>
+              <a:t>Then we typed the G, and the system crashed ..."</a:t>
+            </a:r>
+          </a:p>
+          <a:p>
+            <a:r>
+              <a:rPr lang="en-US" sz="1200" kern="1200" dirty="0" smtClean="0">
+                <a:solidFill>
+                  <a:schemeClr val="tx1"/>
+                </a:solidFill>
+                <a:effectLst/>
+                <a:latin typeface="+mn-lt"/>
+                <a:ea typeface="+mn-ea"/>
+                <a:cs typeface="+mn-cs"/>
+              </a:rPr>
+              <a:t>But I can see my brief history is already getting too long.  So I'll fast-forward a bit.</a:t>
+            </a:r>
+          </a:p>
+          <a:p>
+            <a:r>
+              <a:rPr lang="en-US" sz="1200" b="1" kern="1200" dirty="0" smtClean="0">
+                <a:solidFill>
+                  <a:schemeClr val="tx1"/>
+                </a:solidFill>
+                <a:effectLst/>
+                <a:latin typeface="+mn-lt"/>
+                <a:ea typeface="+mn-ea"/>
+                <a:cs typeface="+mn-cs"/>
+              </a:rPr>
+              <a:t>TCP/IP</a:t>
+            </a:r>
+          </a:p>
+          <a:p>
+            <a:r>
+              <a:rPr lang="en-US" sz="1200" kern="1200" dirty="0" smtClean="0">
+                <a:solidFill>
+                  <a:schemeClr val="tx1"/>
+                </a:solidFill>
+                <a:effectLst/>
+                <a:latin typeface="+mn-lt"/>
+                <a:ea typeface="+mn-ea"/>
+                <a:cs typeface="+mn-cs"/>
+              </a:rPr>
+              <a:t>TCP/IP was invented in 1982 - it's the standard protocol for packet switching although there were competing standards including one from Microsoft called NetBEUI and another from Novell NetWare called IPX - which some early networked games used because it was faster and more efficient, but not as fault tolerant.</a:t>
+            </a:r>
+          </a:p>
+          <a:p>
+            <a:r>
+              <a:rPr lang="en-US" sz="1200" kern="1200" dirty="0" smtClean="0">
+                <a:solidFill>
+                  <a:schemeClr val="tx1"/>
+                </a:solidFill>
+                <a:effectLst/>
+                <a:latin typeface="+mn-lt"/>
+                <a:ea typeface="+mn-ea"/>
+                <a:cs typeface="+mn-cs"/>
+              </a:rPr>
+              <a:t>Back in the days of Windows 95 and 98 you had to select which protocol you wanted to use when setting up your network connection.</a:t>
+            </a:r>
+          </a:p>
+          <a:p>
+            <a:r>
+              <a:rPr lang="en-US" sz="1200" kern="1200" dirty="0" smtClean="0">
+                <a:solidFill>
+                  <a:schemeClr val="tx1"/>
+                </a:solidFill>
+                <a:effectLst/>
+                <a:latin typeface="+mn-lt"/>
+                <a:ea typeface="+mn-ea"/>
+                <a:cs typeface="+mn-cs"/>
+              </a:rPr>
+              <a:t>NetBEUI and IPX were proprietary so TCP/IP (which was older) won the day.</a:t>
+            </a:r>
+          </a:p>
+          <a:p>
+            <a:r>
+              <a:rPr lang="en-US" sz="1200" kern="1200" dirty="0" smtClean="0">
+                <a:solidFill>
+                  <a:schemeClr val="tx1"/>
+                </a:solidFill>
+                <a:effectLst/>
+                <a:latin typeface="+mn-lt"/>
+                <a:ea typeface="+mn-ea"/>
+                <a:cs typeface="+mn-cs"/>
+              </a:rPr>
+              <a:t>We'll talk about TCP/IP and network routing in more detail in a minute.</a:t>
+            </a:r>
+          </a:p>
+          <a:p>
+            <a:endParaRPr lang="en-US" sz="1200" kern="1200" dirty="0">
+              <a:solidFill>
+                <a:schemeClr val="tx1"/>
+              </a:solidFill>
+              <a:effectLst/>
+              <a:latin typeface="+mn-lt"/>
+              <a:ea typeface="+mn-ea"/>
+              <a:cs typeface="+mn-cs"/>
+            </a:endParaRPr>
           </a:p>
         </p:txBody>
       </p:sp>
@@ -1263,6 +2561,361 @@
           </a:bodyPr>
           <a:lstStyle/>
           <a:p>
+            <a:r>
+              <a:rPr lang="en-US" sz="1200" b="1" kern="1200" dirty="0" smtClean="0">
+                <a:solidFill>
+                  <a:schemeClr val="tx1"/>
+                </a:solidFill>
+                <a:effectLst/>
+                <a:latin typeface="+mn-lt"/>
+                <a:ea typeface="+mn-ea"/>
+                <a:cs typeface="+mn-cs"/>
+              </a:rPr>
+              <a:t>Dial up Networks</a:t>
+            </a:r>
+          </a:p>
+          <a:p>
+            <a:r>
+              <a:rPr lang="en-US" sz="1200" kern="1200" dirty="0" smtClean="0">
+                <a:solidFill>
+                  <a:schemeClr val="tx1"/>
+                </a:solidFill>
+                <a:effectLst/>
+                <a:latin typeface="+mn-lt"/>
+                <a:ea typeface="+mn-ea"/>
+                <a:cs typeface="+mn-cs"/>
+              </a:rPr>
+              <a:t>Throughout the 1980s the internet was mainly used by the government and researchers at universities, and still under the aegis of ARPA.  It was prohibited from being used for commercial, private activity.</a:t>
+            </a:r>
+          </a:p>
+          <a:p>
+            <a:r>
+              <a:rPr lang="en-US" sz="1200" kern="1200" dirty="0" smtClean="0">
+                <a:solidFill>
+                  <a:schemeClr val="tx1"/>
+                </a:solidFill>
+                <a:effectLst/>
+                <a:latin typeface="+mn-lt"/>
+                <a:ea typeface="+mn-ea"/>
+                <a:cs typeface="+mn-cs"/>
+              </a:rPr>
+              <a:t>But a number of private networks sprang up including Prodigy and </a:t>
+            </a:r>
+            <a:r>
+              <a:rPr lang="en-US" sz="1200" kern="1200" dirty="0" err="1" smtClean="0">
+                <a:solidFill>
+                  <a:schemeClr val="tx1"/>
+                </a:solidFill>
+                <a:effectLst/>
+                <a:latin typeface="+mn-lt"/>
+                <a:ea typeface="+mn-ea"/>
+                <a:cs typeface="+mn-cs"/>
+              </a:rPr>
+              <a:t>CompuServ</a:t>
+            </a:r>
+            <a:r>
+              <a:rPr lang="en-US" sz="1200" kern="1200" dirty="0" smtClean="0">
+                <a:solidFill>
+                  <a:schemeClr val="tx1"/>
+                </a:solidFill>
+                <a:effectLst/>
+                <a:latin typeface="+mn-lt"/>
+                <a:ea typeface="+mn-ea"/>
+                <a:cs typeface="+mn-cs"/>
+              </a:rPr>
+              <a:t>.  You could use a phone cradled into a modem that converted audio signals into digital packets.   The term "modem" refers to this:  Modulator/Demodulator.</a:t>
+            </a:r>
+          </a:p>
+          <a:p>
+            <a:r>
+              <a:rPr lang="en-US" sz="1200" kern="1200" dirty="0" smtClean="0">
+                <a:solidFill>
+                  <a:schemeClr val="tx1"/>
+                </a:solidFill>
+                <a:effectLst/>
+                <a:latin typeface="+mn-lt"/>
+                <a:ea typeface="+mn-ea"/>
+                <a:cs typeface="+mn-cs"/>
+              </a:rPr>
+              <a:t>You could download files and even play interactive text-based games over 300 baud -- or when the modem was built in and didn't have to rely on audio reception, a blazing fast 1200 baud, and eventually up to 56K (theoretically) before DSL and cable networks with high bandwidth trunk lines connecting multiple networks with multiple routers.</a:t>
+            </a:r>
+          </a:p>
+          <a:p>
+            <a:r>
+              <a:rPr lang="en-US" sz="1200" b="1" kern="1200" dirty="0" smtClean="0">
+                <a:solidFill>
+                  <a:schemeClr val="tx1"/>
+                </a:solidFill>
+                <a:effectLst/>
+                <a:latin typeface="+mn-lt"/>
+                <a:ea typeface="+mn-ea"/>
+                <a:cs typeface="+mn-cs"/>
+              </a:rPr>
+              <a:t>America Online</a:t>
+            </a:r>
+          </a:p>
+          <a:p>
+            <a:r>
+              <a:rPr lang="en-US" sz="1200" kern="1200" dirty="0" smtClean="0">
+                <a:solidFill>
+                  <a:schemeClr val="tx1"/>
+                </a:solidFill>
+                <a:effectLst/>
+                <a:latin typeface="+mn-lt"/>
+                <a:ea typeface="+mn-ea"/>
+                <a:cs typeface="+mn-cs"/>
+              </a:rPr>
+              <a:t>In 1991 the ban from commercial activity on the internet was lifted, and AOL came on the scene about the same time.</a:t>
+            </a:r>
+          </a:p>
+          <a:p>
+            <a:r>
+              <a:rPr lang="en-US" sz="1200" kern="1200" dirty="0" smtClean="0">
+                <a:solidFill>
+                  <a:schemeClr val="tx1"/>
+                </a:solidFill>
+                <a:effectLst/>
+                <a:latin typeface="+mn-lt"/>
+                <a:ea typeface="+mn-ea"/>
+                <a:cs typeface="+mn-cs"/>
+              </a:rPr>
+              <a:t>Does anyone remember the disks they sent over the mail for free to sign up?</a:t>
+            </a:r>
+          </a:p>
+          <a:p>
+            <a:r>
+              <a:rPr lang="en-US" sz="1200" kern="1200" dirty="0" smtClean="0">
+                <a:solidFill>
+                  <a:schemeClr val="tx1"/>
+                </a:solidFill>
+                <a:effectLst/>
+                <a:latin typeface="+mn-lt"/>
+                <a:ea typeface="+mn-ea"/>
+                <a:cs typeface="+mn-cs"/>
+              </a:rPr>
+              <a:t>To save bandwidth and make the experience flashier, AOL sent people some apps including a document reader, file download, image viewer, and text chat, along with some canned images for icons and animation onto disks to sign up for their dial-up service where you paid by the hour.  If you didn't have a local dial-up number you'd also have to pay long distance charges for your telephone.</a:t>
+            </a:r>
+          </a:p>
+          <a:p>
+            <a:r>
+              <a:rPr lang="en-US" sz="1200" b="1" kern="1200" dirty="0" smtClean="0">
+                <a:solidFill>
+                  <a:schemeClr val="tx1"/>
+                </a:solidFill>
+                <a:effectLst/>
+                <a:latin typeface="+mn-lt"/>
+                <a:ea typeface="+mn-ea"/>
+                <a:cs typeface="+mn-cs"/>
+              </a:rPr>
+              <a:t>The World Wide Web</a:t>
+            </a:r>
+          </a:p>
+          <a:p>
+            <a:r>
+              <a:rPr lang="en-US" sz="1200" kern="1200" dirty="0" smtClean="0">
+                <a:solidFill>
+                  <a:schemeClr val="tx1"/>
+                </a:solidFill>
+                <a:effectLst/>
+                <a:latin typeface="+mn-lt"/>
+                <a:ea typeface="+mn-ea"/>
+                <a:cs typeface="+mn-cs"/>
+              </a:rPr>
+              <a:t>Meanwhile, Tim Berners-Lee over at CERN (which is French for Center for European Research Nuclear) in Switzerland was developing an application he called the "World Wide Web" which used "Hypertext" to link together documents, images, and other media.  </a:t>
+            </a:r>
+          </a:p>
+          <a:p>
+            <a:r>
+              <a:rPr lang="en-US" sz="1200" kern="1200" dirty="0" smtClean="0">
+                <a:solidFill>
+                  <a:schemeClr val="tx1"/>
+                </a:solidFill>
+                <a:effectLst/>
+                <a:latin typeface="+mn-lt"/>
+                <a:ea typeface="+mn-ea"/>
+                <a:cs typeface="+mn-cs"/>
+              </a:rPr>
+              <a:t>He wrote the first browser which allowed people to click on hypertext links and download documents from different computers on the internet into the same interface.</a:t>
+            </a:r>
+          </a:p>
+          <a:p>
+            <a:r>
+              <a:rPr lang="en-US" sz="1200" kern="1200" dirty="0" smtClean="0">
+                <a:solidFill>
+                  <a:schemeClr val="tx1"/>
+                </a:solidFill>
+                <a:effectLst/>
+                <a:latin typeface="+mn-lt"/>
+                <a:ea typeface="+mn-ea"/>
+                <a:cs typeface="+mn-cs"/>
+              </a:rPr>
+              <a:t>He also developed the foundation of the tools we use today, including the Hypertext Transfer Protocol (HTTP), the Hypertext Markup Language (HTML) and a system of globally unique identifiers for resources that he called the UDI (universal document identifier) that we now call a URL (uniform resource locators) or URI (uniform resource identifier).</a:t>
+            </a:r>
+          </a:p>
+          <a:p>
+            <a:r>
+              <a:rPr lang="en-US" sz="1200" b="1" kern="1200" dirty="0" smtClean="0">
+                <a:solidFill>
+                  <a:schemeClr val="tx1"/>
+                </a:solidFill>
+                <a:effectLst/>
+                <a:latin typeface="+mn-lt"/>
+                <a:ea typeface="+mn-ea"/>
+                <a:cs typeface="+mn-cs"/>
+              </a:rPr>
+              <a:t>Mosaic and Netscape</a:t>
+            </a:r>
+          </a:p>
+          <a:p>
+            <a:r>
+              <a:rPr lang="en-US" sz="1200" kern="1200" dirty="0" smtClean="0">
+                <a:solidFill>
+                  <a:schemeClr val="tx1"/>
+                </a:solidFill>
+                <a:effectLst/>
+                <a:latin typeface="+mn-lt"/>
+                <a:ea typeface="+mn-ea"/>
+                <a:cs typeface="+mn-cs"/>
+              </a:rPr>
+              <a:t>From Berners-Lee's first browser, Marc Andreessen developed the Mosaic Browser at the NCSA (at the University of Illinois.) Along with HTTP, Mosaic supported other protocols like FTP (File Transfer Protocol) NNTP (Network News Transfer Protocol) and Gopher - which was a hierarchical menu based way of navigating the web -- as opposed to the free linking of HTML.</a:t>
+            </a:r>
+          </a:p>
+          <a:p>
+            <a:r>
+              <a:rPr lang="en-US" sz="1200" kern="1200" dirty="0" smtClean="0">
+                <a:solidFill>
+                  <a:schemeClr val="tx1"/>
+                </a:solidFill>
+                <a:effectLst/>
+                <a:latin typeface="+mn-lt"/>
+                <a:ea typeface="+mn-ea"/>
+                <a:cs typeface="+mn-cs"/>
+              </a:rPr>
+              <a:t>Mosaic could actually embed images with text, and it quickly became a success.  Marc Andreessen left the university and moved to Silicon Valley to found Netscape.</a:t>
+            </a:r>
+          </a:p>
+          <a:p>
+            <a:r>
+              <a:rPr lang="en-US" sz="1200" i="1" kern="1200" dirty="0" smtClean="0">
+                <a:solidFill>
+                  <a:schemeClr val="tx1"/>
+                </a:solidFill>
+                <a:effectLst/>
+                <a:latin typeface="+mn-lt"/>
+                <a:ea typeface="+mn-ea"/>
+                <a:cs typeface="+mn-cs"/>
+              </a:rPr>
+              <a:t>(which is a company some of you old timers might remember.)</a:t>
+            </a:r>
+            <a:endParaRPr lang="en-US" sz="1200" kern="1200" dirty="0" smtClean="0">
+              <a:solidFill>
+                <a:schemeClr val="tx1"/>
+              </a:solidFill>
+              <a:effectLst/>
+              <a:latin typeface="+mn-lt"/>
+              <a:ea typeface="+mn-ea"/>
+              <a:cs typeface="+mn-cs"/>
+            </a:endParaRPr>
+          </a:p>
+          <a:p>
+            <a:r>
+              <a:rPr lang="en-US" sz="1200" kern="1200" dirty="0" smtClean="0">
+                <a:solidFill>
+                  <a:schemeClr val="tx1"/>
+                </a:solidFill>
+                <a:effectLst/>
+                <a:latin typeface="+mn-lt"/>
+                <a:ea typeface="+mn-ea"/>
+                <a:cs typeface="+mn-cs"/>
+              </a:rPr>
+              <a:t>Netscape expanded the browser and HTML with such innovations as the &lt;blink&gt; tag and JavaScript.</a:t>
+            </a:r>
+          </a:p>
+          <a:p>
+            <a:r>
+              <a:rPr lang="en-US" sz="1200" kern="1200" dirty="0" smtClean="0">
+                <a:solidFill>
+                  <a:schemeClr val="tx1"/>
+                </a:solidFill>
+                <a:effectLst/>
+                <a:latin typeface="+mn-lt"/>
+                <a:ea typeface="+mn-ea"/>
+                <a:cs typeface="+mn-cs"/>
+              </a:rPr>
+              <a:t>JavaScript was created (and named) as a stopgap because Java Applets were not available in time for Netscape 2.0</a:t>
+            </a:r>
+          </a:p>
+          <a:p>
+            <a:r>
+              <a:rPr lang="en-US" sz="1200" kern="1200" dirty="0" smtClean="0">
+                <a:solidFill>
+                  <a:schemeClr val="tx1"/>
+                </a:solidFill>
+                <a:effectLst/>
+                <a:latin typeface="+mn-lt"/>
+                <a:ea typeface="+mn-ea"/>
+                <a:cs typeface="+mn-cs"/>
+              </a:rPr>
+              <a:t>More on that later.  </a:t>
+            </a:r>
+          </a:p>
+          <a:p>
+            <a:r>
+              <a:rPr lang="en-US" sz="1200" kern="1200" dirty="0" smtClean="0">
+                <a:solidFill>
+                  <a:schemeClr val="tx1"/>
+                </a:solidFill>
+                <a:effectLst/>
+                <a:latin typeface="+mn-lt"/>
+                <a:ea typeface="+mn-ea"/>
+                <a:cs typeface="+mn-cs"/>
+              </a:rPr>
+              <a:t>Applets were network transferred applications designed to provide more functionality than was then available with HTML markup, specifically animations.</a:t>
+            </a:r>
+          </a:p>
+          <a:p>
+            <a:r>
+              <a:rPr lang="en-US" sz="1200" kern="1200" dirty="0" smtClean="0">
+                <a:solidFill>
+                  <a:schemeClr val="tx1"/>
+                </a:solidFill>
+                <a:effectLst/>
+                <a:latin typeface="+mn-lt"/>
+                <a:ea typeface="+mn-ea"/>
+                <a:cs typeface="+mn-cs"/>
+              </a:rPr>
+              <a:t>That about brings us up to recent history, and most of the pieces of the web as we know it were in place by about 1995, although there has been plenty of innovation and wrong turns and dead ends in the past 18 years or so.  Much of what has been further developed is really just clever ways of combining the underlying technologies.</a:t>
+            </a:r>
+          </a:p>
+          <a:p>
+            <a:r>
+              <a:rPr lang="en-US" sz="1200" kern="1200" dirty="0" smtClean="0">
+                <a:solidFill>
+                  <a:schemeClr val="tx1"/>
+                </a:solidFill>
+                <a:effectLst/>
+                <a:latin typeface="+mn-lt"/>
+                <a:ea typeface="+mn-ea"/>
+                <a:cs typeface="+mn-cs"/>
+              </a:rPr>
+              <a:t>But let's go into a little more detail about the building blocks.  I'll start by describing how networks work, specifically TCP/IP and routing with DNS.</a:t>
+            </a:r>
+          </a:p>
+          <a:p>
+            <a:r>
+              <a:rPr lang="en-US" sz="1200" kern="1200" dirty="0" smtClean="0">
+                <a:solidFill>
+                  <a:schemeClr val="tx1"/>
+                </a:solidFill>
+                <a:effectLst/>
+                <a:latin typeface="+mn-lt"/>
+                <a:ea typeface="+mn-ea"/>
+                <a:cs typeface="+mn-cs"/>
+              </a:rPr>
+              <a:t>Then describe web architectures and how communication works between the browser and web server using HTTP, and talk in more detail about HTML, JavaScript, and all the other goodies that go into modern web apps.</a:t>
+            </a:r>
+          </a:p>
+          <a:p>
             <a:endParaRPr lang="en-US" baseline="0" dirty="0" smtClean="0"/>
           </a:p>
         </p:txBody>
@@ -1345,412 +2998,7 @@
           </a:bodyPr>
           <a:lstStyle/>
           <a:p>
-            <a:pPr lvl="0"/>
-            <a:r>
-              <a:rPr lang="en-US" sz="1200" kern="1200" dirty="0" smtClean="0">
-                <a:solidFill>
-                  <a:schemeClr val="tx1"/>
-                </a:solidFill>
-                <a:latin typeface="+mn-lt"/>
-                <a:ea typeface="+mn-ea"/>
-                <a:cs typeface="+mn-cs"/>
-              </a:rPr>
-              <a:t>The</a:t>
-            </a:r>
-            <a:r>
-              <a:rPr lang="en-US" sz="1200" kern="1200" baseline="0" dirty="0" smtClean="0">
-                <a:solidFill>
-                  <a:schemeClr val="tx1"/>
-                </a:solidFill>
-                <a:latin typeface="+mn-lt"/>
-                <a:ea typeface="+mn-ea"/>
-                <a:cs typeface="+mn-cs"/>
-              </a:rPr>
-              <a:t> OSI model is a standard that was developed by a committee called </a:t>
-            </a:r>
-          </a:p>
-          <a:p>
-            <a:pPr lvl="0"/>
-            <a:endParaRPr lang="en-US" sz="1200" kern="1200" baseline="0" dirty="0" smtClean="0">
-              <a:solidFill>
-                <a:schemeClr val="tx1"/>
-              </a:solidFill>
-              <a:latin typeface="+mn-lt"/>
-              <a:ea typeface="+mn-ea"/>
-              <a:cs typeface="+mn-cs"/>
-            </a:endParaRPr>
-          </a:p>
-          <a:p>
-            <a:pPr lvl="0"/>
-            <a:r>
-              <a:rPr lang="en-US" sz="1200" kern="1200" baseline="0" dirty="0" smtClean="0">
-                <a:solidFill>
-                  <a:schemeClr val="tx1"/>
-                </a:solidFill>
-                <a:latin typeface="+mn-lt"/>
-                <a:ea typeface="+mn-ea"/>
-                <a:cs typeface="+mn-cs"/>
-              </a:rPr>
-              <a:t>It describes 7 layers of communication over a network, from the hardware to the application.</a:t>
-            </a:r>
-          </a:p>
-          <a:p>
-            <a:pPr lvl="0"/>
-            <a:endParaRPr lang="en-US" sz="1200" kern="1200" baseline="0" dirty="0" smtClean="0">
-              <a:solidFill>
-                <a:schemeClr val="tx1"/>
-              </a:solidFill>
-              <a:latin typeface="+mn-lt"/>
-              <a:ea typeface="+mn-ea"/>
-              <a:cs typeface="+mn-cs"/>
-            </a:endParaRPr>
-          </a:p>
-          <a:p>
-            <a:pPr lvl="0"/>
-            <a:r>
-              <a:rPr lang="en-US" sz="1200" kern="1200" baseline="0" dirty="0" smtClean="0">
-                <a:solidFill>
-                  <a:schemeClr val="tx1"/>
-                </a:solidFill>
-                <a:latin typeface="+mn-lt"/>
-                <a:ea typeface="+mn-ea"/>
-                <a:cs typeface="+mn-cs"/>
-              </a:rPr>
-              <a:t>The physical layer is at the bottom.  It describes the electrical and physical specifications for devices.</a:t>
-            </a:r>
-          </a:p>
-          <a:p>
-            <a:pPr lvl="0"/>
-            <a:r>
-              <a:rPr lang="en-US" sz="1200" kern="1200" baseline="0" dirty="0" smtClean="0">
-                <a:solidFill>
-                  <a:schemeClr val="tx1"/>
-                </a:solidFill>
-                <a:latin typeface="+mn-lt"/>
-                <a:ea typeface="+mn-ea"/>
-                <a:cs typeface="+mn-cs"/>
-              </a:rPr>
-              <a:t>It establishes and terminates a connection</a:t>
-            </a:r>
-          </a:p>
-          <a:p>
-            <a:pPr lvl="0"/>
-            <a:r>
-              <a:rPr lang="en-US" sz="1200" kern="1200" baseline="0" dirty="0" smtClean="0">
-                <a:solidFill>
-                  <a:schemeClr val="tx1"/>
-                </a:solidFill>
-                <a:latin typeface="+mn-lt"/>
-                <a:ea typeface="+mn-ea"/>
-                <a:cs typeface="+mn-cs"/>
-              </a:rPr>
-              <a:t>It handles things like modulation (like AM/FM radios) and conversion from analog to digital (via modem.)</a:t>
-            </a:r>
-          </a:p>
-          <a:p>
-            <a:pPr lvl="0"/>
-            <a:r>
-              <a:rPr lang="en-US" sz="1200" kern="1200" baseline="0" dirty="0" smtClean="0">
-                <a:solidFill>
-                  <a:schemeClr val="tx1"/>
-                </a:solidFill>
-                <a:latin typeface="+mn-lt"/>
-                <a:ea typeface="+mn-ea"/>
-                <a:cs typeface="+mn-cs"/>
-              </a:rPr>
-              <a:t>In Morse code this would be the tapping switch and the receiving buzzer.</a:t>
-            </a:r>
-          </a:p>
-          <a:p>
-            <a:pPr lvl="0"/>
-            <a:endParaRPr lang="en-US" sz="1200" kern="1200" baseline="0" dirty="0" smtClean="0">
-              <a:solidFill>
-                <a:schemeClr val="tx1"/>
-              </a:solidFill>
-              <a:latin typeface="+mn-lt"/>
-              <a:ea typeface="+mn-ea"/>
-              <a:cs typeface="+mn-cs"/>
-            </a:endParaRPr>
-          </a:p>
-          <a:p>
-            <a:pPr lvl="0"/>
-            <a:r>
-              <a:rPr lang="en-US" sz="1200" kern="1200" baseline="0" dirty="0" smtClean="0">
-                <a:solidFill>
-                  <a:schemeClr val="tx1"/>
-                </a:solidFill>
-                <a:latin typeface="+mn-lt"/>
-                <a:ea typeface="+mn-ea"/>
-                <a:cs typeface="+mn-cs"/>
-              </a:rPr>
-              <a:t>The data link layer describes how the process for transferring data between systems on the network.</a:t>
-            </a:r>
-          </a:p>
-          <a:p>
-            <a:pPr lvl="0"/>
-            <a:r>
-              <a:rPr lang="en-US" sz="1200" kern="1200" baseline="0" dirty="0" smtClean="0">
-                <a:solidFill>
-                  <a:schemeClr val="tx1"/>
-                </a:solidFill>
-                <a:latin typeface="+mn-lt"/>
-                <a:ea typeface="+mn-ea"/>
-                <a:cs typeface="+mn-cs"/>
-              </a:rPr>
-              <a:t>In practice, this is usually just used for error correction.</a:t>
-            </a:r>
-          </a:p>
-          <a:p>
-            <a:pPr marL="0" marR="0" lvl="0" indent="0" algn="l" defTabSz="914400" rtl="0" eaLnBrk="1" fontAlgn="auto" latinLnBrk="0" hangingPunct="1">
-              <a:lnSpc>
-                <a:spcPct val="100000"/>
-              </a:lnSpc>
-              <a:spcBef>
-                <a:spcPts val="0"/>
-              </a:spcBef>
-              <a:spcAft>
-                <a:spcPts val="0"/>
-              </a:spcAft>
-              <a:buClrTx/>
-              <a:buSzTx/>
-              <a:buFontTx/>
-              <a:buNone/>
-              <a:tabLst/>
-              <a:defRPr/>
-            </a:pPr>
-            <a:r>
-              <a:rPr lang="en-US" sz="1200" kern="1200" baseline="0" dirty="0" smtClean="0">
-                <a:solidFill>
-                  <a:schemeClr val="tx1"/>
-                </a:solidFill>
-                <a:latin typeface="+mn-lt"/>
-                <a:ea typeface="+mn-ea"/>
-                <a:cs typeface="+mn-cs"/>
-              </a:rPr>
-              <a:t>PPP (Point to Point protocol) is at this layer</a:t>
-            </a:r>
-          </a:p>
-          <a:p>
-            <a:pPr lvl="0"/>
-            <a:r>
-              <a:rPr lang="en-US" sz="1200" kern="1200" baseline="0" dirty="0" smtClean="0">
-                <a:solidFill>
-                  <a:schemeClr val="tx1"/>
-                </a:solidFill>
-                <a:latin typeface="+mn-lt"/>
-                <a:ea typeface="+mn-ea"/>
-                <a:cs typeface="+mn-cs"/>
-              </a:rPr>
-              <a:t>MAC Address broadcast is also at this layer.</a:t>
-            </a:r>
-          </a:p>
-          <a:p>
-            <a:pPr marL="0" marR="0" lvl="0" indent="0" algn="l" defTabSz="914400" rtl="0" eaLnBrk="1" fontAlgn="auto" latinLnBrk="0" hangingPunct="1">
-              <a:lnSpc>
-                <a:spcPct val="100000"/>
-              </a:lnSpc>
-              <a:spcBef>
-                <a:spcPts val="0"/>
-              </a:spcBef>
-              <a:spcAft>
-                <a:spcPts val="0"/>
-              </a:spcAft>
-              <a:buClrTx/>
-              <a:buSzTx/>
-              <a:buFontTx/>
-              <a:buNone/>
-              <a:tabLst/>
-              <a:defRPr/>
-            </a:pPr>
-            <a:r>
-              <a:rPr lang="en-US" sz="1200" kern="1200" baseline="0" dirty="0" smtClean="0">
-                <a:solidFill>
-                  <a:schemeClr val="tx1"/>
-                </a:solidFill>
-                <a:latin typeface="+mn-lt"/>
-                <a:ea typeface="+mn-ea"/>
-                <a:cs typeface="+mn-cs"/>
-              </a:rPr>
-              <a:t>If it were Morse code, this would mean the electrical signals that sends the beeps over the wire</a:t>
-            </a:r>
-          </a:p>
-          <a:p>
-            <a:pPr lvl="0"/>
-            <a:endParaRPr lang="en-US" sz="1200" kern="1200" baseline="0" dirty="0" smtClean="0">
-              <a:solidFill>
-                <a:schemeClr val="tx1"/>
-              </a:solidFill>
-              <a:latin typeface="+mn-lt"/>
-              <a:ea typeface="+mn-ea"/>
-              <a:cs typeface="+mn-cs"/>
-            </a:endParaRPr>
-          </a:p>
-          <a:p>
-            <a:pPr lvl="0"/>
-            <a:r>
-              <a:rPr lang="en-US" sz="1200" kern="1200" baseline="0" dirty="0" smtClean="0">
-                <a:solidFill>
-                  <a:schemeClr val="tx1"/>
-                </a:solidFill>
-                <a:latin typeface="+mn-lt"/>
-                <a:ea typeface="+mn-ea"/>
-                <a:cs typeface="+mn-cs"/>
-              </a:rPr>
-              <a:t>The network layer describes how messages are sent.</a:t>
-            </a:r>
-          </a:p>
-          <a:p>
-            <a:pPr lvl="0"/>
-            <a:r>
-              <a:rPr lang="en-US" sz="1200" kern="1200" baseline="0" dirty="0" smtClean="0">
-                <a:solidFill>
-                  <a:schemeClr val="tx1"/>
-                </a:solidFill>
-                <a:latin typeface="+mn-lt"/>
-                <a:ea typeface="+mn-ea"/>
-                <a:cs typeface="+mn-cs"/>
-              </a:rPr>
-              <a:t>Routers operate at this level.</a:t>
-            </a:r>
-          </a:p>
-          <a:p>
-            <a:pPr lvl="0"/>
-            <a:r>
-              <a:rPr lang="en-US" sz="1200" kern="1200" baseline="0" dirty="0" smtClean="0">
-                <a:solidFill>
-                  <a:schemeClr val="tx1"/>
-                </a:solidFill>
-                <a:latin typeface="+mn-lt"/>
-                <a:ea typeface="+mn-ea"/>
-                <a:cs typeface="+mn-cs"/>
-              </a:rPr>
-              <a:t>In our Morse code example this doesn’t have a direct correlation because Norse code is sent over a single wire (or frequency)</a:t>
-            </a:r>
-          </a:p>
-          <a:p>
-            <a:pPr lvl="0"/>
-            <a:endParaRPr lang="en-US" sz="1200" kern="1200" baseline="0" dirty="0" smtClean="0">
-              <a:solidFill>
-                <a:schemeClr val="tx1"/>
-              </a:solidFill>
-              <a:latin typeface="+mn-lt"/>
-              <a:ea typeface="+mn-ea"/>
-              <a:cs typeface="+mn-cs"/>
-            </a:endParaRPr>
-          </a:p>
-          <a:p>
-            <a:pPr lvl="0"/>
-            <a:r>
-              <a:rPr lang="en-US" sz="1200" kern="1200" baseline="0" dirty="0" smtClean="0">
-                <a:solidFill>
-                  <a:schemeClr val="tx1"/>
-                </a:solidFill>
-                <a:latin typeface="+mn-lt"/>
-                <a:ea typeface="+mn-ea"/>
-                <a:cs typeface="+mn-cs"/>
-              </a:rPr>
-              <a:t>The transport layer describes how packets are sent</a:t>
-            </a:r>
-          </a:p>
-          <a:p>
-            <a:pPr lvl="0"/>
-            <a:r>
-              <a:rPr lang="en-US" sz="1200" kern="1200" baseline="0" dirty="0" smtClean="0">
-                <a:solidFill>
-                  <a:schemeClr val="tx1"/>
-                </a:solidFill>
-                <a:latin typeface="+mn-lt"/>
-                <a:ea typeface="+mn-ea"/>
-                <a:cs typeface="+mn-cs"/>
-              </a:rPr>
-              <a:t>In Morse code this would describe the short and long signals.</a:t>
-            </a:r>
-          </a:p>
-          <a:p>
-            <a:pPr lvl="0"/>
-            <a:r>
-              <a:rPr lang="en-US" sz="1200" kern="1200" baseline="0" dirty="0" smtClean="0">
-                <a:solidFill>
-                  <a:schemeClr val="tx1"/>
-                </a:solidFill>
-                <a:latin typeface="+mn-lt"/>
-                <a:ea typeface="+mn-ea"/>
-                <a:cs typeface="+mn-cs"/>
-              </a:rPr>
-              <a:t>TCP/IP lives at this level.</a:t>
-            </a:r>
-          </a:p>
-          <a:p>
-            <a:pPr lvl="0"/>
-            <a:r>
-              <a:rPr lang="en-US" sz="1200" kern="1200" baseline="0" dirty="0" smtClean="0">
-                <a:solidFill>
-                  <a:schemeClr val="tx1"/>
-                </a:solidFill>
-                <a:latin typeface="+mn-lt"/>
-                <a:ea typeface="+mn-ea"/>
-                <a:cs typeface="+mn-cs"/>
-              </a:rPr>
-              <a:t> </a:t>
-            </a:r>
-            <a:endParaRPr lang="en-US" sz="1200" kern="1200" dirty="0" smtClean="0">
-              <a:solidFill>
-                <a:schemeClr val="tx1"/>
-              </a:solidFill>
-              <a:latin typeface="+mn-lt"/>
-              <a:ea typeface="+mn-ea"/>
-              <a:cs typeface="+mn-cs"/>
-            </a:endParaRPr>
-          </a:p>
-          <a:p>
-            <a:r>
-              <a:rPr lang="en-US" baseline="0" dirty="0" smtClean="0"/>
-              <a:t>The session layer controls the connections between </a:t>
-            </a:r>
-            <a:r>
-              <a:rPr lang="en-US" baseline="0" dirty="0" err="1" smtClean="0"/>
-              <a:t>comptuers</a:t>
-            </a:r>
-            <a:r>
-              <a:rPr lang="en-US" baseline="0" dirty="0" smtClean="0"/>
-              <a:t>.  It establishes, maintains, and terminates the connection.  </a:t>
-            </a:r>
-          </a:p>
-          <a:p>
-            <a:r>
-              <a:rPr lang="en-US" baseline="0" dirty="0" smtClean="0"/>
-              <a:t>The carrier signal and </a:t>
-            </a:r>
-            <a:r>
-              <a:rPr lang="en-US" baseline="0" dirty="0" err="1" smtClean="0"/>
-              <a:t>hangup</a:t>
-            </a:r>
-            <a:r>
-              <a:rPr lang="en-US" baseline="0" dirty="0" smtClean="0"/>
-              <a:t> for a phone are roughly at this layer.</a:t>
-            </a:r>
-            <a:br>
-              <a:rPr lang="en-US" baseline="0" dirty="0" smtClean="0"/>
-            </a:br>
-            <a:r>
-              <a:rPr lang="en-US" baseline="0" dirty="0" smtClean="0"/>
-              <a:t>When you get “the remote connection has terminated” that’s a closed session.</a:t>
-            </a:r>
-          </a:p>
-          <a:p>
             <a:endParaRPr lang="en-US" baseline="0" dirty="0" smtClean="0"/>
-          </a:p>
-          <a:p>
-            <a:r>
-              <a:rPr lang="en-US" baseline="0" dirty="0" smtClean="0"/>
-              <a:t>The application layer is closest to the user, but it’s not really that close.</a:t>
-            </a:r>
-          </a:p>
-          <a:p>
-            <a:r>
-              <a:rPr lang="en-US" baseline="0" dirty="0" smtClean="0"/>
-              <a:t>This is things like HTTP, FTP, TELNET SMTP protocols.</a:t>
-            </a:r>
           </a:p>
         </p:txBody>
       </p:sp>
@@ -1832,15 +3080,6 @@
           </a:bodyPr>
           <a:lstStyle/>
           <a:p>
-            <a:r>
-              <a:rPr lang="en-US" baseline="0" dirty="0" smtClean="0"/>
-              <a:t>But the OSI layer isn’t really practical.  The internet, in practice, uses a much simpler model.</a:t>
-            </a:r>
-          </a:p>
-          <a:p>
-            <a:endParaRPr lang="en-US" baseline="0" dirty="0" smtClean="0"/>
-          </a:p>
-          <a:p>
             <a:pPr lvl="0"/>
             <a:r>
               <a:rPr lang="en-US" sz="1200" kern="1200" dirty="0" smtClean="0">
@@ -1851,7 +3090,7 @@
                 <a:ea typeface="+mn-ea"/>
                 <a:cs typeface="+mn-cs"/>
               </a:rPr>
-              <a:t>TCP/IP describes</a:t>
+              <a:t>The</a:t>
             </a:r>
             <a:r>
               <a:rPr lang="en-US" sz="1200" kern="1200" baseline="0" dirty="0" smtClean="0">
@@ -1862,29 +3101,7 @@
                 <a:ea typeface="+mn-ea"/>
                 <a:cs typeface="+mn-cs"/>
               </a:rPr>
-              <a:t> a simpler model the </a:t>
-            </a:r>
-            <a:r>
-              <a:rPr lang="en-US" sz="1200" kern="1200" baseline="0" dirty="0" err="1" smtClean="0">
-                <a:solidFill>
-                  <a:schemeClr val="tx1"/>
-                </a:solidFill>
-                <a:latin typeface="+mn-lt"/>
-                <a:ea typeface="+mn-ea"/>
-                <a:cs typeface="+mn-cs"/>
-              </a:rPr>
-              <a:t>the</a:t>
-            </a:r>
-            <a:r>
-              <a:rPr lang="en-US" sz="1200" kern="1200" baseline="0" dirty="0" smtClean="0">
-                <a:solidFill>
-                  <a:schemeClr val="tx1"/>
-                </a:solidFill>
-                <a:latin typeface="+mn-lt"/>
-                <a:ea typeface="+mn-ea"/>
-                <a:cs typeface="+mn-cs"/>
-              </a:rPr>
-              <a:t> OSI, which was, after all designed by a committee.</a:t>
+              <a:t> OSI model is a standard that was developed by a committee called </a:t>
             </a:r>
           </a:p>
           <a:p>
@@ -1909,21 +3126,7 @@
                 <a:ea typeface="+mn-ea"/>
                 <a:cs typeface="+mn-cs"/>
               </a:rPr>
-              <a:t>The link layer is for communication on a local network.</a:t>
-            </a:r>
-          </a:p>
-          <a:p>
-            <a:pPr lvl="0"/>
-            <a:r>
-              <a:rPr lang="en-US" sz="1200" kern="1200" baseline="0" dirty="0" smtClean="0">
-                <a:solidFill>
-                  <a:schemeClr val="tx1"/>
-                </a:solidFill>
-                <a:latin typeface="+mn-lt"/>
-                <a:ea typeface="+mn-ea"/>
-                <a:cs typeface="+mn-cs"/>
-              </a:rPr>
-              <a:t>Ethernet lives at this layer .  </a:t>
+              <a:t>It describes 7 layers of communication over a network, from the hardware to the application.</a:t>
             </a:r>
           </a:p>
           <a:p>
@@ -1948,7 +3151,7 @@
                 <a:ea typeface="+mn-ea"/>
                 <a:cs typeface="+mn-cs"/>
               </a:rPr>
-              <a:t>The internet layer connects networks creating an internetwork.</a:t>
+              <a:t>The physical layer is at the bottom.  It describes the electrical and physical specifications for devices.</a:t>
             </a:r>
           </a:p>
           <a:p>
@@ -1962,7 +3165,35 @@
                 <a:ea typeface="+mn-ea"/>
                 <a:cs typeface="+mn-cs"/>
               </a:rPr>
-              <a:t>The internet protocol (IP of TCP/IP) lives at this layer.  It handles routing.</a:t>
+              <a:t>It establishes and terminates a connection</a:t>
+            </a:r>
+          </a:p>
+          <a:p>
+            <a:pPr lvl="0"/>
+            <a:r>
+              <a:rPr lang="en-US" sz="1200" kern="1200" baseline="0" dirty="0" smtClean="0">
+                <a:solidFill>
+                  <a:schemeClr val="tx1"/>
+                </a:solidFill>
+                <a:latin typeface="+mn-lt"/>
+                <a:ea typeface="+mn-ea"/>
+                <a:cs typeface="+mn-cs"/>
+              </a:rPr>
+              <a:t>It handles things like modulation (like AM/FM radios) and conversion from analog to digital (via modem.)</a:t>
+            </a:r>
+          </a:p>
+          <a:p>
+            <a:pPr lvl="0"/>
+            <a:r>
+              <a:rPr lang="en-US" sz="1200" kern="1200" baseline="0" dirty="0" smtClean="0">
+                <a:solidFill>
+                  <a:schemeClr val="tx1"/>
+                </a:solidFill>
+                <a:latin typeface="+mn-lt"/>
+                <a:ea typeface="+mn-ea"/>
+                <a:cs typeface="+mn-cs"/>
+              </a:rPr>
+              <a:t>In Morse code this would be the tapping switch and the receiving buzzer.</a:t>
             </a:r>
           </a:p>
           <a:p>
@@ -1987,7 +3218,7 @@
                 <a:ea typeface="+mn-ea"/>
                 <a:cs typeface="+mn-cs"/>
               </a:rPr>
-              <a:t>The transport layer handles communication between hosts.</a:t>
+              <a:t>The data link layer describes how the process for transferring data between systems on the network.</a:t>
             </a:r>
           </a:p>
           <a:p>
@@ -2001,11 +3232,27 @@
                 <a:ea typeface="+mn-ea"/>
                 <a:cs typeface="+mn-cs"/>
               </a:rPr>
-              <a:t>There is no session maintenance.</a:t>
-            </a:r>
-          </a:p>
-          <a:p>
-            <a:pPr lvl="0"/>
+              <a:t>In practice, this is usually just used for error correction.</a:t>
+            </a:r>
+          </a:p>
+          <a:p>
+            <a:pPr marL="0" marR="0" lvl="0" indent="0" algn="l" defTabSz="914400" rtl="0" eaLnBrk="1" fontAlgn="auto" latinLnBrk="0" hangingPunct="1">
+              <a:lnSpc>
+                <a:spcPct val="100000"/>
+              </a:lnSpc>
+              <a:spcBef>
+                <a:spcPts val="0"/>
+              </a:spcBef>
+              <a:spcAft>
+                <a:spcPts val="0"/>
+              </a:spcAft>
+              <a:buClrTx/>
+              <a:buSzTx/>
+              <a:buFontTx/>
+              <a:buNone/>
+              <a:tabLst/>
+              <a:defRPr/>
+            </a:pPr>
             <a:r>
               <a:rPr lang="en-US" sz="1200" kern="1200" baseline="0" dirty="0" smtClean="0">
                 <a:solidFill>
@@ -2015,7 +3262,7 @@
                 <a:ea typeface="+mn-ea"/>
                 <a:cs typeface="+mn-cs"/>
               </a:rPr>
-              <a:t>TCP (or UDP) packets are formed and received.</a:t>
+              <a:t>PPP (Point to Point protocol) is at this layer</a:t>
             </a:r>
           </a:p>
           <a:p>
@@ -2029,7 +3276,37 @@
                 <a:ea typeface="+mn-ea"/>
                 <a:cs typeface="+mn-cs"/>
               </a:rPr>
-              <a:t>Error correction is build into the protocol (or left out, as in UDP which is less concerned if some packets are lost , for example, when streaming)</a:t>
+              <a:t>MAC Address broadcast is also at this layer.</a:t>
+            </a:r>
+          </a:p>
+          <a:p>
+            <a:pPr marL="0" marR="0" lvl="0" indent="0" algn="l" defTabSz="914400" rtl="0" eaLnBrk="1" fontAlgn="auto" latinLnBrk="0" hangingPunct="1">
+              <a:lnSpc>
+                <a:spcPct val="100000"/>
+              </a:lnSpc>
+              <a:spcBef>
+                <a:spcPts val="0"/>
+              </a:spcBef>
+              <a:spcAft>
+                <a:spcPts val="0"/>
+              </a:spcAft>
+              <a:buClrTx/>
+              <a:buSzTx/>
+              <a:buFontTx/>
+              <a:buNone/>
+              <a:tabLst/>
+              <a:defRPr/>
+            </a:pPr>
+            <a:r>
+              <a:rPr lang="en-US" sz="1200" kern="1200" baseline="0" dirty="0" smtClean="0">
+                <a:solidFill>
+                  <a:schemeClr val="tx1"/>
+                </a:solidFill>
+                <a:latin typeface="+mn-lt"/>
+                <a:ea typeface="+mn-ea"/>
+                <a:cs typeface="+mn-cs"/>
+              </a:rPr>
+              <a:t>If it were Morse code, this would mean the electrical signals that sends the beeps over the wire</a:t>
             </a:r>
           </a:p>
           <a:p>
@@ -2046,17 +3323,6 @@
           <a:p>
             <a:pPr lvl="0"/>
             <a:r>
-              <a:rPr lang="en-US" sz="1200" kern="1200" baseline="0" dirty="0" err="1" smtClean="0">
-                <a:solidFill>
-                  <a:schemeClr val="tx1"/>
-                </a:solidFill>
-                <a:latin typeface="+mn-lt"/>
-                <a:ea typeface="+mn-ea"/>
-                <a:cs typeface="+mn-cs"/>
-              </a:rPr>
-              <a:t>Transmision</a:t>
-            </a:r>
-            <a:r>
               <a:rPr lang="en-US" sz="1200" kern="1200" baseline="0" dirty="0" smtClean="0">
                 <a:solidFill>
                   <a:schemeClr val="tx1"/>
@@ -2065,7 +3331,7 @@
                 <a:ea typeface="+mn-ea"/>
                 <a:cs typeface="+mn-cs"/>
               </a:rPr>
-              <a:t> Control Protocol</a:t>
+              <a:t>The network layer describes how messages are sent.</a:t>
             </a:r>
           </a:p>
           <a:p>
@@ -2079,7 +3345,21 @@
                 <a:ea typeface="+mn-ea"/>
                 <a:cs typeface="+mn-cs"/>
               </a:rPr>
-              <a:t>User Datagram Protocol</a:t>
+              <a:t>Routers operate at this level.</a:t>
+            </a:r>
+          </a:p>
+          <a:p>
+            <a:pPr lvl="0"/>
+            <a:r>
+              <a:rPr lang="en-US" sz="1200" kern="1200" baseline="0" dirty="0" smtClean="0">
+                <a:solidFill>
+                  <a:schemeClr val="tx1"/>
+                </a:solidFill>
+                <a:latin typeface="+mn-lt"/>
+                <a:ea typeface="+mn-ea"/>
+                <a:cs typeface="+mn-cs"/>
+              </a:rPr>
+              <a:t>In our Morse code example this doesn’t have a direct correlation because Norse code is sent over a single wire (or frequency)</a:t>
             </a:r>
           </a:p>
           <a:p>
@@ -2095,7 +3375,60 @@
           </a:p>
           <a:p>
             <a:pPr lvl="0"/>
-            <a:endParaRPr lang="en-US" sz="1200" kern="1200" baseline="0" dirty="0" smtClean="0">
+            <a:r>
+              <a:rPr lang="en-US" sz="1200" kern="1200" baseline="0" dirty="0" smtClean="0">
+                <a:solidFill>
+                  <a:schemeClr val="tx1"/>
+                </a:solidFill>
+                <a:latin typeface="+mn-lt"/>
+                <a:ea typeface="+mn-ea"/>
+                <a:cs typeface="+mn-cs"/>
+              </a:rPr>
+              <a:t>The transport layer describes how packets are sent</a:t>
+            </a:r>
+          </a:p>
+          <a:p>
+            <a:pPr lvl="0"/>
+            <a:r>
+              <a:rPr lang="en-US" sz="1200" kern="1200" baseline="0" dirty="0" smtClean="0">
+                <a:solidFill>
+                  <a:schemeClr val="tx1"/>
+                </a:solidFill>
+                <a:latin typeface="+mn-lt"/>
+                <a:ea typeface="+mn-ea"/>
+                <a:cs typeface="+mn-cs"/>
+              </a:rPr>
+              <a:t>In Morse code this would describe the short and long signals.</a:t>
+            </a:r>
+          </a:p>
+          <a:p>
+            <a:pPr lvl="0"/>
+            <a:r>
+              <a:rPr lang="en-US" sz="1200" kern="1200" baseline="0" dirty="0" smtClean="0">
+                <a:solidFill>
+                  <a:schemeClr val="tx1"/>
+                </a:solidFill>
+                <a:latin typeface="+mn-lt"/>
+                <a:ea typeface="+mn-ea"/>
+                <a:cs typeface="+mn-cs"/>
+              </a:rPr>
+              <a:t>TCP/IP lives at this level.</a:t>
+            </a:r>
+          </a:p>
+          <a:p>
+            <a:pPr lvl="0"/>
+            <a:r>
+              <a:rPr lang="en-US" sz="1200" kern="1200" baseline="0" dirty="0" smtClean="0">
+                <a:solidFill>
+                  <a:schemeClr val="tx1"/>
+                </a:solidFill>
+                <a:latin typeface="+mn-lt"/>
+                <a:ea typeface="+mn-ea"/>
+                <a:cs typeface="+mn-cs"/>
+              </a:rPr>
+              <a:t> </a:t>
+            </a:r>
+            <a:endParaRPr lang="en-US" sz="1200" kern="1200" dirty="0" smtClean="0">
               <a:solidFill>
                 <a:schemeClr val="tx1"/>
               </a:solidFill>
@@ -2105,66 +3438,54 @@
             </a:endParaRPr>
           </a:p>
           <a:p>
-            <a:pPr lvl="0"/>
-            <a:r>
-              <a:rPr lang="en-US" sz="1200" kern="1200" baseline="0" dirty="0" smtClean="0">
-                <a:solidFill>
-                  <a:schemeClr val="tx1"/>
-                </a:solidFill>
-                <a:latin typeface="+mn-lt"/>
-                <a:ea typeface="+mn-ea"/>
-                <a:cs typeface="+mn-cs"/>
-              </a:rPr>
-              <a:t>The physical layer is not described, since TCP/IP  is designed to be  hardware independent.</a:t>
-            </a:r>
-          </a:p>
-          <a:p>
-            <a:pPr lvl="0"/>
-            <a:endParaRPr lang="en-US" sz="1200" kern="1200" baseline="0" dirty="0" smtClean="0">
-              <a:solidFill>
-                <a:schemeClr val="tx1"/>
-              </a:solidFill>
-              <a:latin typeface="+mn-lt"/>
-              <a:ea typeface="+mn-ea"/>
-              <a:cs typeface="+mn-cs"/>
-            </a:endParaRPr>
-          </a:p>
-          <a:p>
-            <a:pPr lvl="0"/>
-            <a:endParaRPr lang="en-US" sz="1200" kern="1200" baseline="0" dirty="0" smtClean="0">
-              <a:solidFill>
-                <a:schemeClr val="tx1"/>
-              </a:solidFill>
-              <a:latin typeface="+mn-lt"/>
-              <a:ea typeface="+mn-ea"/>
-              <a:cs typeface="+mn-cs"/>
-            </a:endParaRPr>
-          </a:p>
-          <a:p>
-            <a:pPr lvl="0"/>
-            <a:endParaRPr lang="en-US" sz="1200" kern="1200" baseline="0" dirty="0" smtClean="0">
-              <a:solidFill>
-                <a:schemeClr val="tx1"/>
-              </a:solidFill>
-              <a:latin typeface="+mn-lt"/>
-              <a:ea typeface="+mn-ea"/>
-              <a:cs typeface="+mn-cs"/>
-            </a:endParaRPr>
-          </a:p>
-          <a:p>
-            <a:pPr lvl="0"/>
-            <a:endParaRPr lang="en-US" sz="1200" kern="1200" baseline="0" dirty="0" smtClean="0">
-              <a:solidFill>
-                <a:schemeClr val="tx1"/>
-              </a:solidFill>
-              <a:latin typeface="+mn-lt"/>
-              <a:ea typeface="+mn-ea"/>
-              <a:cs typeface="+mn-cs"/>
-            </a:endParaRPr>
-          </a:p>
-          <a:p>
-            <a:pPr lvl="0"/>
+            <a:r>
+              <a:rPr lang="en-US" baseline="0" dirty="0" smtClean="0"/>
+              <a:t>The session layer controls the connections between </a:t>
+            </a:r>
+            <a:r>
+              <a:rPr lang="en-US" baseline="0" dirty="0" err="1" smtClean="0"/>
+              <a:t>comptuers</a:t>
+            </a:r>
+            <a:r>
+              <a:rPr lang="en-US" baseline="0" dirty="0" smtClean="0"/>
+              <a:t>.  It establishes, maintains, and terminates the connection.  </a:t>
+            </a:r>
+          </a:p>
+          <a:p>
+            <a:r>
+              <a:rPr lang="en-US" baseline="0" dirty="0" smtClean="0"/>
+              <a:t>The carrier signal and </a:t>
+            </a:r>
+            <a:r>
+              <a:rPr lang="en-US" baseline="0" dirty="0" err="1" smtClean="0"/>
+              <a:t>hangup</a:t>
+            </a:r>
+            <a:r>
+              <a:rPr lang="en-US" baseline="0" dirty="0" smtClean="0"/>
+              <a:t> for a phone are roughly at this layer.</a:t>
+            </a:r>
+            <a:br>
+              <a:rPr lang="en-US" baseline="0" dirty="0" smtClean="0"/>
+            </a:br>
+            <a:r>
+              <a:rPr lang="en-US" baseline="0" dirty="0" smtClean="0"/>
+              <a:t>When you get “the remote connection has terminated” that’s a closed session.</a:t>
+            </a:r>
+          </a:p>
+          <a:p>
             <a:endParaRPr lang="en-US" baseline="0" dirty="0" smtClean="0"/>
+          </a:p>
+          <a:p>
+            <a:r>
+              <a:rPr lang="en-US" baseline="0" dirty="0" smtClean="0"/>
+              <a:t>The application layer is closest to the user, but it’s not really that close.</a:t>
+            </a:r>
+          </a:p>
+          <a:p>
+            <a:r>
+              <a:rPr lang="en-US" baseline="0" dirty="0" smtClean="0"/>
+              <a:t>This is things like HTTP, FTP, TELNET SMTP protocols.</a:t>
+            </a:r>
           </a:p>
         </p:txBody>
       </p:sp>
@@ -2246,40 +3567,339 @@
           </a:bodyPr>
           <a:lstStyle/>
           <a:p>
-            <a:pPr lvl="0"/>
             <a:r>
               <a:rPr lang="en-US" baseline="0" dirty="0" smtClean="0"/>
-              <a:t>TCP/IP is the standard  protocol for delivering information over the internet.</a:t>
-            </a:r>
-          </a:p>
-          <a:p>
-            <a:pPr lvl="0"/>
+              <a:t>But the OSI layer isn’t really practical.  The internet, in practice, uses a much simpler model.</a:t>
+            </a:r>
+          </a:p>
+          <a:p>
             <a:endParaRPr lang="en-US" baseline="0" dirty="0" smtClean="0"/>
           </a:p>
           <a:p>
             <a:pPr lvl="0"/>
             <a:r>
-              <a:rPr lang="en-US" baseline="0" dirty="0" smtClean="0"/>
-              <a:t>IP is responsible for routing between systems and TCP is responsible for delivering data.</a:t>
-            </a:r>
+              <a:rPr lang="en-US" sz="1200" kern="1200" dirty="0" smtClean="0">
+                <a:solidFill>
+                  <a:schemeClr val="tx1"/>
+                </a:solidFill>
+                <a:latin typeface="+mn-lt"/>
+                <a:ea typeface="+mn-ea"/>
+                <a:cs typeface="+mn-cs"/>
+              </a:rPr>
+              <a:t>TCP/IP describes</a:t>
+            </a:r>
+            <a:r>
+              <a:rPr lang="en-US" sz="1200" kern="1200" baseline="0" dirty="0" smtClean="0">
+                <a:solidFill>
+                  <a:schemeClr val="tx1"/>
+                </a:solidFill>
+                <a:latin typeface="+mn-lt"/>
+                <a:ea typeface="+mn-ea"/>
+                <a:cs typeface="+mn-cs"/>
+              </a:rPr>
+              <a:t> a simpler model the </a:t>
+            </a:r>
+            <a:r>
+              <a:rPr lang="en-US" sz="1200" kern="1200" baseline="0" dirty="0" err="1" smtClean="0">
+                <a:solidFill>
+                  <a:schemeClr val="tx1"/>
+                </a:solidFill>
+                <a:latin typeface="+mn-lt"/>
+                <a:ea typeface="+mn-ea"/>
+                <a:cs typeface="+mn-cs"/>
+              </a:rPr>
+              <a:t>the</a:t>
+            </a:r>
+            <a:r>
+              <a:rPr lang="en-US" sz="1200" kern="1200" baseline="0" dirty="0" smtClean="0">
+                <a:solidFill>
+                  <a:schemeClr val="tx1"/>
+                </a:solidFill>
+                <a:latin typeface="+mn-lt"/>
+                <a:ea typeface="+mn-ea"/>
+                <a:cs typeface="+mn-cs"/>
+              </a:rPr>
+              <a:t> OSI, which was, after all designed by a committee.</a:t>
+            </a:r>
+          </a:p>
+          <a:p>
+            <a:pPr lvl="0"/>
+            <a:endParaRPr lang="en-US" sz="1200" kern="1200" baseline="0" dirty="0" smtClean="0">
+              <a:solidFill>
+                <a:schemeClr val="tx1"/>
+              </a:solidFill>
+              <a:latin typeface="+mn-lt"/>
+              <a:ea typeface="+mn-ea"/>
+              <a:cs typeface="+mn-cs"/>
+            </a:endParaRPr>
+          </a:p>
+          <a:p>
+            <a:pPr lvl="0"/>
+            <a:r>
+              <a:rPr lang="en-US" sz="1200" kern="1200" baseline="0" dirty="0" smtClean="0">
+                <a:solidFill>
+                  <a:schemeClr val="tx1"/>
+                </a:solidFill>
+                <a:latin typeface="+mn-lt"/>
+                <a:ea typeface="+mn-ea"/>
+                <a:cs typeface="+mn-cs"/>
+              </a:rPr>
+              <a:t>The link layer is for communication on a local network.</a:t>
+            </a:r>
+          </a:p>
+          <a:p>
+            <a:pPr lvl="0"/>
+            <a:r>
+              <a:rPr lang="en-US" sz="1200" kern="1200" baseline="0" dirty="0" smtClean="0">
+                <a:solidFill>
+                  <a:schemeClr val="tx1"/>
+                </a:solidFill>
+                <a:latin typeface="+mn-lt"/>
+                <a:ea typeface="+mn-ea"/>
+                <a:cs typeface="+mn-cs"/>
+              </a:rPr>
+              <a:t>Ethernet lives at this layer .  </a:t>
+            </a:r>
+          </a:p>
+          <a:p>
+            <a:pPr lvl="0"/>
+            <a:endParaRPr lang="en-US" sz="1200" kern="1200" baseline="0" dirty="0" smtClean="0">
+              <a:solidFill>
+                <a:schemeClr val="tx1"/>
+              </a:solidFill>
+              <a:latin typeface="+mn-lt"/>
+              <a:ea typeface="+mn-ea"/>
+              <a:cs typeface="+mn-cs"/>
+            </a:endParaRPr>
+          </a:p>
+          <a:p>
+            <a:pPr lvl="0"/>
+            <a:r>
+              <a:rPr lang="en-US" sz="1200" kern="1200" baseline="0" dirty="0" smtClean="0">
+                <a:solidFill>
+                  <a:schemeClr val="tx1"/>
+                </a:solidFill>
+                <a:latin typeface="+mn-lt"/>
+                <a:ea typeface="+mn-ea"/>
+                <a:cs typeface="+mn-cs"/>
+              </a:rPr>
+              <a:t>The internet layer connects networks creating an internetwork.</a:t>
+            </a:r>
+          </a:p>
+          <a:p>
+            <a:pPr lvl="0"/>
+            <a:r>
+              <a:rPr lang="en-US" sz="1200" kern="1200" baseline="0" dirty="0" smtClean="0">
+                <a:solidFill>
+                  <a:schemeClr val="tx1"/>
+                </a:solidFill>
+                <a:latin typeface="+mn-lt"/>
+                <a:ea typeface="+mn-ea"/>
+                <a:cs typeface="+mn-cs"/>
+              </a:rPr>
+              <a:t>The internet protocol (IP of TCP/IP) lives at this layer.  It handles routing.</a:t>
+            </a:r>
+          </a:p>
+          <a:p>
+            <a:pPr lvl="0"/>
+            <a:endParaRPr lang="en-US" sz="1200" kern="1200" baseline="0" dirty="0" smtClean="0">
+              <a:solidFill>
+                <a:schemeClr val="tx1"/>
+              </a:solidFill>
+              <a:latin typeface="+mn-lt"/>
+              <a:ea typeface="+mn-ea"/>
+              <a:cs typeface="+mn-cs"/>
+            </a:endParaRPr>
+          </a:p>
+          <a:p>
+            <a:pPr lvl="0"/>
+            <a:r>
+              <a:rPr lang="en-US" sz="1200" kern="1200" baseline="0" dirty="0" smtClean="0">
+                <a:solidFill>
+                  <a:schemeClr val="tx1"/>
+                </a:solidFill>
+                <a:latin typeface="+mn-lt"/>
+                <a:ea typeface="+mn-ea"/>
+                <a:cs typeface="+mn-cs"/>
+              </a:rPr>
+              <a:t>The transport layer handles communication between hosts.</a:t>
+            </a:r>
+          </a:p>
+          <a:p>
+            <a:pPr lvl="0"/>
+            <a:r>
+              <a:rPr lang="en-US" sz="1200" kern="1200" baseline="0" dirty="0" smtClean="0">
+                <a:solidFill>
+                  <a:schemeClr val="tx1"/>
+                </a:solidFill>
+                <a:latin typeface="+mn-lt"/>
+                <a:ea typeface="+mn-ea"/>
+                <a:cs typeface="+mn-cs"/>
+              </a:rPr>
+              <a:t>There is no session maintenance.</a:t>
+            </a:r>
+          </a:p>
+          <a:p>
+            <a:pPr lvl="0"/>
+            <a:r>
+              <a:rPr lang="en-US" sz="1200" kern="1200" baseline="0" dirty="0" smtClean="0">
+                <a:solidFill>
+                  <a:schemeClr val="tx1"/>
+                </a:solidFill>
+                <a:latin typeface="+mn-lt"/>
+                <a:ea typeface="+mn-ea"/>
+                <a:cs typeface="+mn-cs"/>
+              </a:rPr>
+              <a:t>TCP (or UDP) packets are formed and received.</a:t>
+            </a:r>
+          </a:p>
+          <a:p>
+            <a:pPr lvl="0"/>
+            <a:r>
+              <a:rPr lang="en-US" sz="1200" kern="1200" baseline="0" dirty="0" smtClean="0">
+                <a:solidFill>
+                  <a:schemeClr val="tx1"/>
+                </a:solidFill>
+                <a:latin typeface="+mn-lt"/>
+                <a:ea typeface="+mn-ea"/>
+                <a:cs typeface="+mn-cs"/>
+              </a:rPr>
+              <a:t>Error correction is build into the protocol (or left out, as in UDP which is less concerned if some packets are lost , for example, when streaming)</a:t>
+            </a:r>
+          </a:p>
+          <a:p>
+            <a:pPr lvl="0"/>
+            <a:endParaRPr lang="en-US" sz="1200" kern="1200" baseline="0" dirty="0" smtClean="0">
+              <a:solidFill>
+                <a:schemeClr val="tx1"/>
+              </a:solidFill>
+              <a:latin typeface="+mn-lt"/>
+              <a:ea typeface="+mn-ea"/>
+              <a:cs typeface="+mn-cs"/>
+            </a:endParaRPr>
+          </a:p>
+          <a:p>
+            <a:pPr lvl="0"/>
+            <a:r>
+              <a:rPr lang="en-US" sz="1200" kern="1200" baseline="0" dirty="0" err="1" smtClean="0">
+                <a:solidFill>
+                  <a:schemeClr val="tx1"/>
+                </a:solidFill>
+                <a:latin typeface="+mn-lt"/>
+                <a:ea typeface="+mn-ea"/>
+                <a:cs typeface="+mn-cs"/>
+              </a:rPr>
+              <a:t>Transmision</a:t>
+            </a:r>
+            <a:r>
+              <a:rPr lang="en-US" sz="1200" kern="1200" baseline="0" dirty="0" smtClean="0">
+                <a:solidFill>
+                  <a:schemeClr val="tx1"/>
+                </a:solidFill>
+                <a:latin typeface="+mn-lt"/>
+                <a:ea typeface="+mn-ea"/>
+                <a:cs typeface="+mn-cs"/>
+              </a:rPr>
+              <a:t> Control Protocol</a:t>
+            </a:r>
+          </a:p>
+          <a:p>
+            <a:pPr lvl="0"/>
+            <a:r>
+              <a:rPr lang="en-US" sz="1200" kern="1200" baseline="0" dirty="0" smtClean="0">
+                <a:solidFill>
+                  <a:schemeClr val="tx1"/>
+                </a:solidFill>
+                <a:latin typeface="+mn-lt"/>
+                <a:ea typeface="+mn-ea"/>
+                <a:cs typeface="+mn-cs"/>
+              </a:rPr>
+              <a:t>User Datagram Protocol</a:t>
+            </a:r>
+          </a:p>
+          <a:p>
+            <a:pPr lvl="0"/>
+            <a:endParaRPr lang="en-US" sz="1200" kern="1200" baseline="0" dirty="0" smtClean="0">
+              <a:solidFill>
+                <a:schemeClr val="tx1"/>
+              </a:solidFill>
+              <a:latin typeface="+mn-lt"/>
+              <a:ea typeface="+mn-ea"/>
+              <a:cs typeface="+mn-cs"/>
+            </a:endParaRPr>
+          </a:p>
+          <a:p>
+            <a:pPr lvl="0"/>
+            <a:endParaRPr lang="en-US" sz="1200" kern="1200" baseline="0" dirty="0" smtClean="0">
+              <a:solidFill>
+                <a:schemeClr val="tx1"/>
+              </a:solidFill>
+              <a:latin typeface="+mn-lt"/>
+              <a:ea typeface="+mn-ea"/>
+              <a:cs typeface="+mn-cs"/>
+            </a:endParaRPr>
+          </a:p>
+          <a:p>
+            <a:pPr lvl="0"/>
+            <a:r>
+              <a:rPr lang="en-US" sz="1200" kern="1200" baseline="0" dirty="0" smtClean="0">
+                <a:solidFill>
+                  <a:schemeClr val="tx1"/>
+                </a:solidFill>
+                <a:latin typeface="+mn-lt"/>
+                <a:ea typeface="+mn-ea"/>
+                <a:cs typeface="+mn-cs"/>
+              </a:rPr>
+              <a:t>The physical layer is not described, since TCP/IP  is designed to be  hardware independent.</a:t>
+            </a:r>
+          </a:p>
+          <a:p>
+            <a:pPr lvl="0"/>
+            <a:endParaRPr lang="en-US" sz="1200" kern="1200" baseline="0" dirty="0" smtClean="0">
+              <a:solidFill>
+                <a:schemeClr val="tx1"/>
+              </a:solidFill>
+              <a:latin typeface="+mn-lt"/>
+              <a:ea typeface="+mn-ea"/>
+              <a:cs typeface="+mn-cs"/>
+            </a:endParaRPr>
+          </a:p>
+          <a:p>
+            <a:pPr lvl="0"/>
+            <a:endParaRPr lang="en-US" sz="1200" kern="1200" baseline="0" dirty="0" smtClean="0">
+              <a:solidFill>
+                <a:schemeClr val="tx1"/>
+              </a:solidFill>
+              <a:latin typeface="+mn-lt"/>
+              <a:ea typeface="+mn-ea"/>
+              <a:cs typeface="+mn-cs"/>
+            </a:endParaRPr>
+          </a:p>
+          <a:p>
+            <a:pPr lvl="0"/>
+            <a:endParaRPr lang="en-US" sz="1200" kern="1200" baseline="0" dirty="0" smtClean="0">
+              <a:solidFill>
+                <a:schemeClr val="tx1"/>
+              </a:solidFill>
+              <a:latin typeface="+mn-lt"/>
+              <a:ea typeface="+mn-ea"/>
+              <a:cs typeface="+mn-cs"/>
+            </a:endParaRPr>
+          </a:p>
+          <a:p>
+            <a:pPr lvl="0"/>
+            <a:endParaRPr lang="en-US" sz="1200" kern="1200" baseline="0" dirty="0" smtClean="0">
+              <a:solidFill>
+                <a:schemeClr val="tx1"/>
+              </a:solidFill>
+              <a:latin typeface="+mn-lt"/>
+              <a:ea typeface="+mn-ea"/>
+              <a:cs typeface="+mn-cs"/>
+            </a:endParaRPr>
           </a:p>
           <a:p>
             <a:pPr lvl="0"/>
             <a:endParaRPr lang="en-US" baseline="0" dirty="0" smtClean="0"/>
-          </a:p>
-          <a:p>
-            <a:pPr lvl="0"/>
-            <a:r>
-              <a:rPr lang="en-US" baseline="0" dirty="0" smtClean="0"/>
-              <a:t>You can see from this diagram of a TCP/IP packet, the IP Header has the source and destination address.</a:t>
-            </a:r>
-          </a:p>
-          <a:p>
-            <a:pPr lvl="0"/>
-            <a:r>
-              <a:rPr lang="en-US" baseline="0" dirty="0" smtClean="0"/>
-              <a:t>The IP address that routers use to transport a packet between networks.</a:t>
-            </a:r>
           </a:p>
         </p:txBody>
       </p:sp>
@@ -2386,19 +4006,380 @@
             <a:pPr lvl="0"/>
             <a:r>
               <a:rPr lang="en-US" baseline="0" dirty="0" smtClean="0"/>
-              <a:t>You can see from this diagram of a TCP/IP packet, the IP Header has the source and destination address.</a:t>
-            </a:r>
-          </a:p>
-          <a:p>
-            <a:pPr lvl="0"/>
+              <a:t>You can see from this diagram of a TCP/IP packet, the IP Header has the source and destination address</a:t>
+            </a:r>
             <a:r>
               <a:rPr lang="en-US" baseline="0" dirty="0" smtClean="0"/>
-              <a:t>The IP address that routers use to transport a packet </a:t>
-            </a:r>
-            <a:r>
-              <a:rPr lang="en-US" baseline="0" smtClean="0"/>
-              <a:t>between networks.</a:t>
-            </a:r>
+              <a:t>.</a:t>
+            </a:r>
+          </a:p>
+          <a:p>
+            <a:pPr lvl="0"/>
+            <a:endParaRPr lang="en-US" baseline="0" dirty="0" smtClean="0"/>
+          </a:p>
+          <a:p>
+            <a:pPr lvl="0"/>
+            <a:r>
+              <a:rPr lang="en-US" baseline="0" dirty="0" smtClean="0"/>
+              <a:t>The </a:t>
+            </a:r>
+            <a:r>
+              <a:rPr lang="en-US" baseline="0" dirty="0" smtClean="0"/>
+              <a:t>IP address </a:t>
+            </a:r>
+            <a:r>
+              <a:rPr lang="en-US" baseline="0" dirty="0" smtClean="0"/>
+              <a:t>is used to identify machines on a network and by routers </a:t>
+            </a:r>
+            <a:r>
+              <a:rPr lang="en-US" baseline="0" dirty="0" smtClean="0"/>
+              <a:t>to transport a packet between networks</a:t>
+            </a:r>
+            <a:r>
+              <a:rPr lang="en-US" baseline="0" dirty="0" smtClean="0"/>
+              <a:t>.</a:t>
+            </a:r>
+          </a:p>
+          <a:p>
+            <a:pPr lvl="0"/>
+            <a:endParaRPr lang="en-US" baseline="0" dirty="0" smtClean="0"/>
+          </a:p>
+          <a:p>
+            <a:pPr lvl="0"/>
+            <a:r>
+              <a:rPr lang="en-US" baseline="0" dirty="0" smtClean="0"/>
+              <a:t>IP Header</a:t>
+            </a:r>
+          </a:p>
+          <a:p>
+            <a:pPr lvl="0"/>
+            <a:endParaRPr lang="en-US" baseline="0" dirty="0" smtClean="0"/>
+          </a:p>
+          <a:p>
+            <a:pPr lvl="0"/>
+            <a:r>
+              <a:rPr lang="en-US" baseline="0" dirty="0" smtClean="0"/>
+              <a:t>Version: the version of IP (v4)</a:t>
+            </a:r>
+          </a:p>
+          <a:p>
+            <a:pPr lvl="0"/>
+            <a:r>
+              <a:rPr lang="en-US" baseline="0" dirty="0" smtClean="0"/>
+              <a:t>Internet Header Length:  (number of 32 bit words, minimum of 5 .. 5*32 =160/8 = 20 bytes, max words (because it is 4 bytes (0-16) is 15  * 32 = 480/8 = 60 bytes).  Determines offset to the data.</a:t>
+            </a:r>
+          </a:p>
+          <a:p>
+            <a:pPr lvl="0"/>
+            <a:r>
+              <a:rPr lang="en-US" baseline="0" dirty="0" smtClean="0"/>
+              <a:t>Type of Service: DSCP (Differentiated Services Code Point) For prioritizing. Real time data streaming e.g. Voice over IP.   ECN (Explicit Congestion Notification)   optional </a:t>
+            </a:r>
+          </a:p>
+          <a:p>
+            <a:pPr lvl="0"/>
+            <a:r>
+              <a:rPr lang="en-US" baseline="0" dirty="0" smtClean="0"/>
+              <a:t>Total Length: header + data</a:t>
+            </a:r>
+          </a:p>
+          <a:p>
+            <a:pPr lvl="0"/>
+            <a:r>
+              <a:rPr lang="en-US" baseline="0" dirty="0" smtClean="0"/>
+              <a:t>Identification: for tracing, but not used practically</a:t>
+            </a:r>
+          </a:p>
+          <a:p>
+            <a:pPr lvl="0"/>
+            <a:r>
+              <a:rPr lang="en-US" baseline="0" dirty="0" smtClean="0"/>
+              <a:t>Flags: Don’t’ fragment, More fragments.  For fragmented packets all fragments except the last have More Fragments set</a:t>
+            </a:r>
+          </a:p>
+          <a:p>
+            <a:pPr lvl="0"/>
+            <a:r>
+              <a:rPr lang="en-US" baseline="0" dirty="0" smtClean="0"/>
+              <a:t>Fragment Offset:</a:t>
+            </a:r>
+          </a:p>
+          <a:p>
+            <a:pPr lvl="0"/>
+            <a:r>
+              <a:rPr lang="en-US" baseline="0" dirty="0" smtClean="0"/>
+              <a:t>Time To Live: prevents it from going in circles if bad routing.</a:t>
+            </a:r>
+          </a:p>
+          <a:p>
+            <a:pPr lvl="0"/>
+            <a:r>
+              <a:rPr lang="en-US" baseline="0" dirty="0" smtClean="0"/>
+              <a:t>Protocol: 6 means TCP</a:t>
+            </a:r>
+          </a:p>
+          <a:p>
+            <a:pPr lvl="0"/>
+            <a:r>
+              <a:rPr lang="en-US" baseline="0" dirty="0" smtClean="0"/>
+              <a:t>Header Checksum: Calculates a checksum of the header.  </a:t>
+            </a:r>
+            <a:r>
+              <a:rPr lang="en-US" baseline="0" dirty="0" err="1" smtClean="0"/>
+              <a:t>Iif</a:t>
+            </a:r>
+            <a:r>
+              <a:rPr lang="en-US" baseline="0" dirty="0" smtClean="0"/>
+              <a:t> it doesn’t match, the router discards it.</a:t>
+            </a:r>
+          </a:p>
+          <a:p>
+            <a:pPr lvl="0"/>
+            <a:r>
+              <a:rPr lang="en-US" baseline="0" dirty="0" smtClean="0"/>
+              <a:t>Source Address, Destination Address.  IP Address of the hosts.  It may be changed by a router that does Network Address Translation </a:t>
+            </a:r>
+          </a:p>
+          <a:p>
+            <a:pPr lvl="0"/>
+            <a:r>
+              <a:rPr lang="en-US" baseline="0" dirty="0" smtClean="0"/>
+              <a:t>Options: usually not used</a:t>
+            </a:r>
+          </a:p>
+          <a:p>
+            <a:pPr lvl="0"/>
+            <a:r>
+              <a:rPr lang="en-US" baseline="0" dirty="0" smtClean="0"/>
+              <a:t>Padding: to fill to the expected word size</a:t>
+            </a:r>
+          </a:p>
+          <a:p>
+            <a:pPr lvl="0"/>
+            <a:endParaRPr lang="en-US" baseline="0" dirty="0" smtClean="0"/>
+          </a:p>
+          <a:p>
+            <a:pPr lvl="0"/>
+            <a:r>
+              <a:rPr lang="en-US" baseline="0" dirty="0" smtClean="0"/>
+              <a:t>TCP</a:t>
+            </a:r>
+          </a:p>
+          <a:p>
+            <a:pPr lvl="0"/>
+            <a:endParaRPr lang="en-US" baseline="0" dirty="0" smtClean="0"/>
+          </a:p>
+          <a:p>
+            <a:pPr lvl="0"/>
+            <a:r>
+              <a:rPr lang="en-US" baseline="0" dirty="0" smtClean="0"/>
+              <a:t>Source/Destination port</a:t>
+            </a:r>
+          </a:p>
+          <a:p>
+            <a:pPr lvl="0"/>
+            <a:r>
+              <a:rPr lang="en-US" baseline="0" dirty="0" smtClean="0"/>
+              <a:t>Sequence Number: packet number in a stream or chunk</a:t>
+            </a:r>
+          </a:p>
+          <a:p>
+            <a:pPr lvl="0"/>
+            <a:r>
+              <a:rPr lang="en-US" baseline="0" dirty="0" err="1" smtClean="0"/>
+              <a:t>Ack</a:t>
+            </a:r>
+            <a:r>
+              <a:rPr lang="en-US" baseline="0" dirty="0" smtClean="0"/>
+              <a:t> Number: received N packets in this sequence so far</a:t>
+            </a:r>
+          </a:p>
+          <a:p>
+            <a:pPr lvl="0"/>
+            <a:r>
+              <a:rPr lang="en-US" baseline="0" dirty="0" smtClean="0"/>
+              <a:t>Data Offset: size in 32 bit words of the header.  Data starts after this byte number</a:t>
+            </a:r>
+          </a:p>
+          <a:p>
+            <a:pPr lvl="0"/>
+            <a:r>
+              <a:rPr lang="en-US" baseline="0" dirty="0" smtClean="0"/>
+              <a:t>Reserved</a:t>
+            </a:r>
+          </a:p>
+          <a:p>
+            <a:pPr lvl="0"/>
+            <a:r>
+              <a:rPr lang="en-US" baseline="0" dirty="0" smtClean="0"/>
+              <a:t>Flags (control bits) –  several low level decisions </a:t>
+            </a:r>
+            <a:r>
+              <a:rPr lang="en-US" sz="1200" b="0" i="0" kern="1200" dirty="0" smtClean="0">
+                <a:solidFill>
+                  <a:schemeClr val="tx1"/>
+                </a:solidFill>
+                <a:effectLst/>
+                <a:latin typeface="+mn-lt"/>
+                <a:ea typeface="+mn-ea"/>
+                <a:cs typeface="+mn-cs"/>
+              </a:rPr>
+              <a:t>Urgent , </a:t>
+            </a:r>
+            <a:r>
+              <a:rPr lang="en-US" sz="1200" b="0" i="0" kern="1200" dirty="0" err="1" smtClean="0">
+                <a:solidFill>
+                  <a:schemeClr val="tx1"/>
+                </a:solidFill>
+                <a:effectLst/>
+                <a:latin typeface="+mn-lt"/>
+                <a:ea typeface="+mn-ea"/>
+                <a:cs typeface="+mn-cs"/>
+              </a:rPr>
+              <a:t>Ack</a:t>
+            </a:r>
+            <a:r>
+              <a:rPr lang="en-US" sz="1200" b="0" i="0" kern="1200" baseline="0" dirty="0" smtClean="0">
+                <a:solidFill>
+                  <a:schemeClr val="tx1"/>
+                </a:solidFill>
+                <a:effectLst/>
+                <a:latin typeface="+mn-lt"/>
+                <a:ea typeface="+mn-ea"/>
+                <a:cs typeface="+mn-cs"/>
+              </a:rPr>
+              <a:t>, Push, Reset, Synchronize sequence, Finish </a:t>
+            </a:r>
+          </a:p>
+          <a:p>
+            <a:pPr lvl="0"/>
+            <a:r>
+              <a:rPr lang="en-US" sz="1200" b="0" i="0" kern="1200" baseline="0" dirty="0" smtClean="0">
+                <a:solidFill>
+                  <a:schemeClr val="tx1"/>
+                </a:solidFill>
+                <a:effectLst/>
+                <a:latin typeface="+mn-lt"/>
+                <a:ea typeface="+mn-ea"/>
+                <a:cs typeface="+mn-cs"/>
+              </a:rPr>
+              <a:t>Window – number of bytes the sender is willing to receive</a:t>
+            </a:r>
+          </a:p>
+          <a:p>
+            <a:pPr lvl="0"/>
+            <a:r>
+              <a:rPr lang="en-US" sz="1200" b="0" i="0" kern="1200" baseline="0" dirty="0" smtClean="0">
+                <a:solidFill>
+                  <a:schemeClr val="tx1"/>
+                </a:solidFill>
+                <a:effectLst/>
+                <a:latin typeface="+mn-lt"/>
+                <a:ea typeface="+mn-ea"/>
+                <a:cs typeface="+mn-cs"/>
+              </a:rPr>
+              <a:t>Checksum</a:t>
+            </a:r>
+          </a:p>
+          <a:p>
+            <a:pPr lvl="0"/>
+            <a:r>
+              <a:rPr lang="en-US" sz="1200" b="0" i="0" kern="1200" baseline="0" dirty="0" smtClean="0">
+                <a:solidFill>
+                  <a:schemeClr val="tx1"/>
+                </a:solidFill>
+                <a:effectLst/>
+                <a:latin typeface="+mn-lt"/>
+                <a:ea typeface="+mn-ea"/>
+                <a:cs typeface="+mn-cs"/>
+              </a:rPr>
+              <a:t>Urgent Pointer – last urgent byte</a:t>
+            </a:r>
+          </a:p>
+          <a:p>
+            <a:pPr lvl="0"/>
+            <a:r>
+              <a:rPr lang="en-US" sz="1200" b="0" i="0" kern="1200" baseline="0" dirty="0" smtClean="0">
+                <a:solidFill>
+                  <a:schemeClr val="tx1"/>
+                </a:solidFill>
+                <a:effectLst/>
+                <a:latin typeface="+mn-lt"/>
+                <a:ea typeface="+mn-ea"/>
+                <a:cs typeface="+mn-cs"/>
+              </a:rPr>
+              <a:t>Options</a:t>
+            </a:r>
+          </a:p>
+          <a:p>
+            <a:pPr lvl="0"/>
+            <a:r>
+              <a:rPr lang="en-US" sz="1200" b="0" i="0" kern="1200" baseline="0" dirty="0" smtClean="0">
+                <a:solidFill>
+                  <a:schemeClr val="tx1"/>
+                </a:solidFill>
+                <a:effectLst/>
+                <a:latin typeface="+mn-lt"/>
+                <a:ea typeface="+mn-ea"/>
+                <a:cs typeface="+mn-cs"/>
+              </a:rPr>
+              <a:t>Padding</a:t>
+            </a:r>
+          </a:p>
+          <a:p>
+            <a:pPr lvl="0"/>
+            <a:endParaRPr lang="en-US" sz="1200" b="0" i="0" kern="1200" baseline="0" dirty="0" smtClean="0">
+              <a:solidFill>
+                <a:schemeClr val="tx1"/>
+              </a:solidFill>
+              <a:effectLst/>
+              <a:latin typeface="+mn-lt"/>
+              <a:ea typeface="+mn-ea"/>
+              <a:cs typeface="+mn-cs"/>
+            </a:endParaRPr>
+          </a:p>
+          <a:p>
+            <a:pPr lvl="0"/>
+            <a:r>
+              <a:rPr lang="en-US" sz="1200" b="0" i="0" kern="1200" baseline="0" dirty="0" smtClean="0">
+                <a:solidFill>
+                  <a:schemeClr val="tx1"/>
+                </a:solidFill>
+                <a:effectLst/>
+                <a:latin typeface="+mn-lt"/>
+                <a:ea typeface="+mn-ea"/>
+                <a:cs typeface="+mn-cs"/>
+              </a:rPr>
+              <a:t>Data – the actual data sent in this packet</a:t>
+            </a:r>
+            <a:endParaRPr lang="en-US" baseline="0" dirty="0" smtClean="0"/>
+          </a:p>
+          <a:p>
+            <a:pPr lvl="0"/>
+            <a:endParaRPr lang="en-US" baseline="0" dirty="0" smtClean="0"/>
+          </a:p>
+          <a:p>
+            <a:pPr lvl="0"/>
+            <a:endParaRPr lang="en-US" baseline="0" dirty="0" smtClean="0"/>
+          </a:p>
+          <a:p>
+            <a:pPr lvl="0"/>
+            <a:endParaRPr lang="en-US" baseline="0" dirty="0" smtClean="0"/>
+          </a:p>
+          <a:p>
+            <a:pPr lvl="0"/>
+            <a:endParaRPr lang="en-US" baseline="0" dirty="0" smtClean="0"/>
+          </a:p>
+          <a:p>
+            <a:pPr lvl="0"/>
+            <a:endParaRPr lang="en-US" baseline="0" dirty="0" smtClean="0"/>
+          </a:p>
+          <a:p>
+            <a:pPr lvl="0"/>
+            <a:endParaRPr lang="en-US" baseline="0" dirty="0" smtClean="0"/>
+          </a:p>
+          <a:p>
+            <a:pPr lvl="0"/>
             <a:endParaRPr lang="en-US" baseline="0" dirty="0" smtClean="0"/>
           </a:p>
         </p:txBody>
@@ -5842,7 +7823,7 @@
         </p:nvSpPr>
         <p:spPr>
           <a:xfrm>
-            <a:off x="0" y="990600"/>
+            <a:off x="0" y="838200"/>
             <a:ext cx="9144000" cy="830997"/>
           </a:xfrm>
           <a:prstGeom prst="rect">
@@ -5859,7 +7840,7 @@
             <a:pPr algn="ctr"/>
             <a:r>
               <a:rPr lang="en-US" sz="4800" dirty="0" smtClean="0"/>
-              <a:t>DNS</a:t>
+              <a:t>Routing</a:t>
             </a:r>
             <a:endParaRPr lang="en-US" sz="4800" dirty="0"/>
           </a:p>
@@ -6112,46 +8093,9 @@
             <a:pPr algn="ctr"/>
             <a:r>
               <a:rPr lang="en-US" sz="4800" dirty="0" smtClean="0"/>
-              <a:t>Exercise:</a:t>
-            </a:r>
-          </a:p>
-        </p:txBody>
-      </p:sp>
-      <p:sp>
-        <p:nvSpPr>
-          <p:cNvPr id="9" name="TextBox 8"/>
-          <p:cNvSpPr txBox="1"/>
-          <p:nvPr/>
-        </p:nvSpPr>
-        <p:spPr>
-          <a:xfrm>
-            <a:off x="0" y="2209800"/>
-            <a:ext cx="9144000" cy="830997"/>
-          </a:xfrm>
-          <a:prstGeom prst="rect">
-            <a:avLst/>
-          </a:prstGeom>
-          <a:noFill/>
-        </p:spPr>
-        <p:txBody>
-          <a:bodyPr wrap="square" rtlCol="0">
-            <a:spAutoFit/>
-          </a:bodyPr>
-          <a:lstStyle/>
-          <a:p>
-            <a:pPr algn="ctr"/>
-            <a:r>
-              <a:rPr lang="en-US" sz="4800" dirty="0" smtClean="0"/>
-              <a:t>Using </a:t>
-            </a:r>
-            <a:r>
-              <a:rPr lang="en-US" sz="4800" dirty="0" err="1" smtClean="0"/>
-              <a:t>Wireshark</a:t>
-            </a:r>
-            <a:r>
-              <a:rPr lang="en-US" sz="4800" dirty="0" smtClean="0"/>
-              <a:t> to view packets</a:t>
-            </a:r>
+              <a:t>DNS</a:t>
+            </a:r>
+            <a:endParaRPr lang="en-US" sz="4800" dirty="0"/>
           </a:p>
         </p:txBody>
       </p:sp>
@@ -6416,7 +8360,7 @@
         <p:spPr>
           <a:xfrm>
             <a:off x="0" y="2209800"/>
-            <a:ext cx="9144000" cy="1569660"/>
+            <a:ext cx="9144000" cy="830997"/>
           </a:xfrm>
           <a:prstGeom prst="rect">
             <a:avLst/>
@@ -6432,11 +8376,11 @@
             <a:pPr algn="ctr"/>
             <a:r>
               <a:rPr lang="en-US" sz="4800" dirty="0" smtClean="0"/>
-              <a:t>Using ping, traceroute, and </a:t>
+              <a:t>Viewing packets with </a:t>
             </a:r>
             <a:r>
               <a:rPr lang="en-US" sz="4800" dirty="0" err="1" smtClean="0"/>
-              <a:t>nslookup</a:t>
+              <a:t>Wireshark</a:t>
             </a:r>
             <a:endParaRPr lang="en-US" sz="4800" dirty="0" smtClean="0"/>
           </a:p>
@@ -6457,7 +8401,7 @@
 </p:sld>
 </file>
 
-<file path=ppt/slides/slide2.xml><?xml version="1.0" encoding="utf-8"?>
+<file path=ppt/slides/slide13.xml><?xml version="1.0" encoding="utf-8"?>
 <p:sld xmlns:a="http://schemas.openxmlformats.org/drawingml/2006/main" xmlns:r="http://schemas.openxmlformats.org/officeDocument/2006/relationships" xmlns:p="http://schemas.openxmlformats.org/presentationml/2006/main">
   <p:cSld>
     <p:spTree>
@@ -6632,7 +8576,41 @@
       </p:pic>
       <p:sp>
         <p:nvSpPr>
-          <p:cNvPr id="16" name="TextBox 15"/>
+          <p:cNvPr id="13" name="TextBox 12"/>
+          <p:cNvSpPr txBox="1"/>
+          <p:nvPr/>
+        </p:nvSpPr>
+        <p:spPr>
+          <a:xfrm>
+            <a:off x="7315200" y="0"/>
+            <a:ext cx="1828800" cy="584775"/>
+          </a:xfrm>
+          <a:prstGeom prst="rect">
+            <a:avLst/>
+          </a:prstGeom>
+          <a:solidFill>
+            <a:schemeClr val="bg2">
+              <a:lumMod val="75000"/>
+            </a:schemeClr>
+          </a:solidFill>
+        </p:spPr>
+        <p:txBody>
+          <a:bodyPr wrap="square" rtlCol="0">
+            <a:spAutoFit/>
+          </a:bodyPr>
+          <a:lstStyle/>
+          <a:p>
+            <a:r>
+              <a:rPr lang="en-US" sz="3200" dirty="0" smtClean="0"/>
+              <a:t>Networks</a:t>
+            </a:r>
+            <a:endParaRPr lang="en-US" sz="3200" dirty="0"/>
+          </a:p>
+        </p:txBody>
+      </p:sp>
+      <p:sp>
+        <p:nvSpPr>
+          <p:cNvPr id="8" name="TextBox 7"/>
           <p:cNvSpPr txBox="1"/>
           <p:nvPr/>
         </p:nvSpPr>
@@ -6655,12 +8633,335 @@
             <a:pPr algn="ctr"/>
             <a:r>
               <a:rPr lang="en-US" sz="4800" dirty="0" smtClean="0"/>
-              <a:t>A brief history of the internet</a:t>
-            </a:r>
-            <a:endParaRPr lang="en-US" sz="4800" dirty="0"/>
-          </a:p>
-        </p:txBody>
-      </p:sp>
+              <a:t>Exercise:</a:t>
+            </a:r>
+          </a:p>
+        </p:txBody>
+      </p:sp>
+    </p:spTree>
+    <p:extLst>
+      <p:ext uri="{BB962C8B-B14F-4D97-AF65-F5344CB8AC3E}">
+        <p14:creationId xmlns:p14="http://schemas.microsoft.com/office/powerpoint/2010/main" val="751845518"/>
+      </p:ext>
+    </p:extLst>
+  </p:cSld>
+  <p:clrMapOvr>
+    <a:masterClrMapping/>
+  </p:clrMapOvr>
+  <p:timing>
+    <p:tnLst>
+      <p:par>
+        <p:cTn id="1" dur="indefinite" restart="never" nodeType="tmRoot"/>
+      </p:par>
+    </p:tnLst>
+  </p:timing>
+</p:sld>
+</file>
+
+<file path=ppt/slides/slide14.xml><?xml version="1.0" encoding="utf-8"?>
+<p:sld xmlns:a="http://schemas.openxmlformats.org/drawingml/2006/main" xmlns:r="http://schemas.openxmlformats.org/officeDocument/2006/relationships" xmlns:p="http://schemas.openxmlformats.org/presentationml/2006/main">
+  <p:cSld>
+    <p:spTree>
+      <p:nvGrpSpPr>
+        <p:cNvPr id="1" name=""/>
+        <p:cNvGrpSpPr/>
+        <p:nvPr/>
+      </p:nvGrpSpPr>
+      <p:grpSpPr>
+        <a:xfrm>
+          <a:off x="0" y="0"/>
+          <a:ext cx="0" cy="0"/>
+          <a:chOff x="0" y="0"/>
+          <a:chExt cx="0" cy="0"/>
+        </a:xfrm>
+      </p:grpSpPr>
+      <p:sp>
+        <p:nvSpPr>
+          <p:cNvPr id="4" name="Rectangle 3"/>
+          <p:cNvSpPr/>
+          <p:nvPr/>
+        </p:nvSpPr>
+        <p:spPr>
+          <a:xfrm>
+            <a:off x="0" y="6096000"/>
+            <a:ext cx="9144000" cy="762000"/>
+          </a:xfrm>
+          <a:prstGeom prst="rect">
+            <a:avLst/>
+          </a:prstGeom>
+          <a:solidFill>
+            <a:schemeClr val="tx1">
+              <a:lumMod val="85000"/>
+              <a:lumOff val="15000"/>
+            </a:schemeClr>
+          </a:solidFill>
+        </p:spPr>
+        <p:style>
+          <a:lnRef idx="2">
+            <a:schemeClr val="accent1">
+              <a:shade val="50000"/>
+            </a:schemeClr>
+          </a:lnRef>
+          <a:fillRef idx="1">
+            <a:schemeClr val="accent1"/>
+          </a:fillRef>
+          <a:effectRef idx="0">
+            <a:schemeClr val="accent1"/>
+          </a:effectRef>
+          <a:fontRef idx="minor">
+            <a:schemeClr val="lt1"/>
+          </a:fontRef>
+        </p:style>
+        <p:txBody>
+          <a:bodyPr rtlCol="0" anchor="ctr"/>
+          <a:lstStyle/>
+          <a:p>
+            <a:pPr algn="ctr"/>
+            <a:endParaRPr lang="en-US"/>
+          </a:p>
+        </p:txBody>
+      </p:sp>
+      <p:pic>
+        <p:nvPicPr>
+          <p:cNvPr id="1027" name="Picture 3"/>
+          <p:cNvPicPr>
+            <a:picLocks noChangeAspect="1" noChangeArrowheads="1"/>
+          </p:cNvPicPr>
+          <p:nvPr/>
+        </p:nvPicPr>
+        <p:blipFill>
+          <a:blip r:embed="rId3" cstate="print"/>
+          <a:srcRect/>
+          <a:stretch>
+            <a:fillRect/>
+          </a:stretch>
+        </p:blipFill>
+        <p:spPr bwMode="auto">
+          <a:xfrm>
+            <a:off x="228600" y="6248400"/>
+            <a:ext cx="1371600" cy="410346"/>
+          </a:xfrm>
+          <a:prstGeom prst="rect">
+            <a:avLst/>
+          </a:prstGeom>
+          <a:noFill/>
+          <a:ln w="9525">
+            <a:noFill/>
+            <a:miter lim="800000"/>
+            <a:headEnd/>
+            <a:tailEnd/>
+          </a:ln>
+          <a:effectLst/>
+        </p:spPr>
+      </p:pic>
+      <p:sp>
+        <p:nvSpPr>
+          <p:cNvPr id="10" name="TextBox 9"/>
+          <p:cNvSpPr txBox="1"/>
+          <p:nvPr/>
+        </p:nvSpPr>
+        <p:spPr>
+          <a:xfrm>
+            <a:off x="2057400" y="6324600"/>
+            <a:ext cx="4419600" cy="369332"/>
+          </a:xfrm>
+          <a:prstGeom prst="rect">
+            <a:avLst/>
+          </a:prstGeom>
+          <a:noFill/>
+        </p:spPr>
+        <p:txBody>
+          <a:bodyPr wrap="square" rtlCol="0">
+            <a:spAutoFit/>
+          </a:bodyPr>
+          <a:lstStyle/>
+          <a:p>
+            <a:r>
+              <a:rPr lang="en-US" dirty="0" smtClean="0">
+                <a:solidFill>
+                  <a:schemeClr val="bg1"/>
+                </a:solidFill>
+                <a:latin typeface="Verdana" pitchFamily="34" charset="0"/>
+                <a:ea typeface="Verdana" pitchFamily="34" charset="0"/>
+                <a:cs typeface="Verdana" pitchFamily="34" charset="0"/>
+              </a:rPr>
+              <a:t>Testing web applications &amp; services</a:t>
+            </a:r>
+            <a:endParaRPr lang="en-US" dirty="0">
+              <a:solidFill>
+                <a:schemeClr val="bg1"/>
+              </a:solidFill>
+              <a:latin typeface="Verdana" pitchFamily="34" charset="0"/>
+              <a:ea typeface="Verdana" pitchFamily="34" charset="0"/>
+              <a:cs typeface="Verdana" pitchFamily="34" charset="0"/>
+            </a:endParaRPr>
+          </a:p>
+        </p:txBody>
+      </p:sp>
+      <p:pic>
+        <p:nvPicPr>
+          <p:cNvPr id="1033" name="Picture 9"/>
+          <p:cNvPicPr>
+            <a:picLocks noChangeAspect="1" noChangeArrowheads="1"/>
+          </p:cNvPicPr>
+          <p:nvPr/>
+        </p:nvPicPr>
+        <p:blipFill>
+          <a:blip r:embed="rId4" cstate="print"/>
+          <a:srcRect/>
+          <a:stretch>
+            <a:fillRect/>
+          </a:stretch>
+        </p:blipFill>
+        <p:spPr bwMode="auto">
+          <a:xfrm>
+            <a:off x="6934202" y="6248400"/>
+            <a:ext cx="1981195" cy="431239"/>
+          </a:xfrm>
+          <a:prstGeom prst="rect">
+            <a:avLst/>
+          </a:prstGeom>
+          <a:noFill/>
+          <a:ln w="9525">
+            <a:noFill/>
+            <a:miter lim="800000"/>
+            <a:headEnd/>
+            <a:tailEnd/>
+          </a:ln>
+          <a:effectLst/>
+        </p:spPr>
+      </p:pic>
+      <p:sp>
+        <p:nvSpPr>
+          <p:cNvPr id="13" name="TextBox 12"/>
+          <p:cNvSpPr txBox="1"/>
+          <p:nvPr/>
+        </p:nvSpPr>
+        <p:spPr>
+          <a:xfrm>
+            <a:off x="7315200" y="0"/>
+            <a:ext cx="1828800" cy="584775"/>
+          </a:xfrm>
+          <a:prstGeom prst="rect">
+            <a:avLst/>
+          </a:prstGeom>
+          <a:solidFill>
+            <a:schemeClr val="bg2">
+              <a:lumMod val="75000"/>
+            </a:schemeClr>
+          </a:solidFill>
+        </p:spPr>
+        <p:txBody>
+          <a:bodyPr wrap="square" rtlCol="0">
+            <a:spAutoFit/>
+          </a:bodyPr>
+          <a:lstStyle/>
+          <a:p>
+            <a:r>
+              <a:rPr lang="en-US" sz="3200" dirty="0" smtClean="0"/>
+              <a:t>Networks</a:t>
+            </a:r>
+            <a:endParaRPr lang="en-US" sz="3200" dirty="0"/>
+          </a:p>
+        </p:txBody>
+      </p:sp>
+      <p:sp>
+        <p:nvSpPr>
+          <p:cNvPr id="8" name="TextBox 7"/>
+          <p:cNvSpPr txBox="1"/>
+          <p:nvPr/>
+        </p:nvSpPr>
+        <p:spPr>
+          <a:xfrm>
+            <a:off x="0" y="990600"/>
+            <a:ext cx="9144000" cy="830997"/>
+          </a:xfrm>
+          <a:prstGeom prst="rect">
+            <a:avLst/>
+          </a:prstGeom>
+          <a:noFill/>
+        </p:spPr>
+        <p:txBody>
+          <a:bodyPr wrap="square" rtlCol="0">
+            <a:spAutoFit/>
+          </a:bodyPr>
+          <a:lstStyle/>
+          <a:p>
+            <a:pPr algn="ctr"/>
+            <a:r>
+              <a:rPr lang="en-US" sz="4800" dirty="0" smtClean="0"/>
+              <a:t>Exercise:</a:t>
+            </a:r>
+          </a:p>
+        </p:txBody>
+      </p:sp>
+      <p:sp>
+        <p:nvSpPr>
+          <p:cNvPr id="9" name="TextBox 8"/>
+          <p:cNvSpPr txBox="1"/>
+          <p:nvPr/>
+        </p:nvSpPr>
+        <p:spPr>
+          <a:xfrm>
+            <a:off x="0" y="2209800"/>
+            <a:ext cx="9144000" cy="1569660"/>
+          </a:xfrm>
+          <a:prstGeom prst="rect">
+            <a:avLst/>
+          </a:prstGeom>
+          <a:noFill/>
+        </p:spPr>
+        <p:txBody>
+          <a:bodyPr wrap="square" rtlCol="0">
+            <a:spAutoFit/>
+          </a:bodyPr>
+          <a:lstStyle/>
+          <a:p>
+            <a:pPr algn="ctr"/>
+            <a:r>
+              <a:rPr lang="en-US" sz="4800" dirty="0" smtClean="0"/>
+              <a:t>Using ping, traceroute, and </a:t>
+            </a:r>
+            <a:r>
+              <a:rPr lang="en-US" sz="4800" dirty="0" err="1" smtClean="0"/>
+              <a:t>nslookup</a:t>
+            </a:r>
+            <a:endParaRPr lang="en-US" sz="4800" dirty="0" smtClean="0"/>
+          </a:p>
+        </p:txBody>
+      </p:sp>
+    </p:spTree>
+  </p:cSld>
+  <p:clrMapOvr>
+    <a:masterClrMapping/>
+  </p:clrMapOvr>
+  <p:timing>
+    <p:tnLst>
+      <p:par>
+        <p:cTn id="1" dur="indefinite" restart="never" nodeType="tmRoot"/>
+      </p:par>
+    </p:tnLst>
+  </p:timing>
+</p:sld>
+</file>
+
+<file path=ppt/slides/slide2.xml><?xml version="1.0" encoding="utf-8"?>
+<p:sld xmlns:a="http://schemas.openxmlformats.org/drawingml/2006/main" xmlns:r="http://schemas.openxmlformats.org/officeDocument/2006/relationships" xmlns:p="http://schemas.openxmlformats.org/presentationml/2006/main">
+  <p:cSld>
+    <p:spTree>
+      <p:nvGrpSpPr>
+        <p:cNvPr id="1" name=""/>
+        <p:cNvGrpSpPr/>
+        <p:nvPr/>
+      </p:nvGrpSpPr>
+      <p:grpSpPr>
+        <a:xfrm>
+          <a:off x="0" y="0"/>
+          <a:ext cx="0" cy="0"/>
+          <a:chOff x="0" y="0"/>
+          <a:chExt cx="0" cy="0"/>
+        </a:xfrm>
+      </p:grpSpPr>
       <p:pic>
         <p:nvPicPr>
           <p:cNvPr id="8" name="Picture 7" descr="pac-man.gif"/>
@@ -6670,15 +8971,15 @@
           <p:nvPr/>
         </p:nvPicPr>
         <p:blipFill>
-          <a:blip r:embed="rId5" cstate="print"/>
+          <a:blip r:embed="rId3" cstate="print"/>
           <a:stretch>
             <a:fillRect/>
           </a:stretch>
         </p:blipFill>
         <p:spPr>
           <a:xfrm>
-            <a:off x="3276600" y="2133600"/>
-            <a:ext cx="2819400" cy="3759200"/>
+            <a:off x="1783724" y="0"/>
+            <a:ext cx="5143500" cy="6858000"/>
           </a:xfrm>
           <a:prstGeom prst="rect">
             <a:avLst/>
@@ -6686,6 +8987,11 @@
         </p:spPr>
       </p:pic>
     </p:spTree>
+    <p:extLst>
+      <p:ext uri="{BB962C8B-B14F-4D97-AF65-F5344CB8AC3E}">
+        <p14:creationId xmlns:p14="http://schemas.microsoft.com/office/powerpoint/2010/main" val="773758245"/>
+      </p:ext>
+    </p:extLst>
   </p:cSld>
   <p:clrMapOvr>
     <a:masterClrMapping/>
@@ -6951,48 +9257,14 @@
       </p:pic>
       <p:sp>
         <p:nvSpPr>
-          <p:cNvPr id="13" name="TextBox 12"/>
+          <p:cNvPr id="16" name="TextBox 15"/>
           <p:cNvSpPr txBox="1"/>
           <p:nvPr/>
         </p:nvSpPr>
         <p:spPr>
           <a:xfrm>
-            <a:off x="7467600" y="0"/>
-            <a:ext cx="1676400" cy="584775"/>
-          </a:xfrm>
-          <a:prstGeom prst="rect">
-            <a:avLst/>
-          </a:prstGeom>
-          <a:solidFill>
-            <a:schemeClr val="bg2">
-              <a:lumMod val="75000"/>
-            </a:schemeClr>
-          </a:solidFill>
-        </p:spPr>
-        <p:txBody>
-          <a:bodyPr wrap="square" rtlCol="0">
-            <a:spAutoFit/>
-          </a:bodyPr>
-          <a:lstStyle/>
-          <a:p>
-            <a:r>
-              <a:rPr lang="en-US" sz="3200" dirty="0" smtClean="0"/>
-              <a:t>Timeline</a:t>
-            </a:r>
-            <a:endParaRPr lang="en-US" sz="3200" dirty="0"/>
-          </a:p>
-        </p:txBody>
-      </p:sp>
-      <p:sp>
-        <p:nvSpPr>
-          <p:cNvPr id="9" name="TextBox 8"/>
-          <p:cNvSpPr txBox="1"/>
-          <p:nvPr/>
-        </p:nvSpPr>
-        <p:spPr>
-          <a:xfrm>
-            <a:off x="0" y="609601"/>
-            <a:ext cx="9144000" cy="5632311"/>
+            <a:off x="-35417" y="1676400"/>
+            <a:ext cx="9144000" cy="830997"/>
           </a:xfrm>
           <a:prstGeom prst="rect">
             <a:avLst/>
@@ -7005,64 +9277,12 @@
           </a:bodyPr>
           <a:lstStyle/>
           <a:p>
-            <a:r>
-              <a:rPr lang="en-US" sz="3600" dirty="0" smtClean="0"/>
-              <a:t>1846 – Telegraph</a:t>
-            </a:r>
-          </a:p>
-          <a:p>
-            <a:r>
-              <a:rPr lang="en-US" sz="3600" dirty="0" smtClean="0"/>
-              <a:t>1920s – Teletypes invented</a:t>
-            </a:r>
-          </a:p>
-          <a:p>
-            <a:r>
-              <a:rPr lang="en-US" sz="3600" dirty="0" smtClean="0"/>
-              <a:t>1957 – Timesharing systems</a:t>
-            </a:r>
-          </a:p>
-          <a:p>
-            <a:r>
-              <a:rPr lang="en-US" sz="3600" dirty="0" smtClean="0"/>
-              <a:t>1958 – DARPA founded in response to Sputnik</a:t>
-            </a:r>
-          </a:p>
-          <a:p>
-            <a:r>
-              <a:rPr lang="en-US" sz="3600" dirty="0" smtClean="0"/>
-              <a:t>1961 – Packet switching invented</a:t>
-            </a:r>
-          </a:p>
-          <a:p>
-            <a:r>
-              <a:rPr lang="en-US" sz="3600" dirty="0" smtClean="0"/>
-              <a:t>1962 – First network communication tested</a:t>
-            </a:r>
-          </a:p>
-          <a:p>
-            <a:r>
-              <a:rPr lang="en-US" sz="3600" dirty="0" smtClean="0"/>
-              <a:t>1969 – ARPANET created</a:t>
-            </a:r>
-          </a:p>
-          <a:p>
-            <a:r>
-              <a:rPr lang="en-US" sz="3600" dirty="0" smtClean="0"/>
-              <a:t>1969 – Unix operating system</a:t>
-            </a:r>
-          </a:p>
-          <a:p>
-            <a:r>
-              <a:rPr lang="en-US" sz="3600" dirty="0" smtClean="0"/>
-              <a:t>1971 – Email invented</a:t>
-            </a:r>
-          </a:p>
-          <a:p>
-            <a:r>
-              <a:rPr lang="en-US" sz="3600" dirty="0" smtClean="0"/>
-              <a:t>1982 – TCP/IP protocol developed</a:t>
-            </a:r>
+            <a:pPr algn="ctr"/>
+            <a:r>
+              <a:rPr lang="en-US" sz="4800" dirty="0" smtClean="0"/>
+              <a:t>A brief history of the internet</a:t>
+            </a:r>
+            <a:endParaRPr lang="en-US" sz="4800" dirty="0"/>
           </a:p>
         </p:txBody>
       </p:sp>
@@ -7296,8 +9516,8 @@
         </p:nvSpPr>
         <p:spPr>
           <a:xfrm>
-            <a:off x="0" y="609600"/>
-            <a:ext cx="9144000" cy="6338709"/>
+            <a:off x="0" y="609601"/>
+            <a:ext cx="9144000" cy="5632311"/>
           </a:xfrm>
           <a:prstGeom prst="rect">
             <a:avLst/>
@@ -7312,65 +9532,67 @@
           <a:p>
             <a:r>
               <a:rPr lang="en-US" sz="3600" dirty="0" smtClean="0"/>
-              <a:t>1977 – The first modem for personal computers</a:t>
+              <a:t>1846 – Telegraph</a:t>
             </a:r>
           </a:p>
           <a:p>
             <a:r>
               <a:rPr lang="en-US" sz="3600" dirty="0" smtClean="0"/>
-              <a:t>1984 – Domain Name System </a:t>
+              <a:t>1920s – Teletypes invented</a:t>
             </a:r>
           </a:p>
           <a:p>
             <a:r>
               <a:rPr lang="en-US" sz="3600" dirty="0" smtClean="0"/>
-              <a:t>1980s – Bulletin Board Systems</a:t>
+              <a:t>1957 – Timesharing systems</a:t>
             </a:r>
           </a:p>
           <a:p>
             <a:r>
               <a:rPr lang="en-US" sz="3600" dirty="0" smtClean="0"/>
-              <a:t>1990 – Dial up internet access</a:t>
+              <a:t>1958 – DARPA founded in response to Sputnik</a:t>
             </a:r>
           </a:p>
           <a:p>
             <a:r>
               <a:rPr lang="en-US" sz="3600" dirty="0" smtClean="0"/>
-              <a:t>1991 – America Online</a:t>
+              <a:t>1961 – Packet switching invented</a:t>
             </a:r>
           </a:p>
           <a:p>
             <a:r>
               <a:rPr lang="en-US" sz="3600" dirty="0" smtClean="0"/>
-              <a:t>1991 – Tim Berners-Lee’s “World Wide Web”</a:t>
+              <a:t>1962 – First network communication tested</a:t>
             </a:r>
           </a:p>
           <a:p>
             <a:r>
               <a:rPr lang="en-US" sz="3600" dirty="0" smtClean="0"/>
-              <a:t>1993 – Mosaic browser</a:t>
+              <a:t>1969 – ARPANET created</a:t>
             </a:r>
           </a:p>
           <a:p>
             <a:r>
               <a:rPr lang="en-US" sz="3600" dirty="0" smtClean="0"/>
-              <a:t>1994 – Netscape founded</a:t>
+              <a:t>1969 – Unix operating system</a:t>
             </a:r>
           </a:p>
           <a:p>
             <a:r>
               <a:rPr lang="en-US" sz="3600" dirty="0" smtClean="0"/>
-              <a:t>1995 – JavaScript</a:t>
+              <a:t>1971 – Email invented</a:t>
             </a:r>
           </a:p>
           <a:p>
             <a:r>
               <a:rPr lang="en-US" sz="3600" dirty="0" smtClean="0"/>
-              <a:t>1995 – Commercialization of the internet</a:t>
-            </a:r>
-          </a:p>
-          <a:p>
-            <a:endParaRPr lang="en-US" sz="3600" dirty="0"/>
+              <a:t>1982 – TCP/IP protocol </a:t>
+            </a:r>
+            <a:r>
+              <a:rPr lang="en-US" sz="3600" dirty="0" smtClean="0"/>
+              <a:t>implemented</a:t>
+            </a:r>
+            <a:endParaRPr lang="en-US" sz="3600" dirty="0" smtClean="0"/>
           </a:p>
         </p:txBody>
       </p:sp>
@@ -7564,14 +9786,48 @@
       </p:pic>
       <p:sp>
         <p:nvSpPr>
-          <p:cNvPr id="8" name="TextBox 7"/>
+          <p:cNvPr id="13" name="TextBox 12"/>
           <p:cNvSpPr txBox="1"/>
           <p:nvPr/>
         </p:nvSpPr>
         <p:spPr>
           <a:xfrm>
-            <a:off x="0" y="1752600"/>
-            <a:ext cx="9144000" cy="830997"/>
+            <a:off x="7467600" y="0"/>
+            <a:ext cx="1676400" cy="584775"/>
+          </a:xfrm>
+          <a:prstGeom prst="rect">
+            <a:avLst/>
+          </a:prstGeom>
+          <a:solidFill>
+            <a:schemeClr val="bg2">
+              <a:lumMod val="75000"/>
+            </a:schemeClr>
+          </a:solidFill>
+        </p:spPr>
+        <p:txBody>
+          <a:bodyPr wrap="square" rtlCol="0">
+            <a:spAutoFit/>
+          </a:bodyPr>
+          <a:lstStyle/>
+          <a:p>
+            <a:r>
+              <a:rPr lang="en-US" sz="3200" dirty="0" smtClean="0"/>
+              <a:t>Timeline</a:t>
+            </a:r>
+            <a:endParaRPr lang="en-US" sz="3200" dirty="0"/>
+          </a:p>
+        </p:txBody>
+      </p:sp>
+      <p:sp>
+        <p:nvSpPr>
+          <p:cNvPr id="9" name="TextBox 8"/>
+          <p:cNvSpPr txBox="1"/>
+          <p:nvPr/>
+        </p:nvSpPr>
+        <p:spPr>
+          <a:xfrm>
+            <a:off x="0" y="609600"/>
+            <a:ext cx="9144000" cy="6338709"/>
           </a:xfrm>
           <a:prstGeom prst="rect">
             <a:avLst/>
@@ -7584,12 +9840,67 @@
           </a:bodyPr>
           <a:lstStyle/>
           <a:p>
-            <a:pPr algn="ctr"/>
-            <a:r>
-              <a:rPr lang="en-US" sz="4800" dirty="0" smtClean="0"/>
-              <a:t>Networks</a:t>
-            </a:r>
-            <a:endParaRPr lang="en-US" sz="4800" dirty="0"/>
+            <a:r>
+              <a:rPr lang="en-US" sz="3600" dirty="0" smtClean="0"/>
+              <a:t>1977 – The first modem for personal computers</a:t>
+            </a:r>
+          </a:p>
+          <a:p>
+            <a:r>
+              <a:rPr lang="en-US" sz="3600" dirty="0" smtClean="0"/>
+              <a:t>1984 – Domain Name System </a:t>
+            </a:r>
+          </a:p>
+          <a:p>
+            <a:r>
+              <a:rPr lang="en-US" sz="3600" dirty="0" smtClean="0"/>
+              <a:t>1980s – Bulletin Board Systems</a:t>
+            </a:r>
+          </a:p>
+          <a:p>
+            <a:r>
+              <a:rPr lang="en-US" sz="3600" dirty="0" smtClean="0"/>
+              <a:t>1990 – Dial up internet access</a:t>
+            </a:r>
+          </a:p>
+          <a:p>
+            <a:r>
+              <a:rPr lang="en-US" sz="3600" dirty="0" smtClean="0"/>
+              <a:t>1991 – America Online</a:t>
+            </a:r>
+          </a:p>
+          <a:p>
+            <a:r>
+              <a:rPr lang="en-US" sz="3600" dirty="0" smtClean="0"/>
+              <a:t>1991 – Tim Berners-Lee’s “World Wide Web”</a:t>
+            </a:r>
+          </a:p>
+          <a:p>
+            <a:r>
+              <a:rPr lang="en-US" sz="3600" dirty="0" smtClean="0"/>
+              <a:t>1993 – Mosaic browser</a:t>
+            </a:r>
+          </a:p>
+          <a:p>
+            <a:r>
+              <a:rPr lang="en-US" sz="3600" dirty="0" smtClean="0"/>
+              <a:t>1994 – Netscape founded</a:t>
+            </a:r>
+          </a:p>
+          <a:p>
+            <a:r>
+              <a:rPr lang="en-US" sz="3600" dirty="0" smtClean="0"/>
+              <a:t>1995 – JavaScript</a:t>
+            </a:r>
+          </a:p>
+          <a:p>
+            <a:r>
+              <a:rPr lang="en-US" sz="3600" dirty="0" smtClean="0"/>
+              <a:t>1995 – Commercialization of the internet</a:t>
+            </a:r>
+          </a:p>
+          <a:p>
+            <a:endParaRPr lang="en-US" sz="3600" dirty="0"/>
           </a:p>
         </p:txBody>
       </p:sp>
@@ -7783,47 +10094,13 @@
       </p:pic>
       <p:sp>
         <p:nvSpPr>
-          <p:cNvPr id="13" name="TextBox 12"/>
-          <p:cNvSpPr txBox="1"/>
-          <p:nvPr/>
-        </p:nvSpPr>
-        <p:spPr>
-          <a:xfrm>
-            <a:off x="7315200" y="0"/>
-            <a:ext cx="1828800" cy="584775"/>
-          </a:xfrm>
-          <a:prstGeom prst="rect">
-            <a:avLst/>
-          </a:prstGeom>
-          <a:solidFill>
-            <a:schemeClr val="bg2">
-              <a:lumMod val="75000"/>
-            </a:schemeClr>
-          </a:solidFill>
-        </p:spPr>
-        <p:txBody>
-          <a:bodyPr wrap="square" rtlCol="0">
-            <a:spAutoFit/>
-          </a:bodyPr>
-          <a:lstStyle/>
-          <a:p>
-            <a:r>
-              <a:rPr lang="en-US" sz="3200" dirty="0" smtClean="0"/>
-              <a:t>Networks</a:t>
-            </a:r>
-            <a:endParaRPr lang="en-US" sz="3200" dirty="0"/>
-          </a:p>
-        </p:txBody>
-      </p:sp>
-      <p:sp>
-        <p:nvSpPr>
           <p:cNvPr id="8" name="TextBox 7"/>
           <p:cNvSpPr txBox="1"/>
           <p:nvPr/>
         </p:nvSpPr>
         <p:spPr>
           <a:xfrm>
-            <a:off x="0" y="990600"/>
+            <a:off x="0" y="1752600"/>
             <a:ext cx="9144000" cy="830997"/>
           </a:xfrm>
           <a:prstGeom prst="rect">
@@ -7839,104 +10116,10 @@
           <a:p>
             <a:pPr algn="ctr"/>
             <a:r>
-              <a:rPr lang="en-US" sz="4800" u="sng" dirty="0" smtClean="0"/>
-              <a:t>The OSI Model</a:t>
-            </a:r>
-            <a:endParaRPr lang="en-US" sz="4800" u="sng" dirty="0"/>
-          </a:p>
-        </p:txBody>
-      </p:sp>
-      <p:sp>
-        <p:nvSpPr>
-          <p:cNvPr id="9" name="TextBox 8"/>
-          <p:cNvSpPr txBox="1"/>
-          <p:nvPr/>
-        </p:nvSpPr>
-        <p:spPr>
-          <a:xfrm>
-            <a:off x="2819400" y="1981200"/>
-            <a:ext cx="3581400" cy="3970318"/>
-          </a:xfrm>
-          <a:prstGeom prst="rect">
-            <a:avLst/>
-          </a:prstGeom>
-          <a:noFill/>
-        </p:spPr>
-        <p:txBody>
-          <a:bodyPr wrap="square" rtlCol="0">
-            <a:spAutoFit/>
-          </a:bodyPr>
-          <a:lstStyle/>
-          <a:p>
-            <a:pPr marL="742950" lvl="0" indent="-742950">
-              <a:buFont typeface="+mj-lt"/>
-              <a:buAutoNum type="arabicPeriod"/>
-            </a:pPr>
-            <a:r>
-              <a:rPr lang="en-US" sz="3600" dirty="0" smtClean="0"/>
-              <a:t>Physical </a:t>
-            </a:r>
-          </a:p>
-          <a:p>
-            <a:pPr marL="742950" lvl="0" indent="-742950">
-              <a:buFont typeface="+mj-lt"/>
-              <a:buAutoNum type="arabicPeriod"/>
-            </a:pPr>
-            <a:r>
-              <a:rPr lang="en-US" sz="3600" dirty="0" smtClean="0"/>
-              <a:t>Data Link</a:t>
-            </a:r>
-          </a:p>
-          <a:p>
-            <a:pPr marL="742950" lvl="0" indent="-742950">
-              <a:buFont typeface="+mj-lt"/>
-              <a:buAutoNum type="arabicPeriod"/>
-            </a:pPr>
-            <a:r>
-              <a:rPr lang="en-US" sz="3600" dirty="0" smtClean="0"/>
-              <a:t>Network</a:t>
-            </a:r>
-          </a:p>
-          <a:p>
-            <a:pPr marL="742950" lvl="0" indent="-742950">
-              <a:buFont typeface="+mj-lt"/>
-              <a:buAutoNum type="arabicPeriod"/>
-            </a:pPr>
-            <a:r>
-              <a:rPr lang="en-US" sz="3600" dirty="0" smtClean="0"/>
-              <a:t>Transport</a:t>
-            </a:r>
-          </a:p>
-          <a:p>
-            <a:pPr marL="742950" lvl="0" indent="-742950">
-              <a:buFont typeface="+mj-lt"/>
-              <a:buAutoNum type="arabicPeriod"/>
-            </a:pPr>
-            <a:r>
-              <a:rPr lang="en-US" sz="3600" dirty="0" smtClean="0"/>
-              <a:t>Session </a:t>
-            </a:r>
-          </a:p>
-          <a:p>
-            <a:pPr marL="742950" lvl="0" indent="-742950">
-              <a:buFont typeface="+mj-lt"/>
-              <a:buAutoNum type="arabicPeriod"/>
-            </a:pPr>
-            <a:r>
-              <a:rPr lang="en-US" sz="3600" dirty="0" smtClean="0"/>
-              <a:t>Presentation</a:t>
-            </a:r>
-          </a:p>
-          <a:p>
-            <a:pPr marL="742950" lvl="0" indent="-742950">
-              <a:buFont typeface="+mj-lt"/>
-              <a:buAutoNum type="arabicPeriod"/>
-            </a:pPr>
-            <a:r>
-              <a:rPr lang="en-US" sz="3600" dirty="0" smtClean="0"/>
-              <a:t>Application</a:t>
-            </a:r>
-            <a:endParaRPr lang="en-US" sz="3600" dirty="0"/>
+              <a:rPr lang="en-US" sz="4800" dirty="0" smtClean="0"/>
+              <a:t>Networks</a:t>
+            </a:r>
+            <a:endParaRPr lang="en-US" sz="4800" dirty="0"/>
           </a:p>
         </p:txBody>
       </p:sp>
@@ -8187,15 +10370,7 @@
             <a:pPr algn="ctr"/>
             <a:r>
               <a:rPr lang="en-US" sz="4800" u="sng" dirty="0" smtClean="0"/>
-              <a:t>The </a:t>
-            </a:r>
-            <a:r>
-              <a:rPr lang="en-US" sz="4800" u="sng" dirty="0" smtClean="0"/>
-              <a:t>Internet </a:t>
-            </a:r>
-            <a:r>
-              <a:rPr lang="en-US" sz="4800" u="sng" dirty="0" smtClean="0"/>
-              <a:t>Model</a:t>
+              <a:t>The OSI Model</a:t>
             </a:r>
             <a:endParaRPr lang="en-US" sz="4800" u="sng" dirty="0"/>
           </a:p>
@@ -8209,8 +10384,8 @@
         </p:nvSpPr>
         <p:spPr>
           <a:xfrm>
-            <a:off x="2286000" y="1981200"/>
-            <a:ext cx="4648200" cy="2862322"/>
+            <a:off x="2819400" y="1981200"/>
+            <a:ext cx="3581400" cy="3970318"/>
           </a:xfrm>
           <a:prstGeom prst="rect">
             <a:avLst/>
@@ -8229,7 +10404,7 @@
             </a:pPr>
             <a:r>
               <a:rPr lang="en-US" sz="3600" dirty="0" smtClean="0"/>
-              <a:t>Link Layer</a:t>
+              <a:t>Physical </a:t>
             </a:r>
           </a:p>
           <a:p>
@@ -8239,7 +10414,7 @@
             </a:pPr>
             <a:r>
               <a:rPr lang="en-US" sz="3600" dirty="0" smtClean="0"/>
-              <a:t>Internet Layer</a:t>
+              <a:t>Data Link</a:t>
             </a:r>
           </a:p>
           <a:p>
@@ -8249,7 +10424,7 @@
             </a:pPr>
             <a:r>
               <a:rPr lang="en-US" sz="3600" dirty="0" smtClean="0"/>
-              <a:t>Transport Layer</a:t>
+              <a:t>Network</a:t>
             </a:r>
           </a:p>
           <a:p>
@@ -8259,7 +10434,7 @@
             </a:pPr>
             <a:r>
               <a:rPr lang="en-US" sz="3600" dirty="0" smtClean="0"/>
-              <a:t>Application Layer</a:t>
+              <a:t>Transport</a:t>
             </a:r>
           </a:p>
           <a:p>
@@ -8267,6 +10442,30 @@
               <a:buFont typeface="+mj-lt"/>
               <a:buAutoNum type="arabicPeriod"/>
             </a:pPr>
+            <a:r>
+              <a:rPr lang="en-US" sz="3600" dirty="0" smtClean="0"/>
+              <a:t>Session </a:t>
+            </a:r>
+          </a:p>
+          <a:p>
+            <a:pPr marL="742950" lvl="0" indent="-742950">
+              <a:buFont typeface="+mj-lt"/>
+              <a:buAutoNum type="arabicPeriod"/>
+            </a:pPr>
+            <a:r>
+              <a:rPr lang="en-US" sz="3600" dirty="0" smtClean="0"/>
+              <a:t>Presentation</a:t>
+            </a:r>
+          </a:p>
+          <a:p>
+            <a:pPr marL="742950" lvl="0" indent="-742950">
+              <a:buFont typeface="+mj-lt"/>
+              <a:buAutoNum type="arabicPeriod"/>
+            </a:pPr>
+            <a:r>
+              <a:rPr lang="en-US" sz="3600" dirty="0" smtClean="0"/>
+              <a:t>Application</a:t>
+            </a:r>
             <a:endParaRPr lang="en-US" sz="3600" dirty="0"/>
           </a:p>
         </p:txBody>
@@ -8287,6 +10486,329 @@
 </file>
 
 <file path=ppt/slides/slide8.xml><?xml version="1.0" encoding="utf-8"?>
+<p:sld xmlns:a="http://schemas.openxmlformats.org/drawingml/2006/main" xmlns:r="http://schemas.openxmlformats.org/officeDocument/2006/relationships" xmlns:p="http://schemas.openxmlformats.org/presentationml/2006/main">
+  <p:cSld>
+    <p:spTree>
+      <p:nvGrpSpPr>
+        <p:cNvPr id="1" name=""/>
+        <p:cNvGrpSpPr/>
+        <p:nvPr/>
+      </p:nvGrpSpPr>
+      <p:grpSpPr>
+        <a:xfrm>
+          <a:off x="0" y="0"/>
+          <a:ext cx="0" cy="0"/>
+          <a:chOff x="0" y="0"/>
+          <a:chExt cx="0" cy="0"/>
+        </a:xfrm>
+      </p:grpSpPr>
+      <p:sp>
+        <p:nvSpPr>
+          <p:cNvPr id="4" name="Rectangle 3"/>
+          <p:cNvSpPr/>
+          <p:nvPr/>
+        </p:nvSpPr>
+        <p:spPr>
+          <a:xfrm>
+            <a:off x="0" y="6096000"/>
+            <a:ext cx="9144000" cy="762000"/>
+          </a:xfrm>
+          <a:prstGeom prst="rect">
+            <a:avLst/>
+          </a:prstGeom>
+          <a:solidFill>
+            <a:schemeClr val="tx1">
+              <a:lumMod val="85000"/>
+              <a:lumOff val="15000"/>
+            </a:schemeClr>
+          </a:solidFill>
+        </p:spPr>
+        <p:style>
+          <a:lnRef idx="2">
+            <a:schemeClr val="accent1">
+              <a:shade val="50000"/>
+            </a:schemeClr>
+          </a:lnRef>
+          <a:fillRef idx="1">
+            <a:schemeClr val="accent1"/>
+          </a:fillRef>
+          <a:effectRef idx="0">
+            <a:schemeClr val="accent1"/>
+          </a:effectRef>
+          <a:fontRef idx="minor">
+            <a:schemeClr val="lt1"/>
+          </a:fontRef>
+        </p:style>
+        <p:txBody>
+          <a:bodyPr rtlCol="0" anchor="ctr"/>
+          <a:lstStyle/>
+          <a:p>
+            <a:pPr algn="ctr"/>
+            <a:endParaRPr lang="en-US"/>
+          </a:p>
+        </p:txBody>
+      </p:sp>
+      <p:pic>
+        <p:nvPicPr>
+          <p:cNvPr id="1027" name="Picture 3"/>
+          <p:cNvPicPr>
+            <a:picLocks noChangeAspect="1" noChangeArrowheads="1"/>
+          </p:cNvPicPr>
+          <p:nvPr/>
+        </p:nvPicPr>
+        <p:blipFill>
+          <a:blip r:embed="rId3" cstate="print"/>
+          <a:srcRect/>
+          <a:stretch>
+            <a:fillRect/>
+          </a:stretch>
+        </p:blipFill>
+        <p:spPr bwMode="auto">
+          <a:xfrm>
+            <a:off x="228600" y="6248400"/>
+            <a:ext cx="1371600" cy="410346"/>
+          </a:xfrm>
+          <a:prstGeom prst="rect">
+            <a:avLst/>
+          </a:prstGeom>
+          <a:noFill/>
+          <a:ln w="9525">
+            <a:noFill/>
+            <a:miter lim="800000"/>
+            <a:headEnd/>
+            <a:tailEnd/>
+          </a:ln>
+          <a:effectLst/>
+        </p:spPr>
+      </p:pic>
+      <p:sp>
+        <p:nvSpPr>
+          <p:cNvPr id="10" name="TextBox 9"/>
+          <p:cNvSpPr txBox="1"/>
+          <p:nvPr/>
+        </p:nvSpPr>
+        <p:spPr>
+          <a:xfrm>
+            <a:off x="2057400" y="6324600"/>
+            <a:ext cx="4419600" cy="369332"/>
+          </a:xfrm>
+          <a:prstGeom prst="rect">
+            <a:avLst/>
+          </a:prstGeom>
+          <a:noFill/>
+        </p:spPr>
+        <p:txBody>
+          <a:bodyPr wrap="square" rtlCol="0">
+            <a:spAutoFit/>
+          </a:bodyPr>
+          <a:lstStyle/>
+          <a:p>
+            <a:r>
+              <a:rPr lang="en-US" dirty="0" smtClean="0">
+                <a:solidFill>
+                  <a:schemeClr val="bg1"/>
+                </a:solidFill>
+                <a:latin typeface="Verdana" pitchFamily="34" charset="0"/>
+                <a:ea typeface="Verdana" pitchFamily="34" charset="0"/>
+                <a:cs typeface="Verdana" pitchFamily="34" charset="0"/>
+              </a:rPr>
+              <a:t>Testing web applications &amp; services</a:t>
+            </a:r>
+            <a:endParaRPr lang="en-US" dirty="0">
+              <a:solidFill>
+                <a:schemeClr val="bg1"/>
+              </a:solidFill>
+              <a:latin typeface="Verdana" pitchFamily="34" charset="0"/>
+              <a:ea typeface="Verdana" pitchFamily="34" charset="0"/>
+              <a:cs typeface="Verdana" pitchFamily="34" charset="0"/>
+            </a:endParaRPr>
+          </a:p>
+        </p:txBody>
+      </p:sp>
+      <p:pic>
+        <p:nvPicPr>
+          <p:cNvPr id="1033" name="Picture 9"/>
+          <p:cNvPicPr>
+            <a:picLocks noChangeAspect="1" noChangeArrowheads="1"/>
+          </p:cNvPicPr>
+          <p:nvPr/>
+        </p:nvPicPr>
+        <p:blipFill>
+          <a:blip r:embed="rId4" cstate="print"/>
+          <a:srcRect/>
+          <a:stretch>
+            <a:fillRect/>
+          </a:stretch>
+        </p:blipFill>
+        <p:spPr bwMode="auto">
+          <a:xfrm>
+            <a:off x="6934202" y="6248400"/>
+            <a:ext cx="1981195" cy="431239"/>
+          </a:xfrm>
+          <a:prstGeom prst="rect">
+            <a:avLst/>
+          </a:prstGeom>
+          <a:noFill/>
+          <a:ln w="9525">
+            <a:noFill/>
+            <a:miter lim="800000"/>
+            <a:headEnd/>
+            <a:tailEnd/>
+          </a:ln>
+          <a:effectLst/>
+        </p:spPr>
+      </p:pic>
+      <p:sp>
+        <p:nvSpPr>
+          <p:cNvPr id="13" name="TextBox 12"/>
+          <p:cNvSpPr txBox="1"/>
+          <p:nvPr/>
+        </p:nvSpPr>
+        <p:spPr>
+          <a:xfrm>
+            <a:off x="7315200" y="0"/>
+            <a:ext cx="1828800" cy="584775"/>
+          </a:xfrm>
+          <a:prstGeom prst="rect">
+            <a:avLst/>
+          </a:prstGeom>
+          <a:solidFill>
+            <a:schemeClr val="bg2">
+              <a:lumMod val="75000"/>
+            </a:schemeClr>
+          </a:solidFill>
+        </p:spPr>
+        <p:txBody>
+          <a:bodyPr wrap="square" rtlCol="0">
+            <a:spAutoFit/>
+          </a:bodyPr>
+          <a:lstStyle/>
+          <a:p>
+            <a:r>
+              <a:rPr lang="en-US" sz="3200" dirty="0" smtClean="0"/>
+              <a:t>Networks</a:t>
+            </a:r>
+            <a:endParaRPr lang="en-US" sz="3200" dirty="0"/>
+          </a:p>
+        </p:txBody>
+      </p:sp>
+      <p:sp>
+        <p:nvSpPr>
+          <p:cNvPr id="8" name="TextBox 7"/>
+          <p:cNvSpPr txBox="1"/>
+          <p:nvPr/>
+        </p:nvSpPr>
+        <p:spPr>
+          <a:xfrm>
+            <a:off x="0" y="990600"/>
+            <a:ext cx="9144000" cy="830997"/>
+          </a:xfrm>
+          <a:prstGeom prst="rect">
+            <a:avLst/>
+          </a:prstGeom>
+          <a:noFill/>
+        </p:spPr>
+        <p:txBody>
+          <a:bodyPr wrap="square" rtlCol="0">
+            <a:spAutoFit/>
+          </a:bodyPr>
+          <a:lstStyle/>
+          <a:p>
+            <a:pPr algn="ctr"/>
+            <a:r>
+              <a:rPr lang="en-US" sz="4800" u="sng" dirty="0" smtClean="0"/>
+              <a:t>The Internet Model</a:t>
+            </a:r>
+            <a:endParaRPr lang="en-US" sz="4800" u="sng" dirty="0"/>
+          </a:p>
+        </p:txBody>
+      </p:sp>
+      <p:sp>
+        <p:nvSpPr>
+          <p:cNvPr id="9" name="TextBox 8"/>
+          <p:cNvSpPr txBox="1"/>
+          <p:nvPr/>
+        </p:nvSpPr>
+        <p:spPr>
+          <a:xfrm>
+            <a:off x="2286000" y="1981200"/>
+            <a:ext cx="4648200" cy="2862322"/>
+          </a:xfrm>
+          <a:prstGeom prst="rect">
+            <a:avLst/>
+          </a:prstGeom>
+          <a:noFill/>
+        </p:spPr>
+        <p:txBody>
+          <a:bodyPr wrap="square" rtlCol="0">
+            <a:spAutoFit/>
+          </a:bodyPr>
+          <a:lstStyle/>
+          <a:p>
+            <a:pPr marL="742950" lvl="0" indent="-742950">
+              <a:buFont typeface="+mj-lt"/>
+              <a:buAutoNum type="arabicPeriod"/>
+            </a:pPr>
+            <a:r>
+              <a:rPr lang="en-US" sz="3600" dirty="0" smtClean="0"/>
+              <a:t>Link Layer</a:t>
+            </a:r>
+          </a:p>
+          <a:p>
+            <a:pPr marL="742950" lvl="0" indent="-742950">
+              <a:buFont typeface="+mj-lt"/>
+              <a:buAutoNum type="arabicPeriod"/>
+            </a:pPr>
+            <a:r>
+              <a:rPr lang="en-US" sz="3600" dirty="0" smtClean="0"/>
+              <a:t>Internet Layer</a:t>
+            </a:r>
+          </a:p>
+          <a:p>
+            <a:pPr marL="742950" lvl="0" indent="-742950">
+              <a:buFont typeface="+mj-lt"/>
+              <a:buAutoNum type="arabicPeriod"/>
+            </a:pPr>
+            <a:r>
+              <a:rPr lang="en-US" sz="3600" dirty="0" smtClean="0"/>
+              <a:t>Transport Layer</a:t>
+            </a:r>
+          </a:p>
+          <a:p>
+            <a:pPr marL="742950" lvl="0" indent="-742950">
+              <a:buFont typeface="+mj-lt"/>
+              <a:buAutoNum type="arabicPeriod"/>
+            </a:pPr>
+            <a:r>
+              <a:rPr lang="en-US" sz="3600" dirty="0" smtClean="0"/>
+              <a:t>Application Layer</a:t>
+            </a:r>
+          </a:p>
+          <a:p>
+            <a:pPr marL="742950" lvl="0" indent="-742950">
+              <a:buFont typeface="+mj-lt"/>
+              <a:buAutoNum type="arabicPeriod"/>
+            </a:pPr>
+            <a:endParaRPr lang="en-US" sz="3600" dirty="0"/>
+          </a:p>
+        </p:txBody>
+      </p:sp>
+    </p:spTree>
+  </p:cSld>
+  <p:clrMapOvr>
+    <a:masterClrMapping/>
+  </p:clrMapOvr>
+  <p:timing>
+    <p:tnLst>
+      <p:par>
+        <p:cTn id="1" dur="indefinite" restart="never" nodeType="tmRoot"/>
+      </p:par>
+    </p:tnLst>
+  </p:timing>
+</p:sld>
+</file>
+
+<file path=ppt/slides/slide9.xml><?xml version="1.0" encoding="utf-8"?>
 <p:sld xmlns:a="http://schemas.openxmlformats.org/drawingml/2006/main" xmlns:r="http://schemas.openxmlformats.org/officeDocument/2006/relationships" xmlns:p="http://schemas.openxmlformats.org/presentationml/2006/main">
   <p:cSld>
     <p:spTree>
@@ -8633,259 +11155,6 @@
             </p:seq>
           </p:childTnLst>
         </p:cTn>
-      </p:par>
-    </p:tnLst>
-  </p:timing>
-</p:sld>
-</file>
-
-<file path=ppt/slides/slide9.xml><?xml version="1.0" encoding="utf-8"?>
-<p:sld xmlns:a="http://schemas.openxmlformats.org/drawingml/2006/main" xmlns:r="http://schemas.openxmlformats.org/officeDocument/2006/relationships" xmlns:p="http://schemas.openxmlformats.org/presentationml/2006/main">
-  <p:cSld>
-    <p:spTree>
-      <p:nvGrpSpPr>
-        <p:cNvPr id="1" name=""/>
-        <p:cNvGrpSpPr/>
-        <p:nvPr/>
-      </p:nvGrpSpPr>
-      <p:grpSpPr>
-        <a:xfrm>
-          <a:off x="0" y="0"/>
-          <a:ext cx="0" cy="0"/>
-          <a:chOff x="0" y="0"/>
-          <a:chExt cx="0" cy="0"/>
-        </a:xfrm>
-      </p:grpSpPr>
-      <p:sp>
-        <p:nvSpPr>
-          <p:cNvPr id="4" name="Rectangle 3"/>
-          <p:cNvSpPr/>
-          <p:nvPr/>
-        </p:nvSpPr>
-        <p:spPr>
-          <a:xfrm>
-            <a:off x="0" y="6096000"/>
-            <a:ext cx="9144000" cy="762000"/>
-          </a:xfrm>
-          <a:prstGeom prst="rect">
-            <a:avLst/>
-          </a:prstGeom>
-          <a:solidFill>
-            <a:schemeClr val="tx1">
-              <a:lumMod val="85000"/>
-              <a:lumOff val="15000"/>
-            </a:schemeClr>
-          </a:solidFill>
-        </p:spPr>
-        <p:style>
-          <a:lnRef idx="2">
-            <a:schemeClr val="accent1">
-              <a:shade val="50000"/>
-            </a:schemeClr>
-          </a:lnRef>
-          <a:fillRef idx="1">
-            <a:schemeClr val="accent1"/>
-          </a:fillRef>
-          <a:effectRef idx="0">
-            <a:schemeClr val="accent1"/>
-          </a:effectRef>
-          <a:fontRef idx="minor">
-            <a:schemeClr val="lt1"/>
-          </a:fontRef>
-        </p:style>
-        <p:txBody>
-          <a:bodyPr rtlCol="0" anchor="ctr"/>
-          <a:lstStyle/>
-          <a:p>
-            <a:pPr algn="ctr"/>
-            <a:endParaRPr lang="en-US"/>
-          </a:p>
-        </p:txBody>
-      </p:sp>
-      <p:pic>
-        <p:nvPicPr>
-          <p:cNvPr id="1027" name="Picture 3"/>
-          <p:cNvPicPr>
-            <a:picLocks noChangeAspect="1" noChangeArrowheads="1"/>
-          </p:cNvPicPr>
-          <p:nvPr/>
-        </p:nvPicPr>
-        <p:blipFill>
-          <a:blip r:embed="rId3" cstate="print"/>
-          <a:srcRect/>
-          <a:stretch>
-            <a:fillRect/>
-          </a:stretch>
-        </p:blipFill>
-        <p:spPr bwMode="auto">
-          <a:xfrm>
-            <a:off x="228600" y="6248400"/>
-            <a:ext cx="1371600" cy="410346"/>
-          </a:xfrm>
-          <a:prstGeom prst="rect">
-            <a:avLst/>
-          </a:prstGeom>
-          <a:noFill/>
-          <a:ln w="9525">
-            <a:noFill/>
-            <a:miter lim="800000"/>
-            <a:headEnd/>
-            <a:tailEnd/>
-          </a:ln>
-          <a:effectLst/>
-        </p:spPr>
-      </p:pic>
-      <p:sp>
-        <p:nvSpPr>
-          <p:cNvPr id="10" name="TextBox 9"/>
-          <p:cNvSpPr txBox="1"/>
-          <p:nvPr/>
-        </p:nvSpPr>
-        <p:spPr>
-          <a:xfrm>
-            <a:off x="2057400" y="6324600"/>
-            <a:ext cx="4419600" cy="369332"/>
-          </a:xfrm>
-          <a:prstGeom prst="rect">
-            <a:avLst/>
-          </a:prstGeom>
-          <a:noFill/>
-        </p:spPr>
-        <p:txBody>
-          <a:bodyPr wrap="square" rtlCol="0">
-            <a:spAutoFit/>
-          </a:bodyPr>
-          <a:lstStyle/>
-          <a:p>
-            <a:r>
-              <a:rPr lang="en-US" dirty="0" smtClean="0">
-                <a:solidFill>
-                  <a:schemeClr val="bg1"/>
-                </a:solidFill>
-                <a:latin typeface="Verdana" pitchFamily="34" charset="0"/>
-                <a:ea typeface="Verdana" pitchFamily="34" charset="0"/>
-                <a:cs typeface="Verdana" pitchFamily="34" charset="0"/>
-              </a:rPr>
-              <a:t>Testing web applications &amp; services</a:t>
-            </a:r>
-            <a:endParaRPr lang="en-US" dirty="0">
-              <a:solidFill>
-                <a:schemeClr val="bg1"/>
-              </a:solidFill>
-              <a:latin typeface="Verdana" pitchFamily="34" charset="0"/>
-              <a:ea typeface="Verdana" pitchFamily="34" charset="0"/>
-              <a:cs typeface="Verdana" pitchFamily="34" charset="0"/>
-            </a:endParaRPr>
-          </a:p>
-        </p:txBody>
-      </p:sp>
-      <p:pic>
-        <p:nvPicPr>
-          <p:cNvPr id="1033" name="Picture 9"/>
-          <p:cNvPicPr>
-            <a:picLocks noChangeAspect="1" noChangeArrowheads="1"/>
-          </p:cNvPicPr>
-          <p:nvPr/>
-        </p:nvPicPr>
-        <p:blipFill>
-          <a:blip r:embed="rId4" cstate="print"/>
-          <a:srcRect/>
-          <a:stretch>
-            <a:fillRect/>
-          </a:stretch>
-        </p:blipFill>
-        <p:spPr bwMode="auto">
-          <a:xfrm>
-            <a:off x="6934202" y="6248400"/>
-            <a:ext cx="1981195" cy="431239"/>
-          </a:xfrm>
-          <a:prstGeom prst="rect">
-            <a:avLst/>
-          </a:prstGeom>
-          <a:noFill/>
-          <a:ln w="9525">
-            <a:noFill/>
-            <a:miter lim="800000"/>
-            <a:headEnd/>
-            <a:tailEnd/>
-          </a:ln>
-          <a:effectLst/>
-        </p:spPr>
-      </p:pic>
-      <p:sp>
-        <p:nvSpPr>
-          <p:cNvPr id="13" name="TextBox 12"/>
-          <p:cNvSpPr txBox="1"/>
-          <p:nvPr/>
-        </p:nvSpPr>
-        <p:spPr>
-          <a:xfrm>
-            <a:off x="7315200" y="0"/>
-            <a:ext cx="1828800" cy="584775"/>
-          </a:xfrm>
-          <a:prstGeom prst="rect">
-            <a:avLst/>
-          </a:prstGeom>
-          <a:solidFill>
-            <a:schemeClr val="bg2">
-              <a:lumMod val="75000"/>
-            </a:schemeClr>
-          </a:solidFill>
-        </p:spPr>
-        <p:txBody>
-          <a:bodyPr wrap="square" rtlCol="0">
-            <a:spAutoFit/>
-          </a:bodyPr>
-          <a:lstStyle/>
-          <a:p>
-            <a:r>
-              <a:rPr lang="en-US" sz="3200" dirty="0" smtClean="0"/>
-              <a:t>Networks</a:t>
-            </a:r>
-            <a:endParaRPr lang="en-US" sz="3200" dirty="0"/>
-          </a:p>
-        </p:txBody>
-      </p:sp>
-      <p:sp>
-        <p:nvSpPr>
-          <p:cNvPr id="8" name="TextBox 7"/>
-          <p:cNvSpPr txBox="1"/>
-          <p:nvPr/>
-        </p:nvSpPr>
-        <p:spPr>
-          <a:xfrm>
-            <a:off x="0" y="990600"/>
-            <a:ext cx="9144000" cy="830997"/>
-          </a:xfrm>
-          <a:prstGeom prst="rect">
-            <a:avLst/>
-          </a:prstGeom>
-          <a:noFill/>
-        </p:spPr>
-        <p:txBody>
-          <a:bodyPr wrap="square" rtlCol="0">
-            <a:spAutoFit/>
-          </a:bodyPr>
-          <a:lstStyle/>
-          <a:p>
-            <a:pPr algn="ctr"/>
-            <a:r>
-              <a:rPr lang="en-US" sz="4800" dirty="0" smtClean="0"/>
-              <a:t>Routing</a:t>
-            </a:r>
-            <a:endParaRPr lang="en-US" sz="4800" dirty="0"/>
-          </a:p>
-        </p:txBody>
-      </p:sp>
-    </p:spTree>
-  </p:cSld>
-  <p:clrMapOvr>
-    <a:masterClrMapping/>
-  </p:clrMapOvr>
-  <p:timing>
-    <p:tnLst>
-      <p:par>
-        <p:cTn id="1" dur="indefinite" restart="never" nodeType="tmRoot"/>
       </p:par>
     </p:tnLst>
   </p:timing>

--- a/presentations/A technical understanding of the web.pptx
+++ b/presentations/A technical understanding of the web.pptx
@@ -5,7 +5,7 @@
     <p:sldMasterId id="2147483648" r:id="rId1"/>
   </p:sldMasterIdLst>
   <p:notesMasterIdLst>
-    <p:notesMasterId r:id="rId16"/>
+    <p:notesMasterId r:id="rId15"/>
   </p:notesMasterIdLst>
   <p:sldIdLst>
     <p:sldId id="256" r:id="rId2"/>
@@ -17,11 +17,10 @@
     <p:sldId id="262" r:id="rId8"/>
     <p:sldId id="264" r:id="rId9"/>
     <p:sldId id="265" r:id="rId10"/>
-    <p:sldId id="266" r:id="rId11"/>
-    <p:sldId id="267" r:id="rId12"/>
-    <p:sldId id="268" r:id="rId13"/>
-    <p:sldId id="272" r:id="rId14"/>
-    <p:sldId id="270" r:id="rId15"/>
+    <p:sldId id="268" r:id="rId11"/>
+    <p:sldId id="266" r:id="rId12"/>
+    <p:sldId id="267" r:id="rId13"/>
+    <p:sldId id="270" r:id="rId14"/>
   </p:sldIdLst>
   <p:sldSz cx="9144000" cy="6858000" type="screen4x3"/>
   <p:notesSz cx="6858000" cy="9144000"/>
@@ -206,7 +205,7 @@
             <a:fld id="{9FD516BE-303C-4073-A4FC-07E358FC6551}" type="datetimeFigureOut">
               <a:rPr lang="en-US" smtClean="0"/>
               <a:pPr/>
-              <a:t>3/7/2013</a:t>
+              <a:t>3/8/2013</a:t>
             </a:fld>
             <a:endParaRPr lang="en-US"/>
           </a:p>
@@ -727,15 +726,426 @@
           <a:p>
             <a:pPr lvl="0"/>
             <a:r>
+              <a:rPr lang="en-US" baseline="0" dirty="0" err="1" smtClean="0"/>
+              <a:t>Wireshark</a:t>
+            </a:r>
+            <a:r>
               <a:rPr lang="en-US" baseline="0" dirty="0" smtClean="0"/>
-              <a:t>Routing determines how data gets from computer A to Computer B</a:t>
-            </a:r>
+              <a:t> is a network analysis tool.</a:t>
+            </a:r>
+          </a:p>
+          <a:p>
+            <a:pPr lvl="0"/>
+            <a:endParaRPr lang="en-US" baseline="0" dirty="0" smtClean="0"/>
           </a:p>
           <a:p>
             <a:pPr lvl="0"/>
             <a:r>
               <a:rPr lang="en-US" baseline="0" dirty="0" smtClean="0"/>
-              <a:t>IP is the routing protocol of the internet.</a:t>
+              <a:t>It is designed for monitoring network traffic.</a:t>
+            </a:r>
+          </a:p>
+          <a:p>
+            <a:pPr lvl="0"/>
+            <a:endParaRPr lang="en-US" baseline="0" dirty="0" smtClean="0"/>
+          </a:p>
+          <a:p>
+            <a:pPr lvl="0"/>
+            <a:r>
+              <a:rPr lang="en-US" baseline="0" dirty="0" smtClean="0"/>
+              <a:t>It can be used to capture and analyze packets.</a:t>
+            </a:r>
+          </a:p>
+          <a:p>
+            <a:pPr lvl="0"/>
+            <a:endParaRPr lang="en-US" baseline="0" dirty="0" smtClean="0"/>
+          </a:p>
+          <a:p>
+            <a:pPr lvl="0"/>
+            <a:r>
+              <a:rPr lang="en-US" baseline="0" dirty="0" smtClean="0"/>
+              <a:t>Let me launch </a:t>
+            </a:r>
+            <a:r>
+              <a:rPr lang="en-US" baseline="0" dirty="0" err="1" smtClean="0"/>
+              <a:t>wireshark</a:t>
+            </a:r>
+            <a:r>
+              <a:rPr lang="en-US" baseline="0" dirty="0" smtClean="0"/>
+              <a:t>.</a:t>
+            </a:r>
+          </a:p>
+          <a:p>
+            <a:pPr lvl="0"/>
+            <a:endParaRPr lang="en-US" baseline="0" dirty="0" smtClean="0"/>
+          </a:p>
+          <a:p>
+            <a:pPr lvl="0"/>
+            <a:r>
+              <a:rPr lang="en-US" baseline="0" dirty="0" smtClean="0"/>
+              <a:t>List interfaces </a:t>
+            </a:r>
+          </a:p>
+          <a:p>
+            <a:pPr lvl="0"/>
+            <a:r>
+              <a:rPr lang="en-US" baseline="0" dirty="0" smtClean="0"/>
+              <a:t>	Use </a:t>
+            </a:r>
+            <a:r>
+              <a:rPr lang="en-US" baseline="0" dirty="0" err="1" smtClean="0"/>
+              <a:t>ipconfig</a:t>
+            </a:r>
+            <a:r>
+              <a:rPr lang="en-US" baseline="0" dirty="0" smtClean="0"/>
+              <a:t> to find the mac address of the device</a:t>
+            </a:r>
+          </a:p>
+          <a:p>
+            <a:pPr lvl="0"/>
+            <a:r>
+              <a:rPr lang="en-US" baseline="0" dirty="0" smtClean="0"/>
+              <a:t>Select the devices you want to capture network traffic from – you can also select all</a:t>
+            </a:r>
+          </a:p>
+          <a:p>
+            <a:pPr lvl="0"/>
+            <a:r>
+              <a:rPr lang="en-US" baseline="0" dirty="0" smtClean="0"/>
+              <a:t>Click start</a:t>
+            </a:r>
+          </a:p>
+          <a:p>
+            <a:pPr lvl="0"/>
+            <a:r>
+              <a:rPr lang="en-US" baseline="0" dirty="0" smtClean="0"/>
+              <a:t>Go to google.com</a:t>
+            </a:r>
+          </a:p>
+          <a:p>
+            <a:pPr lvl="0"/>
+            <a:r>
+              <a:rPr lang="en-US" baseline="0" dirty="0" smtClean="0"/>
+              <a:t>Click stop</a:t>
+            </a:r>
+          </a:p>
+          <a:p>
+            <a:pPr lvl="0"/>
+            <a:endParaRPr lang="en-US" baseline="0" dirty="0" smtClean="0"/>
+          </a:p>
+          <a:p>
+            <a:pPr lvl="0"/>
+            <a:r>
+              <a:rPr lang="en-US" baseline="0" dirty="0" smtClean="0"/>
+              <a:t>You’re likely to have a lot of background noise so you can apply filters.</a:t>
+            </a:r>
+          </a:p>
+          <a:p>
+            <a:pPr lvl="0"/>
+            <a:r>
+              <a:rPr lang="en-US" baseline="0" dirty="0" smtClean="0"/>
+              <a:t>You can filter by</a:t>
+            </a:r>
+          </a:p>
+          <a:p>
+            <a:pPr lvl="0"/>
+            <a:r>
+              <a:rPr lang="en-US" baseline="0" dirty="0" smtClean="0"/>
+              <a:t>	protocol – TCP</a:t>
+            </a:r>
+          </a:p>
+          <a:p>
+            <a:pPr lvl="0"/>
+            <a:r>
+              <a:rPr lang="en-US" baseline="0" dirty="0" smtClean="0"/>
+              <a:t>	port – 80</a:t>
+            </a:r>
+          </a:p>
+          <a:p>
+            <a:pPr lvl="0"/>
+            <a:r>
+              <a:rPr lang="en-US" baseline="0" dirty="0" smtClean="0"/>
+              <a:t>	source or destination address/ or address range</a:t>
+            </a:r>
+          </a:p>
+          <a:p>
+            <a:pPr lvl="0"/>
+            <a:r>
+              <a:rPr lang="en-US" baseline="0" dirty="0" smtClean="0"/>
+              <a:t>	host name</a:t>
+            </a:r>
+          </a:p>
+          <a:p>
+            <a:pPr lvl="0"/>
+            <a:r>
+              <a:rPr lang="en-US" baseline="0" dirty="0" smtClean="0"/>
+              <a:t>	and a bunch of other filters</a:t>
+            </a:r>
+          </a:p>
+          <a:p>
+            <a:pPr lvl="0"/>
+            <a:endParaRPr lang="en-US" baseline="0" dirty="0" smtClean="0"/>
+          </a:p>
+          <a:p>
+            <a:pPr lvl="0"/>
+            <a:r>
+              <a:rPr lang="en-US" baseline="0" dirty="0" smtClean="0"/>
+              <a:t>You can filter which packets you capture or just filter the packets displayed</a:t>
+            </a:r>
+          </a:p>
+          <a:p>
+            <a:pPr lvl="0"/>
+            <a:endParaRPr lang="en-US" baseline="0" dirty="0" smtClean="0"/>
+          </a:p>
+          <a:p>
+            <a:pPr lvl="0"/>
+            <a:r>
+              <a:rPr lang="en-US" baseline="0" dirty="0" smtClean="0"/>
+              <a:t>http://wiki.wireshark.org/DisplayFilters</a:t>
+            </a:r>
+          </a:p>
+          <a:p>
+            <a:pPr lvl="0"/>
+            <a:r>
+              <a:rPr lang="en-US" baseline="0" dirty="0" smtClean="0"/>
+              <a:t>http://wiki.wireshark.org/CaptureFilters</a:t>
+            </a:r>
+          </a:p>
+          <a:p>
+            <a:pPr lvl="0"/>
+            <a:endParaRPr lang="en-US" baseline="0" dirty="0" smtClean="0"/>
+          </a:p>
+          <a:p>
+            <a:pPr lvl="0"/>
+            <a:r>
+              <a:rPr lang="en-US" baseline="0" dirty="0" smtClean="0"/>
+              <a:t>You can see that a filter is invalid because it is red.  When it turns green, it is valid.</a:t>
+            </a:r>
+          </a:p>
+          <a:p>
+            <a:pPr lvl="0"/>
+            <a:r>
+              <a:rPr lang="en-US" baseline="0" dirty="0" smtClean="0"/>
+              <a:t>You can also build a filter using the expressions button.</a:t>
+            </a:r>
+          </a:p>
+          <a:p>
+            <a:pPr lvl="0"/>
+            <a:endParaRPr lang="en-US" baseline="0" dirty="0" smtClean="0"/>
+          </a:p>
+          <a:p>
+            <a:pPr marL="0" marR="0" lvl="0" indent="0" algn="l" defTabSz="914400" rtl="0" eaLnBrk="1" fontAlgn="auto" latinLnBrk="0" hangingPunct="1">
+              <a:lnSpc>
+                <a:spcPct val="100000"/>
+              </a:lnSpc>
+              <a:spcBef>
+                <a:spcPts val="0"/>
+              </a:spcBef>
+              <a:spcAft>
+                <a:spcPts val="0"/>
+              </a:spcAft>
+              <a:buClrTx/>
+              <a:buSzTx/>
+              <a:buFontTx/>
+              <a:buNone/>
+              <a:tabLst/>
+              <a:defRPr/>
+            </a:pPr>
+            <a:r>
+              <a:rPr lang="en-US" baseline="0" dirty="0" smtClean="0"/>
+              <a:t>The requests are at the top, and you can select each one.</a:t>
+            </a:r>
+          </a:p>
+          <a:p>
+            <a:pPr lvl="0"/>
+            <a:endParaRPr lang="en-US" baseline="0" dirty="0" smtClean="0"/>
+          </a:p>
+          <a:p>
+            <a:pPr lvl="0"/>
+            <a:r>
+              <a:rPr lang="en-US" baseline="0" dirty="0" smtClean="0"/>
+              <a:t>You can see the actual packets captured down below</a:t>
+            </a:r>
+          </a:p>
+          <a:p>
+            <a:pPr lvl="0"/>
+            <a:r>
+              <a:rPr lang="en-US" baseline="0" dirty="0" smtClean="0"/>
+              <a:t>	broken down by byte &amp; word </a:t>
+            </a:r>
+          </a:p>
+          <a:p>
+            <a:pPr lvl="0"/>
+            <a:r>
+              <a:rPr lang="en-US" baseline="0" dirty="0" smtClean="0"/>
+              <a:t>	in hex and </a:t>
+            </a:r>
+            <a:r>
+              <a:rPr lang="en-US" baseline="0" dirty="0" err="1" smtClean="0"/>
+              <a:t>ascii</a:t>
+            </a:r>
+            <a:r>
+              <a:rPr lang="en-US" baseline="0" dirty="0" smtClean="0"/>
+              <a:t> – or binary if you right click</a:t>
+            </a:r>
+          </a:p>
+          <a:p>
+            <a:pPr lvl="0"/>
+            <a:endParaRPr lang="en-US" baseline="0" dirty="0" smtClean="0"/>
+          </a:p>
+          <a:p>
+            <a:pPr lvl="0"/>
+            <a:r>
+              <a:rPr lang="en-US" baseline="0" dirty="0" smtClean="0"/>
+              <a:t>A user-friendly is in the middle, and it will highlight the section of the packets that are represented if you really need to see the raw data.</a:t>
+            </a:r>
+          </a:p>
+          <a:p>
+            <a:pPr lvl="0"/>
+            <a:endParaRPr lang="en-US" baseline="0" dirty="0" smtClean="0"/>
+          </a:p>
+          <a:p>
+            <a:pPr lvl="0"/>
+            <a:r>
+              <a:rPr lang="en-US" baseline="0" dirty="0" smtClean="0"/>
+              <a:t>You can see each message on the </a:t>
+            </a:r>
+            <a:r>
+              <a:rPr lang="en-US" baseline="0" dirty="0" err="1" smtClean="0"/>
+              <a:t>ethernet</a:t>
+            </a:r>
+            <a:r>
+              <a:rPr lang="en-US" baseline="0" dirty="0" smtClean="0"/>
+              <a:t> interface begins with the </a:t>
+            </a:r>
+            <a:r>
+              <a:rPr lang="en-US" baseline="0" dirty="0" err="1" smtClean="0"/>
+              <a:t>ethernet</a:t>
+            </a:r>
+            <a:r>
+              <a:rPr lang="en-US" baseline="0" dirty="0" smtClean="0"/>
+              <a:t> header which contains the source and destination MAC addresses.  The destination is the first router the machine is connecting to, not the destination machine.</a:t>
+            </a:r>
+          </a:p>
+          <a:p>
+            <a:pPr lvl="0"/>
+            <a:endParaRPr lang="en-US" baseline="0" dirty="0" smtClean="0"/>
+          </a:p>
+          <a:p>
+            <a:pPr lvl="0"/>
+            <a:r>
+              <a:rPr lang="en-US" baseline="0" dirty="0" smtClean="0"/>
+              <a:t>Then it has the IP header.  You can see how the header checksum is incorrect because it’s not included – it’s zero.  I think that’s an optimization.  It has the source and destination IP address.</a:t>
+            </a:r>
+          </a:p>
+          <a:p>
+            <a:pPr lvl="0"/>
+            <a:endParaRPr lang="en-US" baseline="0" dirty="0" smtClean="0"/>
+          </a:p>
+          <a:p>
+            <a:pPr lvl="0"/>
+            <a:r>
+              <a:rPr lang="en-US" baseline="0" dirty="0" smtClean="0"/>
+              <a:t>Then the TCP header which has the source and destination port.  The destination is port 80 – the standard port for HTTP on the server.  The source is a random port picked by the browser.  It creates a socket connection between these two IP addresses and ports.  </a:t>
+            </a:r>
+          </a:p>
+          <a:p>
+            <a:pPr lvl="0"/>
+            <a:endParaRPr lang="en-US" baseline="0" dirty="0" smtClean="0"/>
+          </a:p>
+          <a:p>
+            <a:pPr lvl="0"/>
+            <a:r>
+              <a:rPr lang="en-US" baseline="0" dirty="0" smtClean="0"/>
+              <a:t>IP routes it between the computers, and TCP handles the connection.  Now we’re ready to send application data.</a:t>
+            </a:r>
+          </a:p>
+          <a:p>
+            <a:pPr lvl="0"/>
+            <a:endParaRPr lang="en-US" baseline="0" dirty="0" smtClean="0"/>
+          </a:p>
+          <a:p>
+            <a:pPr lvl="0"/>
+            <a:r>
+              <a:rPr lang="en-US" baseline="0" dirty="0" smtClean="0"/>
+              <a:t>In this case, it’s HTTP.  And you can see that </a:t>
+            </a:r>
+            <a:r>
+              <a:rPr lang="en-US" baseline="0" dirty="0" err="1" smtClean="0"/>
+              <a:t>Wireshark</a:t>
+            </a:r>
+            <a:r>
+              <a:rPr lang="en-US" baseline="0" dirty="0" smtClean="0"/>
+              <a:t> understands HTTP as well.</a:t>
+            </a:r>
+          </a:p>
+          <a:p>
+            <a:pPr lvl="0"/>
+            <a:r>
+              <a:rPr lang="en-US" baseline="0" dirty="0" smtClean="0"/>
+              <a:t>The first line is the request.</a:t>
+            </a:r>
+          </a:p>
+          <a:p>
+            <a:pPr lvl="0"/>
+            <a:r>
+              <a:rPr lang="en-US" baseline="0" dirty="0" smtClean="0"/>
+              <a:t>Method == GET</a:t>
+            </a:r>
+          </a:p>
+          <a:p>
+            <a:pPr lvl="0"/>
+            <a:r>
+              <a:rPr lang="en-US" baseline="0" dirty="0" smtClean="0"/>
+              <a:t>URL == /</a:t>
+            </a:r>
+          </a:p>
+          <a:p>
+            <a:pPr lvl="0"/>
+            <a:r>
+              <a:rPr lang="en-US" baseline="0" dirty="0" smtClean="0"/>
+              <a:t>HTTP Version = 1.1</a:t>
+            </a:r>
+          </a:p>
+          <a:p>
+            <a:pPr lvl="0"/>
+            <a:endParaRPr lang="en-US" baseline="0" dirty="0" smtClean="0"/>
+          </a:p>
+          <a:p>
+            <a:pPr lvl="0"/>
+            <a:r>
+              <a:rPr lang="en-US" baseline="0" dirty="0" smtClean="0"/>
+              <a:t>Then come the headers:</a:t>
+            </a:r>
+          </a:p>
+          <a:p>
+            <a:pPr lvl="0"/>
+            <a:r>
+              <a:rPr lang="en-US" baseline="0" dirty="0" smtClean="0"/>
+              <a:t>You can see \r\n because that’s the windows newline.  Only \n is needed.</a:t>
+            </a:r>
+          </a:p>
+          <a:p>
+            <a:pPr marL="0" marR="0" lvl="0" indent="0" algn="l" defTabSz="914400" rtl="0" eaLnBrk="1" fontAlgn="auto" latinLnBrk="0" hangingPunct="1">
+              <a:lnSpc>
+                <a:spcPct val="100000"/>
+              </a:lnSpc>
+              <a:spcBef>
+                <a:spcPts val="0"/>
+              </a:spcBef>
+              <a:spcAft>
+                <a:spcPts val="0"/>
+              </a:spcAft>
+              <a:buClrTx/>
+              <a:buSzTx/>
+              <a:buFontTx/>
+              <a:buNone/>
+              <a:tabLst/>
+              <a:defRPr/>
+            </a:pPr>
+            <a:r>
+              <a:rPr lang="en-US" baseline="0" dirty="0" smtClean="0"/>
+              <a:t>Host – the destination host.  Remember when we used telnet that we got a 401 error without this.</a:t>
             </a:r>
           </a:p>
           <a:p>
@@ -778,7 +1188,7 @@
             </a:pPr>
             <a:r>
               <a:rPr lang="en-US" baseline="0" dirty="0" smtClean="0"/>
-              <a:t>Routers have a list of IP addresses and directions for how to get to them.  </a:t>
+              <a:t>Headers …etc…</a:t>
             </a:r>
           </a:p>
           <a:p>
@@ -821,7 +1231,7 @@
             </a:pPr>
             <a:r>
               <a:rPr lang="en-US" baseline="0" dirty="0" smtClean="0"/>
-              <a:t>If they don’t know, they have directions to pass it to another router that may know. They have a range of IPs and the address of a router to pass the message along to that knows how to find it.  So one router doesn’t need to know how to communicate with all computers.</a:t>
+              <a:t>If you were to post, it would also have the body of the post.</a:t>
             </a:r>
           </a:p>
           <a:p>
@@ -845,20 +1255,6 @@
             <a:endParaRPr lang="en-US" baseline="0" dirty="0" smtClean="0"/>
           </a:p>
           <a:p>
-            <a:pPr lvl="0"/>
-            <a:r>
-              <a:rPr lang="en-US" baseline="0" dirty="0" smtClean="0"/>
-              <a:t>Every computer on the internet has an IP address.</a:t>
-            </a:r>
-          </a:p>
-          <a:p>
-            <a:pPr lvl="0"/>
-            <a:r>
-              <a:rPr lang="en-US" baseline="0" dirty="0" smtClean="0"/>
-              <a:t>  </a:t>
-            </a:r>
-          </a:p>
-          <a:p>
             <a:pPr marL="0" marR="0" lvl="0" indent="0" algn="l" defTabSz="914400" rtl="0" eaLnBrk="1" fontAlgn="auto" latinLnBrk="0" hangingPunct="1">
               <a:lnSpc>
                 <a:spcPct val="100000"/>
@@ -878,29 +1274,7 @@
             </a:pPr>
             <a:r>
               <a:rPr lang="en-US" baseline="0" dirty="0" smtClean="0"/>
-              <a:t>Many computers behind private networks also have an address, because we now use IP even for private networks, though this was not always the case.  Other protocols like IPX and NetBEUI were common</a:t>
-            </a:r>
-          </a:p>
-          <a:p>
-            <a:pPr lvl="0"/>
-            <a:endParaRPr lang="en-US" baseline="0" dirty="0" smtClean="0"/>
-          </a:p>
-          <a:p>
-            <a:pPr lvl="0"/>
-            <a:r>
-              <a:rPr lang="en-US" baseline="0" dirty="0" smtClean="0"/>
-              <a:t>A router between a private network and the internet  may use Network Address Translation (NAT) to convert a private address to the public one.  There are reserved IP addresses used for this.  Such as the 10.x range, 172.16.x and 192.168..x ranges.  You could use any address but by keeping to the reserved (not routable) addresses, you prevent address pollution in case there are any mistakes in your router configuration – which is more common than you’d think.</a:t>
-            </a:r>
-          </a:p>
-          <a:p>
-            <a:pPr lvl="0"/>
-            <a:endParaRPr lang="en-US" baseline="0" dirty="0" smtClean="0"/>
-          </a:p>
-          <a:p>
-            <a:pPr lvl="0"/>
-            <a:r>
-              <a:rPr lang="en-US" baseline="0" dirty="0" smtClean="0"/>
-              <a:t>The NAT router needs to keep track of packets from machine x with a reserved address of say 10.1.2.3 and indicate that packets returned to it are routed to the right machine on it’s sub-network.  But I won’t go into that because I don’t understand it very well.</a:t>
+              <a:t>Right click on a request and click Follow TCP stream.</a:t>
             </a:r>
           </a:p>
           <a:p>
@@ -943,15 +1317,76 @@
             </a:pPr>
             <a:r>
               <a:rPr lang="en-US" baseline="0" dirty="0" smtClean="0"/>
-              <a:t>Routing isn’t a new concept.  The phone network used circuit switching to accomplish routing.  If you watch old movies where people ask the operator to connect them and the operator says “one moment please” – that’s routing.  It started off with people (typically women, because they had more pleasant voices – and were found to make fewer mistakes) actually pulling one wire out of a socket and plugging it into another socket.  First to connect 2 phones physically with one wire circuit, then to connect different exchanges, </a:t>
-            </a:r>
-            <a:r>
-              <a:rPr lang="en-US" baseline="0" dirty="0" err="1" smtClean="0"/>
-              <a:t>i.e..different</a:t>
-            </a:r>
+              <a:t>Cookies</a:t>
+            </a:r>
+          </a:p>
+          <a:p>
+            <a:pPr marL="0" marR="0" lvl="0" indent="0" algn="l" defTabSz="914400" rtl="0" eaLnBrk="1" fontAlgn="auto" latinLnBrk="0" hangingPunct="1">
+              <a:lnSpc>
+                <a:spcPct val="100000"/>
+              </a:lnSpc>
+              <a:spcBef>
+                <a:spcPts val="0"/>
+              </a:spcBef>
+              <a:spcAft>
+                <a:spcPts val="0"/>
+              </a:spcAft>
+              <a:buClrTx/>
+              <a:buSzTx/>
+              <a:buFontTx/>
+              <a:buNone/>
+              <a:tabLst/>
+              <a:defRPr/>
+            </a:pPr>
             <a:r>
               <a:rPr lang="en-US" baseline="0" dirty="0" smtClean="0"/>
-              <a:t> cities.  One operator would have to call another operator to make the connection.  This was called hopping, and we still count hops between routers today.</a:t>
+              <a:t>Form Data</a:t>
+            </a:r>
+          </a:p>
+          <a:p>
+            <a:pPr marL="0" marR="0" lvl="0" indent="0" algn="l" defTabSz="914400" rtl="0" eaLnBrk="1" fontAlgn="auto" latinLnBrk="0" hangingPunct="1">
+              <a:lnSpc>
+                <a:spcPct val="100000"/>
+              </a:lnSpc>
+              <a:spcBef>
+                <a:spcPts val="0"/>
+              </a:spcBef>
+              <a:spcAft>
+                <a:spcPts val="0"/>
+              </a:spcAft>
+              <a:buClrTx/>
+              <a:buSzTx/>
+              <a:buFontTx/>
+              <a:buNone/>
+              <a:tabLst/>
+              <a:defRPr/>
+            </a:pPr>
+            <a:r>
+              <a:rPr lang="en-US" baseline="0" dirty="0" smtClean="0"/>
+              <a:t>Authentication &amp; Authorization</a:t>
+            </a:r>
+          </a:p>
+          <a:p>
+            <a:pPr marL="0" marR="0" lvl="0" indent="0" algn="l" defTabSz="914400" rtl="0" eaLnBrk="1" fontAlgn="auto" latinLnBrk="0" hangingPunct="1">
+              <a:lnSpc>
+                <a:spcPct val="100000"/>
+              </a:lnSpc>
+              <a:spcBef>
+                <a:spcPts val="0"/>
+              </a:spcBef>
+              <a:spcAft>
+                <a:spcPts val="0"/>
+              </a:spcAft>
+              <a:buClrTx/>
+              <a:buSzTx/>
+              <a:buFontTx/>
+              <a:buNone/>
+              <a:tabLst/>
+              <a:defRPr/>
+            </a:pPr>
+            <a:r>
+              <a:rPr lang="en-US" baseline="0" dirty="0" smtClean="0"/>
+              <a:t>HTTPS</a:t>
             </a:r>
           </a:p>
           <a:p>
@@ -992,11 +1427,183 @@
               <a:tabLst/>
               <a:defRPr/>
             </a:pPr>
+            <a:r>
+              <a:rPr lang="en-US" baseline="0" dirty="0" smtClean="0"/>
+              <a:t>Listen to </a:t>
+            </a:r>
+            <a:r>
+              <a:rPr lang="en-US" baseline="0" dirty="0" err="1" smtClean="0"/>
+              <a:t>wifi</a:t>
+            </a:r>
+            <a:r>
+              <a:rPr lang="en-US" baseline="0" dirty="0" smtClean="0"/>
+              <a:t> only</a:t>
+            </a:r>
+          </a:p>
+          <a:p>
+            <a:pPr marL="0" marR="0" lvl="0" indent="0" algn="l" defTabSz="914400" rtl="0" eaLnBrk="1" fontAlgn="auto" latinLnBrk="0" hangingPunct="1">
+              <a:lnSpc>
+                <a:spcPct val="100000"/>
+              </a:lnSpc>
+              <a:spcBef>
+                <a:spcPts val="0"/>
+              </a:spcBef>
+              <a:spcAft>
+                <a:spcPts val="0"/>
+              </a:spcAft>
+              <a:buClrTx/>
+              <a:buSzTx/>
+              <a:buFontTx/>
+              <a:buNone/>
+              <a:tabLst/>
+              <a:defRPr/>
+            </a:pPr>
             <a:endParaRPr lang="en-US" baseline="0" dirty="0" smtClean="0"/>
           </a:p>
           <a:p>
-            <a:pPr lvl="0"/>
+            <a:pPr marL="0" marR="0" lvl="0" indent="0" algn="l" defTabSz="914400" rtl="0" eaLnBrk="1" fontAlgn="auto" latinLnBrk="0" hangingPunct="1">
+              <a:lnSpc>
+                <a:spcPct val="100000"/>
+              </a:lnSpc>
+              <a:spcBef>
+                <a:spcPts val="0"/>
+              </a:spcBef>
+              <a:spcAft>
+                <a:spcPts val="0"/>
+              </a:spcAft>
+              <a:buClrTx/>
+              <a:buSzTx/>
+              <a:buFontTx/>
+              <a:buNone/>
+              <a:tabLst/>
+              <a:defRPr/>
+            </a:pPr>
+            <a:r>
+              <a:rPr lang="en-US" baseline="0" dirty="0" smtClean="0"/>
+              <a:t>Filter</a:t>
+            </a:r>
+          </a:p>
+          <a:p>
+            <a:pPr marL="0" marR="0" lvl="0" indent="0" algn="l" defTabSz="914400" rtl="0" eaLnBrk="1" fontAlgn="auto" latinLnBrk="0" hangingPunct="1">
+              <a:lnSpc>
+                <a:spcPct val="100000"/>
+              </a:lnSpc>
+              <a:spcBef>
+                <a:spcPts val="0"/>
+              </a:spcBef>
+              <a:spcAft>
+                <a:spcPts val="0"/>
+              </a:spcAft>
+              <a:buClrTx/>
+              <a:buSzTx/>
+              <a:buFontTx/>
+              <a:buNone/>
+              <a:tabLst/>
+              <a:defRPr/>
+            </a:pPr>
+            <a:r>
+              <a:rPr lang="en-US" baseline="0" dirty="0" err="1" smtClean="0"/>
+              <a:t>tcp</a:t>
+            </a:r>
             <a:endParaRPr lang="en-US" baseline="0" dirty="0" smtClean="0"/>
+          </a:p>
+          <a:p>
+            <a:pPr marL="0" marR="0" lvl="0" indent="0" algn="l" defTabSz="914400" rtl="0" eaLnBrk="1" fontAlgn="auto" latinLnBrk="0" hangingPunct="1">
+              <a:lnSpc>
+                <a:spcPct val="100000"/>
+              </a:lnSpc>
+              <a:spcBef>
+                <a:spcPts val="0"/>
+              </a:spcBef>
+              <a:spcAft>
+                <a:spcPts val="0"/>
+              </a:spcAft>
+              <a:buClrTx/>
+              <a:buSzTx/>
+              <a:buFontTx/>
+              <a:buNone/>
+              <a:tabLst/>
+              <a:defRPr/>
+            </a:pPr>
+            <a:r>
+              <a:rPr lang="en-US" baseline="0" dirty="0" smtClean="0"/>
+              <a:t>http</a:t>
+            </a:r>
+          </a:p>
+          <a:p>
+            <a:pPr marL="0" marR="0" lvl="0" indent="0" algn="l" defTabSz="914400" rtl="0" eaLnBrk="1" fontAlgn="auto" latinLnBrk="0" hangingPunct="1">
+              <a:lnSpc>
+                <a:spcPct val="100000"/>
+              </a:lnSpc>
+              <a:spcBef>
+                <a:spcPts val="0"/>
+              </a:spcBef>
+              <a:spcAft>
+                <a:spcPts val="0"/>
+              </a:spcAft>
+              <a:buClrTx/>
+              <a:buSzTx/>
+              <a:buFontTx/>
+              <a:buNone/>
+              <a:tabLst/>
+              <a:defRPr/>
+            </a:pPr>
+            <a:r>
+              <a:rPr lang="en-US" baseline="0" dirty="0" err="1" smtClean="0"/>
+              <a:t>http.host</a:t>
+            </a:r>
+            <a:endParaRPr lang="en-US" baseline="0" dirty="0" smtClean="0"/>
+          </a:p>
+          <a:p>
+            <a:pPr marL="0" marR="0" lvl="0" indent="0" algn="l" defTabSz="914400" rtl="0" eaLnBrk="1" fontAlgn="auto" latinLnBrk="0" hangingPunct="1">
+              <a:lnSpc>
+                <a:spcPct val="100000"/>
+              </a:lnSpc>
+              <a:spcBef>
+                <a:spcPts val="0"/>
+              </a:spcBef>
+              <a:spcAft>
+                <a:spcPts val="0"/>
+              </a:spcAft>
+              <a:buClrTx/>
+              <a:buSzTx/>
+              <a:buFontTx/>
+              <a:buNone/>
+              <a:tabLst/>
+              <a:defRPr/>
+            </a:pPr>
+            <a:r>
+              <a:rPr lang="en-US" baseline="0" dirty="0" err="1" smtClean="0"/>
+              <a:t>src.ip</a:t>
+            </a:r>
+            <a:endParaRPr lang="en-US" baseline="0" dirty="0" smtClean="0"/>
+          </a:p>
+          <a:p>
+            <a:pPr marL="0" marR="0" lvl="0" indent="0" algn="l" defTabSz="914400" rtl="0" eaLnBrk="1" fontAlgn="auto" latinLnBrk="0" hangingPunct="1">
+              <a:lnSpc>
+                <a:spcPct val="100000"/>
+              </a:lnSpc>
+              <a:spcBef>
+                <a:spcPts val="0"/>
+              </a:spcBef>
+              <a:spcAft>
+                <a:spcPts val="0"/>
+              </a:spcAft>
+              <a:buClrTx/>
+              <a:buSzTx/>
+              <a:buFontTx/>
+              <a:buNone/>
+              <a:tabLst/>
+              <a:defRPr/>
+            </a:pPr>
+            <a:endParaRPr lang="en-US" baseline="0" dirty="0" smtClean="0"/>
+          </a:p>
+          <a:p>
+            <a:pPr lvl="0"/>
+            <a:r>
+              <a:rPr lang="en-US" baseline="0" dirty="0" smtClean="0"/>
+              <a:t>Promiscuous mode </a:t>
+            </a:r>
           </a:p>
           <a:p>
             <a:pPr lvl="0"/>
@@ -1083,6 +1690,280 @@
           <a:lstStyle/>
           <a:p>
             <a:pPr lvl="0"/>
+            <a:r>
+              <a:rPr lang="en-US" baseline="0" dirty="0" smtClean="0"/>
+              <a:t>Routing determines how data gets from computer A to Computer B</a:t>
+            </a:r>
+          </a:p>
+          <a:p>
+            <a:pPr lvl="0"/>
+            <a:r>
+              <a:rPr lang="en-US" baseline="0" dirty="0" smtClean="0"/>
+              <a:t>IP is the routing protocol of the internet.</a:t>
+            </a:r>
+          </a:p>
+          <a:p>
+            <a:pPr marL="0" marR="0" lvl="0" indent="0" algn="l" defTabSz="914400" rtl="0" eaLnBrk="1" fontAlgn="auto" latinLnBrk="0" hangingPunct="1">
+              <a:lnSpc>
+                <a:spcPct val="100000"/>
+              </a:lnSpc>
+              <a:spcBef>
+                <a:spcPts val="0"/>
+              </a:spcBef>
+              <a:spcAft>
+                <a:spcPts val="0"/>
+              </a:spcAft>
+              <a:buClrTx/>
+              <a:buSzTx/>
+              <a:buFontTx/>
+              <a:buNone/>
+              <a:tabLst/>
+              <a:defRPr/>
+            </a:pPr>
+            <a:endParaRPr lang="en-US" baseline="0" dirty="0" smtClean="0"/>
+          </a:p>
+          <a:p>
+            <a:pPr marL="0" marR="0" lvl="0" indent="0" algn="l" defTabSz="914400" rtl="0" eaLnBrk="1" fontAlgn="auto" latinLnBrk="0" hangingPunct="1">
+              <a:lnSpc>
+                <a:spcPct val="100000"/>
+              </a:lnSpc>
+              <a:spcBef>
+                <a:spcPts val="0"/>
+              </a:spcBef>
+              <a:spcAft>
+                <a:spcPts val="0"/>
+              </a:spcAft>
+              <a:buClrTx/>
+              <a:buSzTx/>
+              <a:buFontTx/>
+              <a:buNone/>
+              <a:tabLst/>
+              <a:defRPr/>
+            </a:pPr>
+            <a:r>
+              <a:rPr lang="en-US" baseline="0" dirty="0" smtClean="0"/>
+              <a:t>Routers have a list of IP addresses and directions for how to get to them.  </a:t>
+            </a:r>
+          </a:p>
+          <a:p>
+            <a:pPr marL="0" marR="0" lvl="0" indent="0" algn="l" defTabSz="914400" rtl="0" eaLnBrk="1" fontAlgn="auto" latinLnBrk="0" hangingPunct="1">
+              <a:lnSpc>
+                <a:spcPct val="100000"/>
+              </a:lnSpc>
+              <a:spcBef>
+                <a:spcPts val="0"/>
+              </a:spcBef>
+              <a:spcAft>
+                <a:spcPts val="0"/>
+              </a:spcAft>
+              <a:buClrTx/>
+              <a:buSzTx/>
+              <a:buFontTx/>
+              <a:buNone/>
+              <a:tabLst/>
+              <a:defRPr/>
+            </a:pPr>
+            <a:endParaRPr lang="en-US" baseline="0" dirty="0" smtClean="0"/>
+          </a:p>
+          <a:p>
+            <a:pPr marL="0" marR="0" lvl="0" indent="0" algn="l" defTabSz="914400" rtl="0" eaLnBrk="1" fontAlgn="auto" latinLnBrk="0" hangingPunct="1">
+              <a:lnSpc>
+                <a:spcPct val="100000"/>
+              </a:lnSpc>
+              <a:spcBef>
+                <a:spcPts val="0"/>
+              </a:spcBef>
+              <a:spcAft>
+                <a:spcPts val="0"/>
+              </a:spcAft>
+              <a:buClrTx/>
+              <a:buSzTx/>
+              <a:buFontTx/>
+              <a:buNone/>
+              <a:tabLst/>
+              <a:defRPr/>
+            </a:pPr>
+            <a:r>
+              <a:rPr lang="en-US" baseline="0" dirty="0" smtClean="0"/>
+              <a:t>If they don’t know, they have directions to pass it to another router that may know. They have a range of IPs and the address of a router to pass the message along to that knows how to find it.  So one router doesn’t need to know how to communicate with all computers.</a:t>
+            </a:r>
+          </a:p>
+          <a:p>
+            <a:pPr marL="0" marR="0" lvl="0" indent="0" algn="l" defTabSz="914400" rtl="0" eaLnBrk="1" fontAlgn="auto" latinLnBrk="0" hangingPunct="1">
+              <a:lnSpc>
+                <a:spcPct val="100000"/>
+              </a:lnSpc>
+              <a:spcBef>
+                <a:spcPts val="0"/>
+              </a:spcBef>
+              <a:spcAft>
+                <a:spcPts val="0"/>
+              </a:spcAft>
+              <a:buClrTx/>
+              <a:buSzTx/>
+              <a:buFontTx/>
+              <a:buNone/>
+              <a:tabLst/>
+              <a:defRPr/>
+            </a:pPr>
+            <a:endParaRPr lang="en-US" baseline="0" dirty="0" smtClean="0"/>
+          </a:p>
+          <a:p>
+            <a:pPr lvl="0"/>
+            <a:r>
+              <a:rPr lang="en-US" baseline="0" dirty="0" smtClean="0"/>
+              <a:t>Every computer on the internet has an IP address.</a:t>
+            </a:r>
+          </a:p>
+          <a:p>
+            <a:pPr lvl="0"/>
+            <a:r>
+              <a:rPr lang="en-US" baseline="0" dirty="0" smtClean="0"/>
+              <a:t>  </a:t>
+            </a:r>
+          </a:p>
+          <a:p>
+            <a:pPr marL="0" marR="0" lvl="0" indent="0" algn="l" defTabSz="914400" rtl="0" eaLnBrk="1" fontAlgn="auto" latinLnBrk="0" hangingPunct="1">
+              <a:lnSpc>
+                <a:spcPct val="100000"/>
+              </a:lnSpc>
+              <a:spcBef>
+                <a:spcPts val="0"/>
+              </a:spcBef>
+              <a:spcAft>
+                <a:spcPts val="0"/>
+              </a:spcAft>
+              <a:buClrTx/>
+              <a:buSzTx/>
+              <a:buFontTx/>
+              <a:buNone/>
+              <a:tabLst/>
+              <a:defRPr/>
+            </a:pPr>
+            <a:r>
+              <a:rPr lang="en-US" baseline="0" dirty="0" smtClean="0"/>
+              <a:t>Many computers behind private networks also have an address, because we now use IP even for private networks, though this was not always the case.  Other protocols like IPX and NetBEUI were common</a:t>
+            </a:r>
+          </a:p>
+          <a:p>
+            <a:pPr lvl="0"/>
+            <a:endParaRPr lang="en-US" baseline="0" dirty="0" smtClean="0"/>
+          </a:p>
+          <a:p>
+            <a:pPr lvl="0"/>
+            <a:r>
+              <a:rPr lang="en-US" baseline="0" dirty="0" smtClean="0"/>
+              <a:t>A router between a private network and the internet  may use Network Address Translation (NAT) to convert a private address to the public one.  There are reserved IP addresses used for this.  Such as the 10.x range, 172.16.x and 192.168..x ranges.  You could use any address but by keeping to the reserved (not routable) addresses, you prevent address pollution in case there are any mistakes in your router configuration – which is more common than you’d think.</a:t>
+            </a:r>
+          </a:p>
+          <a:p>
+            <a:pPr lvl="0"/>
+            <a:endParaRPr lang="en-US" baseline="0" dirty="0" smtClean="0"/>
+          </a:p>
+          <a:p>
+            <a:pPr lvl="0"/>
+            <a:r>
+              <a:rPr lang="en-US" baseline="0" dirty="0" smtClean="0"/>
+              <a:t>The NAT router needs to keep track of packets from machine x with a reserved address of say 10.1.2.3 and indicate that packets returned to it are routed to the right machine on it’s sub-network.  But I won’t go into that because I don’t understand it very well.</a:t>
+            </a:r>
+          </a:p>
+          <a:p>
+            <a:pPr marL="0" marR="0" lvl="0" indent="0" algn="l" defTabSz="914400" rtl="0" eaLnBrk="1" fontAlgn="auto" latinLnBrk="0" hangingPunct="1">
+              <a:lnSpc>
+                <a:spcPct val="100000"/>
+              </a:lnSpc>
+              <a:spcBef>
+                <a:spcPts val="0"/>
+              </a:spcBef>
+              <a:spcAft>
+                <a:spcPts val="0"/>
+              </a:spcAft>
+              <a:buClrTx/>
+              <a:buSzTx/>
+              <a:buFontTx/>
+              <a:buNone/>
+              <a:tabLst/>
+              <a:defRPr/>
+            </a:pPr>
+            <a:endParaRPr lang="en-US" baseline="0" dirty="0" smtClean="0"/>
+          </a:p>
+          <a:p>
+            <a:pPr marL="0" marR="0" lvl="0" indent="0" algn="l" defTabSz="914400" rtl="0" eaLnBrk="1" fontAlgn="auto" latinLnBrk="0" hangingPunct="1">
+              <a:lnSpc>
+                <a:spcPct val="100000"/>
+              </a:lnSpc>
+              <a:spcBef>
+                <a:spcPts val="0"/>
+              </a:spcBef>
+              <a:spcAft>
+                <a:spcPts val="0"/>
+              </a:spcAft>
+              <a:buClrTx/>
+              <a:buSzTx/>
+              <a:buFontTx/>
+              <a:buNone/>
+              <a:tabLst/>
+              <a:defRPr/>
+            </a:pPr>
+            <a:r>
+              <a:rPr lang="en-US" baseline="0" dirty="0" smtClean="0"/>
+              <a:t>Routing isn’t a new concept.  The phone network used circuit switching to accomplish routing.  If you watch old movies where people ask the operator to connect them and the operator says “one moment please” – that’s routing.  It started off with people (typically women, because they had more pleasant voices – and were found to make fewer mistakes) actually pulling one wire out of a socket and plugging it into another socket.  First to connect 2 phones physically with one wire circuit, then to connect different exchanges, </a:t>
+            </a:r>
+            <a:r>
+              <a:rPr lang="en-US" baseline="0" dirty="0" err="1" smtClean="0"/>
+              <a:t>i.e..different</a:t>
+            </a:r>
+            <a:r>
+              <a:rPr lang="en-US" baseline="0" dirty="0" smtClean="0"/>
+              <a:t> cities.  One operator would have to call another operator to make the connection.  This was called hopping, and we still count hops between routers today.</a:t>
+            </a:r>
+          </a:p>
+          <a:p>
+            <a:pPr marL="0" marR="0" lvl="0" indent="0" algn="l" defTabSz="914400" rtl="0" eaLnBrk="1" fontAlgn="auto" latinLnBrk="0" hangingPunct="1">
+              <a:lnSpc>
+                <a:spcPct val="100000"/>
+              </a:lnSpc>
+              <a:spcBef>
+                <a:spcPts val="0"/>
+              </a:spcBef>
+              <a:spcAft>
+                <a:spcPts val="0"/>
+              </a:spcAft>
+              <a:buClrTx/>
+              <a:buSzTx/>
+              <a:buFontTx/>
+              <a:buNone/>
+              <a:tabLst/>
+              <a:defRPr/>
+            </a:pPr>
+            <a:endParaRPr lang="en-US" baseline="0" dirty="0" smtClean="0"/>
+          </a:p>
+          <a:p>
+            <a:pPr marL="0" marR="0" lvl="0" indent="0" algn="l" defTabSz="914400" rtl="0" eaLnBrk="1" fontAlgn="auto" latinLnBrk="0" hangingPunct="1">
+              <a:lnSpc>
+                <a:spcPct val="100000"/>
+              </a:lnSpc>
+              <a:spcBef>
+                <a:spcPts val="0"/>
+              </a:spcBef>
+              <a:spcAft>
+                <a:spcPts val="0"/>
+              </a:spcAft>
+              <a:buClrTx/>
+              <a:buSzTx/>
+              <a:buFontTx/>
+              <a:buNone/>
+              <a:tabLst/>
+              <a:defRPr/>
+            </a:pPr>
+            <a:endParaRPr lang="en-US" baseline="0" dirty="0" smtClean="0"/>
+          </a:p>
+          <a:p>
+            <a:pPr lvl="0"/>
+            <a:endParaRPr lang="en-US" baseline="0" dirty="0" smtClean="0"/>
+          </a:p>
+          <a:p>
+            <a:pPr lvl="0"/>
             <a:endParaRPr lang="en-US" baseline="0" dirty="0" smtClean="0"/>
           </a:p>
         </p:txBody>
@@ -1166,10 +2047,6 @@
           <a:lstStyle/>
           <a:p>
             <a:pPr lvl="0"/>
-            <a:r>
-              <a:rPr lang="en-US" baseline="0" dirty="0" smtClean="0"/>
-              <a:t>.</a:t>
-            </a:r>
             <a:endParaRPr lang="en-US" baseline="0" dirty="0" smtClean="0"/>
           </a:p>
         </p:txBody>
@@ -1253,10 +2130,6 @@
           <a:lstStyle/>
           <a:p>
             <a:pPr lvl="0"/>
-            <a:r>
-              <a:rPr lang="en-US" baseline="0" dirty="0" smtClean="0"/>
-              <a:t>.</a:t>
-            </a:r>
             <a:endParaRPr lang="en-US" baseline="0" dirty="0" smtClean="0"/>
           </a:p>
         </p:txBody>
@@ -1280,89 +2153,6 @@
               <a:rPr lang="en-US" smtClean="0"/>
               <a:pPr/>
               <a:t>13</a:t>
-            </a:fld>
-            <a:endParaRPr lang="en-US"/>
-          </a:p>
-        </p:txBody>
-      </p:sp>
-    </p:spTree>
-  </p:cSld>
-  <p:clrMapOvr>
-    <a:masterClrMapping/>
-  </p:clrMapOvr>
-</p:notes>
-</file>
-
-<file path=ppt/notesSlides/notesSlide14.xml><?xml version="1.0" encoding="utf-8"?>
-<p:notes xmlns:a="http://schemas.openxmlformats.org/drawingml/2006/main" xmlns:r="http://schemas.openxmlformats.org/officeDocument/2006/relationships" xmlns:p="http://schemas.openxmlformats.org/presentationml/2006/main">
-  <p:cSld>
-    <p:spTree>
-      <p:nvGrpSpPr>
-        <p:cNvPr id="1" name=""/>
-        <p:cNvGrpSpPr/>
-        <p:nvPr/>
-      </p:nvGrpSpPr>
-      <p:grpSpPr>
-        <a:xfrm>
-          <a:off x="0" y="0"/>
-          <a:ext cx="0" cy="0"/>
-          <a:chOff x="0" y="0"/>
-          <a:chExt cx="0" cy="0"/>
-        </a:xfrm>
-      </p:grpSpPr>
-      <p:sp>
-        <p:nvSpPr>
-          <p:cNvPr id="2" name="Slide Image Placeholder 1"/>
-          <p:cNvSpPr>
-            <a:spLocks noGrp="1" noRot="1" noChangeAspect="1"/>
-          </p:cNvSpPr>
-          <p:nvPr>
-            <p:ph type="sldImg"/>
-          </p:nvPr>
-        </p:nvSpPr>
-        <p:spPr/>
-      </p:sp>
-      <p:sp>
-        <p:nvSpPr>
-          <p:cNvPr id="3" name="Notes Placeholder 2"/>
-          <p:cNvSpPr>
-            <a:spLocks noGrp="1"/>
-          </p:cNvSpPr>
-          <p:nvPr>
-            <p:ph type="body" idx="1"/>
-          </p:nvPr>
-        </p:nvSpPr>
-        <p:spPr/>
-        <p:txBody>
-          <a:bodyPr>
-            <a:normAutofit lnSpcReduction="10000"/>
-          </a:bodyPr>
-          <a:lstStyle/>
-          <a:p>
-            <a:pPr lvl="0"/>
-            <a:endParaRPr lang="en-US" baseline="0" dirty="0" smtClean="0"/>
-          </a:p>
-        </p:txBody>
-      </p:sp>
-      <p:sp>
-        <p:nvSpPr>
-          <p:cNvPr id="4" name="Slide Number Placeholder 3"/>
-          <p:cNvSpPr>
-            <a:spLocks noGrp="1"/>
-          </p:cNvSpPr>
-          <p:nvPr>
-            <p:ph type="sldNum" sz="quarter" idx="10"/>
-          </p:nvPr>
-        </p:nvSpPr>
-        <p:spPr/>
-        <p:txBody>
-          <a:bodyPr/>
-          <a:lstStyle/>
-          <a:p>
-            <a:fld id="{2468E330-6F11-4EB8-9125-0BEE82D16730}" type="slidenum">
-              <a:rPr lang="en-US" smtClean="0"/>
-              <a:pPr/>
-              <a:t>14</a:t>
             </a:fld>
             <a:endParaRPr lang="en-US"/>
           </a:p>
@@ -4006,38 +4796,18 @@
             <a:pPr lvl="0"/>
             <a:r>
               <a:rPr lang="en-US" baseline="0" dirty="0" smtClean="0"/>
-              <a:t>You can see from this diagram of a TCP/IP packet, the IP Header has the source and destination address</a:t>
-            </a:r>
+              <a:t>You can see from this diagram of a TCP/IP packet, the IP Header has the source and destination address.</a:t>
+            </a:r>
+          </a:p>
+          <a:p>
+            <a:pPr lvl="0"/>
+            <a:endParaRPr lang="en-US" baseline="0" dirty="0" smtClean="0"/>
+          </a:p>
+          <a:p>
+            <a:pPr lvl="0"/>
             <a:r>
               <a:rPr lang="en-US" baseline="0" dirty="0" smtClean="0"/>
-              <a:t>.</a:t>
-            </a:r>
-          </a:p>
-          <a:p>
-            <a:pPr lvl="0"/>
-            <a:endParaRPr lang="en-US" baseline="0" dirty="0" smtClean="0"/>
-          </a:p>
-          <a:p>
-            <a:pPr lvl="0"/>
-            <a:r>
-              <a:rPr lang="en-US" baseline="0" dirty="0" smtClean="0"/>
-              <a:t>The </a:t>
-            </a:r>
-            <a:r>
-              <a:rPr lang="en-US" baseline="0" dirty="0" smtClean="0"/>
-              <a:t>IP address </a:t>
-            </a:r>
-            <a:r>
-              <a:rPr lang="en-US" baseline="0" dirty="0" smtClean="0"/>
-              <a:t>is used to identify machines on a network and by routers </a:t>
-            </a:r>
-            <a:r>
-              <a:rPr lang="en-US" baseline="0" dirty="0" smtClean="0"/>
-              <a:t>to transport a packet between networks</a:t>
-            </a:r>
-            <a:r>
-              <a:rPr lang="en-US" baseline="0" dirty="0" smtClean="0"/>
-              <a:t>.</a:t>
+              <a:t>The IP address is used to identify machines on a network and by routers to transport a packet between networks.</a:t>
             </a:r>
           </a:p>
           <a:p>
@@ -4598,7 +5368,7 @@
             <a:fld id="{D6E9E5ED-425F-4E07-BCD6-7E079AD34B1B}" type="datetimeFigureOut">
               <a:rPr lang="en-US" smtClean="0"/>
               <a:pPr/>
-              <a:t>3/7/2013</a:t>
+              <a:t>3/8/2013</a:t>
             </a:fld>
             <a:endParaRPr lang="en-US"/>
           </a:p>
@@ -4765,7 +5535,7 @@
             <a:fld id="{D6E9E5ED-425F-4E07-BCD6-7E079AD34B1B}" type="datetimeFigureOut">
               <a:rPr lang="en-US" smtClean="0"/>
               <a:pPr/>
-              <a:t>3/7/2013</a:t>
+              <a:t>3/8/2013</a:t>
             </a:fld>
             <a:endParaRPr lang="en-US"/>
           </a:p>
@@ -4942,7 +5712,7 @@
             <a:fld id="{D6E9E5ED-425F-4E07-BCD6-7E079AD34B1B}" type="datetimeFigureOut">
               <a:rPr lang="en-US" smtClean="0"/>
               <a:pPr/>
-              <a:t>3/7/2013</a:t>
+              <a:t>3/8/2013</a:t>
             </a:fld>
             <a:endParaRPr lang="en-US"/>
           </a:p>
@@ -5109,7 +5879,7 @@
             <a:fld id="{D6E9E5ED-425F-4E07-BCD6-7E079AD34B1B}" type="datetimeFigureOut">
               <a:rPr lang="en-US" smtClean="0"/>
               <a:pPr/>
-              <a:t>3/7/2013</a:t>
+              <a:t>3/8/2013</a:t>
             </a:fld>
             <a:endParaRPr lang="en-US"/>
           </a:p>
@@ -5352,7 +6122,7 @@
             <a:fld id="{D6E9E5ED-425F-4E07-BCD6-7E079AD34B1B}" type="datetimeFigureOut">
               <a:rPr lang="en-US" smtClean="0"/>
               <a:pPr/>
-              <a:t>3/7/2013</a:t>
+              <a:t>3/8/2013</a:t>
             </a:fld>
             <a:endParaRPr lang="en-US"/>
           </a:p>
@@ -5637,7 +6407,7 @@
             <a:fld id="{D6E9E5ED-425F-4E07-BCD6-7E079AD34B1B}" type="datetimeFigureOut">
               <a:rPr lang="en-US" smtClean="0"/>
               <a:pPr/>
-              <a:t>3/7/2013</a:t>
+              <a:t>3/8/2013</a:t>
             </a:fld>
             <a:endParaRPr lang="en-US"/>
           </a:p>
@@ -6056,7 +6826,7 @@
             <a:fld id="{D6E9E5ED-425F-4E07-BCD6-7E079AD34B1B}" type="datetimeFigureOut">
               <a:rPr lang="en-US" smtClean="0"/>
               <a:pPr/>
-              <a:t>3/7/2013</a:t>
+              <a:t>3/8/2013</a:t>
             </a:fld>
             <a:endParaRPr lang="en-US"/>
           </a:p>
@@ -6171,7 +6941,7 @@
             <a:fld id="{D6E9E5ED-425F-4E07-BCD6-7E079AD34B1B}" type="datetimeFigureOut">
               <a:rPr lang="en-US" smtClean="0"/>
               <a:pPr/>
-              <a:t>3/7/2013</a:t>
+              <a:t>3/8/2013</a:t>
             </a:fld>
             <a:endParaRPr lang="en-US"/>
           </a:p>
@@ -6263,7 +7033,7 @@
             <a:fld id="{D6E9E5ED-425F-4E07-BCD6-7E079AD34B1B}" type="datetimeFigureOut">
               <a:rPr lang="en-US" smtClean="0"/>
               <a:pPr/>
-              <a:t>3/7/2013</a:t>
+              <a:t>3/8/2013</a:t>
             </a:fld>
             <a:endParaRPr lang="en-US"/>
           </a:p>
@@ -6537,7 +7307,7 @@
             <a:fld id="{D6E9E5ED-425F-4E07-BCD6-7E079AD34B1B}" type="datetimeFigureOut">
               <a:rPr lang="en-US" smtClean="0"/>
               <a:pPr/>
-              <a:t>3/7/2013</a:t>
+              <a:t>3/8/2013</a:t>
             </a:fld>
             <a:endParaRPr lang="en-US"/>
           </a:p>
@@ -6787,7 +7557,7 @@
             <a:fld id="{D6E9E5ED-425F-4E07-BCD6-7E079AD34B1B}" type="datetimeFigureOut">
               <a:rPr lang="en-US" smtClean="0"/>
               <a:pPr/>
-              <a:t>3/7/2013</a:t>
+              <a:t>3/8/2013</a:t>
             </a:fld>
             <a:endParaRPr lang="en-US"/>
           </a:p>
@@ -6997,7 +7767,7 @@
             <a:fld id="{D6E9E5ED-425F-4E07-BCD6-7E079AD34B1B}" type="datetimeFigureOut">
               <a:rPr lang="en-US" smtClean="0"/>
               <a:pPr/>
-              <a:t>3/7/2013</a:t>
+              <a:t>3/8/2013</a:t>
             </a:fld>
             <a:endParaRPr lang="en-US"/>
           </a:p>
@@ -7823,7 +8593,7 @@
         </p:nvSpPr>
         <p:spPr>
           <a:xfrm>
-            <a:off x="0" y="838200"/>
+            <a:off x="0" y="990600"/>
             <a:ext cx="9144000" cy="830997"/>
           </a:xfrm>
           <a:prstGeom prst="rect">
@@ -7839,10 +8609,45 @@
           <a:p>
             <a:pPr algn="ctr"/>
             <a:r>
+              <a:rPr lang="en-US" sz="4800" dirty="0" err="1" smtClean="0"/>
+              <a:t>Wireshark</a:t>
+            </a:r>
+            <a:endParaRPr lang="en-US" sz="4800" dirty="0" smtClean="0"/>
+          </a:p>
+        </p:txBody>
+      </p:sp>
+      <p:sp>
+        <p:nvSpPr>
+          <p:cNvPr id="9" name="TextBox 8"/>
+          <p:cNvSpPr txBox="1"/>
+          <p:nvPr/>
+        </p:nvSpPr>
+        <p:spPr>
+          <a:xfrm>
+            <a:off x="304800" y="2209800"/>
+            <a:ext cx="8534400" cy="1569660"/>
+          </a:xfrm>
+          <a:prstGeom prst="rect">
+            <a:avLst/>
+          </a:prstGeom>
+          <a:noFill/>
+        </p:spPr>
+        <p:txBody>
+          <a:bodyPr wrap="square" rtlCol="0">
+            <a:spAutoFit/>
+          </a:bodyPr>
+          <a:lstStyle/>
+          <a:p>
+            <a:r>
               <a:rPr lang="en-US" sz="4800" dirty="0" smtClean="0"/>
-              <a:t>Routing</a:t>
-            </a:r>
-            <a:endParaRPr lang="en-US" sz="4800" dirty="0"/>
+              <a:t>Capture packets</a:t>
+            </a:r>
+          </a:p>
+          <a:p>
+            <a:r>
+              <a:rPr lang="en-US" sz="4800" dirty="0" smtClean="0"/>
+              <a:t>Analyze network traffic</a:t>
+            </a:r>
           </a:p>
         </p:txBody>
       </p:sp>
@@ -8076,7 +8881,7 @@
         </p:nvSpPr>
         <p:spPr>
           <a:xfrm>
-            <a:off x="0" y="990600"/>
+            <a:off x="0" y="838200"/>
             <a:ext cx="9144000" cy="830997"/>
           </a:xfrm>
           <a:prstGeom prst="rect">
@@ -8093,12 +8898,53 @@
             <a:pPr algn="ctr"/>
             <a:r>
               <a:rPr lang="en-US" sz="4800" dirty="0" smtClean="0"/>
-              <a:t>DNS</a:t>
+              <a:t>Routing</a:t>
             </a:r>
             <a:endParaRPr lang="en-US" sz="4800" dirty="0"/>
           </a:p>
         </p:txBody>
       </p:sp>
+      <p:pic>
+        <p:nvPicPr>
+          <p:cNvPr id="2050" name="Picture 2" descr="C:\aaron\projects\testing-web-apps-and-services\images\routing.png"/>
+          <p:cNvPicPr>
+            <a:picLocks noChangeAspect="1" noChangeArrowheads="1"/>
+          </p:cNvPicPr>
+          <p:nvPr/>
+        </p:nvPicPr>
+        <p:blipFill>
+          <a:blip r:embed="rId5">
+            <a:extLst>
+              <a:ext uri="{28A0092B-C50C-407E-A947-70E740481C1C}">
+                <a14:useLocalDpi xmlns:a14="http://schemas.microsoft.com/office/drawing/2010/main" val="0"/>
+              </a:ext>
+            </a:extLst>
+          </a:blip>
+          <a:srcRect/>
+          <a:stretch>
+            <a:fillRect/>
+          </a:stretch>
+        </p:blipFill>
+        <p:spPr bwMode="auto">
+          <a:xfrm>
+            <a:off x="423862" y="1981200"/>
+            <a:ext cx="8296275" cy="3990975"/>
+          </a:xfrm>
+          <a:prstGeom prst="rect">
+            <a:avLst/>
+          </a:prstGeom>
+          <a:noFill/>
+          <a:extLst>
+            <a:ext uri="{909E8E84-426E-40DD-AFC4-6F175D3DCCD1}">
+              <a14:hiddenFill xmlns:a14="http://schemas.microsoft.com/office/drawing/2010/main">
+                <a:solidFill>
+                  <a:srgbClr val="FFFFFF"/>
+                </a:solidFill>
+              </a14:hiddenFill>
+            </a:ext>
+          </a:extLst>
+        </p:spPr>
+      </p:pic>
     </p:spTree>
   </p:cSld>
   <p:clrMapOvr>
@@ -8329,7 +9175,7 @@
         </p:nvSpPr>
         <p:spPr>
           <a:xfrm>
-            <a:off x="0" y="990600"/>
+            <a:off x="0" y="914400"/>
             <a:ext cx="9144000" cy="830997"/>
           </a:xfrm>
           <a:prstGeom prst="rect">
@@ -8346,21 +9192,22 @@
             <a:pPr algn="ctr"/>
             <a:r>
               <a:rPr lang="en-US" sz="4800" dirty="0" smtClean="0"/>
-              <a:t>Exercise:</a:t>
-            </a:r>
-          </a:p>
-        </p:txBody>
-      </p:sp>
-      <p:sp>
-        <p:nvSpPr>
-          <p:cNvPr id="9" name="TextBox 8"/>
+              <a:t>DNS</a:t>
+            </a:r>
+            <a:endParaRPr lang="en-US" sz="4800" dirty="0"/>
+          </a:p>
+        </p:txBody>
+      </p:sp>
+      <p:sp>
+        <p:nvSpPr>
+          <p:cNvPr id="2" name="TextBox 1"/>
           <p:cNvSpPr txBox="1"/>
           <p:nvPr/>
         </p:nvSpPr>
         <p:spPr>
           <a:xfrm>
-            <a:off x="0" y="2209800"/>
-            <a:ext cx="9144000" cy="830997"/>
+            <a:off x="228600" y="2133600"/>
+            <a:ext cx="1828800" cy="369332"/>
           </a:xfrm>
           <a:prstGeom prst="rect">
             <a:avLst/>
@@ -8373,19 +9220,55 @@
           </a:bodyPr>
           <a:lstStyle/>
           <a:p>
-            <a:pPr algn="ctr"/>
-            <a:r>
-              <a:rPr lang="en-US" sz="4800" dirty="0" smtClean="0"/>
-              <a:t>Viewing packets with </a:t>
-            </a:r>
-            <a:r>
-              <a:rPr lang="en-US" sz="4800" dirty="0" err="1" smtClean="0"/>
-              <a:t>Wireshark</a:t>
-            </a:r>
-            <a:endParaRPr lang="en-US" sz="4800" dirty="0" smtClean="0"/>
-          </a:p>
-        </p:txBody>
-      </p:sp>
+            <a:r>
+              <a:rPr lang="en-US" smtClean="0"/>
+              <a:t>`</a:t>
+            </a:r>
+            <a:endParaRPr lang="en-US"/>
+          </a:p>
+        </p:txBody>
+      </p:sp>
+      <p:pic>
+        <p:nvPicPr>
+          <p:cNvPr id="1028" name="Picture 4" descr="C:\aaron\projects\testing-web-apps-and-services\images\dns.png"/>
+          <p:cNvPicPr>
+            <a:picLocks noChangeAspect="1" noChangeArrowheads="1"/>
+          </p:cNvPicPr>
+          <p:nvPr/>
+        </p:nvPicPr>
+        <p:blipFill>
+          <a:blip r:embed="rId5">
+            <a:extLst>
+              <a:ext uri="{28A0092B-C50C-407E-A947-70E740481C1C}">
+                <a14:useLocalDpi xmlns:a14="http://schemas.microsoft.com/office/drawing/2010/main" val="0"/>
+              </a:ext>
+            </a:extLst>
+          </a:blip>
+          <a:srcRect/>
+          <a:stretch>
+            <a:fillRect/>
+          </a:stretch>
+        </p:blipFill>
+        <p:spPr bwMode="auto">
+          <a:xfrm>
+            <a:off x="476249" y="2318266"/>
+            <a:ext cx="8191501" cy="3619500"/>
+          </a:xfrm>
+          <a:prstGeom prst="rect">
+            <a:avLst/>
+          </a:prstGeom>
+          <a:noFill/>
+          <a:extLst>
+            <a:ext uri="{909E8E84-426E-40DD-AFC4-6F175D3DCCD1}">
+              <a14:hiddenFill xmlns:a14="http://schemas.microsoft.com/office/drawing/2010/main">
+                <a:solidFill>
+                  <a:srgbClr val="FFFFFF"/>
+                </a:solidFill>
+              </a14:hiddenFill>
+            </a:ext>
+          </a:extLst>
+        </p:spPr>
+      </p:pic>
     </p:spTree>
   </p:cSld>
   <p:clrMapOvr>
@@ -8638,263 +9521,6 @@
           </a:p>
         </p:txBody>
       </p:sp>
-    </p:spTree>
-    <p:extLst>
-      <p:ext uri="{BB962C8B-B14F-4D97-AF65-F5344CB8AC3E}">
-        <p14:creationId xmlns:p14="http://schemas.microsoft.com/office/powerpoint/2010/main" val="751845518"/>
-      </p:ext>
-    </p:extLst>
-  </p:cSld>
-  <p:clrMapOvr>
-    <a:masterClrMapping/>
-  </p:clrMapOvr>
-  <p:timing>
-    <p:tnLst>
-      <p:par>
-        <p:cTn id="1" dur="indefinite" restart="never" nodeType="tmRoot"/>
-      </p:par>
-    </p:tnLst>
-  </p:timing>
-</p:sld>
-</file>
-
-<file path=ppt/slides/slide14.xml><?xml version="1.0" encoding="utf-8"?>
-<p:sld xmlns:a="http://schemas.openxmlformats.org/drawingml/2006/main" xmlns:r="http://schemas.openxmlformats.org/officeDocument/2006/relationships" xmlns:p="http://schemas.openxmlformats.org/presentationml/2006/main">
-  <p:cSld>
-    <p:spTree>
-      <p:nvGrpSpPr>
-        <p:cNvPr id="1" name=""/>
-        <p:cNvGrpSpPr/>
-        <p:nvPr/>
-      </p:nvGrpSpPr>
-      <p:grpSpPr>
-        <a:xfrm>
-          <a:off x="0" y="0"/>
-          <a:ext cx="0" cy="0"/>
-          <a:chOff x="0" y="0"/>
-          <a:chExt cx="0" cy="0"/>
-        </a:xfrm>
-      </p:grpSpPr>
-      <p:sp>
-        <p:nvSpPr>
-          <p:cNvPr id="4" name="Rectangle 3"/>
-          <p:cNvSpPr/>
-          <p:nvPr/>
-        </p:nvSpPr>
-        <p:spPr>
-          <a:xfrm>
-            <a:off x="0" y="6096000"/>
-            <a:ext cx="9144000" cy="762000"/>
-          </a:xfrm>
-          <a:prstGeom prst="rect">
-            <a:avLst/>
-          </a:prstGeom>
-          <a:solidFill>
-            <a:schemeClr val="tx1">
-              <a:lumMod val="85000"/>
-              <a:lumOff val="15000"/>
-            </a:schemeClr>
-          </a:solidFill>
-        </p:spPr>
-        <p:style>
-          <a:lnRef idx="2">
-            <a:schemeClr val="accent1">
-              <a:shade val="50000"/>
-            </a:schemeClr>
-          </a:lnRef>
-          <a:fillRef idx="1">
-            <a:schemeClr val="accent1"/>
-          </a:fillRef>
-          <a:effectRef idx="0">
-            <a:schemeClr val="accent1"/>
-          </a:effectRef>
-          <a:fontRef idx="minor">
-            <a:schemeClr val="lt1"/>
-          </a:fontRef>
-        </p:style>
-        <p:txBody>
-          <a:bodyPr rtlCol="0" anchor="ctr"/>
-          <a:lstStyle/>
-          <a:p>
-            <a:pPr algn="ctr"/>
-            <a:endParaRPr lang="en-US"/>
-          </a:p>
-        </p:txBody>
-      </p:sp>
-      <p:pic>
-        <p:nvPicPr>
-          <p:cNvPr id="1027" name="Picture 3"/>
-          <p:cNvPicPr>
-            <a:picLocks noChangeAspect="1" noChangeArrowheads="1"/>
-          </p:cNvPicPr>
-          <p:nvPr/>
-        </p:nvPicPr>
-        <p:blipFill>
-          <a:blip r:embed="rId3" cstate="print"/>
-          <a:srcRect/>
-          <a:stretch>
-            <a:fillRect/>
-          </a:stretch>
-        </p:blipFill>
-        <p:spPr bwMode="auto">
-          <a:xfrm>
-            <a:off x="228600" y="6248400"/>
-            <a:ext cx="1371600" cy="410346"/>
-          </a:xfrm>
-          <a:prstGeom prst="rect">
-            <a:avLst/>
-          </a:prstGeom>
-          <a:noFill/>
-          <a:ln w="9525">
-            <a:noFill/>
-            <a:miter lim="800000"/>
-            <a:headEnd/>
-            <a:tailEnd/>
-          </a:ln>
-          <a:effectLst/>
-        </p:spPr>
-      </p:pic>
-      <p:sp>
-        <p:nvSpPr>
-          <p:cNvPr id="10" name="TextBox 9"/>
-          <p:cNvSpPr txBox="1"/>
-          <p:nvPr/>
-        </p:nvSpPr>
-        <p:spPr>
-          <a:xfrm>
-            <a:off x="2057400" y="6324600"/>
-            <a:ext cx="4419600" cy="369332"/>
-          </a:xfrm>
-          <a:prstGeom prst="rect">
-            <a:avLst/>
-          </a:prstGeom>
-          <a:noFill/>
-        </p:spPr>
-        <p:txBody>
-          <a:bodyPr wrap="square" rtlCol="0">
-            <a:spAutoFit/>
-          </a:bodyPr>
-          <a:lstStyle/>
-          <a:p>
-            <a:r>
-              <a:rPr lang="en-US" dirty="0" smtClean="0">
-                <a:solidFill>
-                  <a:schemeClr val="bg1"/>
-                </a:solidFill>
-                <a:latin typeface="Verdana" pitchFamily="34" charset="0"/>
-                <a:ea typeface="Verdana" pitchFamily="34" charset="0"/>
-                <a:cs typeface="Verdana" pitchFamily="34" charset="0"/>
-              </a:rPr>
-              <a:t>Testing web applications &amp; services</a:t>
-            </a:r>
-            <a:endParaRPr lang="en-US" dirty="0">
-              <a:solidFill>
-                <a:schemeClr val="bg1"/>
-              </a:solidFill>
-              <a:latin typeface="Verdana" pitchFamily="34" charset="0"/>
-              <a:ea typeface="Verdana" pitchFamily="34" charset="0"/>
-              <a:cs typeface="Verdana" pitchFamily="34" charset="0"/>
-            </a:endParaRPr>
-          </a:p>
-        </p:txBody>
-      </p:sp>
-      <p:pic>
-        <p:nvPicPr>
-          <p:cNvPr id="1033" name="Picture 9"/>
-          <p:cNvPicPr>
-            <a:picLocks noChangeAspect="1" noChangeArrowheads="1"/>
-          </p:cNvPicPr>
-          <p:nvPr/>
-        </p:nvPicPr>
-        <p:blipFill>
-          <a:blip r:embed="rId4" cstate="print"/>
-          <a:srcRect/>
-          <a:stretch>
-            <a:fillRect/>
-          </a:stretch>
-        </p:blipFill>
-        <p:spPr bwMode="auto">
-          <a:xfrm>
-            <a:off x="6934202" y="6248400"/>
-            <a:ext cx="1981195" cy="431239"/>
-          </a:xfrm>
-          <a:prstGeom prst="rect">
-            <a:avLst/>
-          </a:prstGeom>
-          <a:noFill/>
-          <a:ln w="9525">
-            <a:noFill/>
-            <a:miter lim="800000"/>
-            <a:headEnd/>
-            <a:tailEnd/>
-          </a:ln>
-          <a:effectLst/>
-        </p:spPr>
-      </p:pic>
-      <p:sp>
-        <p:nvSpPr>
-          <p:cNvPr id="13" name="TextBox 12"/>
-          <p:cNvSpPr txBox="1"/>
-          <p:nvPr/>
-        </p:nvSpPr>
-        <p:spPr>
-          <a:xfrm>
-            <a:off x="7315200" y="0"/>
-            <a:ext cx="1828800" cy="584775"/>
-          </a:xfrm>
-          <a:prstGeom prst="rect">
-            <a:avLst/>
-          </a:prstGeom>
-          <a:solidFill>
-            <a:schemeClr val="bg2">
-              <a:lumMod val="75000"/>
-            </a:schemeClr>
-          </a:solidFill>
-        </p:spPr>
-        <p:txBody>
-          <a:bodyPr wrap="square" rtlCol="0">
-            <a:spAutoFit/>
-          </a:bodyPr>
-          <a:lstStyle/>
-          <a:p>
-            <a:r>
-              <a:rPr lang="en-US" sz="3200" dirty="0" smtClean="0"/>
-              <a:t>Networks</a:t>
-            </a:r>
-            <a:endParaRPr lang="en-US" sz="3200" dirty="0"/>
-          </a:p>
-        </p:txBody>
-      </p:sp>
-      <p:sp>
-        <p:nvSpPr>
-          <p:cNvPr id="8" name="TextBox 7"/>
-          <p:cNvSpPr txBox="1"/>
-          <p:nvPr/>
-        </p:nvSpPr>
-        <p:spPr>
-          <a:xfrm>
-            <a:off x="0" y="990600"/>
-            <a:ext cx="9144000" cy="830997"/>
-          </a:xfrm>
-          <a:prstGeom prst="rect">
-            <a:avLst/>
-          </a:prstGeom>
-          <a:noFill/>
-        </p:spPr>
-        <p:txBody>
-          <a:bodyPr wrap="square" rtlCol="0">
-            <a:spAutoFit/>
-          </a:bodyPr>
-          <a:lstStyle/>
-          <a:p>
-            <a:pPr algn="ctr"/>
-            <a:r>
-              <a:rPr lang="en-US" sz="4800" dirty="0" smtClean="0"/>
-              <a:t>Exercise:</a:t>
-            </a:r>
-          </a:p>
-        </p:txBody>
-      </p:sp>
       <p:sp>
         <p:nvSpPr>
           <p:cNvPr id="9" name="TextBox 8"/>
@@ -8920,7 +9546,15 @@
             <a:pPr algn="ctr"/>
             <a:r>
               <a:rPr lang="en-US" sz="4800" dirty="0" smtClean="0"/>
-              <a:t>Using ping, traceroute, and </a:t>
+              <a:t>Using ping, traceroute, </a:t>
+            </a:r>
+            <a:endParaRPr lang="en-US" sz="4800" dirty="0" smtClean="0"/>
+          </a:p>
+          <a:p>
+            <a:pPr algn="ctr"/>
+            <a:r>
+              <a:rPr lang="en-US" sz="4800" dirty="0" smtClean="0"/>
+              <a:t>&amp; </a:t>
             </a:r>
             <a:r>
               <a:rPr lang="en-US" sz="4800" dirty="0" err="1" smtClean="0"/>
@@ -9586,13 +10220,8 @@
           <a:p>
             <a:r>
               <a:rPr lang="en-US" sz="3600" dirty="0" smtClean="0"/>
-              <a:t>1982 – TCP/IP protocol </a:t>
-            </a:r>
-            <a:r>
-              <a:rPr lang="en-US" sz="3600" dirty="0" smtClean="0"/>
-              <a:t>implemented</a:t>
-            </a:r>
-            <a:endParaRPr lang="en-US" sz="3600" dirty="0" smtClean="0"/>
+              <a:t>1982 – TCP/IP protocol implemented</a:t>
+            </a:r>
           </a:p>
         </p:txBody>
       </p:sp>

--- a/presentations/A technical understanding of the web.pptx
+++ b/presentations/A technical understanding of the web.pptx
@@ -5,7 +5,7 @@
     <p:sldMasterId id="2147483648" r:id="rId1"/>
   </p:sldMasterIdLst>
   <p:notesMasterIdLst>
-    <p:notesMasterId r:id="rId15"/>
+    <p:notesMasterId r:id="rId20"/>
   </p:notesMasterIdLst>
   <p:sldIdLst>
     <p:sldId id="256" r:id="rId2"/>
@@ -20,7 +20,12 @@
     <p:sldId id="268" r:id="rId11"/>
     <p:sldId id="266" r:id="rId12"/>
     <p:sldId id="267" r:id="rId13"/>
-    <p:sldId id="270" r:id="rId14"/>
+    <p:sldId id="272" r:id="rId14"/>
+    <p:sldId id="277" r:id="rId15"/>
+    <p:sldId id="274" r:id="rId16"/>
+    <p:sldId id="275" r:id="rId17"/>
+    <p:sldId id="276" r:id="rId18"/>
+    <p:sldId id="270" r:id="rId19"/>
   </p:sldIdLst>
   <p:sldSz cx="9144000" cy="6858000" type="screen4x3"/>
   <p:notesSz cx="6858000" cy="9144000"/>
@@ -205,7 +210,7 @@
             <a:fld id="{9FD516BE-303C-4073-A4FC-07E358FC6551}" type="datetimeFigureOut">
               <a:rPr lang="en-US" smtClean="0"/>
               <a:pPr/>
-              <a:t>3/8/2013</a:t>
+              <a:t>3/14/2013</a:t>
             </a:fld>
             <a:endParaRPr lang="en-US"/>
           </a:p>
@@ -376,7 +381,7 @@
     </p:spTree>
     <p:extLst>
       <p:ext uri="{BB962C8B-B14F-4D97-AF65-F5344CB8AC3E}">
-        <p14:creationId xmlns:p14="http://schemas.microsoft.com/office/powerpoint/2010/main" val="2576183043"/>
+        <p14:creationId xmlns:p14="http://schemas.microsoft.com/office/powerpoint/2010/main" xmlns="" val="2576183043"/>
       </p:ext>
     </p:extLst>
   </p:cSld>
@@ -2166,6 +2171,503 @@
 </p:notes>
 </file>
 
+<file path=ppt/notesSlides/notesSlide14.xml><?xml version="1.0" encoding="utf-8"?>
+<p:notes xmlns:a="http://schemas.openxmlformats.org/drawingml/2006/main" xmlns:r="http://schemas.openxmlformats.org/officeDocument/2006/relationships" xmlns:p="http://schemas.openxmlformats.org/presentationml/2006/main">
+  <p:cSld>
+    <p:spTree>
+      <p:nvGrpSpPr>
+        <p:cNvPr id="1" name=""/>
+        <p:cNvGrpSpPr/>
+        <p:nvPr/>
+      </p:nvGrpSpPr>
+      <p:grpSpPr>
+        <a:xfrm>
+          <a:off x="0" y="0"/>
+          <a:ext cx="0" cy="0"/>
+          <a:chOff x="0" y="0"/>
+          <a:chExt cx="0" cy="0"/>
+        </a:xfrm>
+      </p:grpSpPr>
+      <p:sp>
+        <p:nvSpPr>
+          <p:cNvPr id="2" name="Slide Image Placeholder 1"/>
+          <p:cNvSpPr>
+            <a:spLocks noGrp="1" noRot="1" noChangeAspect="1"/>
+          </p:cNvSpPr>
+          <p:nvPr>
+            <p:ph type="sldImg"/>
+          </p:nvPr>
+        </p:nvSpPr>
+        <p:spPr/>
+      </p:sp>
+      <p:sp>
+        <p:nvSpPr>
+          <p:cNvPr id="3" name="Notes Placeholder 2"/>
+          <p:cNvSpPr>
+            <a:spLocks noGrp="1"/>
+          </p:cNvSpPr>
+          <p:nvPr>
+            <p:ph type="body" idx="1"/>
+          </p:nvPr>
+        </p:nvSpPr>
+        <p:spPr/>
+        <p:txBody>
+          <a:bodyPr>
+            <a:normAutofit lnSpcReduction="10000"/>
+          </a:bodyPr>
+          <a:lstStyle/>
+          <a:p>
+            <a:pPr lvl="0"/>
+            <a:endParaRPr lang="en-US" baseline="0" dirty="0" smtClean="0"/>
+          </a:p>
+        </p:txBody>
+      </p:sp>
+      <p:sp>
+        <p:nvSpPr>
+          <p:cNvPr id="4" name="Slide Number Placeholder 3"/>
+          <p:cNvSpPr>
+            <a:spLocks noGrp="1"/>
+          </p:cNvSpPr>
+          <p:nvPr>
+            <p:ph type="sldNum" sz="quarter" idx="10"/>
+          </p:nvPr>
+        </p:nvSpPr>
+        <p:spPr/>
+        <p:txBody>
+          <a:bodyPr/>
+          <a:lstStyle/>
+          <a:p>
+            <a:fld id="{2468E330-6F11-4EB8-9125-0BEE82D16730}" type="slidenum">
+              <a:rPr lang="en-US" smtClean="0"/>
+              <a:pPr/>
+              <a:t>14</a:t>
+            </a:fld>
+            <a:endParaRPr lang="en-US"/>
+          </a:p>
+        </p:txBody>
+      </p:sp>
+    </p:spTree>
+  </p:cSld>
+  <p:clrMapOvr>
+    <a:masterClrMapping/>
+  </p:clrMapOvr>
+</p:notes>
+</file>
+
+<file path=ppt/notesSlides/notesSlide15.xml><?xml version="1.0" encoding="utf-8"?>
+<p:notes xmlns:a="http://schemas.openxmlformats.org/drawingml/2006/main" xmlns:r="http://schemas.openxmlformats.org/officeDocument/2006/relationships" xmlns:p="http://schemas.openxmlformats.org/presentationml/2006/main">
+  <p:cSld>
+    <p:spTree>
+      <p:nvGrpSpPr>
+        <p:cNvPr id="1" name=""/>
+        <p:cNvGrpSpPr/>
+        <p:nvPr/>
+      </p:nvGrpSpPr>
+      <p:grpSpPr>
+        <a:xfrm>
+          <a:off x="0" y="0"/>
+          <a:ext cx="0" cy="0"/>
+          <a:chOff x="0" y="0"/>
+          <a:chExt cx="0" cy="0"/>
+        </a:xfrm>
+      </p:grpSpPr>
+      <p:sp>
+        <p:nvSpPr>
+          <p:cNvPr id="2" name="Slide Image Placeholder 1"/>
+          <p:cNvSpPr>
+            <a:spLocks noGrp="1" noRot="1" noChangeAspect="1"/>
+          </p:cNvSpPr>
+          <p:nvPr>
+            <p:ph type="sldImg"/>
+          </p:nvPr>
+        </p:nvSpPr>
+        <p:spPr/>
+      </p:sp>
+      <p:sp>
+        <p:nvSpPr>
+          <p:cNvPr id="3" name="Notes Placeholder 2"/>
+          <p:cNvSpPr>
+            <a:spLocks noGrp="1"/>
+          </p:cNvSpPr>
+          <p:nvPr>
+            <p:ph type="body" idx="1"/>
+          </p:nvPr>
+        </p:nvSpPr>
+        <p:spPr/>
+        <p:txBody>
+          <a:bodyPr>
+            <a:normAutofit lnSpcReduction="10000"/>
+          </a:bodyPr>
+          <a:lstStyle/>
+          <a:p>
+            <a:pPr lvl="0"/>
+            <a:endParaRPr lang="en-US" baseline="0" dirty="0" smtClean="0"/>
+          </a:p>
+        </p:txBody>
+      </p:sp>
+      <p:sp>
+        <p:nvSpPr>
+          <p:cNvPr id="4" name="Slide Number Placeholder 3"/>
+          <p:cNvSpPr>
+            <a:spLocks noGrp="1"/>
+          </p:cNvSpPr>
+          <p:nvPr>
+            <p:ph type="sldNum" sz="quarter" idx="10"/>
+          </p:nvPr>
+        </p:nvSpPr>
+        <p:spPr/>
+        <p:txBody>
+          <a:bodyPr/>
+          <a:lstStyle/>
+          <a:p>
+            <a:fld id="{2468E330-6F11-4EB8-9125-0BEE82D16730}" type="slidenum">
+              <a:rPr lang="en-US" smtClean="0"/>
+              <a:pPr/>
+              <a:t>15</a:t>
+            </a:fld>
+            <a:endParaRPr lang="en-US"/>
+          </a:p>
+        </p:txBody>
+      </p:sp>
+    </p:spTree>
+  </p:cSld>
+  <p:clrMapOvr>
+    <a:masterClrMapping/>
+  </p:clrMapOvr>
+</p:notes>
+</file>
+
+<file path=ppt/notesSlides/notesSlide16.xml><?xml version="1.0" encoding="utf-8"?>
+<p:notes xmlns:a="http://schemas.openxmlformats.org/drawingml/2006/main" xmlns:r="http://schemas.openxmlformats.org/officeDocument/2006/relationships" xmlns:p="http://schemas.openxmlformats.org/presentationml/2006/main">
+  <p:cSld>
+    <p:spTree>
+      <p:nvGrpSpPr>
+        <p:cNvPr id="1" name=""/>
+        <p:cNvGrpSpPr/>
+        <p:nvPr/>
+      </p:nvGrpSpPr>
+      <p:grpSpPr>
+        <a:xfrm>
+          <a:off x="0" y="0"/>
+          <a:ext cx="0" cy="0"/>
+          <a:chOff x="0" y="0"/>
+          <a:chExt cx="0" cy="0"/>
+        </a:xfrm>
+      </p:grpSpPr>
+      <p:sp>
+        <p:nvSpPr>
+          <p:cNvPr id="2" name="Slide Image Placeholder 1"/>
+          <p:cNvSpPr>
+            <a:spLocks noGrp="1" noRot="1" noChangeAspect="1"/>
+          </p:cNvSpPr>
+          <p:nvPr>
+            <p:ph type="sldImg"/>
+          </p:nvPr>
+        </p:nvSpPr>
+        <p:spPr/>
+      </p:sp>
+      <p:sp>
+        <p:nvSpPr>
+          <p:cNvPr id="3" name="Notes Placeholder 2"/>
+          <p:cNvSpPr>
+            <a:spLocks noGrp="1"/>
+          </p:cNvSpPr>
+          <p:nvPr>
+            <p:ph type="body" idx="1"/>
+          </p:nvPr>
+        </p:nvSpPr>
+        <p:spPr/>
+        <p:txBody>
+          <a:bodyPr>
+            <a:normAutofit lnSpcReduction="10000"/>
+          </a:bodyPr>
+          <a:lstStyle/>
+          <a:p>
+            <a:pPr lvl="0"/>
+            <a:endParaRPr lang="en-US" baseline="0" dirty="0" smtClean="0"/>
+          </a:p>
+        </p:txBody>
+      </p:sp>
+      <p:sp>
+        <p:nvSpPr>
+          <p:cNvPr id="4" name="Slide Number Placeholder 3"/>
+          <p:cNvSpPr>
+            <a:spLocks noGrp="1"/>
+          </p:cNvSpPr>
+          <p:nvPr>
+            <p:ph type="sldNum" sz="quarter" idx="10"/>
+          </p:nvPr>
+        </p:nvSpPr>
+        <p:spPr/>
+        <p:txBody>
+          <a:bodyPr/>
+          <a:lstStyle/>
+          <a:p>
+            <a:fld id="{2468E330-6F11-4EB8-9125-0BEE82D16730}" type="slidenum">
+              <a:rPr lang="en-US" smtClean="0"/>
+              <a:pPr/>
+              <a:t>16</a:t>
+            </a:fld>
+            <a:endParaRPr lang="en-US"/>
+          </a:p>
+        </p:txBody>
+      </p:sp>
+    </p:spTree>
+  </p:cSld>
+  <p:clrMapOvr>
+    <a:masterClrMapping/>
+  </p:clrMapOvr>
+</p:notes>
+</file>
+
+<file path=ppt/notesSlides/notesSlide17.xml><?xml version="1.0" encoding="utf-8"?>
+<p:notes xmlns:a="http://schemas.openxmlformats.org/drawingml/2006/main" xmlns:r="http://schemas.openxmlformats.org/officeDocument/2006/relationships" xmlns:p="http://schemas.openxmlformats.org/presentationml/2006/main">
+  <p:cSld>
+    <p:spTree>
+      <p:nvGrpSpPr>
+        <p:cNvPr id="1" name=""/>
+        <p:cNvGrpSpPr/>
+        <p:nvPr/>
+      </p:nvGrpSpPr>
+      <p:grpSpPr>
+        <a:xfrm>
+          <a:off x="0" y="0"/>
+          <a:ext cx="0" cy="0"/>
+          <a:chOff x="0" y="0"/>
+          <a:chExt cx="0" cy="0"/>
+        </a:xfrm>
+      </p:grpSpPr>
+      <p:sp>
+        <p:nvSpPr>
+          <p:cNvPr id="2" name="Slide Image Placeholder 1"/>
+          <p:cNvSpPr>
+            <a:spLocks noGrp="1" noRot="1" noChangeAspect="1"/>
+          </p:cNvSpPr>
+          <p:nvPr>
+            <p:ph type="sldImg"/>
+          </p:nvPr>
+        </p:nvSpPr>
+        <p:spPr/>
+      </p:sp>
+      <p:sp>
+        <p:nvSpPr>
+          <p:cNvPr id="3" name="Notes Placeholder 2"/>
+          <p:cNvSpPr>
+            <a:spLocks noGrp="1"/>
+          </p:cNvSpPr>
+          <p:nvPr>
+            <p:ph type="body" idx="1"/>
+          </p:nvPr>
+        </p:nvSpPr>
+        <p:spPr/>
+        <p:txBody>
+          <a:bodyPr>
+            <a:normAutofit lnSpcReduction="10000"/>
+          </a:bodyPr>
+          <a:lstStyle/>
+          <a:p>
+            <a:pPr lvl="0"/>
+            <a:r>
+              <a:rPr lang="en-US" sz="1200" baseline="0" dirty="0" smtClean="0"/>
+              <a:t>Uptime is important.  By not having a single point of failure, you can make sure a site or app is available at all times, even if there are hardware failures or security compromises.</a:t>
+            </a:r>
+          </a:p>
+          <a:p>
+            <a:pPr lvl="0"/>
+            <a:endParaRPr lang="en-US" sz="1200" baseline="0" dirty="0" smtClean="0"/>
+          </a:p>
+          <a:p>
+            <a:pPr lvl="0"/>
+            <a:r>
+              <a:rPr lang="en-US" sz="1200" baseline="0" dirty="0" smtClean="0"/>
+              <a:t>By having many identical servers handling some requests each, if one server goes down, only the sessions currently on that server are lost.  And if the sessions are persisted to a remote database, they can be restored easily.</a:t>
+            </a:r>
+          </a:p>
+          <a:p>
+            <a:pPr lvl="0"/>
+            <a:endParaRPr lang="en-US" sz="1200" baseline="0" dirty="0" smtClean="0"/>
+          </a:p>
+          <a:p>
+            <a:pPr lvl="0"/>
+            <a:r>
+              <a:rPr lang="en-US" sz="1200" baseline="0" dirty="0" smtClean="0"/>
+              <a:t>More servers each handling a portion of the load means that servers are more responsive, and you can handle a higher overall load.</a:t>
+            </a:r>
+          </a:p>
+          <a:p>
+            <a:pPr lvl="0"/>
+            <a:endParaRPr lang="en-US" sz="1200" baseline="0" dirty="0" smtClean="0"/>
+          </a:p>
+          <a:p>
+            <a:pPr lvl="0"/>
+            <a:r>
+              <a:rPr lang="en-US" sz="1200" baseline="0" dirty="0" smtClean="0"/>
+              <a:t>By making cheap, simple servers interchangeably available it makes it easier to manage.  You can offload lower level operations to someone who knows how to keep servers up and running and secure.</a:t>
+            </a:r>
+          </a:p>
+          <a:p>
+            <a:pPr lvl="0"/>
+            <a:endParaRPr lang="en-US" sz="1200" baseline="0" dirty="0" smtClean="0"/>
+          </a:p>
+          <a:p>
+            <a:pPr lvl="0"/>
+            <a:r>
+              <a:rPr lang="en-US" sz="1200" baseline="0" dirty="0" smtClean="0"/>
+              <a:t>This saves cost, which is why there is so much buzz about the cloud.</a:t>
+            </a:r>
+          </a:p>
+          <a:p>
+            <a:pPr lvl="0"/>
+            <a:r>
+              <a:rPr lang="en-US" sz="1200" baseline="0" dirty="0" smtClean="0"/>
+              <a:t/>
+            </a:r>
+            <a:br>
+              <a:rPr lang="en-US" sz="1200" baseline="0" dirty="0" smtClean="0"/>
+            </a:br>
+            <a:r>
+              <a:rPr lang="en-US" sz="1200" baseline="0" dirty="0" smtClean="0"/>
+              <a:t>You used to have to scale up with </a:t>
+            </a:r>
+            <a:r>
+              <a:rPr lang="en-US" sz="1200" baseline="0" smtClean="0"/>
+              <a:t>bigger hardware.</a:t>
+            </a:r>
+            <a:endParaRPr lang="en-US" sz="1200" baseline="0" dirty="0" smtClean="0"/>
+          </a:p>
+          <a:p>
+            <a:pPr lvl="0"/>
+            <a:endParaRPr lang="en-US" sz="1200" baseline="0" dirty="0" smtClean="0"/>
+          </a:p>
+          <a:p>
+            <a:pPr lvl="0"/>
+            <a:endParaRPr lang="en-US" sz="1200" baseline="0" dirty="0" smtClean="0"/>
+          </a:p>
+          <a:p>
+            <a:pPr lvl="0"/>
+            <a:endParaRPr lang="en-US" sz="1200" baseline="0" dirty="0" smtClean="0"/>
+          </a:p>
+          <a:p>
+            <a:pPr lvl="0"/>
+            <a:endParaRPr lang="en-US" sz="1200" baseline="0" dirty="0" smtClean="0"/>
+          </a:p>
+        </p:txBody>
+      </p:sp>
+      <p:sp>
+        <p:nvSpPr>
+          <p:cNvPr id="4" name="Slide Number Placeholder 3"/>
+          <p:cNvSpPr>
+            <a:spLocks noGrp="1"/>
+          </p:cNvSpPr>
+          <p:nvPr>
+            <p:ph type="sldNum" sz="quarter" idx="10"/>
+          </p:nvPr>
+        </p:nvSpPr>
+        <p:spPr/>
+        <p:txBody>
+          <a:bodyPr/>
+          <a:lstStyle/>
+          <a:p>
+            <a:fld id="{2468E330-6F11-4EB8-9125-0BEE82D16730}" type="slidenum">
+              <a:rPr lang="en-US" smtClean="0"/>
+              <a:pPr/>
+              <a:t>17</a:t>
+            </a:fld>
+            <a:endParaRPr lang="en-US"/>
+          </a:p>
+        </p:txBody>
+      </p:sp>
+    </p:spTree>
+  </p:cSld>
+  <p:clrMapOvr>
+    <a:masterClrMapping/>
+  </p:clrMapOvr>
+</p:notes>
+</file>
+
+<file path=ppt/notesSlides/notesSlide18.xml><?xml version="1.0" encoding="utf-8"?>
+<p:notes xmlns:a="http://schemas.openxmlformats.org/drawingml/2006/main" xmlns:r="http://schemas.openxmlformats.org/officeDocument/2006/relationships" xmlns:p="http://schemas.openxmlformats.org/presentationml/2006/main">
+  <p:cSld>
+    <p:spTree>
+      <p:nvGrpSpPr>
+        <p:cNvPr id="1" name=""/>
+        <p:cNvGrpSpPr/>
+        <p:nvPr/>
+      </p:nvGrpSpPr>
+      <p:grpSpPr>
+        <a:xfrm>
+          <a:off x="0" y="0"/>
+          <a:ext cx="0" cy="0"/>
+          <a:chOff x="0" y="0"/>
+          <a:chExt cx="0" cy="0"/>
+        </a:xfrm>
+      </p:grpSpPr>
+      <p:sp>
+        <p:nvSpPr>
+          <p:cNvPr id="2" name="Slide Image Placeholder 1"/>
+          <p:cNvSpPr>
+            <a:spLocks noGrp="1" noRot="1" noChangeAspect="1"/>
+          </p:cNvSpPr>
+          <p:nvPr>
+            <p:ph type="sldImg"/>
+          </p:nvPr>
+        </p:nvSpPr>
+        <p:spPr/>
+      </p:sp>
+      <p:sp>
+        <p:nvSpPr>
+          <p:cNvPr id="3" name="Notes Placeholder 2"/>
+          <p:cNvSpPr>
+            <a:spLocks noGrp="1"/>
+          </p:cNvSpPr>
+          <p:nvPr>
+            <p:ph type="body" idx="1"/>
+          </p:nvPr>
+        </p:nvSpPr>
+        <p:spPr/>
+        <p:txBody>
+          <a:bodyPr>
+            <a:normAutofit lnSpcReduction="10000"/>
+          </a:bodyPr>
+          <a:lstStyle/>
+          <a:p>
+            <a:pPr lvl="0"/>
+            <a:endParaRPr lang="en-US" baseline="0" dirty="0" smtClean="0"/>
+          </a:p>
+        </p:txBody>
+      </p:sp>
+      <p:sp>
+        <p:nvSpPr>
+          <p:cNvPr id="4" name="Slide Number Placeholder 3"/>
+          <p:cNvSpPr>
+            <a:spLocks noGrp="1"/>
+          </p:cNvSpPr>
+          <p:nvPr>
+            <p:ph type="sldNum" sz="quarter" idx="10"/>
+          </p:nvPr>
+        </p:nvSpPr>
+        <p:spPr/>
+        <p:txBody>
+          <a:bodyPr/>
+          <a:lstStyle/>
+          <a:p>
+            <a:fld id="{2468E330-6F11-4EB8-9125-0BEE82D16730}" type="slidenum">
+              <a:rPr lang="en-US" smtClean="0"/>
+              <a:pPr/>
+              <a:t>18</a:t>
+            </a:fld>
+            <a:endParaRPr lang="en-US"/>
+          </a:p>
+        </p:txBody>
+      </p:sp>
+    </p:spTree>
+  </p:cSld>
+  <p:clrMapOvr>
+    <a:masterClrMapping/>
+  </p:clrMapOvr>
+</p:notes>
+</file>
+
 <file path=ppt/notesSlides/notesSlide2.xml><?xml version="1.0" encoding="utf-8"?>
 <p:notes xmlns:a="http://schemas.openxmlformats.org/drawingml/2006/main" xmlns:r="http://schemas.openxmlformats.org/officeDocument/2006/relationships" xmlns:p="http://schemas.openxmlformats.org/presentationml/2006/main">
   <p:cSld>
@@ -5368,7 +5870,7 @@
             <a:fld id="{D6E9E5ED-425F-4E07-BCD6-7E079AD34B1B}" type="datetimeFigureOut">
               <a:rPr lang="en-US" smtClean="0"/>
               <a:pPr/>
-              <a:t>3/8/2013</a:t>
+              <a:t>3/14/2013</a:t>
             </a:fld>
             <a:endParaRPr lang="en-US"/>
           </a:p>
@@ -5535,7 +6037,7 @@
             <a:fld id="{D6E9E5ED-425F-4E07-BCD6-7E079AD34B1B}" type="datetimeFigureOut">
               <a:rPr lang="en-US" smtClean="0"/>
               <a:pPr/>
-              <a:t>3/8/2013</a:t>
+              <a:t>3/14/2013</a:t>
             </a:fld>
             <a:endParaRPr lang="en-US"/>
           </a:p>
@@ -5712,7 +6214,7 @@
             <a:fld id="{D6E9E5ED-425F-4E07-BCD6-7E079AD34B1B}" type="datetimeFigureOut">
               <a:rPr lang="en-US" smtClean="0"/>
               <a:pPr/>
-              <a:t>3/8/2013</a:t>
+              <a:t>3/14/2013</a:t>
             </a:fld>
             <a:endParaRPr lang="en-US"/>
           </a:p>
@@ -5879,7 +6381,7 @@
             <a:fld id="{D6E9E5ED-425F-4E07-BCD6-7E079AD34B1B}" type="datetimeFigureOut">
               <a:rPr lang="en-US" smtClean="0"/>
               <a:pPr/>
-              <a:t>3/8/2013</a:t>
+              <a:t>3/14/2013</a:t>
             </a:fld>
             <a:endParaRPr lang="en-US"/>
           </a:p>
@@ -6122,7 +6624,7 @@
             <a:fld id="{D6E9E5ED-425F-4E07-BCD6-7E079AD34B1B}" type="datetimeFigureOut">
               <a:rPr lang="en-US" smtClean="0"/>
               <a:pPr/>
-              <a:t>3/8/2013</a:t>
+              <a:t>3/14/2013</a:t>
             </a:fld>
             <a:endParaRPr lang="en-US"/>
           </a:p>
@@ -6407,7 +6909,7 @@
             <a:fld id="{D6E9E5ED-425F-4E07-BCD6-7E079AD34B1B}" type="datetimeFigureOut">
               <a:rPr lang="en-US" smtClean="0"/>
               <a:pPr/>
-              <a:t>3/8/2013</a:t>
+              <a:t>3/14/2013</a:t>
             </a:fld>
             <a:endParaRPr lang="en-US"/>
           </a:p>
@@ -6826,7 +7328,7 @@
             <a:fld id="{D6E9E5ED-425F-4E07-BCD6-7E079AD34B1B}" type="datetimeFigureOut">
               <a:rPr lang="en-US" smtClean="0"/>
               <a:pPr/>
-              <a:t>3/8/2013</a:t>
+              <a:t>3/14/2013</a:t>
             </a:fld>
             <a:endParaRPr lang="en-US"/>
           </a:p>
@@ -6941,7 +7443,7 @@
             <a:fld id="{D6E9E5ED-425F-4E07-BCD6-7E079AD34B1B}" type="datetimeFigureOut">
               <a:rPr lang="en-US" smtClean="0"/>
               <a:pPr/>
-              <a:t>3/8/2013</a:t>
+              <a:t>3/14/2013</a:t>
             </a:fld>
             <a:endParaRPr lang="en-US"/>
           </a:p>
@@ -7033,7 +7535,7 @@
             <a:fld id="{D6E9E5ED-425F-4E07-BCD6-7E079AD34B1B}" type="datetimeFigureOut">
               <a:rPr lang="en-US" smtClean="0"/>
               <a:pPr/>
-              <a:t>3/8/2013</a:t>
+              <a:t>3/14/2013</a:t>
             </a:fld>
             <a:endParaRPr lang="en-US"/>
           </a:p>
@@ -7307,7 +7809,7 @@
             <a:fld id="{D6E9E5ED-425F-4E07-BCD6-7E079AD34B1B}" type="datetimeFigureOut">
               <a:rPr lang="en-US" smtClean="0"/>
               <a:pPr/>
-              <a:t>3/8/2013</a:t>
+              <a:t>3/14/2013</a:t>
             </a:fld>
             <a:endParaRPr lang="en-US"/>
           </a:p>
@@ -7557,7 +8059,7 @@
             <a:fld id="{D6E9E5ED-425F-4E07-BCD6-7E079AD34B1B}" type="datetimeFigureOut">
               <a:rPr lang="en-US" smtClean="0"/>
               <a:pPr/>
-              <a:t>3/8/2013</a:t>
+              <a:t>3/14/2013</a:t>
             </a:fld>
             <a:endParaRPr lang="en-US"/>
           </a:p>
@@ -7767,7 +8269,7 @@
             <a:fld id="{D6E9E5ED-425F-4E07-BCD6-7E079AD34B1B}" type="datetimeFigureOut">
               <a:rPr lang="en-US" smtClean="0"/>
               <a:pPr/>
-              <a:t>3/8/2013</a:t>
+              <a:t>3/14/2013</a:t>
             </a:fld>
             <a:endParaRPr lang="en-US"/>
           </a:p>
@@ -8913,10 +9415,10 @@
           <p:nvPr/>
         </p:nvPicPr>
         <p:blipFill>
-          <a:blip r:embed="rId5">
+          <a:blip r:embed="rId5" cstate="print">
             <a:extLst>
               <a:ext uri="{28A0092B-C50C-407E-A947-70E740481C1C}">
-                <a14:useLocalDpi xmlns:a14="http://schemas.microsoft.com/office/drawing/2010/main" val="0"/>
+                <a14:useLocalDpi xmlns:a14="http://schemas.microsoft.com/office/drawing/2010/main" xmlns="" val="0"/>
               </a:ext>
             </a:extLst>
           </a:blip>
@@ -8936,7 +9438,7 @@
           <a:noFill/>
           <a:extLst>
             <a:ext uri="{909E8E84-426E-40DD-AFC4-6F175D3DCCD1}">
-              <a14:hiddenFill xmlns:a14="http://schemas.microsoft.com/office/drawing/2010/main">
+              <a14:hiddenFill xmlns:a14="http://schemas.microsoft.com/office/drawing/2010/main" xmlns="">
                 <a:solidFill>
                   <a:srgbClr val="FFFFFF"/>
                 </a:solidFill>
@@ -9237,10 +9739,10 @@
           <p:nvPr/>
         </p:nvPicPr>
         <p:blipFill>
-          <a:blip r:embed="rId5">
+          <a:blip r:embed="rId5" cstate="print">
             <a:extLst>
               <a:ext uri="{28A0092B-C50C-407E-A947-70E740481C1C}">
-                <a14:useLocalDpi xmlns:a14="http://schemas.microsoft.com/office/drawing/2010/main" val="0"/>
+                <a14:useLocalDpi xmlns:a14="http://schemas.microsoft.com/office/drawing/2010/main" xmlns="" val="0"/>
               </a:ext>
             </a:extLst>
           </a:blip>
@@ -9260,7 +9762,7 @@
           <a:noFill/>
           <a:extLst>
             <a:ext uri="{909E8E84-426E-40DD-AFC4-6F175D3DCCD1}">
-              <a14:hiddenFill xmlns:a14="http://schemas.microsoft.com/office/drawing/2010/main">
+              <a14:hiddenFill xmlns:a14="http://schemas.microsoft.com/office/drawing/2010/main" xmlns="">
                 <a:solidFill>
                   <a:srgbClr val="FFFFFF"/>
                 </a:solidFill>
@@ -9465,6 +9967,1307 @@
         </p:nvSpPr>
         <p:spPr>
           <a:xfrm>
+            <a:off x="6858000" y="0"/>
+            <a:ext cx="2286000" cy="584775"/>
+          </a:xfrm>
+          <a:prstGeom prst="rect">
+            <a:avLst/>
+          </a:prstGeom>
+          <a:solidFill>
+            <a:schemeClr val="bg2">
+              <a:lumMod val="75000"/>
+            </a:schemeClr>
+          </a:solidFill>
+        </p:spPr>
+        <p:txBody>
+          <a:bodyPr wrap="square" rtlCol="0">
+            <a:spAutoFit/>
+          </a:bodyPr>
+          <a:lstStyle/>
+          <a:p>
+            <a:r>
+              <a:rPr lang="en-US" sz="3200" dirty="0" smtClean="0"/>
+              <a:t>Architecture</a:t>
+            </a:r>
+            <a:endParaRPr lang="en-US" sz="3200" dirty="0"/>
+          </a:p>
+        </p:txBody>
+      </p:sp>
+      <p:sp>
+        <p:nvSpPr>
+          <p:cNvPr id="8" name="TextBox 7"/>
+          <p:cNvSpPr txBox="1"/>
+          <p:nvPr/>
+        </p:nvSpPr>
+        <p:spPr>
+          <a:xfrm>
+            <a:off x="0" y="914400"/>
+            <a:ext cx="9144000" cy="830997"/>
+          </a:xfrm>
+          <a:prstGeom prst="rect">
+            <a:avLst/>
+          </a:prstGeom>
+          <a:noFill/>
+        </p:spPr>
+        <p:txBody>
+          <a:bodyPr wrap="square" rtlCol="0">
+            <a:spAutoFit/>
+          </a:bodyPr>
+          <a:lstStyle/>
+          <a:p>
+            <a:pPr algn="ctr"/>
+            <a:r>
+              <a:rPr lang="en-US" sz="4800" dirty="0" smtClean="0"/>
+              <a:t>Web Architecture</a:t>
+            </a:r>
+            <a:endParaRPr lang="en-US" sz="4800" dirty="0"/>
+          </a:p>
+        </p:txBody>
+      </p:sp>
+      <p:sp>
+        <p:nvSpPr>
+          <p:cNvPr id="2" name="TextBox 1"/>
+          <p:cNvSpPr txBox="1"/>
+          <p:nvPr/>
+        </p:nvSpPr>
+        <p:spPr>
+          <a:xfrm>
+            <a:off x="228600" y="2133600"/>
+            <a:ext cx="1828800" cy="369332"/>
+          </a:xfrm>
+          <a:prstGeom prst="rect">
+            <a:avLst/>
+          </a:prstGeom>
+          <a:noFill/>
+        </p:spPr>
+        <p:txBody>
+          <a:bodyPr wrap="square" rtlCol="0">
+            <a:spAutoFit/>
+          </a:bodyPr>
+          <a:lstStyle/>
+          <a:p>
+            <a:r>
+              <a:rPr lang="en-US" smtClean="0"/>
+              <a:t>`</a:t>
+            </a:r>
+            <a:endParaRPr lang="en-US"/>
+          </a:p>
+        </p:txBody>
+      </p:sp>
+      <p:sp>
+        <p:nvSpPr>
+          <p:cNvPr id="11" name="TextBox 10"/>
+          <p:cNvSpPr txBox="1"/>
+          <p:nvPr/>
+        </p:nvSpPr>
+        <p:spPr>
+          <a:xfrm>
+            <a:off x="533400" y="1905000"/>
+            <a:ext cx="8153400" cy="2862322"/>
+          </a:xfrm>
+          <a:prstGeom prst="rect">
+            <a:avLst/>
+          </a:prstGeom>
+          <a:noFill/>
+        </p:spPr>
+        <p:txBody>
+          <a:bodyPr wrap="square" rtlCol="0">
+            <a:spAutoFit/>
+          </a:bodyPr>
+          <a:lstStyle/>
+          <a:p>
+            <a:r>
+              <a:rPr lang="en-US" sz="3600" dirty="0" smtClean="0"/>
+              <a:t>Client Server</a:t>
+            </a:r>
+          </a:p>
+          <a:p>
+            <a:r>
+              <a:rPr lang="en-US" sz="3600" dirty="0" smtClean="0"/>
+              <a:t>3-Tier </a:t>
+            </a:r>
+          </a:p>
+          <a:p>
+            <a:r>
+              <a:rPr lang="en-US" sz="3600" dirty="0" smtClean="0"/>
+              <a:t>	</a:t>
+            </a:r>
+            <a:r>
+              <a:rPr lang="en-US" sz="3600" dirty="0" smtClean="0"/>
+              <a:t>Browser, Web Server, Database</a:t>
+            </a:r>
+          </a:p>
+          <a:p>
+            <a:r>
+              <a:rPr lang="en-US" sz="3600" dirty="0" smtClean="0"/>
+              <a:t>N-Tier</a:t>
+            </a:r>
+          </a:p>
+          <a:p>
+            <a:r>
+              <a:rPr lang="en-US" sz="3600" dirty="0" smtClean="0"/>
+              <a:t>Clustering</a:t>
+            </a:r>
+            <a:endParaRPr lang="en-US" sz="3600" dirty="0" smtClean="0"/>
+          </a:p>
+        </p:txBody>
+      </p:sp>
+    </p:spTree>
+  </p:cSld>
+  <p:clrMapOvr>
+    <a:masterClrMapping/>
+  </p:clrMapOvr>
+  <p:timing>
+    <p:tnLst>
+      <p:par>
+        <p:cTn id="1" dur="indefinite" restart="never" nodeType="tmRoot">
+          <p:childTnLst>
+            <p:seq concurrent="1" nextAc="seek">
+              <p:cTn id="2" dur="indefinite" nodeType="mainSeq">
+                <p:childTnLst>
+                  <p:par>
+                    <p:cTn id="3" fill="hold">
+                      <p:stCondLst>
+                        <p:cond delay="indefinite"/>
+                      </p:stCondLst>
+                      <p:childTnLst>
+                        <p:par>
+                          <p:cTn id="4" fill="hold">
+                            <p:stCondLst>
+                              <p:cond delay="0"/>
+                            </p:stCondLst>
+                            <p:childTnLst>
+                              <p:par>
+                                <p:cTn id="5" presetID="10" presetClass="entr" presetSubtype="0" fill="hold" grpId="0" nodeType="clickEffect">
+                                  <p:stCondLst>
+                                    <p:cond delay="0"/>
+                                  </p:stCondLst>
+                                  <p:childTnLst>
+                                    <p:set>
+                                      <p:cBhvr>
+                                        <p:cTn id="6" dur="1" fill="hold">
+                                          <p:stCondLst>
+                                            <p:cond delay="0"/>
+                                          </p:stCondLst>
+                                        </p:cTn>
+                                        <p:tgtEl>
+                                          <p:spTgt spid="11">
+                                            <p:txEl>
+                                              <p:pRg st="0" end="0"/>
+                                            </p:txEl>
+                                          </p:spTgt>
+                                        </p:tgtEl>
+                                        <p:attrNameLst>
+                                          <p:attrName>style.visibility</p:attrName>
+                                        </p:attrNameLst>
+                                      </p:cBhvr>
+                                      <p:to>
+                                        <p:strVal val="visible"/>
+                                      </p:to>
+                                    </p:set>
+                                    <p:animEffect transition="in" filter="fade">
+                                      <p:cBhvr>
+                                        <p:cTn id="7" dur="2000"/>
+                                        <p:tgtEl>
+                                          <p:spTgt spid="11">
+                                            <p:txEl>
+                                              <p:pRg st="0" end="0"/>
+                                            </p:txEl>
+                                          </p:spTgt>
+                                        </p:tgtEl>
+                                      </p:cBhvr>
+                                    </p:animEffect>
+                                  </p:childTnLst>
+                                </p:cTn>
+                              </p:par>
+                            </p:childTnLst>
+                          </p:cTn>
+                        </p:par>
+                      </p:childTnLst>
+                    </p:cTn>
+                  </p:par>
+                  <p:par>
+                    <p:cTn id="8" fill="hold">
+                      <p:stCondLst>
+                        <p:cond delay="indefinite"/>
+                      </p:stCondLst>
+                      <p:childTnLst>
+                        <p:par>
+                          <p:cTn id="9" fill="hold">
+                            <p:stCondLst>
+                              <p:cond delay="0"/>
+                            </p:stCondLst>
+                            <p:childTnLst>
+                              <p:par>
+                                <p:cTn id="10" presetID="10" presetClass="entr" presetSubtype="0" fill="hold" grpId="0" nodeType="clickEffect">
+                                  <p:stCondLst>
+                                    <p:cond delay="0"/>
+                                  </p:stCondLst>
+                                  <p:childTnLst>
+                                    <p:set>
+                                      <p:cBhvr>
+                                        <p:cTn id="11" dur="1" fill="hold">
+                                          <p:stCondLst>
+                                            <p:cond delay="0"/>
+                                          </p:stCondLst>
+                                        </p:cTn>
+                                        <p:tgtEl>
+                                          <p:spTgt spid="11">
+                                            <p:txEl>
+                                              <p:pRg st="1" end="1"/>
+                                            </p:txEl>
+                                          </p:spTgt>
+                                        </p:tgtEl>
+                                        <p:attrNameLst>
+                                          <p:attrName>style.visibility</p:attrName>
+                                        </p:attrNameLst>
+                                      </p:cBhvr>
+                                      <p:to>
+                                        <p:strVal val="visible"/>
+                                      </p:to>
+                                    </p:set>
+                                    <p:animEffect transition="in" filter="fade">
+                                      <p:cBhvr>
+                                        <p:cTn id="12" dur="2000"/>
+                                        <p:tgtEl>
+                                          <p:spTgt spid="11">
+                                            <p:txEl>
+                                              <p:pRg st="1" end="1"/>
+                                            </p:txEl>
+                                          </p:spTgt>
+                                        </p:tgtEl>
+                                      </p:cBhvr>
+                                    </p:animEffect>
+                                  </p:childTnLst>
+                                </p:cTn>
+                              </p:par>
+                            </p:childTnLst>
+                          </p:cTn>
+                        </p:par>
+                      </p:childTnLst>
+                    </p:cTn>
+                  </p:par>
+                  <p:par>
+                    <p:cTn id="13" fill="hold">
+                      <p:stCondLst>
+                        <p:cond delay="indefinite"/>
+                      </p:stCondLst>
+                      <p:childTnLst>
+                        <p:par>
+                          <p:cTn id="14" fill="hold">
+                            <p:stCondLst>
+                              <p:cond delay="0"/>
+                            </p:stCondLst>
+                            <p:childTnLst>
+                              <p:par>
+                                <p:cTn id="15" presetID="10" presetClass="entr" presetSubtype="0" fill="hold" grpId="0" nodeType="clickEffect">
+                                  <p:stCondLst>
+                                    <p:cond delay="0"/>
+                                  </p:stCondLst>
+                                  <p:childTnLst>
+                                    <p:set>
+                                      <p:cBhvr>
+                                        <p:cTn id="16" dur="1" fill="hold">
+                                          <p:stCondLst>
+                                            <p:cond delay="0"/>
+                                          </p:stCondLst>
+                                        </p:cTn>
+                                        <p:tgtEl>
+                                          <p:spTgt spid="11">
+                                            <p:txEl>
+                                              <p:pRg st="2" end="2"/>
+                                            </p:txEl>
+                                          </p:spTgt>
+                                        </p:tgtEl>
+                                        <p:attrNameLst>
+                                          <p:attrName>style.visibility</p:attrName>
+                                        </p:attrNameLst>
+                                      </p:cBhvr>
+                                      <p:to>
+                                        <p:strVal val="visible"/>
+                                      </p:to>
+                                    </p:set>
+                                    <p:animEffect transition="in" filter="fade">
+                                      <p:cBhvr>
+                                        <p:cTn id="17" dur="2000"/>
+                                        <p:tgtEl>
+                                          <p:spTgt spid="11">
+                                            <p:txEl>
+                                              <p:pRg st="2" end="2"/>
+                                            </p:txEl>
+                                          </p:spTgt>
+                                        </p:tgtEl>
+                                      </p:cBhvr>
+                                    </p:animEffect>
+                                  </p:childTnLst>
+                                </p:cTn>
+                              </p:par>
+                            </p:childTnLst>
+                          </p:cTn>
+                        </p:par>
+                      </p:childTnLst>
+                    </p:cTn>
+                  </p:par>
+                  <p:par>
+                    <p:cTn id="18" fill="hold">
+                      <p:stCondLst>
+                        <p:cond delay="indefinite"/>
+                      </p:stCondLst>
+                      <p:childTnLst>
+                        <p:par>
+                          <p:cTn id="19" fill="hold">
+                            <p:stCondLst>
+                              <p:cond delay="0"/>
+                            </p:stCondLst>
+                            <p:childTnLst>
+                              <p:par>
+                                <p:cTn id="20" presetID="10" presetClass="entr" presetSubtype="0" fill="hold" grpId="0" nodeType="clickEffect">
+                                  <p:stCondLst>
+                                    <p:cond delay="0"/>
+                                  </p:stCondLst>
+                                  <p:childTnLst>
+                                    <p:set>
+                                      <p:cBhvr>
+                                        <p:cTn id="21" dur="1" fill="hold">
+                                          <p:stCondLst>
+                                            <p:cond delay="0"/>
+                                          </p:stCondLst>
+                                        </p:cTn>
+                                        <p:tgtEl>
+                                          <p:spTgt spid="11">
+                                            <p:txEl>
+                                              <p:pRg st="3" end="3"/>
+                                            </p:txEl>
+                                          </p:spTgt>
+                                        </p:tgtEl>
+                                        <p:attrNameLst>
+                                          <p:attrName>style.visibility</p:attrName>
+                                        </p:attrNameLst>
+                                      </p:cBhvr>
+                                      <p:to>
+                                        <p:strVal val="visible"/>
+                                      </p:to>
+                                    </p:set>
+                                    <p:animEffect transition="in" filter="fade">
+                                      <p:cBhvr>
+                                        <p:cTn id="22" dur="2000"/>
+                                        <p:tgtEl>
+                                          <p:spTgt spid="11">
+                                            <p:txEl>
+                                              <p:pRg st="3" end="3"/>
+                                            </p:txEl>
+                                          </p:spTgt>
+                                        </p:tgtEl>
+                                      </p:cBhvr>
+                                    </p:animEffect>
+                                  </p:childTnLst>
+                                </p:cTn>
+                              </p:par>
+                            </p:childTnLst>
+                          </p:cTn>
+                        </p:par>
+                      </p:childTnLst>
+                    </p:cTn>
+                  </p:par>
+                  <p:par>
+                    <p:cTn id="23" fill="hold">
+                      <p:stCondLst>
+                        <p:cond delay="indefinite"/>
+                      </p:stCondLst>
+                      <p:childTnLst>
+                        <p:par>
+                          <p:cTn id="24" fill="hold">
+                            <p:stCondLst>
+                              <p:cond delay="0"/>
+                            </p:stCondLst>
+                            <p:childTnLst>
+                              <p:par>
+                                <p:cTn id="25" presetID="10" presetClass="entr" presetSubtype="0" fill="hold" grpId="0" nodeType="clickEffect">
+                                  <p:stCondLst>
+                                    <p:cond delay="0"/>
+                                  </p:stCondLst>
+                                  <p:childTnLst>
+                                    <p:set>
+                                      <p:cBhvr>
+                                        <p:cTn id="26" dur="1" fill="hold">
+                                          <p:stCondLst>
+                                            <p:cond delay="0"/>
+                                          </p:stCondLst>
+                                        </p:cTn>
+                                        <p:tgtEl>
+                                          <p:spTgt spid="11">
+                                            <p:txEl>
+                                              <p:pRg st="4" end="4"/>
+                                            </p:txEl>
+                                          </p:spTgt>
+                                        </p:tgtEl>
+                                        <p:attrNameLst>
+                                          <p:attrName>style.visibility</p:attrName>
+                                        </p:attrNameLst>
+                                      </p:cBhvr>
+                                      <p:to>
+                                        <p:strVal val="visible"/>
+                                      </p:to>
+                                    </p:set>
+                                    <p:animEffect transition="in" filter="fade">
+                                      <p:cBhvr>
+                                        <p:cTn id="27" dur="2000"/>
+                                        <p:tgtEl>
+                                          <p:spTgt spid="11">
+                                            <p:txEl>
+                                              <p:pRg st="4" end="4"/>
+                                            </p:txEl>
+                                          </p:spTgt>
+                                        </p:tgtEl>
+                                      </p:cBhvr>
+                                    </p:animEffect>
+                                  </p:childTnLst>
+                                </p:cTn>
+                              </p:par>
+                            </p:childTnLst>
+                          </p:cTn>
+                        </p:par>
+                      </p:childTnLst>
+                    </p:cTn>
+                  </p:par>
+                </p:childTnLst>
+              </p:cTn>
+              <p:prevCondLst>
+                <p:cond evt="onPrev" delay="0">
+                  <p:tgtEl>
+                    <p:sldTgt/>
+                  </p:tgtEl>
+                </p:cond>
+              </p:prevCondLst>
+              <p:nextCondLst>
+                <p:cond evt="onNext" delay="0">
+                  <p:tgtEl>
+                    <p:sldTgt/>
+                  </p:tgtEl>
+                </p:cond>
+              </p:nextCondLst>
+            </p:seq>
+          </p:childTnLst>
+        </p:cTn>
+      </p:par>
+    </p:tnLst>
+    <p:bldLst>
+      <p:bldP spid="11" grpId="0" build="p"/>
+    </p:bldLst>
+  </p:timing>
+</p:sld>
+</file>
+
+<file path=ppt/slides/slide14.xml><?xml version="1.0" encoding="utf-8"?>
+<p:sld xmlns:a="http://schemas.openxmlformats.org/drawingml/2006/main" xmlns:r="http://schemas.openxmlformats.org/officeDocument/2006/relationships" xmlns:p="http://schemas.openxmlformats.org/presentationml/2006/main">
+  <p:cSld>
+    <p:spTree>
+      <p:nvGrpSpPr>
+        <p:cNvPr id="1" name=""/>
+        <p:cNvGrpSpPr/>
+        <p:nvPr/>
+      </p:nvGrpSpPr>
+      <p:grpSpPr>
+        <a:xfrm>
+          <a:off x="0" y="0"/>
+          <a:ext cx="0" cy="0"/>
+          <a:chOff x="0" y="0"/>
+          <a:chExt cx="0" cy="0"/>
+        </a:xfrm>
+      </p:grpSpPr>
+      <p:sp>
+        <p:nvSpPr>
+          <p:cNvPr id="4" name="Rectangle 3"/>
+          <p:cNvSpPr/>
+          <p:nvPr/>
+        </p:nvSpPr>
+        <p:spPr>
+          <a:xfrm>
+            <a:off x="0" y="6096000"/>
+            <a:ext cx="9144000" cy="762000"/>
+          </a:xfrm>
+          <a:prstGeom prst="rect">
+            <a:avLst/>
+          </a:prstGeom>
+          <a:solidFill>
+            <a:schemeClr val="tx1">
+              <a:lumMod val="85000"/>
+              <a:lumOff val="15000"/>
+            </a:schemeClr>
+          </a:solidFill>
+        </p:spPr>
+        <p:style>
+          <a:lnRef idx="2">
+            <a:schemeClr val="accent1">
+              <a:shade val="50000"/>
+            </a:schemeClr>
+          </a:lnRef>
+          <a:fillRef idx="1">
+            <a:schemeClr val="accent1"/>
+          </a:fillRef>
+          <a:effectRef idx="0">
+            <a:schemeClr val="accent1"/>
+          </a:effectRef>
+          <a:fontRef idx="minor">
+            <a:schemeClr val="lt1"/>
+          </a:fontRef>
+        </p:style>
+        <p:txBody>
+          <a:bodyPr rtlCol="0" anchor="ctr"/>
+          <a:lstStyle/>
+          <a:p>
+            <a:pPr algn="ctr"/>
+            <a:endParaRPr lang="en-US"/>
+          </a:p>
+        </p:txBody>
+      </p:sp>
+      <p:pic>
+        <p:nvPicPr>
+          <p:cNvPr id="1027" name="Picture 3"/>
+          <p:cNvPicPr>
+            <a:picLocks noChangeAspect="1" noChangeArrowheads="1"/>
+          </p:cNvPicPr>
+          <p:nvPr/>
+        </p:nvPicPr>
+        <p:blipFill>
+          <a:blip r:embed="rId3" cstate="print"/>
+          <a:srcRect/>
+          <a:stretch>
+            <a:fillRect/>
+          </a:stretch>
+        </p:blipFill>
+        <p:spPr bwMode="auto">
+          <a:xfrm>
+            <a:off x="228600" y="6248400"/>
+            <a:ext cx="1371600" cy="410346"/>
+          </a:xfrm>
+          <a:prstGeom prst="rect">
+            <a:avLst/>
+          </a:prstGeom>
+          <a:noFill/>
+          <a:ln w="9525">
+            <a:noFill/>
+            <a:miter lim="800000"/>
+            <a:headEnd/>
+            <a:tailEnd/>
+          </a:ln>
+          <a:effectLst/>
+        </p:spPr>
+      </p:pic>
+      <p:sp>
+        <p:nvSpPr>
+          <p:cNvPr id="10" name="TextBox 9"/>
+          <p:cNvSpPr txBox="1"/>
+          <p:nvPr/>
+        </p:nvSpPr>
+        <p:spPr>
+          <a:xfrm>
+            <a:off x="2057400" y="6324600"/>
+            <a:ext cx="4419600" cy="369332"/>
+          </a:xfrm>
+          <a:prstGeom prst="rect">
+            <a:avLst/>
+          </a:prstGeom>
+          <a:noFill/>
+        </p:spPr>
+        <p:txBody>
+          <a:bodyPr wrap="square" rtlCol="0">
+            <a:spAutoFit/>
+          </a:bodyPr>
+          <a:lstStyle/>
+          <a:p>
+            <a:r>
+              <a:rPr lang="en-US" dirty="0" smtClean="0">
+                <a:solidFill>
+                  <a:schemeClr val="bg1"/>
+                </a:solidFill>
+                <a:latin typeface="Verdana" pitchFamily="34" charset="0"/>
+                <a:ea typeface="Verdana" pitchFamily="34" charset="0"/>
+                <a:cs typeface="Verdana" pitchFamily="34" charset="0"/>
+              </a:rPr>
+              <a:t>Testing web applications &amp; services</a:t>
+            </a:r>
+            <a:endParaRPr lang="en-US" dirty="0">
+              <a:solidFill>
+                <a:schemeClr val="bg1"/>
+              </a:solidFill>
+              <a:latin typeface="Verdana" pitchFamily="34" charset="0"/>
+              <a:ea typeface="Verdana" pitchFamily="34" charset="0"/>
+              <a:cs typeface="Verdana" pitchFamily="34" charset="0"/>
+            </a:endParaRPr>
+          </a:p>
+        </p:txBody>
+      </p:sp>
+      <p:pic>
+        <p:nvPicPr>
+          <p:cNvPr id="1033" name="Picture 9"/>
+          <p:cNvPicPr>
+            <a:picLocks noChangeAspect="1" noChangeArrowheads="1"/>
+          </p:cNvPicPr>
+          <p:nvPr/>
+        </p:nvPicPr>
+        <p:blipFill>
+          <a:blip r:embed="rId4" cstate="print"/>
+          <a:srcRect/>
+          <a:stretch>
+            <a:fillRect/>
+          </a:stretch>
+        </p:blipFill>
+        <p:spPr bwMode="auto">
+          <a:xfrm>
+            <a:off x="6934202" y="6248400"/>
+            <a:ext cx="1981195" cy="431239"/>
+          </a:xfrm>
+          <a:prstGeom prst="rect">
+            <a:avLst/>
+          </a:prstGeom>
+          <a:noFill/>
+          <a:ln w="9525">
+            <a:noFill/>
+            <a:miter lim="800000"/>
+            <a:headEnd/>
+            <a:tailEnd/>
+          </a:ln>
+          <a:effectLst/>
+        </p:spPr>
+      </p:pic>
+      <p:sp>
+        <p:nvSpPr>
+          <p:cNvPr id="8" name="TextBox 7"/>
+          <p:cNvSpPr txBox="1"/>
+          <p:nvPr/>
+        </p:nvSpPr>
+        <p:spPr>
+          <a:xfrm>
+            <a:off x="0" y="914400"/>
+            <a:ext cx="9144000" cy="830997"/>
+          </a:xfrm>
+          <a:prstGeom prst="rect">
+            <a:avLst/>
+          </a:prstGeom>
+          <a:noFill/>
+        </p:spPr>
+        <p:txBody>
+          <a:bodyPr wrap="square" rtlCol="0">
+            <a:spAutoFit/>
+          </a:bodyPr>
+          <a:lstStyle/>
+          <a:p>
+            <a:pPr algn="ctr"/>
+            <a:r>
+              <a:rPr lang="en-US" sz="4800" dirty="0" smtClean="0"/>
+              <a:t>Horizontal Scaling</a:t>
+            </a:r>
+            <a:endParaRPr lang="en-US" sz="4800" dirty="0"/>
+          </a:p>
+        </p:txBody>
+      </p:sp>
+      <p:sp>
+        <p:nvSpPr>
+          <p:cNvPr id="2" name="TextBox 1"/>
+          <p:cNvSpPr txBox="1"/>
+          <p:nvPr/>
+        </p:nvSpPr>
+        <p:spPr>
+          <a:xfrm>
+            <a:off x="228600" y="2133600"/>
+            <a:ext cx="1828800" cy="369332"/>
+          </a:xfrm>
+          <a:prstGeom prst="rect">
+            <a:avLst/>
+          </a:prstGeom>
+          <a:noFill/>
+        </p:spPr>
+        <p:txBody>
+          <a:bodyPr wrap="square" rtlCol="0">
+            <a:spAutoFit/>
+          </a:bodyPr>
+          <a:lstStyle/>
+          <a:p>
+            <a:r>
+              <a:rPr lang="en-US" smtClean="0"/>
+              <a:t>`</a:t>
+            </a:r>
+            <a:endParaRPr lang="en-US"/>
+          </a:p>
+        </p:txBody>
+      </p:sp>
+      <p:sp>
+        <p:nvSpPr>
+          <p:cNvPr id="11" name="TextBox 10"/>
+          <p:cNvSpPr txBox="1"/>
+          <p:nvPr/>
+        </p:nvSpPr>
+        <p:spPr>
+          <a:xfrm>
+            <a:off x="2057400" y="2057400"/>
+            <a:ext cx="4953000" cy="1754326"/>
+          </a:xfrm>
+          <a:prstGeom prst="rect">
+            <a:avLst/>
+          </a:prstGeom>
+          <a:noFill/>
+        </p:spPr>
+        <p:txBody>
+          <a:bodyPr wrap="square" rtlCol="0">
+            <a:spAutoFit/>
+          </a:bodyPr>
+          <a:lstStyle/>
+          <a:p>
+            <a:r>
+              <a:rPr lang="en-US" sz="3600" dirty="0" smtClean="0"/>
+              <a:t>Many clients</a:t>
+            </a:r>
+            <a:endParaRPr lang="en-US" sz="3600" dirty="0" smtClean="0"/>
+          </a:p>
+          <a:p>
+            <a:r>
+              <a:rPr lang="en-US" sz="3600" dirty="0" smtClean="0"/>
+              <a:t>Many servers</a:t>
+            </a:r>
+          </a:p>
+          <a:p>
+            <a:endParaRPr lang="en-US" sz="3600" dirty="0" smtClean="0"/>
+          </a:p>
+        </p:txBody>
+      </p:sp>
+      <p:sp>
+        <p:nvSpPr>
+          <p:cNvPr id="14" name="TextBox 13"/>
+          <p:cNvSpPr txBox="1"/>
+          <p:nvPr/>
+        </p:nvSpPr>
+        <p:spPr>
+          <a:xfrm>
+            <a:off x="6858000" y="0"/>
+            <a:ext cx="2286000" cy="584775"/>
+          </a:xfrm>
+          <a:prstGeom prst="rect">
+            <a:avLst/>
+          </a:prstGeom>
+          <a:solidFill>
+            <a:schemeClr val="bg2">
+              <a:lumMod val="75000"/>
+            </a:schemeClr>
+          </a:solidFill>
+        </p:spPr>
+        <p:txBody>
+          <a:bodyPr wrap="square" rtlCol="0">
+            <a:spAutoFit/>
+          </a:bodyPr>
+          <a:lstStyle/>
+          <a:p>
+            <a:r>
+              <a:rPr lang="en-US" sz="3200" dirty="0" smtClean="0"/>
+              <a:t>Architecture</a:t>
+            </a:r>
+            <a:endParaRPr lang="en-US" sz="3200" dirty="0"/>
+          </a:p>
+        </p:txBody>
+      </p:sp>
+    </p:spTree>
+  </p:cSld>
+  <p:clrMapOvr>
+    <a:masterClrMapping/>
+  </p:clrMapOvr>
+  <p:timing>
+    <p:tnLst>
+      <p:par>
+        <p:cTn id="1" dur="indefinite" restart="never" nodeType="tmRoot"/>
+      </p:par>
+    </p:tnLst>
+  </p:timing>
+</p:sld>
+</file>
+
+<file path=ppt/slides/slide15.xml><?xml version="1.0" encoding="utf-8"?>
+<p:sld xmlns:a="http://schemas.openxmlformats.org/drawingml/2006/main" xmlns:r="http://schemas.openxmlformats.org/officeDocument/2006/relationships" xmlns:p="http://schemas.openxmlformats.org/presentationml/2006/main">
+  <p:cSld>
+    <p:spTree>
+      <p:nvGrpSpPr>
+        <p:cNvPr id="1" name=""/>
+        <p:cNvGrpSpPr/>
+        <p:nvPr/>
+      </p:nvGrpSpPr>
+      <p:grpSpPr>
+        <a:xfrm>
+          <a:off x="0" y="0"/>
+          <a:ext cx="0" cy="0"/>
+          <a:chOff x="0" y="0"/>
+          <a:chExt cx="0" cy="0"/>
+        </a:xfrm>
+      </p:grpSpPr>
+      <p:sp>
+        <p:nvSpPr>
+          <p:cNvPr id="4" name="Rectangle 3"/>
+          <p:cNvSpPr/>
+          <p:nvPr/>
+        </p:nvSpPr>
+        <p:spPr>
+          <a:xfrm>
+            <a:off x="0" y="6096000"/>
+            <a:ext cx="9144000" cy="762000"/>
+          </a:xfrm>
+          <a:prstGeom prst="rect">
+            <a:avLst/>
+          </a:prstGeom>
+          <a:solidFill>
+            <a:schemeClr val="tx1">
+              <a:lumMod val="85000"/>
+              <a:lumOff val="15000"/>
+            </a:schemeClr>
+          </a:solidFill>
+        </p:spPr>
+        <p:style>
+          <a:lnRef idx="2">
+            <a:schemeClr val="accent1">
+              <a:shade val="50000"/>
+            </a:schemeClr>
+          </a:lnRef>
+          <a:fillRef idx="1">
+            <a:schemeClr val="accent1"/>
+          </a:fillRef>
+          <a:effectRef idx="0">
+            <a:schemeClr val="accent1"/>
+          </a:effectRef>
+          <a:fontRef idx="minor">
+            <a:schemeClr val="lt1"/>
+          </a:fontRef>
+        </p:style>
+        <p:txBody>
+          <a:bodyPr rtlCol="0" anchor="ctr"/>
+          <a:lstStyle/>
+          <a:p>
+            <a:pPr algn="ctr"/>
+            <a:endParaRPr lang="en-US"/>
+          </a:p>
+        </p:txBody>
+      </p:sp>
+      <p:pic>
+        <p:nvPicPr>
+          <p:cNvPr id="1027" name="Picture 3"/>
+          <p:cNvPicPr>
+            <a:picLocks noChangeAspect="1" noChangeArrowheads="1"/>
+          </p:cNvPicPr>
+          <p:nvPr/>
+        </p:nvPicPr>
+        <p:blipFill>
+          <a:blip r:embed="rId3" cstate="print"/>
+          <a:srcRect/>
+          <a:stretch>
+            <a:fillRect/>
+          </a:stretch>
+        </p:blipFill>
+        <p:spPr bwMode="auto">
+          <a:xfrm>
+            <a:off x="228600" y="6248400"/>
+            <a:ext cx="1371600" cy="410346"/>
+          </a:xfrm>
+          <a:prstGeom prst="rect">
+            <a:avLst/>
+          </a:prstGeom>
+          <a:noFill/>
+          <a:ln w="9525">
+            <a:noFill/>
+            <a:miter lim="800000"/>
+            <a:headEnd/>
+            <a:tailEnd/>
+          </a:ln>
+          <a:effectLst/>
+        </p:spPr>
+      </p:pic>
+      <p:sp>
+        <p:nvSpPr>
+          <p:cNvPr id="10" name="TextBox 9"/>
+          <p:cNvSpPr txBox="1"/>
+          <p:nvPr/>
+        </p:nvSpPr>
+        <p:spPr>
+          <a:xfrm>
+            <a:off x="2057400" y="6324600"/>
+            <a:ext cx="4419600" cy="369332"/>
+          </a:xfrm>
+          <a:prstGeom prst="rect">
+            <a:avLst/>
+          </a:prstGeom>
+          <a:noFill/>
+        </p:spPr>
+        <p:txBody>
+          <a:bodyPr wrap="square" rtlCol="0">
+            <a:spAutoFit/>
+          </a:bodyPr>
+          <a:lstStyle/>
+          <a:p>
+            <a:r>
+              <a:rPr lang="en-US" dirty="0" smtClean="0">
+                <a:solidFill>
+                  <a:schemeClr val="bg1"/>
+                </a:solidFill>
+                <a:latin typeface="Verdana" pitchFamily="34" charset="0"/>
+                <a:ea typeface="Verdana" pitchFamily="34" charset="0"/>
+                <a:cs typeface="Verdana" pitchFamily="34" charset="0"/>
+              </a:rPr>
+              <a:t>Testing web applications &amp; services</a:t>
+            </a:r>
+            <a:endParaRPr lang="en-US" dirty="0">
+              <a:solidFill>
+                <a:schemeClr val="bg1"/>
+              </a:solidFill>
+              <a:latin typeface="Verdana" pitchFamily="34" charset="0"/>
+              <a:ea typeface="Verdana" pitchFamily="34" charset="0"/>
+              <a:cs typeface="Verdana" pitchFamily="34" charset="0"/>
+            </a:endParaRPr>
+          </a:p>
+        </p:txBody>
+      </p:sp>
+      <p:pic>
+        <p:nvPicPr>
+          <p:cNvPr id="1033" name="Picture 9"/>
+          <p:cNvPicPr>
+            <a:picLocks noChangeAspect="1" noChangeArrowheads="1"/>
+          </p:cNvPicPr>
+          <p:nvPr/>
+        </p:nvPicPr>
+        <p:blipFill>
+          <a:blip r:embed="rId4" cstate="print"/>
+          <a:srcRect/>
+          <a:stretch>
+            <a:fillRect/>
+          </a:stretch>
+        </p:blipFill>
+        <p:spPr bwMode="auto">
+          <a:xfrm>
+            <a:off x="6934202" y="6248400"/>
+            <a:ext cx="1981195" cy="431239"/>
+          </a:xfrm>
+          <a:prstGeom prst="rect">
+            <a:avLst/>
+          </a:prstGeom>
+          <a:noFill/>
+          <a:ln w="9525">
+            <a:noFill/>
+            <a:miter lim="800000"/>
+            <a:headEnd/>
+            <a:tailEnd/>
+          </a:ln>
+          <a:effectLst/>
+        </p:spPr>
+      </p:pic>
+      <p:sp>
+        <p:nvSpPr>
+          <p:cNvPr id="8" name="TextBox 7"/>
+          <p:cNvSpPr txBox="1"/>
+          <p:nvPr/>
+        </p:nvSpPr>
+        <p:spPr>
+          <a:xfrm>
+            <a:off x="0" y="914400"/>
+            <a:ext cx="9144000" cy="830997"/>
+          </a:xfrm>
+          <a:prstGeom prst="rect">
+            <a:avLst/>
+          </a:prstGeom>
+          <a:noFill/>
+        </p:spPr>
+        <p:txBody>
+          <a:bodyPr wrap="square" rtlCol="0">
+            <a:spAutoFit/>
+          </a:bodyPr>
+          <a:lstStyle/>
+          <a:p>
+            <a:pPr algn="ctr"/>
+            <a:r>
+              <a:rPr lang="en-US" sz="4800" dirty="0" smtClean="0"/>
+              <a:t>Load balancing</a:t>
+            </a:r>
+            <a:endParaRPr lang="en-US" sz="4800" dirty="0"/>
+          </a:p>
+        </p:txBody>
+      </p:sp>
+      <p:sp>
+        <p:nvSpPr>
+          <p:cNvPr id="2" name="TextBox 1"/>
+          <p:cNvSpPr txBox="1"/>
+          <p:nvPr/>
+        </p:nvSpPr>
+        <p:spPr>
+          <a:xfrm>
+            <a:off x="228600" y="2133600"/>
+            <a:ext cx="1828800" cy="369332"/>
+          </a:xfrm>
+          <a:prstGeom prst="rect">
+            <a:avLst/>
+          </a:prstGeom>
+          <a:noFill/>
+        </p:spPr>
+        <p:txBody>
+          <a:bodyPr wrap="square" rtlCol="0">
+            <a:spAutoFit/>
+          </a:bodyPr>
+          <a:lstStyle/>
+          <a:p>
+            <a:r>
+              <a:rPr lang="en-US" smtClean="0"/>
+              <a:t>`</a:t>
+            </a:r>
+            <a:endParaRPr lang="en-US"/>
+          </a:p>
+        </p:txBody>
+      </p:sp>
+      <p:sp>
+        <p:nvSpPr>
+          <p:cNvPr id="14" name="TextBox 13"/>
+          <p:cNvSpPr txBox="1"/>
+          <p:nvPr/>
+        </p:nvSpPr>
+        <p:spPr>
+          <a:xfrm>
+            <a:off x="6858000" y="0"/>
+            <a:ext cx="2286000" cy="584775"/>
+          </a:xfrm>
+          <a:prstGeom prst="rect">
+            <a:avLst/>
+          </a:prstGeom>
+          <a:solidFill>
+            <a:schemeClr val="bg2">
+              <a:lumMod val="75000"/>
+            </a:schemeClr>
+          </a:solidFill>
+        </p:spPr>
+        <p:txBody>
+          <a:bodyPr wrap="square" rtlCol="0">
+            <a:spAutoFit/>
+          </a:bodyPr>
+          <a:lstStyle/>
+          <a:p>
+            <a:r>
+              <a:rPr lang="en-US" sz="3200" dirty="0" smtClean="0"/>
+              <a:t>Architecture</a:t>
+            </a:r>
+            <a:endParaRPr lang="en-US" sz="3200" dirty="0"/>
+          </a:p>
+        </p:txBody>
+      </p:sp>
+      <p:pic>
+        <p:nvPicPr>
+          <p:cNvPr id="16" name="Picture 15" descr="load_balancer.png"/>
+          <p:cNvPicPr>
+            <a:picLocks noChangeAspect="1"/>
+          </p:cNvPicPr>
+          <p:nvPr/>
+        </p:nvPicPr>
+        <p:blipFill>
+          <a:blip r:embed="rId5" cstate="print"/>
+          <a:stretch>
+            <a:fillRect/>
+          </a:stretch>
+        </p:blipFill>
+        <p:spPr>
+          <a:xfrm>
+            <a:off x="1371600" y="1748072"/>
+            <a:ext cx="6605587" cy="4272871"/>
+          </a:xfrm>
+          <a:prstGeom prst="rect">
+            <a:avLst/>
+          </a:prstGeom>
+        </p:spPr>
+      </p:pic>
+    </p:spTree>
+  </p:cSld>
+  <p:clrMapOvr>
+    <a:masterClrMapping/>
+  </p:clrMapOvr>
+  <p:timing>
+    <p:tnLst>
+      <p:par>
+        <p:cTn id="1" dur="indefinite" restart="never" nodeType="tmRoot"/>
+      </p:par>
+    </p:tnLst>
+  </p:timing>
+</p:sld>
+</file>
+
+<file path=ppt/slides/slide16.xml><?xml version="1.0" encoding="utf-8"?>
+<p:sld xmlns:a="http://schemas.openxmlformats.org/drawingml/2006/main" xmlns:r="http://schemas.openxmlformats.org/officeDocument/2006/relationships" xmlns:p="http://schemas.openxmlformats.org/presentationml/2006/main">
+  <p:cSld>
+    <p:spTree>
+      <p:nvGrpSpPr>
+        <p:cNvPr id="1" name=""/>
+        <p:cNvGrpSpPr/>
+        <p:nvPr/>
+      </p:nvGrpSpPr>
+      <p:grpSpPr>
+        <a:xfrm>
+          <a:off x="0" y="0"/>
+          <a:ext cx="0" cy="0"/>
+          <a:chOff x="0" y="0"/>
+          <a:chExt cx="0" cy="0"/>
+        </a:xfrm>
+      </p:grpSpPr>
+      <p:sp>
+        <p:nvSpPr>
+          <p:cNvPr id="4" name="Rectangle 3"/>
+          <p:cNvSpPr/>
+          <p:nvPr/>
+        </p:nvSpPr>
+        <p:spPr>
+          <a:xfrm>
+            <a:off x="0" y="6096000"/>
+            <a:ext cx="9144000" cy="762000"/>
+          </a:xfrm>
+          <a:prstGeom prst="rect">
+            <a:avLst/>
+          </a:prstGeom>
+          <a:solidFill>
+            <a:schemeClr val="tx1">
+              <a:lumMod val="85000"/>
+              <a:lumOff val="15000"/>
+            </a:schemeClr>
+          </a:solidFill>
+        </p:spPr>
+        <p:style>
+          <a:lnRef idx="2">
+            <a:schemeClr val="accent1">
+              <a:shade val="50000"/>
+            </a:schemeClr>
+          </a:lnRef>
+          <a:fillRef idx="1">
+            <a:schemeClr val="accent1"/>
+          </a:fillRef>
+          <a:effectRef idx="0">
+            <a:schemeClr val="accent1"/>
+          </a:effectRef>
+          <a:fontRef idx="minor">
+            <a:schemeClr val="lt1"/>
+          </a:fontRef>
+        </p:style>
+        <p:txBody>
+          <a:bodyPr rtlCol="0" anchor="ctr"/>
+          <a:lstStyle/>
+          <a:p>
+            <a:pPr algn="ctr"/>
+            <a:endParaRPr lang="en-US"/>
+          </a:p>
+        </p:txBody>
+      </p:sp>
+      <p:pic>
+        <p:nvPicPr>
+          <p:cNvPr id="1027" name="Picture 3"/>
+          <p:cNvPicPr>
+            <a:picLocks noChangeAspect="1" noChangeArrowheads="1"/>
+          </p:cNvPicPr>
+          <p:nvPr/>
+        </p:nvPicPr>
+        <p:blipFill>
+          <a:blip r:embed="rId3" cstate="print"/>
+          <a:srcRect/>
+          <a:stretch>
+            <a:fillRect/>
+          </a:stretch>
+        </p:blipFill>
+        <p:spPr bwMode="auto">
+          <a:xfrm>
+            <a:off x="228600" y="6248400"/>
+            <a:ext cx="1371600" cy="410346"/>
+          </a:xfrm>
+          <a:prstGeom prst="rect">
+            <a:avLst/>
+          </a:prstGeom>
+          <a:noFill/>
+          <a:ln w="9525">
+            <a:noFill/>
+            <a:miter lim="800000"/>
+            <a:headEnd/>
+            <a:tailEnd/>
+          </a:ln>
+          <a:effectLst/>
+        </p:spPr>
+      </p:pic>
+      <p:sp>
+        <p:nvSpPr>
+          <p:cNvPr id="10" name="TextBox 9"/>
+          <p:cNvSpPr txBox="1"/>
+          <p:nvPr/>
+        </p:nvSpPr>
+        <p:spPr>
+          <a:xfrm>
+            <a:off x="2057400" y="6324600"/>
+            <a:ext cx="4419600" cy="369332"/>
+          </a:xfrm>
+          <a:prstGeom prst="rect">
+            <a:avLst/>
+          </a:prstGeom>
+          <a:noFill/>
+        </p:spPr>
+        <p:txBody>
+          <a:bodyPr wrap="square" rtlCol="0">
+            <a:spAutoFit/>
+          </a:bodyPr>
+          <a:lstStyle/>
+          <a:p>
+            <a:r>
+              <a:rPr lang="en-US" dirty="0" smtClean="0">
+                <a:solidFill>
+                  <a:schemeClr val="bg1"/>
+                </a:solidFill>
+                <a:latin typeface="Verdana" pitchFamily="34" charset="0"/>
+                <a:ea typeface="Verdana" pitchFamily="34" charset="0"/>
+                <a:cs typeface="Verdana" pitchFamily="34" charset="0"/>
+              </a:rPr>
+              <a:t>Testing web applications &amp; services</a:t>
+            </a:r>
+            <a:endParaRPr lang="en-US" dirty="0">
+              <a:solidFill>
+                <a:schemeClr val="bg1"/>
+              </a:solidFill>
+              <a:latin typeface="Verdana" pitchFamily="34" charset="0"/>
+              <a:ea typeface="Verdana" pitchFamily="34" charset="0"/>
+              <a:cs typeface="Verdana" pitchFamily="34" charset="0"/>
+            </a:endParaRPr>
+          </a:p>
+        </p:txBody>
+      </p:sp>
+      <p:pic>
+        <p:nvPicPr>
+          <p:cNvPr id="1033" name="Picture 9"/>
+          <p:cNvPicPr>
+            <a:picLocks noChangeAspect="1" noChangeArrowheads="1"/>
+          </p:cNvPicPr>
+          <p:nvPr/>
+        </p:nvPicPr>
+        <p:blipFill>
+          <a:blip r:embed="rId4" cstate="print"/>
+          <a:srcRect/>
+          <a:stretch>
+            <a:fillRect/>
+          </a:stretch>
+        </p:blipFill>
+        <p:spPr bwMode="auto">
+          <a:xfrm>
+            <a:off x="6934202" y="6248400"/>
+            <a:ext cx="1981195" cy="431239"/>
+          </a:xfrm>
+          <a:prstGeom prst="rect">
+            <a:avLst/>
+          </a:prstGeom>
+          <a:noFill/>
+          <a:ln w="9525">
+            <a:noFill/>
+            <a:miter lim="800000"/>
+            <a:headEnd/>
+            <a:tailEnd/>
+          </a:ln>
+          <a:effectLst/>
+        </p:spPr>
+      </p:pic>
+      <p:sp>
+        <p:nvSpPr>
+          <p:cNvPr id="13" name="TextBox 12"/>
+          <p:cNvSpPr txBox="1"/>
+          <p:nvPr/>
+        </p:nvSpPr>
+        <p:spPr>
+          <a:xfrm>
             <a:off x="7315200" y="0"/>
             <a:ext cx="1828800" cy="584775"/>
           </a:xfrm>
@@ -9499,6 +11302,738 @@
         </p:nvSpPr>
         <p:spPr>
           <a:xfrm>
+            <a:off x="0" y="914400"/>
+            <a:ext cx="9144000" cy="830997"/>
+          </a:xfrm>
+          <a:prstGeom prst="rect">
+            <a:avLst/>
+          </a:prstGeom>
+          <a:noFill/>
+        </p:spPr>
+        <p:txBody>
+          <a:bodyPr wrap="square" rtlCol="0">
+            <a:spAutoFit/>
+          </a:bodyPr>
+          <a:lstStyle/>
+          <a:p>
+            <a:pPr algn="ctr"/>
+            <a:r>
+              <a:rPr lang="en-US" sz="4800" dirty="0" smtClean="0"/>
+              <a:t>The cloud</a:t>
+            </a:r>
+            <a:endParaRPr lang="en-US" sz="4800" dirty="0"/>
+          </a:p>
+        </p:txBody>
+      </p:sp>
+      <p:sp>
+        <p:nvSpPr>
+          <p:cNvPr id="2" name="TextBox 1"/>
+          <p:cNvSpPr txBox="1"/>
+          <p:nvPr/>
+        </p:nvSpPr>
+        <p:spPr>
+          <a:xfrm>
+            <a:off x="228600" y="2133600"/>
+            <a:ext cx="1828800" cy="369332"/>
+          </a:xfrm>
+          <a:prstGeom prst="rect">
+            <a:avLst/>
+          </a:prstGeom>
+          <a:noFill/>
+        </p:spPr>
+        <p:txBody>
+          <a:bodyPr wrap="square" rtlCol="0">
+            <a:spAutoFit/>
+          </a:bodyPr>
+          <a:lstStyle/>
+          <a:p>
+            <a:r>
+              <a:rPr lang="en-US" smtClean="0"/>
+              <a:t>`</a:t>
+            </a:r>
+            <a:endParaRPr lang="en-US"/>
+          </a:p>
+        </p:txBody>
+      </p:sp>
+      <p:sp>
+        <p:nvSpPr>
+          <p:cNvPr id="12" name="Rectangle 11"/>
+          <p:cNvSpPr/>
+          <p:nvPr/>
+        </p:nvSpPr>
+        <p:spPr>
+          <a:xfrm>
+            <a:off x="1600200" y="3048000"/>
+            <a:ext cx="5412251" cy="646331"/>
+          </a:xfrm>
+          <a:prstGeom prst="rect">
+            <a:avLst/>
+          </a:prstGeom>
+        </p:spPr>
+        <p:txBody>
+          <a:bodyPr wrap="none">
+            <a:spAutoFit/>
+          </a:bodyPr>
+          <a:lstStyle/>
+          <a:p>
+            <a:r>
+              <a:rPr lang="en-US" sz="3600" dirty="0" smtClean="0"/>
+              <a:t>Shared nothing architecture</a:t>
+            </a:r>
+            <a:endParaRPr lang="en-US" sz="3600" dirty="0"/>
+          </a:p>
+        </p:txBody>
+      </p:sp>
+    </p:spTree>
+  </p:cSld>
+  <p:clrMapOvr>
+    <a:masterClrMapping/>
+  </p:clrMapOvr>
+  <p:timing>
+    <p:tnLst>
+      <p:par>
+        <p:cTn id="1" dur="indefinite" restart="never" nodeType="tmRoot"/>
+      </p:par>
+    </p:tnLst>
+  </p:timing>
+</p:sld>
+</file>
+
+<file path=ppt/slides/slide17.xml><?xml version="1.0" encoding="utf-8"?>
+<p:sld xmlns:a="http://schemas.openxmlformats.org/drawingml/2006/main" xmlns:r="http://schemas.openxmlformats.org/officeDocument/2006/relationships" xmlns:p="http://schemas.openxmlformats.org/presentationml/2006/main">
+  <p:cSld>
+    <p:spTree>
+      <p:nvGrpSpPr>
+        <p:cNvPr id="1" name=""/>
+        <p:cNvGrpSpPr/>
+        <p:nvPr/>
+      </p:nvGrpSpPr>
+      <p:grpSpPr>
+        <a:xfrm>
+          <a:off x="0" y="0"/>
+          <a:ext cx="0" cy="0"/>
+          <a:chOff x="0" y="0"/>
+          <a:chExt cx="0" cy="0"/>
+        </a:xfrm>
+      </p:grpSpPr>
+      <p:sp>
+        <p:nvSpPr>
+          <p:cNvPr id="4" name="Rectangle 3"/>
+          <p:cNvSpPr/>
+          <p:nvPr/>
+        </p:nvSpPr>
+        <p:spPr>
+          <a:xfrm>
+            <a:off x="0" y="6096000"/>
+            <a:ext cx="9144000" cy="762000"/>
+          </a:xfrm>
+          <a:prstGeom prst="rect">
+            <a:avLst/>
+          </a:prstGeom>
+          <a:solidFill>
+            <a:schemeClr val="tx1">
+              <a:lumMod val="85000"/>
+              <a:lumOff val="15000"/>
+            </a:schemeClr>
+          </a:solidFill>
+        </p:spPr>
+        <p:style>
+          <a:lnRef idx="2">
+            <a:schemeClr val="accent1">
+              <a:shade val="50000"/>
+            </a:schemeClr>
+          </a:lnRef>
+          <a:fillRef idx="1">
+            <a:schemeClr val="accent1"/>
+          </a:fillRef>
+          <a:effectRef idx="0">
+            <a:schemeClr val="accent1"/>
+          </a:effectRef>
+          <a:fontRef idx="minor">
+            <a:schemeClr val="lt1"/>
+          </a:fontRef>
+        </p:style>
+        <p:txBody>
+          <a:bodyPr rtlCol="0" anchor="ctr"/>
+          <a:lstStyle/>
+          <a:p>
+            <a:pPr algn="ctr"/>
+            <a:endParaRPr lang="en-US"/>
+          </a:p>
+        </p:txBody>
+      </p:sp>
+      <p:pic>
+        <p:nvPicPr>
+          <p:cNvPr id="1027" name="Picture 3"/>
+          <p:cNvPicPr>
+            <a:picLocks noChangeAspect="1" noChangeArrowheads="1"/>
+          </p:cNvPicPr>
+          <p:nvPr/>
+        </p:nvPicPr>
+        <p:blipFill>
+          <a:blip r:embed="rId3" cstate="print"/>
+          <a:srcRect/>
+          <a:stretch>
+            <a:fillRect/>
+          </a:stretch>
+        </p:blipFill>
+        <p:spPr bwMode="auto">
+          <a:xfrm>
+            <a:off x="228600" y="6248400"/>
+            <a:ext cx="1371600" cy="410346"/>
+          </a:xfrm>
+          <a:prstGeom prst="rect">
+            <a:avLst/>
+          </a:prstGeom>
+          <a:noFill/>
+          <a:ln w="9525">
+            <a:noFill/>
+            <a:miter lim="800000"/>
+            <a:headEnd/>
+            <a:tailEnd/>
+          </a:ln>
+          <a:effectLst/>
+        </p:spPr>
+      </p:pic>
+      <p:sp>
+        <p:nvSpPr>
+          <p:cNvPr id="10" name="TextBox 9"/>
+          <p:cNvSpPr txBox="1"/>
+          <p:nvPr/>
+        </p:nvSpPr>
+        <p:spPr>
+          <a:xfrm>
+            <a:off x="2057400" y="6324600"/>
+            <a:ext cx="4419600" cy="369332"/>
+          </a:xfrm>
+          <a:prstGeom prst="rect">
+            <a:avLst/>
+          </a:prstGeom>
+          <a:noFill/>
+        </p:spPr>
+        <p:txBody>
+          <a:bodyPr wrap="square" rtlCol="0">
+            <a:spAutoFit/>
+          </a:bodyPr>
+          <a:lstStyle/>
+          <a:p>
+            <a:r>
+              <a:rPr lang="en-US" dirty="0" smtClean="0">
+                <a:solidFill>
+                  <a:schemeClr val="bg1"/>
+                </a:solidFill>
+                <a:latin typeface="Verdana" pitchFamily="34" charset="0"/>
+                <a:ea typeface="Verdana" pitchFamily="34" charset="0"/>
+                <a:cs typeface="Verdana" pitchFamily="34" charset="0"/>
+              </a:rPr>
+              <a:t>Testing web applications &amp; services</a:t>
+            </a:r>
+            <a:endParaRPr lang="en-US" dirty="0">
+              <a:solidFill>
+                <a:schemeClr val="bg1"/>
+              </a:solidFill>
+              <a:latin typeface="Verdana" pitchFamily="34" charset="0"/>
+              <a:ea typeface="Verdana" pitchFamily="34" charset="0"/>
+              <a:cs typeface="Verdana" pitchFamily="34" charset="0"/>
+            </a:endParaRPr>
+          </a:p>
+        </p:txBody>
+      </p:sp>
+      <p:pic>
+        <p:nvPicPr>
+          <p:cNvPr id="1033" name="Picture 9"/>
+          <p:cNvPicPr>
+            <a:picLocks noChangeAspect="1" noChangeArrowheads="1"/>
+          </p:cNvPicPr>
+          <p:nvPr/>
+        </p:nvPicPr>
+        <p:blipFill>
+          <a:blip r:embed="rId4" cstate="print"/>
+          <a:srcRect/>
+          <a:stretch>
+            <a:fillRect/>
+          </a:stretch>
+        </p:blipFill>
+        <p:spPr bwMode="auto">
+          <a:xfrm>
+            <a:off x="6934202" y="6248400"/>
+            <a:ext cx="1981195" cy="431239"/>
+          </a:xfrm>
+          <a:prstGeom prst="rect">
+            <a:avLst/>
+          </a:prstGeom>
+          <a:noFill/>
+          <a:ln w="9525">
+            <a:noFill/>
+            <a:miter lim="800000"/>
+            <a:headEnd/>
+            <a:tailEnd/>
+          </a:ln>
+          <a:effectLst/>
+        </p:spPr>
+      </p:pic>
+      <p:sp>
+        <p:nvSpPr>
+          <p:cNvPr id="8" name="TextBox 7"/>
+          <p:cNvSpPr txBox="1"/>
+          <p:nvPr/>
+        </p:nvSpPr>
+        <p:spPr>
+          <a:xfrm>
+            <a:off x="0" y="914400"/>
+            <a:ext cx="9144000" cy="830997"/>
+          </a:xfrm>
+          <a:prstGeom prst="rect">
+            <a:avLst/>
+          </a:prstGeom>
+          <a:noFill/>
+        </p:spPr>
+        <p:txBody>
+          <a:bodyPr wrap="square" rtlCol="0">
+            <a:spAutoFit/>
+          </a:bodyPr>
+          <a:lstStyle/>
+          <a:p>
+            <a:pPr algn="ctr"/>
+            <a:r>
+              <a:rPr lang="en-US" sz="4800" dirty="0" smtClean="0"/>
+              <a:t>Advantages</a:t>
+            </a:r>
+            <a:endParaRPr lang="en-US" sz="4800" dirty="0"/>
+          </a:p>
+        </p:txBody>
+      </p:sp>
+      <p:sp>
+        <p:nvSpPr>
+          <p:cNvPr id="2" name="TextBox 1"/>
+          <p:cNvSpPr txBox="1"/>
+          <p:nvPr/>
+        </p:nvSpPr>
+        <p:spPr>
+          <a:xfrm>
+            <a:off x="228600" y="2133600"/>
+            <a:ext cx="1828800" cy="369332"/>
+          </a:xfrm>
+          <a:prstGeom prst="rect">
+            <a:avLst/>
+          </a:prstGeom>
+          <a:noFill/>
+        </p:spPr>
+        <p:txBody>
+          <a:bodyPr wrap="square" rtlCol="0">
+            <a:spAutoFit/>
+          </a:bodyPr>
+          <a:lstStyle/>
+          <a:p>
+            <a:r>
+              <a:rPr lang="en-US" smtClean="0"/>
+              <a:t>`</a:t>
+            </a:r>
+            <a:endParaRPr lang="en-US"/>
+          </a:p>
+        </p:txBody>
+      </p:sp>
+      <p:sp>
+        <p:nvSpPr>
+          <p:cNvPr id="11" name="TextBox 10"/>
+          <p:cNvSpPr txBox="1"/>
+          <p:nvPr/>
+        </p:nvSpPr>
+        <p:spPr>
+          <a:xfrm>
+            <a:off x="533400" y="1905000"/>
+            <a:ext cx="3810000" cy="3416320"/>
+          </a:xfrm>
+          <a:prstGeom prst="rect">
+            <a:avLst/>
+          </a:prstGeom>
+          <a:noFill/>
+        </p:spPr>
+        <p:txBody>
+          <a:bodyPr wrap="square" rtlCol="0">
+            <a:spAutoFit/>
+          </a:bodyPr>
+          <a:lstStyle/>
+          <a:p>
+            <a:r>
+              <a:rPr lang="en-US" sz="3600" dirty="0" smtClean="0"/>
+              <a:t>Availability</a:t>
+            </a:r>
+          </a:p>
+          <a:p>
+            <a:r>
+              <a:rPr lang="en-US" sz="3600" dirty="0" smtClean="0"/>
+              <a:t>Reliability</a:t>
+            </a:r>
+          </a:p>
+          <a:p>
+            <a:r>
+              <a:rPr lang="en-US" sz="3600" dirty="0" smtClean="0"/>
+              <a:t>Scalability</a:t>
+            </a:r>
+          </a:p>
+          <a:p>
+            <a:r>
+              <a:rPr lang="en-US" sz="3600" dirty="0" smtClean="0"/>
+              <a:t>Performance</a:t>
+            </a:r>
+          </a:p>
+          <a:p>
+            <a:r>
+              <a:rPr lang="en-US" sz="3600" dirty="0" smtClean="0"/>
+              <a:t>Manageability</a:t>
+            </a:r>
+          </a:p>
+          <a:p>
+            <a:r>
+              <a:rPr lang="en-US" sz="3600" dirty="0" smtClean="0"/>
+              <a:t>Cost</a:t>
+            </a:r>
+          </a:p>
+        </p:txBody>
+      </p:sp>
+      <p:sp>
+        <p:nvSpPr>
+          <p:cNvPr id="12" name="TextBox 11"/>
+          <p:cNvSpPr txBox="1"/>
+          <p:nvPr/>
+        </p:nvSpPr>
+        <p:spPr>
+          <a:xfrm>
+            <a:off x="6858000" y="0"/>
+            <a:ext cx="2286000" cy="584775"/>
+          </a:xfrm>
+          <a:prstGeom prst="rect">
+            <a:avLst/>
+          </a:prstGeom>
+          <a:solidFill>
+            <a:schemeClr val="bg2">
+              <a:lumMod val="75000"/>
+            </a:schemeClr>
+          </a:solidFill>
+        </p:spPr>
+        <p:txBody>
+          <a:bodyPr wrap="square" rtlCol="0">
+            <a:spAutoFit/>
+          </a:bodyPr>
+          <a:lstStyle/>
+          <a:p>
+            <a:r>
+              <a:rPr lang="en-US" sz="3200" dirty="0" smtClean="0"/>
+              <a:t>Architecture</a:t>
+            </a:r>
+            <a:endParaRPr lang="en-US" sz="3200" dirty="0"/>
+          </a:p>
+        </p:txBody>
+      </p:sp>
+      <p:sp>
+        <p:nvSpPr>
+          <p:cNvPr id="14" name="TextBox 13"/>
+          <p:cNvSpPr txBox="1"/>
+          <p:nvPr/>
+        </p:nvSpPr>
+        <p:spPr>
+          <a:xfrm>
+            <a:off x="4800600" y="1905000"/>
+            <a:ext cx="3657600" cy="3693319"/>
+          </a:xfrm>
+          <a:prstGeom prst="rect">
+            <a:avLst/>
+          </a:prstGeom>
+          <a:noFill/>
+        </p:spPr>
+        <p:txBody>
+          <a:bodyPr wrap="square" rtlCol="0">
+            <a:spAutoFit/>
+          </a:bodyPr>
+          <a:lstStyle/>
+          <a:p>
+            <a:pPr lvl="0"/>
+            <a:r>
+              <a:rPr lang="en-US" sz="3600" dirty="0" smtClean="0"/>
+              <a:t>Backups</a:t>
+            </a:r>
+          </a:p>
+          <a:p>
+            <a:pPr lvl="0"/>
+            <a:r>
+              <a:rPr lang="en-US" sz="3600" dirty="0" smtClean="0"/>
+              <a:t>Failover</a:t>
+            </a:r>
+            <a:endParaRPr lang="en-US" sz="3600" dirty="0" smtClean="0"/>
+          </a:p>
+          <a:p>
+            <a:pPr lvl="0"/>
+            <a:r>
+              <a:rPr lang="en-US" sz="3600" dirty="0" smtClean="0"/>
+              <a:t>Redundancy</a:t>
+            </a:r>
+          </a:p>
+          <a:p>
+            <a:pPr lvl="0"/>
+            <a:r>
+              <a:rPr lang="en-US" sz="3600" dirty="0" smtClean="0"/>
+              <a:t>Distributed </a:t>
+            </a:r>
+            <a:r>
+              <a:rPr lang="en-US" sz="3600" dirty="0" smtClean="0"/>
+              <a:t>load</a:t>
+            </a:r>
+          </a:p>
+          <a:p>
+            <a:pPr lvl="0"/>
+            <a:r>
+              <a:rPr lang="en-US" sz="3600" dirty="0" smtClean="0"/>
+              <a:t>Fault </a:t>
+            </a:r>
+            <a:r>
+              <a:rPr lang="en-US" sz="3600" dirty="0" smtClean="0"/>
+              <a:t>tolerance</a:t>
+            </a:r>
+          </a:p>
+          <a:p>
+            <a:pPr lvl="0"/>
+            <a:r>
+              <a:rPr lang="en-US" sz="3600" dirty="0" smtClean="0"/>
+              <a:t>Isolation</a:t>
+            </a:r>
+            <a:endParaRPr lang="en-US" sz="3600" dirty="0" smtClean="0"/>
+          </a:p>
+          <a:p>
+            <a:endParaRPr lang="en-US" dirty="0"/>
+          </a:p>
+        </p:txBody>
+      </p:sp>
+    </p:spTree>
+  </p:cSld>
+  <p:clrMapOvr>
+    <a:masterClrMapping/>
+  </p:clrMapOvr>
+  <p:timing>
+    <p:tnLst>
+      <p:par>
+        <p:cTn id="1" dur="indefinite" restart="never" nodeType="tmRoot"/>
+      </p:par>
+    </p:tnLst>
+  </p:timing>
+</p:sld>
+</file>
+
+<file path=ppt/slides/slide18.xml><?xml version="1.0" encoding="utf-8"?>
+<p:sld xmlns:a="http://schemas.openxmlformats.org/drawingml/2006/main" xmlns:r="http://schemas.openxmlformats.org/officeDocument/2006/relationships" xmlns:p="http://schemas.openxmlformats.org/presentationml/2006/main">
+  <p:cSld>
+    <p:spTree>
+      <p:nvGrpSpPr>
+        <p:cNvPr id="1" name=""/>
+        <p:cNvGrpSpPr/>
+        <p:nvPr/>
+      </p:nvGrpSpPr>
+      <p:grpSpPr>
+        <a:xfrm>
+          <a:off x="0" y="0"/>
+          <a:ext cx="0" cy="0"/>
+          <a:chOff x="0" y="0"/>
+          <a:chExt cx="0" cy="0"/>
+        </a:xfrm>
+      </p:grpSpPr>
+      <p:sp>
+        <p:nvSpPr>
+          <p:cNvPr id="4" name="Rectangle 3"/>
+          <p:cNvSpPr/>
+          <p:nvPr/>
+        </p:nvSpPr>
+        <p:spPr>
+          <a:xfrm>
+            <a:off x="0" y="6096000"/>
+            <a:ext cx="9144000" cy="762000"/>
+          </a:xfrm>
+          <a:prstGeom prst="rect">
+            <a:avLst/>
+          </a:prstGeom>
+          <a:solidFill>
+            <a:schemeClr val="tx1">
+              <a:lumMod val="85000"/>
+              <a:lumOff val="15000"/>
+            </a:schemeClr>
+          </a:solidFill>
+        </p:spPr>
+        <p:style>
+          <a:lnRef idx="2">
+            <a:schemeClr val="accent1">
+              <a:shade val="50000"/>
+            </a:schemeClr>
+          </a:lnRef>
+          <a:fillRef idx="1">
+            <a:schemeClr val="accent1"/>
+          </a:fillRef>
+          <a:effectRef idx="0">
+            <a:schemeClr val="accent1"/>
+          </a:effectRef>
+          <a:fontRef idx="minor">
+            <a:schemeClr val="lt1"/>
+          </a:fontRef>
+        </p:style>
+        <p:txBody>
+          <a:bodyPr rtlCol="0" anchor="ctr"/>
+          <a:lstStyle/>
+          <a:p>
+            <a:pPr algn="ctr"/>
+            <a:endParaRPr lang="en-US"/>
+          </a:p>
+        </p:txBody>
+      </p:sp>
+      <p:pic>
+        <p:nvPicPr>
+          <p:cNvPr id="1027" name="Picture 3"/>
+          <p:cNvPicPr>
+            <a:picLocks noChangeAspect="1" noChangeArrowheads="1"/>
+          </p:cNvPicPr>
+          <p:nvPr/>
+        </p:nvPicPr>
+        <p:blipFill>
+          <a:blip r:embed="rId3" cstate="print"/>
+          <a:srcRect/>
+          <a:stretch>
+            <a:fillRect/>
+          </a:stretch>
+        </p:blipFill>
+        <p:spPr bwMode="auto">
+          <a:xfrm>
+            <a:off x="228600" y="6248400"/>
+            <a:ext cx="1371600" cy="410346"/>
+          </a:xfrm>
+          <a:prstGeom prst="rect">
+            <a:avLst/>
+          </a:prstGeom>
+          <a:noFill/>
+          <a:ln w="9525">
+            <a:noFill/>
+            <a:miter lim="800000"/>
+            <a:headEnd/>
+            <a:tailEnd/>
+          </a:ln>
+          <a:effectLst/>
+        </p:spPr>
+      </p:pic>
+      <p:sp>
+        <p:nvSpPr>
+          <p:cNvPr id="10" name="TextBox 9"/>
+          <p:cNvSpPr txBox="1"/>
+          <p:nvPr/>
+        </p:nvSpPr>
+        <p:spPr>
+          <a:xfrm>
+            <a:off x="2057400" y="6324600"/>
+            <a:ext cx="4419600" cy="369332"/>
+          </a:xfrm>
+          <a:prstGeom prst="rect">
+            <a:avLst/>
+          </a:prstGeom>
+          <a:noFill/>
+        </p:spPr>
+        <p:txBody>
+          <a:bodyPr wrap="square" rtlCol="0">
+            <a:spAutoFit/>
+          </a:bodyPr>
+          <a:lstStyle/>
+          <a:p>
+            <a:r>
+              <a:rPr lang="en-US" dirty="0" smtClean="0">
+                <a:solidFill>
+                  <a:schemeClr val="bg1"/>
+                </a:solidFill>
+                <a:latin typeface="Verdana" pitchFamily="34" charset="0"/>
+                <a:ea typeface="Verdana" pitchFamily="34" charset="0"/>
+                <a:cs typeface="Verdana" pitchFamily="34" charset="0"/>
+              </a:rPr>
+              <a:t>Testing web applications &amp; services</a:t>
+            </a:r>
+            <a:endParaRPr lang="en-US" dirty="0">
+              <a:solidFill>
+                <a:schemeClr val="bg1"/>
+              </a:solidFill>
+              <a:latin typeface="Verdana" pitchFamily="34" charset="0"/>
+              <a:ea typeface="Verdana" pitchFamily="34" charset="0"/>
+              <a:cs typeface="Verdana" pitchFamily="34" charset="0"/>
+            </a:endParaRPr>
+          </a:p>
+        </p:txBody>
+      </p:sp>
+      <p:pic>
+        <p:nvPicPr>
+          <p:cNvPr id="1033" name="Picture 9"/>
+          <p:cNvPicPr>
+            <a:picLocks noChangeAspect="1" noChangeArrowheads="1"/>
+          </p:cNvPicPr>
+          <p:nvPr/>
+        </p:nvPicPr>
+        <p:blipFill>
+          <a:blip r:embed="rId4" cstate="print"/>
+          <a:srcRect/>
+          <a:stretch>
+            <a:fillRect/>
+          </a:stretch>
+        </p:blipFill>
+        <p:spPr bwMode="auto">
+          <a:xfrm>
+            <a:off x="6934202" y="6248400"/>
+            <a:ext cx="1981195" cy="431239"/>
+          </a:xfrm>
+          <a:prstGeom prst="rect">
+            <a:avLst/>
+          </a:prstGeom>
+          <a:noFill/>
+          <a:ln w="9525">
+            <a:noFill/>
+            <a:miter lim="800000"/>
+            <a:headEnd/>
+            <a:tailEnd/>
+          </a:ln>
+          <a:effectLst/>
+        </p:spPr>
+      </p:pic>
+      <p:sp>
+        <p:nvSpPr>
+          <p:cNvPr id="13" name="TextBox 12"/>
+          <p:cNvSpPr txBox="1"/>
+          <p:nvPr/>
+        </p:nvSpPr>
+        <p:spPr>
+          <a:xfrm>
+            <a:off x="7315200" y="0"/>
+            <a:ext cx="1828800" cy="584775"/>
+          </a:xfrm>
+          <a:prstGeom prst="rect">
+            <a:avLst/>
+          </a:prstGeom>
+          <a:solidFill>
+            <a:schemeClr val="bg2">
+              <a:lumMod val="75000"/>
+            </a:schemeClr>
+          </a:solidFill>
+        </p:spPr>
+        <p:txBody>
+          <a:bodyPr wrap="square" rtlCol="0">
+            <a:spAutoFit/>
+          </a:bodyPr>
+          <a:lstStyle/>
+          <a:p>
+            <a:r>
+              <a:rPr lang="en-US" sz="3200" dirty="0" smtClean="0"/>
+              <a:t>Networks</a:t>
+            </a:r>
+            <a:endParaRPr lang="en-US" sz="3200" dirty="0"/>
+          </a:p>
+        </p:txBody>
+      </p:sp>
+      <p:sp>
+        <p:nvSpPr>
+          <p:cNvPr id="8" name="TextBox 7"/>
+          <p:cNvSpPr txBox="1"/>
+          <p:nvPr/>
+        </p:nvSpPr>
+        <p:spPr>
+          <a:xfrm>
             <a:off x="0" y="990600"/>
             <a:ext cx="9144000" cy="830997"/>
           </a:xfrm>
@@ -9548,7 +12083,6 @@
               <a:rPr lang="en-US" sz="4800" dirty="0" smtClean="0"/>
               <a:t>Using ping, traceroute, </a:t>
             </a:r>
-            <a:endParaRPr lang="en-US" sz="4800" dirty="0" smtClean="0"/>
           </a:p>
           <a:p>
             <a:pPr algn="ctr"/>
@@ -9623,7 +12157,7 @@
     </p:spTree>
     <p:extLst>
       <p:ext uri="{BB962C8B-B14F-4D97-AF65-F5344CB8AC3E}">
-        <p14:creationId xmlns:p14="http://schemas.microsoft.com/office/powerpoint/2010/main" val="773758245"/>
+        <p14:creationId xmlns:p14="http://schemas.microsoft.com/office/powerpoint/2010/main" xmlns="" val="773758245"/>
       </p:ext>
     </p:extLst>
   </p:cSld>

--- a/presentations/A technical understanding of the web.pptx
+++ b/presentations/A technical understanding of the web.pptx
@@ -210,7 +210,7 @@
             <a:fld id="{9FD516BE-303C-4073-A4FC-07E358FC6551}" type="datetimeFigureOut">
               <a:rPr lang="en-US" smtClean="0"/>
               <a:pPr/>
-              <a:t>3/14/2013</a:t>
+              <a:t>3/15/2013</a:t>
             </a:fld>
             <a:endParaRPr lang="en-US"/>
           </a:p>
@@ -381,7 +381,7 @@
     </p:spTree>
     <p:extLst>
       <p:ext uri="{BB962C8B-B14F-4D97-AF65-F5344CB8AC3E}">
-        <p14:creationId xmlns:p14="http://schemas.microsoft.com/office/powerpoint/2010/main" xmlns="" val="2576183043"/>
+        <p14:creationId xmlns="" xmlns:p14="http://schemas.microsoft.com/office/powerpoint/2010/main" val="2576183043"/>
       </p:ext>
     </p:extLst>
   </p:cSld>
@@ -5870,7 +5870,7 @@
             <a:fld id="{D6E9E5ED-425F-4E07-BCD6-7E079AD34B1B}" type="datetimeFigureOut">
               <a:rPr lang="en-US" smtClean="0"/>
               <a:pPr/>
-              <a:t>3/14/2013</a:t>
+              <a:t>3/15/2013</a:t>
             </a:fld>
             <a:endParaRPr lang="en-US"/>
           </a:p>
@@ -6037,7 +6037,7 @@
             <a:fld id="{D6E9E5ED-425F-4E07-BCD6-7E079AD34B1B}" type="datetimeFigureOut">
               <a:rPr lang="en-US" smtClean="0"/>
               <a:pPr/>
-              <a:t>3/14/2013</a:t>
+              <a:t>3/15/2013</a:t>
             </a:fld>
             <a:endParaRPr lang="en-US"/>
           </a:p>
@@ -6214,7 +6214,7 @@
             <a:fld id="{D6E9E5ED-425F-4E07-BCD6-7E079AD34B1B}" type="datetimeFigureOut">
               <a:rPr lang="en-US" smtClean="0"/>
               <a:pPr/>
-              <a:t>3/14/2013</a:t>
+              <a:t>3/15/2013</a:t>
             </a:fld>
             <a:endParaRPr lang="en-US"/>
           </a:p>
@@ -6381,7 +6381,7 @@
             <a:fld id="{D6E9E5ED-425F-4E07-BCD6-7E079AD34B1B}" type="datetimeFigureOut">
               <a:rPr lang="en-US" smtClean="0"/>
               <a:pPr/>
-              <a:t>3/14/2013</a:t>
+              <a:t>3/15/2013</a:t>
             </a:fld>
             <a:endParaRPr lang="en-US"/>
           </a:p>
@@ -6624,7 +6624,7 @@
             <a:fld id="{D6E9E5ED-425F-4E07-BCD6-7E079AD34B1B}" type="datetimeFigureOut">
               <a:rPr lang="en-US" smtClean="0"/>
               <a:pPr/>
-              <a:t>3/14/2013</a:t>
+              <a:t>3/15/2013</a:t>
             </a:fld>
             <a:endParaRPr lang="en-US"/>
           </a:p>
@@ -6909,7 +6909,7 @@
             <a:fld id="{D6E9E5ED-425F-4E07-BCD6-7E079AD34B1B}" type="datetimeFigureOut">
               <a:rPr lang="en-US" smtClean="0"/>
               <a:pPr/>
-              <a:t>3/14/2013</a:t>
+              <a:t>3/15/2013</a:t>
             </a:fld>
             <a:endParaRPr lang="en-US"/>
           </a:p>
@@ -7328,7 +7328,7 @@
             <a:fld id="{D6E9E5ED-425F-4E07-BCD6-7E079AD34B1B}" type="datetimeFigureOut">
               <a:rPr lang="en-US" smtClean="0"/>
               <a:pPr/>
-              <a:t>3/14/2013</a:t>
+              <a:t>3/15/2013</a:t>
             </a:fld>
             <a:endParaRPr lang="en-US"/>
           </a:p>
@@ -7443,7 +7443,7 @@
             <a:fld id="{D6E9E5ED-425F-4E07-BCD6-7E079AD34B1B}" type="datetimeFigureOut">
               <a:rPr lang="en-US" smtClean="0"/>
               <a:pPr/>
-              <a:t>3/14/2013</a:t>
+              <a:t>3/15/2013</a:t>
             </a:fld>
             <a:endParaRPr lang="en-US"/>
           </a:p>
@@ -7535,7 +7535,7 @@
             <a:fld id="{D6E9E5ED-425F-4E07-BCD6-7E079AD34B1B}" type="datetimeFigureOut">
               <a:rPr lang="en-US" smtClean="0"/>
               <a:pPr/>
-              <a:t>3/14/2013</a:t>
+              <a:t>3/15/2013</a:t>
             </a:fld>
             <a:endParaRPr lang="en-US"/>
           </a:p>
@@ -7809,7 +7809,7 @@
             <a:fld id="{D6E9E5ED-425F-4E07-BCD6-7E079AD34B1B}" type="datetimeFigureOut">
               <a:rPr lang="en-US" smtClean="0"/>
               <a:pPr/>
-              <a:t>3/14/2013</a:t>
+              <a:t>3/15/2013</a:t>
             </a:fld>
             <a:endParaRPr lang="en-US"/>
           </a:p>
@@ -8059,7 +8059,7 @@
             <a:fld id="{D6E9E5ED-425F-4E07-BCD6-7E079AD34B1B}" type="datetimeFigureOut">
               <a:rPr lang="en-US" smtClean="0"/>
               <a:pPr/>
-              <a:t>3/14/2013</a:t>
+              <a:t>3/15/2013</a:t>
             </a:fld>
             <a:endParaRPr lang="en-US"/>
           </a:p>
@@ -8269,7 +8269,7 @@
             <a:fld id="{D6E9E5ED-425F-4E07-BCD6-7E079AD34B1B}" type="datetimeFigureOut">
               <a:rPr lang="en-US" smtClean="0"/>
               <a:pPr/>
-              <a:t>3/14/2013</a:t>
+              <a:t>3/15/2013</a:t>
             </a:fld>
             <a:endParaRPr lang="en-US"/>
           </a:p>
@@ -8834,37 +8834,6 @@
           </a:p>
         </p:txBody>
       </p:sp>
-      <p:sp>
-        <p:nvSpPr>
-          <p:cNvPr id="7" name="TextBox 6"/>
-          <p:cNvSpPr txBox="1"/>
-          <p:nvPr/>
-        </p:nvSpPr>
-        <p:spPr>
-          <a:xfrm>
-            <a:off x="0" y="4648200"/>
-            <a:ext cx="9144000" cy="369332"/>
-          </a:xfrm>
-          <a:prstGeom prst="rect">
-            <a:avLst/>
-          </a:prstGeom>
-          <a:noFill/>
-        </p:spPr>
-        <p:txBody>
-          <a:bodyPr wrap="square" rtlCol="0">
-            <a:spAutoFit/>
-          </a:bodyPr>
-          <a:lstStyle/>
-          <a:p>
-            <a:pPr algn="ctr"/>
-            <a:r>
-              <a:rPr lang="en-US" dirty="0" smtClean="0"/>
-              <a:t>Day 1 – Section 2</a:t>
-            </a:r>
-            <a:endParaRPr lang="en-US" dirty="0"/>
-          </a:p>
-        </p:txBody>
-      </p:sp>
     </p:spTree>
   </p:cSld>
   <p:clrMapOvr>
@@ -9418,7 +9387,7 @@
           <a:blip r:embed="rId5" cstate="print">
             <a:extLst>
               <a:ext uri="{28A0092B-C50C-407E-A947-70E740481C1C}">
-                <a14:useLocalDpi xmlns:a14="http://schemas.microsoft.com/office/drawing/2010/main" xmlns="" val="0"/>
+                <a14:useLocalDpi xmlns="" xmlns:a14="http://schemas.microsoft.com/office/drawing/2010/main" val="0"/>
               </a:ext>
             </a:extLst>
           </a:blip>
@@ -9438,7 +9407,7 @@
           <a:noFill/>
           <a:extLst>
             <a:ext uri="{909E8E84-426E-40DD-AFC4-6F175D3DCCD1}">
-              <a14:hiddenFill xmlns:a14="http://schemas.microsoft.com/office/drawing/2010/main" xmlns="">
+              <a14:hiddenFill xmlns="" xmlns:a14="http://schemas.microsoft.com/office/drawing/2010/main">
                 <a:solidFill>
                   <a:srgbClr val="FFFFFF"/>
                 </a:solidFill>
@@ -9742,7 +9711,7 @@
           <a:blip r:embed="rId5" cstate="print">
             <a:extLst>
               <a:ext uri="{28A0092B-C50C-407E-A947-70E740481C1C}">
-                <a14:useLocalDpi xmlns:a14="http://schemas.microsoft.com/office/drawing/2010/main" xmlns="" val="0"/>
+                <a14:useLocalDpi xmlns="" xmlns:a14="http://schemas.microsoft.com/office/drawing/2010/main" val="0"/>
               </a:ext>
             </a:extLst>
           </a:blip>
@@ -9762,7 +9731,7 @@
           <a:noFill/>
           <a:extLst>
             <a:ext uri="{909E8E84-426E-40DD-AFC4-6F175D3DCCD1}">
-              <a14:hiddenFill xmlns:a14="http://schemas.microsoft.com/office/drawing/2010/main" xmlns="">
+              <a14:hiddenFill xmlns="" xmlns:a14="http://schemas.microsoft.com/office/drawing/2010/main">
                 <a:solidFill>
                   <a:srgbClr val="FFFFFF"/>
                 </a:solidFill>
@@ -10090,11 +10059,7 @@
           <a:p>
             <a:r>
               <a:rPr lang="en-US" sz="3600" dirty="0" smtClean="0"/>
-              <a:t>	</a:t>
-            </a:r>
-            <a:r>
-              <a:rPr lang="en-US" sz="3600" dirty="0" smtClean="0"/>
-              <a:t>Browser, Web Server, Database</a:t>
+              <a:t>	Browser, Web Server, Database</a:t>
             </a:r>
           </a:p>
           <a:p>
@@ -10108,7 +10073,6 @@
               <a:rPr lang="en-US" sz="3600" dirty="0" smtClean="0"/>
               <a:t>Clustering</a:t>
             </a:r>
-            <a:endParaRPr lang="en-US" sz="3600" dirty="0" smtClean="0"/>
           </a:p>
         </p:txBody>
       </p:sp>
@@ -10718,7 +10682,6 @@
               <a:rPr lang="en-US" sz="3600" dirty="0" smtClean="0"/>
               <a:t>Many clients</a:t>
             </a:r>
-            <a:endParaRPr lang="en-US" sz="3600" dirty="0" smtClean="0"/>
           </a:p>
           <a:p>
             <a:r>
@@ -11760,7 +11723,6 @@
               <a:rPr lang="en-US" sz="3600" dirty="0" smtClean="0"/>
               <a:t>Failover</a:t>
             </a:r>
-            <a:endParaRPr lang="en-US" sz="3600" dirty="0" smtClean="0"/>
           </a:p>
           <a:p>
             <a:pPr lvl="0"/>
@@ -11773,22 +11735,14 @@
             <a:pPr lvl="0"/>
             <a:r>
               <a:rPr lang="en-US" sz="3600" dirty="0" smtClean="0"/>
-              <a:t>Distributed </a:t>
-            </a:r>
+              <a:t>Distributed load</a:t>
+            </a:r>
+          </a:p>
+          <a:p>
+            <a:pPr lvl="0"/>
             <a:r>
               <a:rPr lang="en-US" sz="3600" dirty="0" smtClean="0"/>
-              <a:t>load</a:t>
-            </a:r>
-          </a:p>
-          <a:p>
-            <a:pPr lvl="0"/>
-            <a:r>
-              <a:rPr lang="en-US" sz="3600" dirty="0" smtClean="0"/>
-              <a:t>Fault </a:t>
-            </a:r>
-            <a:r>
-              <a:rPr lang="en-US" sz="3600" dirty="0" smtClean="0"/>
-              <a:t>tolerance</a:t>
+              <a:t>Fault tolerance</a:t>
             </a:r>
           </a:p>
           <a:p>
@@ -11797,7 +11751,6 @@
               <a:rPr lang="en-US" sz="3600" dirty="0" smtClean="0"/>
               <a:t>Isolation</a:t>
             </a:r>
-            <a:endParaRPr lang="en-US" sz="3600" dirty="0" smtClean="0"/>
           </a:p>
           <a:p>
             <a:endParaRPr lang="en-US" dirty="0"/>
@@ -12157,7 +12110,7 @@
     </p:spTree>
     <p:extLst>
       <p:ext uri="{BB962C8B-B14F-4D97-AF65-F5344CB8AC3E}">
-        <p14:creationId xmlns:p14="http://schemas.microsoft.com/office/powerpoint/2010/main" xmlns="" val="773758245"/>
+        <p14:creationId xmlns="" xmlns:p14="http://schemas.microsoft.com/office/powerpoint/2010/main" val="773758245"/>
       </p:ext>
     </p:extLst>
   </p:cSld>
